--- a/files/Angular2.pptx
+++ b/files/Angular2.pptx
@@ -5,7 +5,7 @@
     <p:sldMasterId id="2147483648" r:id="rId1"/>
   </p:sldMasterIdLst>
   <p:notesMasterIdLst>
-    <p:notesMasterId r:id="rId12"/>
+    <p:notesMasterId r:id="rId18"/>
   </p:notesMasterIdLst>
   <p:sldIdLst>
     <p:sldId id="257" r:id="rId2"/>
@@ -18,6 +18,12 @@
     <p:sldId id="264" r:id="rId9"/>
     <p:sldId id="265" r:id="rId10"/>
     <p:sldId id="266" r:id="rId11"/>
+    <p:sldId id="267" r:id="rId12"/>
+    <p:sldId id="269" r:id="rId13"/>
+    <p:sldId id="268" r:id="rId14"/>
+    <p:sldId id="270" r:id="rId15"/>
+    <p:sldId id="271" r:id="rId16"/>
+    <p:sldId id="272" r:id="rId17"/>
   </p:sldIdLst>
   <p:sldSz cx="9144000" cy="6858000" type="screen4x3"/>
   <p:notesSz cx="6858000" cy="9144000"/>
@@ -201,7 +207,7 @@
           <a:p>
             <a:fld id="{AD1DCDFA-BF87-4C21-B8FF-C7D869EA008A}" type="datetimeFigureOut">
               <a:rPr lang="zh-CN" altLang="en-US" smtClean="0"/>
-              <a:t>2017/3/14</a:t>
+              <a:t>2017/3/15</a:t>
             </a:fld>
             <a:endParaRPr lang="zh-CN" altLang="en-US"/>
           </a:p>
@@ -1390,7 +1396,7 @@
           <a:p>
             <a:fld id="{530820CF-B880-4189-942D-D702A7CBA730}" type="datetimeFigureOut">
               <a:rPr lang="zh-CN" altLang="en-US" smtClean="0"/>
-              <a:t>2017/3/13</a:t>
+              <a:t>2017/3/15</a:t>
             </a:fld>
             <a:endParaRPr lang="zh-CN" altLang="en-US"/>
           </a:p>
@@ -1555,7 +1561,7 @@
           <a:p>
             <a:fld id="{530820CF-B880-4189-942D-D702A7CBA730}" type="datetimeFigureOut">
               <a:rPr lang="zh-CN" altLang="en-US" smtClean="0"/>
-              <a:t>2017/3/13</a:t>
+              <a:t>2017/3/15</a:t>
             </a:fld>
             <a:endParaRPr lang="zh-CN" altLang="en-US"/>
           </a:p>
@@ -1730,7 +1736,7 @@
           <a:p>
             <a:fld id="{530820CF-B880-4189-942D-D702A7CBA730}" type="datetimeFigureOut">
               <a:rPr lang="zh-CN" altLang="en-US" smtClean="0"/>
-              <a:t>2017/3/13</a:t>
+              <a:t>2017/3/15</a:t>
             </a:fld>
             <a:endParaRPr lang="zh-CN" altLang="en-US"/>
           </a:p>
@@ -1895,7 +1901,7 @@
           <a:p>
             <a:fld id="{530820CF-B880-4189-942D-D702A7CBA730}" type="datetimeFigureOut">
               <a:rPr lang="zh-CN" altLang="en-US" smtClean="0"/>
-              <a:t>2017/3/13</a:t>
+              <a:t>2017/3/15</a:t>
             </a:fld>
             <a:endParaRPr lang="zh-CN" altLang="en-US"/>
           </a:p>
@@ -2136,7 +2142,7 @@
           <a:p>
             <a:fld id="{530820CF-B880-4189-942D-D702A7CBA730}" type="datetimeFigureOut">
               <a:rPr lang="zh-CN" altLang="en-US" smtClean="0"/>
-              <a:t>2017/3/13</a:t>
+              <a:t>2017/3/15</a:t>
             </a:fld>
             <a:endParaRPr lang="zh-CN" altLang="en-US"/>
           </a:p>
@@ -2419,7 +2425,7 @@
           <a:p>
             <a:fld id="{530820CF-B880-4189-942D-D702A7CBA730}" type="datetimeFigureOut">
               <a:rPr lang="zh-CN" altLang="en-US" smtClean="0"/>
-              <a:t>2017/3/13</a:t>
+              <a:t>2017/3/15</a:t>
             </a:fld>
             <a:endParaRPr lang="zh-CN" altLang="en-US"/>
           </a:p>
@@ -2836,7 +2842,7 @@
           <a:p>
             <a:fld id="{530820CF-B880-4189-942D-D702A7CBA730}" type="datetimeFigureOut">
               <a:rPr lang="zh-CN" altLang="en-US" smtClean="0"/>
-              <a:t>2017/3/13</a:t>
+              <a:t>2017/3/15</a:t>
             </a:fld>
             <a:endParaRPr lang="zh-CN" altLang="en-US"/>
           </a:p>
@@ -2949,7 +2955,7 @@
           <a:p>
             <a:fld id="{530820CF-B880-4189-942D-D702A7CBA730}" type="datetimeFigureOut">
               <a:rPr lang="zh-CN" altLang="en-US" smtClean="0"/>
-              <a:t>2017/3/13</a:t>
+              <a:t>2017/3/15</a:t>
             </a:fld>
             <a:endParaRPr lang="zh-CN" altLang="en-US"/>
           </a:p>
@@ -3039,7 +3045,7 @@
           <a:p>
             <a:fld id="{530820CF-B880-4189-942D-D702A7CBA730}" type="datetimeFigureOut">
               <a:rPr lang="zh-CN" altLang="en-US" smtClean="0"/>
-              <a:t>2017/3/13</a:t>
+              <a:t>2017/3/15</a:t>
             </a:fld>
             <a:endParaRPr lang="zh-CN" altLang="en-US"/>
           </a:p>
@@ -3311,7 +3317,7 @@
           <a:p>
             <a:fld id="{530820CF-B880-4189-942D-D702A7CBA730}" type="datetimeFigureOut">
               <a:rPr lang="zh-CN" altLang="en-US" smtClean="0"/>
-              <a:t>2017/3/13</a:t>
+              <a:t>2017/3/15</a:t>
             </a:fld>
             <a:endParaRPr lang="zh-CN" altLang="en-US"/>
           </a:p>
@@ -3559,7 +3565,7 @@
           <a:p>
             <a:fld id="{530820CF-B880-4189-942D-D702A7CBA730}" type="datetimeFigureOut">
               <a:rPr lang="zh-CN" altLang="en-US" smtClean="0"/>
-              <a:t>2017/3/13</a:t>
+              <a:t>2017/3/15</a:t>
             </a:fld>
             <a:endParaRPr lang="zh-CN" altLang="en-US"/>
           </a:p>
@@ -3767,7 +3773,7 @@
           <a:p>
             <a:fld id="{530820CF-B880-4189-942D-D702A7CBA730}" type="datetimeFigureOut">
               <a:rPr lang="zh-CN" altLang="en-US" smtClean="0"/>
-              <a:t>2017/3/13</a:t>
+              <a:t>2017/3/15</a:t>
             </a:fld>
             <a:endParaRPr lang="zh-CN" altLang="en-US"/>
           </a:p>
@@ -4409,6 +4415,623 @@
       </p:par>
     </p:tnLst>
   </p:timing>
+</p:sld>
+</file>
+
+<file path=ppt/slides/slide11.xml><?xml version="1.0" encoding="utf-8"?>
+<p:sld xmlns:a="http://schemas.openxmlformats.org/drawingml/2006/main" xmlns:r="http://schemas.openxmlformats.org/officeDocument/2006/relationships" xmlns:p="http://schemas.openxmlformats.org/presentationml/2006/main">
+  <p:cSld>
+    <p:spTree>
+      <p:nvGrpSpPr>
+        <p:cNvPr id="1" name=""/>
+        <p:cNvGrpSpPr/>
+        <p:nvPr/>
+      </p:nvGrpSpPr>
+      <p:grpSpPr>
+        <a:xfrm>
+          <a:off x="0" y="0"/>
+          <a:ext cx="0" cy="0"/>
+          <a:chOff x="0" y="0"/>
+          <a:chExt cx="0" cy="0"/>
+        </a:xfrm>
+      </p:grpSpPr>
+      <p:sp>
+        <p:nvSpPr>
+          <p:cNvPr id="2" name="标题 1"/>
+          <p:cNvSpPr>
+            <a:spLocks noGrp="1"/>
+          </p:cNvSpPr>
+          <p:nvPr>
+            <p:ph type="title"/>
+          </p:nvPr>
+        </p:nvSpPr>
+        <p:spPr/>
+        <p:txBody>
+          <a:bodyPr/>
+          <a:lstStyle/>
+          <a:p>
+            <a:r>
+              <a:rPr lang="zh-CN" altLang="en-US" dirty="0" smtClean="0"/>
+              <a:t>调试引入的外部组件</a:t>
+            </a:r>
+            <a:endParaRPr lang="zh-CN" altLang="en-US" dirty="0"/>
+          </a:p>
+        </p:txBody>
+      </p:sp>
+      <p:sp>
+        <p:nvSpPr>
+          <p:cNvPr id="3" name="内容占位符 2"/>
+          <p:cNvSpPr>
+            <a:spLocks noGrp="1"/>
+          </p:cNvSpPr>
+          <p:nvPr>
+            <p:ph idx="1"/>
+          </p:nvPr>
+        </p:nvSpPr>
+        <p:spPr/>
+        <p:txBody>
+          <a:bodyPr/>
+          <a:lstStyle/>
+          <a:p>
+            <a:endParaRPr lang="zh-CN" altLang="en-US" dirty="0"/>
+          </a:p>
+        </p:txBody>
+      </p:sp>
+    </p:spTree>
+    <p:extLst>
+      <p:ext uri="{BB962C8B-B14F-4D97-AF65-F5344CB8AC3E}">
+        <p14:creationId xmlns:p14="http://schemas.microsoft.com/office/powerpoint/2010/main" val="1657520850"/>
+      </p:ext>
+    </p:extLst>
+  </p:cSld>
+  <p:clrMapOvr>
+    <a:masterClrMapping/>
+  </p:clrMapOvr>
+</p:sld>
+</file>
+
+<file path=ppt/slides/slide12.xml><?xml version="1.0" encoding="utf-8"?>
+<p:sld xmlns:a="http://schemas.openxmlformats.org/drawingml/2006/main" xmlns:r="http://schemas.openxmlformats.org/officeDocument/2006/relationships" xmlns:p="http://schemas.openxmlformats.org/presentationml/2006/main">
+  <p:cSld>
+    <p:spTree>
+      <p:nvGrpSpPr>
+        <p:cNvPr id="1" name=""/>
+        <p:cNvGrpSpPr/>
+        <p:nvPr/>
+      </p:nvGrpSpPr>
+      <p:grpSpPr>
+        <a:xfrm>
+          <a:off x="0" y="0"/>
+          <a:ext cx="0" cy="0"/>
+          <a:chOff x="0" y="0"/>
+          <a:chExt cx="0" cy="0"/>
+        </a:xfrm>
+      </p:grpSpPr>
+      <p:sp>
+        <p:nvSpPr>
+          <p:cNvPr id="2" name="标题 1"/>
+          <p:cNvSpPr>
+            <a:spLocks noGrp="1"/>
+          </p:cNvSpPr>
+          <p:nvPr>
+            <p:ph type="title"/>
+          </p:nvPr>
+        </p:nvSpPr>
+        <p:spPr/>
+        <p:txBody>
+          <a:bodyPr/>
+          <a:lstStyle/>
+          <a:p>
+            <a:r>
+              <a:rPr lang="zh-CN" altLang="en-US" dirty="0" smtClean="0"/>
+              <a:t>调试</a:t>
+            </a:r>
+            <a:r>
+              <a:rPr lang="en-US" altLang="zh-CN" dirty="0" smtClean="0"/>
+              <a:t>angular2</a:t>
+            </a:r>
+            <a:r>
+              <a:rPr lang="zh-CN" altLang="en-US" dirty="0" smtClean="0"/>
+              <a:t>源码</a:t>
+            </a:r>
+            <a:endParaRPr lang="zh-CN" altLang="en-US" dirty="0"/>
+          </a:p>
+        </p:txBody>
+      </p:sp>
+      <p:sp>
+        <p:nvSpPr>
+          <p:cNvPr id="3" name="内容占位符 2"/>
+          <p:cNvSpPr>
+            <a:spLocks noGrp="1"/>
+          </p:cNvSpPr>
+          <p:nvPr>
+            <p:ph idx="1"/>
+          </p:nvPr>
+        </p:nvSpPr>
+        <p:spPr/>
+        <p:txBody>
+          <a:bodyPr/>
+          <a:lstStyle/>
+          <a:p>
+            <a:endParaRPr lang="zh-CN" altLang="en-US" dirty="0"/>
+          </a:p>
+        </p:txBody>
+      </p:sp>
+    </p:spTree>
+    <p:extLst>
+      <p:ext uri="{BB962C8B-B14F-4D97-AF65-F5344CB8AC3E}">
+        <p14:creationId xmlns:p14="http://schemas.microsoft.com/office/powerpoint/2010/main" val="232245326"/>
+      </p:ext>
+    </p:extLst>
+  </p:cSld>
+  <p:clrMapOvr>
+    <a:masterClrMapping/>
+  </p:clrMapOvr>
+</p:sld>
+</file>
+
+<file path=ppt/slides/slide13.xml><?xml version="1.0" encoding="utf-8"?>
+<p:sld xmlns:a="http://schemas.openxmlformats.org/drawingml/2006/main" xmlns:r="http://schemas.openxmlformats.org/officeDocument/2006/relationships" xmlns:p="http://schemas.openxmlformats.org/presentationml/2006/main">
+  <p:cSld>
+    <p:spTree>
+      <p:nvGrpSpPr>
+        <p:cNvPr id="1" name=""/>
+        <p:cNvGrpSpPr/>
+        <p:nvPr/>
+      </p:nvGrpSpPr>
+      <p:grpSpPr>
+        <a:xfrm>
+          <a:off x="0" y="0"/>
+          <a:ext cx="0" cy="0"/>
+          <a:chOff x="0" y="0"/>
+          <a:chExt cx="0" cy="0"/>
+        </a:xfrm>
+      </p:grpSpPr>
+      <p:sp>
+        <p:nvSpPr>
+          <p:cNvPr id="2" name="标题 1"/>
+          <p:cNvSpPr>
+            <a:spLocks noGrp="1"/>
+          </p:cNvSpPr>
+          <p:nvPr>
+            <p:ph type="title"/>
+          </p:nvPr>
+        </p:nvSpPr>
+        <p:spPr/>
+        <p:txBody>
+          <a:bodyPr>
+            <a:normAutofit fontScale="90000"/>
+          </a:bodyPr>
+          <a:lstStyle/>
+          <a:p>
+            <a:r>
+              <a:rPr lang="en-US" altLang="zh-CN" dirty="0" err="1" smtClean="0"/>
+              <a:t>Webstorm</a:t>
+            </a:r>
+            <a:r>
+              <a:rPr lang="zh-CN" altLang="en-US" dirty="0" smtClean="0"/>
+              <a:t>中设置全局</a:t>
+            </a:r>
+            <a:r>
+              <a:rPr lang="en-US" altLang="zh-CN" dirty="0" smtClean="0"/>
+              <a:t>typescript</a:t>
+            </a:r>
+            <a:r>
+              <a:rPr lang="zh-CN" altLang="en-US" dirty="0" smtClean="0"/>
+              <a:t>版本</a:t>
+            </a:r>
+            <a:endParaRPr lang="zh-CN" altLang="en-US" dirty="0"/>
+          </a:p>
+        </p:txBody>
+      </p:sp>
+      <p:sp>
+        <p:nvSpPr>
+          <p:cNvPr id="3" name="内容占位符 2"/>
+          <p:cNvSpPr>
+            <a:spLocks noGrp="1"/>
+          </p:cNvSpPr>
+          <p:nvPr>
+            <p:ph idx="1"/>
+          </p:nvPr>
+        </p:nvSpPr>
+        <p:spPr/>
+        <p:txBody>
+          <a:bodyPr/>
+          <a:lstStyle/>
+          <a:p>
+            <a:r>
+              <a:rPr lang="zh-CN" altLang="en-US" dirty="0" smtClean="0"/>
+              <a:t>为什么要设置</a:t>
+            </a:r>
+            <a:r>
+              <a:rPr lang="en-US" altLang="zh-CN" dirty="0" err="1" smtClean="0"/>
+              <a:t>typesript</a:t>
+            </a:r>
+            <a:r>
+              <a:rPr lang="zh-CN" altLang="en-US" dirty="0" smtClean="0"/>
+              <a:t>的版本</a:t>
+            </a:r>
+            <a:r>
+              <a:rPr lang="en-US" altLang="zh-CN" dirty="0">
+                <a:hlinkClick r:id="rId2"/>
+              </a:rPr>
+              <a:t>https://</a:t>
+            </a:r>
+            <a:r>
+              <a:rPr lang="en-US" altLang="zh-CN" dirty="0" smtClean="0">
+                <a:hlinkClick r:id="rId2"/>
+              </a:rPr>
+              <a:t>github.com/Microsoft/TypeScript/wiki/What's-new-in-TypeScript#module-identifiers-allow-for-js-extension</a:t>
+            </a:r>
+            <a:endParaRPr lang="en-US" altLang="zh-CN" dirty="0" smtClean="0"/>
+          </a:p>
+          <a:p>
+            <a:endParaRPr lang="zh-CN" altLang="en-US" dirty="0"/>
+          </a:p>
+        </p:txBody>
+      </p:sp>
+    </p:spTree>
+    <p:extLst>
+      <p:ext uri="{BB962C8B-B14F-4D97-AF65-F5344CB8AC3E}">
+        <p14:creationId xmlns:p14="http://schemas.microsoft.com/office/powerpoint/2010/main" val="3359938326"/>
+      </p:ext>
+    </p:extLst>
+  </p:cSld>
+  <p:clrMapOvr>
+    <a:masterClrMapping/>
+  </p:clrMapOvr>
+</p:sld>
+</file>
+
+<file path=ppt/slides/slide14.xml><?xml version="1.0" encoding="utf-8"?>
+<p:sld xmlns:a="http://schemas.openxmlformats.org/drawingml/2006/main" xmlns:r="http://schemas.openxmlformats.org/officeDocument/2006/relationships" xmlns:p="http://schemas.openxmlformats.org/presentationml/2006/main">
+  <p:cSld>
+    <p:spTree>
+      <p:nvGrpSpPr>
+        <p:cNvPr id="1" name=""/>
+        <p:cNvGrpSpPr/>
+        <p:nvPr/>
+      </p:nvGrpSpPr>
+      <p:grpSpPr>
+        <a:xfrm>
+          <a:off x="0" y="0"/>
+          <a:ext cx="0" cy="0"/>
+          <a:chOff x="0" y="0"/>
+          <a:chExt cx="0" cy="0"/>
+        </a:xfrm>
+      </p:grpSpPr>
+      <p:sp>
+        <p:nvSpPr>
+          <p:cNvPr id="2" name="标题 1"/>
+          <p:cNvSpPr>
+            <a:spLocks noGrp="1"/>
+          </p:cNvSpPr>
+          <p:nvPr>
+            <p:ph type="title"/>
+          </p:nvPr>
+        </p:nvSpPr>
+        <p:spPr/>
+        <p:txBody>
+          <a:bodyPr/>
+          <a:lstStyle/>
+          <a:p>
+            <a:r>
+              <a:rPr lang="zh-CN" altLang="en-US" dirty="0" smtClean="0"/>
+              <a:t>为什么使用</a:t>
+            </a:r>
+            <a:r>
+              <a:rPr lang="en-US" altLang="zh-CN" dirty="0" smtClean="0"/>
+              <a:t>UMD</a:t>
+            </a:r>
+            <a:r>
+              <a:rPr lang="zh-CN" altLang="en-US" dirty="0" smtClean="0"/>
+              <a:t>加载模块</a:t>
+            </a:r>
+            <a:endParaRPr lang="zh-CN" altLang="en-US" dirty="0"/>
+          </a:p>
+        </p:txBody>
+      </p:sp>
+      <p:sp>
+        <p:nvSpPr>
+          <p:cNvPr id="3" name="内容占位符 2"/>
+          <p:cNvSpPr>
+            <a:spLocks noGrp="1"/>
+          </p:cNvSpPr>
+          <p:nvPr>
+            <p:ph idx="1"/>
+          </p:nvPr>
+        </p:nvSpPr>
+        <p:spPr/>
+        <p:txBody>
+          <a:bodyPr/>
+          <a:lstStyle/>
+          <a:p>
+            <a:endParaRPr lang="zh-CN" altLang="en-US"/>
+          </a:p>
+        </p:txBody>
+      </p:sp>
+    </p:spTree>
+    <p:extLst>
+      <p:ext uri="{BB962C8B-B14F-4D97-AF65-F5344CB8AC3E}">
+        <p14:creationId xmlns:p14="http://schemas.microsoft.com/office/powerpoint/2010/main" val="2445257959"/>
+      </p:ext>
+    </p:extLst>
+  </p:cSld>
+  <p:clrMapOvr>
+    <a:masterClrMapping/>
+  </p:clrMapOvr>
+</p:sld>
+</file>
+
+<file path=ppt/slides/slide15.xml><?xml version="1.0" encoding="utf-8"?>
+<p:sld xmlns:a="http://schemas.openxmlformats.org/drawingml/2006/main" xmlns:r="http://schemas.openxmlformats.org/officeDocument/2006/relationships" xmlns:p="http://schemas.openxmlformats.org/presentationml/2006/main">
+  <p:cSld>
+    <p:spTree>
+      <p:nvGrpSpPr>
+        <p:cNvPr id="1" name=""/>
+        <p:cNvGrpSpPr/>
+        <p:nvPr/>
+      </p:nvGrpSpPr>
+      <p:grpSpPr>
+        <a:xfrm>
+          <a:off x="0" y="0"/>
+          <a:ext cx="0" cy="0"/>
+          <a:chOff x="0" y="0"/>
+          <a:chExt cx="0" cy="0"/>
+        </a:xfrm>
+      </p:grpSpPr>
+      <p:sp>
+        <p:nvSpPr>
+          <p:cNvPr id="2" name="标题 1"/>
+          <p:cNvSpPr>
+            <a:spLocks noGrp="1"/>
+          </p:cNvSpPr>
+          <p:nvPr>
+            <p:ph type="title"/>
+          </p:nvPr>
+        </p:nvSpPr>
+        <p:spPr/>
+        <p:txBody>
+          <a:bodyPr/>
+          <a:lstStyle/>
+          <a:p>
+            <a:r>
+              <a:rPr lang="zh-CN" altLang="en-US" dirty="0" smtClean="0"/>
+              <a:t>子组件和父组件共享服务</a:t>
+            </a:r>
+            <a:endParaRPr lang="zh-CN" altLang="en-US" dirty="0"/>
+          </a:p>
+        </p:txBody>
+      </p:sp>
+      <p:sp>
+        <p:nvSpPr>
+          <p:cNvPr id="3" name="内容占位符 2"/>
+          <p:cNvSpPr>
+            <a:spLocks noGrp="1"/>
+          </p:cNvSpPr>
+          <p:nvPr>
+            <p:ph idx="1"/>
+          </p:nvPr>
+        </p:nvSpPr>
+        <p:spPr/>
+        <p:txBody>
+          <a:bodyPr/>
+          <a:lstStyle/>
+          <a:p>
+            <a:endParaRPr lang="zh-CN" altLang="en-US" dirty="0"/>
+          </a:p>
+        </p:txBody>
+      </p:sp>
+      <p:pic>
+        <p:nvPicPr>
+          <p:cNvPr id="1027" name="Picture 3"/>
+          <p:cNvPicPr>
+            <a:picLocks noChangeAspect="1" noChangeArrowheads="1"/>
+          </p:cNvPicPr>
+          <p:nvPr/>
+        </p:nvPicPr>
+        <p:blipFill>
+          <a:blip r:embed="rId2">
+            <a:extLst>
+              <a:ext uri="{28A0092B-C50C-407E-A947-70E740481C1C}">
+                <a14:useLocalDpi xmlns:a14="http://schemas.microsoft.com/office/drawing/2010/main" val="0"/>
+              </a:ext>
+            </a:extLst>
+          </a:blip>
+          <a:srcRect/>
+          <a:stretch>
+            <a:fillRect/>
+          </a:stretch>
+        </p:blipFill>
+        <p:spPr bwMode="auto">
+          <a:xfrm>
+            <a:off x="4926959" y="2093900"/>
+            <a:ext cx="3672408" cy="2361944"/>
+          </a:xfrm>
+          <a:prstGeom prst="rect">
+            <a:avLst/>
+          </a:prstGeom>
+          <a:noFill/>
+          <a:ln>
+            <a:noFill/>
+          </a:ln>
+          <a:effectLst/>
+          <a:extLst>
+            <a:ext uri="{909E8E84-426E-40DD-AFC4-6F175D3DCCD1}">
+              <a14:hiddenFill xmlns:a14="http://schemas.microsoft.com/office/drawing/2010/main">
+                <a:solidFill>
+                  <a:schemeClr val="accent1"/>
+                </a:solidFill>
+              </a14:hiddenFill>
+            </a:ext>
+            <a:ext uri="{91240B29-F687-4F45-9708-019B960494DF}">
+              <a14:hiddenLine xmlns:a14="http://schemas.microsoft.com/office/drawing/2010/main" w="9525">
+                <a:solidFill>
+                  <a:schemeClr val="tx1"/>
+                </a:solidFill>
+                <a:miter lim="800000"/>
+                <a:headEnd/>
+                <a:tailEnd/>
+              </a14:hiddenLine>
+            </a:ext>
+            <a:ext uri="{AF507438-7753-43E0-B8FC-AC1667EBCBE1}">
+              <a14:hiddenEffects xmlns:a14="http://schemas.microsoft.com/office/drawing/2010/main">
+                <a:effectLst>
+                  <a:outerShdw dist="35921" dir="2700000" algn="ctr" rotWithShape="0">
+                    <a:schemeClr val="bg2"/>
+                  </a:outerShdw>
+                </a:effectLst>
+              </a14:hiddenEffects>
+            </a:ext>
+          </a:extLst>
+        </p:spPr>
+      </p:pic>
+      <p:pic>
+        <p:nvPicPr>
+          <p:cNvPr id="1028" name="Picture 4"/>
+          <p:cNvPicPr>
+            <a:picLocks noChangeAspect="1" noChangeArrowheads="1"/>
+          </p:cNvPicPr>
+          <p:nvPr/>
+        </p:nvPicPr>
+        <p:blipFill>
+          <a:blip r:embed="rId3">
+            <a:extLst>
+              <a:ext uri="{28A0092B-C50C-407E-A947-70E740481C1C}">
+                <a14:useLocalDpi xmlns:a14="http://schemas.microsoft.com/office/drawing/2010/main" val="0"/>
+              </a:ext>
+            </a:extLst>
+          </a:blip>
+          <a:srcRect/>
+          <a:stretch>
+            <a:fillRect/>
+          </a:stretch>
+        </p:blipFill>
+        <p:spPr bwMode="auto">
+          <a:xfrm>
+            <a:off x="251520" y="2255352"/>
+            <a:ext cx="4296147" cy="2030294"/>
+          </a:xfrm>
+          <a:prstGeom prst="rect">
+            <a:avLst/>
+          </a:prstGeom>
+          <a:noFill/>
+          <a:ln>
+            <a:noFill/>
+          </a:ln>
+          <a:effectLst/>
+          <a:extLst>
+            <a:ext uri="{909E8E84-426E-40DD-AFC4-6F175D3DCCD1}">
+              <a14:hiddenFill xmlns:a14="http://schemas.microsoft.com/office/drawing/2010/main">
+                <a:solidFill>
+                  <a:schemeClr val="accent1"/>
+                </a:solidFill>
+              </a14:hiddenFill>
+            </a:ext>
+            <a:ext uri="{91240B29-F687-4F45-9708-019B960494DF}">
+              <a14:hiddenLine xmlns:a14="http://schemas.microsoft.com/office/drawing/2010/main" w="9525">
+                <a:solidFill>
+                  <a:schemeClr val="tx1"/>
+                </a:solidFill>
+                <a:miter lim="800000"/>
+                <a:headEnd/>
+                <a:tailEnd/>
+              </a14:hiddenLine>
+            </a:ext>
+            <a:ext uri="{AF507438-7753-43E0-B8FC-AC1667EBCBE1}">
+              <a14:hiddenEffects xmlns:a14="http://schemas.microsoft.com/office/drawing/2010/main">
+                <a:effectLst>
+                  <a:outerShdw dist="35921" dir="2700000" algn="ctr" rotWithShape="0">
+                    <a:schemeClr val="bg2"/>
+                  </a:outerShdw>
+                </a:effectLst>
+              </a14:hiddenEffects>
+            </a:ext>
+          </a:extLst>
+        </p:spPr>
+      </p:pic>
+    </p:spTree>
+    <p:extLst>
+      <p:ext uri="{BB962C8B-B14F-4D97-AF65-F5344CB8AC3E}">
+        <p14:creationId xmlns:p14="http://schemas.microsoft.com/office/powerpoint/2010/main" val="1146730532"/>
+      </p:ext>
+    </p:extLst>
+  </p:cSld>
+  <p:clrMapOvr>
+    <a:masterClrMapping/>
+  </p:clrMapOvr>
+</p:sld>
+</file>
+
+<file path=ppt/slides/slide16.xml><?xml version="1.0" encoding="utf-8"?>
+<p:sld xmlns:a="http://schemas.openxmlformats.org/drawingml/2006/main" xmlns:r="http://schemas.openxmlformats.org/officeDocument/2006/relationships" xmlns:p="http://schemas.openxmlformats.org/presentationml/2006/main">
+  <p:cSld>
+    <p:spTree>
+      <p:nvGrpSpPr>
+        <p:cNvPr id="1" name=""/>
+        <p:cNvGrpSpPr/>
+        <p:nvPr/>
+      </p:nvGrpSpPr>
+      <p:grpSpPr>
+        <a:xfrm>
+          <a:off x="0" y="0"/>
+          <a:ext cx="0" cy="0"/>
+          <a:chOff x="0" y="0"/>
+          <a:chExt cx="0" cy="0"/>
+        </a:xfrm>
+      </p:grpSpPr>
+      <p:sp>
+        <p:nvSpPr>
+          <p:cNvPr id="2" name="标题 1"/>
+          <p:cNvSpPr>
+            <a:spLocks noGrp="1"/>
+          </p:cNvSpPr>
+          <p:nvPr>
+            <p:ph type="title"/>
+          </p:nvPr>
+        </p:nvSpPr>
+        <p:spPr/>
+        <p:txBody>
+          <a:bodyPr/>
+          <a:lstStyle/>
+          <a:p>
+            <a:r>
+              <a:rPr lang="zh-CN" altLang="en-US" dirty="0" smtClean="0"/>
+              <a:t>父组件与子组件通信</a:t>
+            </a:r>
+            <a:endParaRPr lang="zh-CN" altLang="en-US" dirty="0"/>
+          </a:p>
+        </p:txBody>
+      </p:sp>
+      <p:sp>
+        <p:nvSpPr>
+          <p:cNvPr id="3" name="内容占位符 2"/>
+          <p:cNvSpPr>
+            <a:spLocks noGrp="1"/>
+          </p:cNvSpPr>
+          <p:nvPr>
+            <p:ph idx="1"/>
+          </p:nvPr>
+        </p:nvSpPr>
+        <p:spPr/>
+        <p:txBody>
+          <a:bodyPr/>
+          <a:lstStyle/>
+          <a:p>
+            <a:endParaRPr lang="zh-CN" altLang="en-US"/>
+          </a:p>
+        </p:txBody>
+      </p:sp>
+    </p:spTree>
+    <p:extLst>
+      <p:ext uri="{BB962C8B-B14F-4D97-AF65-F5344CB8AC3E}">
+        <p14:creationId xmlns:p14="http://schemas.microsoft.com/office/powerpoint/2010/main" val="1220962353"/>
+      </p:ext>
+    </p:extLst>
+  </p:cSld>
+  <p:clrMapOvr>
+    <a:masterClrMapping/>
+  </p:clrMapOvr>
 </p:sld>
 </file>
 

--- a/files/Angular2.pptx
+++ b/files/Angular2.pptx
@@ -5,7 +5,7 @@
     <p:sldMasterId id="2147483648" r:id="rId1"/>
   </p:sldMasterIdLst>
   <p:notesMasterIdLst>
-    <p:notesMasterId r:id="rId18"/>
+    <p:notesMasterId r:id="rId19"/>
   </p:notesMasterIdLst>
   <p:sldIdLst>
     <p:sldId id="257" r:id="rId2"/>
@@ -24,6 +24,7 @@
     <p:sldId id="270" r:id="rId15"/>
     <p:sldId id="271" r:id="rId16"/>
     <p:sldId id="272" r:id="rId17"/>
+    <p:sldId id="273" r:id="rId18"/>
   </p:sldIdLst>
   <p:sldSz cx="9144000" cy="6858000" type="screen4x3"/>
   <p:notesSz cx="6858000" cy="9144000"/>
@@ -122,6 +123,22 @@
       </a:defRPr>
     </a:lvl9pPr>
   </p:defaultTextStyle>
+  <p:extLst>
+    <p:ext uri="{EFAFB233-063F-42B5-8137-9DF3F51BA10A}">
+      <p15:sldGuideLst xmlns:p15="http://schemas.microsoft.com/office/powerpoint/2012/main">
+        <p15:guide id="1" orient="horz" pos="2160">
+          <p15:clr>
+            <a:srgbClr val="A4A3A4"/>
+          </p15:clr>
+        </p15:guide>
+        <p15:guide id="2" pos="2880">
+          <p15:clr>
+            <a:srgbClr val="A4A3A4"/>
+          </p15:clr>
+        </p15:guide>
+      </p15:sldGuideLst>
+    </p:ext>
+  </p:extLst>
 </p:presentation>
 </file>
 
@@ -271,38 +288,37 @@
           <a:p>
             <a:pPr lvl="0"/>
             <a:r>
-              <a:rPr lang="zh-CN" altLang="en-US" smtClean="0"/>
+              <a:rPr lang="zh-CN" altLang="en-US"/>
               <a:t>单击此处编辑母版文本样式</a:t>
             </a:r>
           </a:p>
           <a:p>
             <a:pPr lvl="1"/>
             <a:r>
-              <a:rPr lang="zh-CN" altLang="en-US" smtClean="0"/>
+              <a:rPr lang="zh-CN" altLang="en-US"/>
               <a:t>第二级</a:t>
             </a:r>
           </a:p>
           <a:p>
             <a:pPr lvl="2"/>
             <a:r>
-              <a:rPr lang="zh-CN" altLang="en-US" smtClean="0"/>
+              <a:rPr lang="zh-CN" altLang="en-US"/>
               <a:t>第三级</a:t>
             </a:r>
           </a:p>
           <a:p>
             <a:pPr lvl="3"/>
             <a:r>
-              <a:rPr lang="zh-CN" altLang="en-US" smtClean="0"/>
+              <a:rPr lang="zh-CN" altLang="en-US"/>
               <a:t>第四级</a:t>
             </a:r>
           </a:p>
           <a:p>
             <a:pPr lvl="4"/>
             <a:r>
-              <a:rPr lang="zh-CN" altLang="en-US" smtClean="0"/>
+              <a:rPr lang="zh-CN" altLang="en-US"/>
               <a:t>第五级</a:t>
             </a:r>
-            <a:endParaRPr lang="zh-CN" altLang="en-US"/>
           </a:p>
         </p:txBody>
       </p:sp>
@@ -621,26 +637,26 @@
               <a:defRPr/>
             </a:pPr>
             <a:r>
-              <a:rPr lang="zh-CN" altLang="en-US" dirty="0" smtClean="0"/>
+              <a:rPr lang="zh-CN" altLang="en-US" dirty="0"/>
               <a:t>点击</a:t>
             </a:r>
             <a:r>
-              <a:rPr lang="en-US" altLang="zh-CN" dirty="0" smtClean="0"/>
+              <a:rPr lang="en-US" altLang="zh-CN" dirty="0"/>
               <a:t>view</a:t>
             </a:r>
             <a:r>
-              <a:rPr lang="zh-CN" altLang="en-US" dirty="0" smtClean="0"/>
+              <a:rPr lang="zh-CN" altLang="en-US" dirty="0"/>
               <a:t>上的超链接，虽然视图和</a:t>
             </a:r>
             <a:r>
-              <a:rPr lang="en-US" altLang="zh-CN" dirty="0" err="1" smtClean="0"/>
+              <a:rPr lang="en-US" altLang="zh-CN" dirty="0" err="1"/>
               <a:t>url</a:t>
             </a:r>
             <a:r>
-              <a:rPr lang="zh-CN" altLang="en-US" dirty="0" smtClean="0"/>
+              <a:rPr lang="zh-CN" altLang="en-US" dirty="0"/>
               <a:t>地址变化，但没有请求后台页面，也就是说后台服务器上其实并没有这样的路径</a:t>
             </a:r>
-            <a:endParaRPr lang="en-US" altLang="zh-CN" dirty="0" smtClean="0"/>
+            <a:endParaRPr lang="en-US" altLang="zh-CN" dirty="0"/>
           </a:p>
           <a:p>
             <a:pPr marL="228600" marR="0" indent="-228600" algn="l" defTabSz="914400" rtl="0" eaLnBrk="1" fontAlgn="auto" latinLnBrk="0" hangingPunct="1">
@@ -661,7 +677,7 @@
               <a:defRPr/>
             </a:pPr>
             <a:r>
-              <a:rPr lang="en-US" altLang="zh-CN" sz="1200" b="0" i="0" kern="1200" dirty="0" smtClean="0">
+              <a:rPr lang="en-US" altLang="zh-CN" sz="1200" b="0" i="0" kern="1200" dirty="0">
                 <a:solidFill>
                   <a:schemeClr val="tx1"/>
                 </a:solidFill>
@@ -673,7 +689,7 @@
               <a:t>Angular2</a:t>
             </a:r>
             <a:r>
-              <a:rPr lang="zh-CN" altLang="en-US" sz="1200" b="0" i="0" kern="1200" dirty="0" smtClean="0">
+              <a:rPr lang="zh-CN" altLang="en-US" sz="1200" b="0" i="0" kern="1200" dirty="0">
                 <a:solidFill>
                   <a:schemeClr val="tx1"/>
                 </a:solidFill>
@@ -685,7 +701,7 @@
               <a:t>中的路由实现是现代</a:t>
             </a:r>
             <a:r>
-              <a:rPr lang="en-US" altLang="zh-CN" sz="1200" b="0" i="0" kern="1200" dirty="0" smtClean="0">
+              <a:rPr lang="en-US" altLang="zh-CN" sz="1200" b="0" i="0" kern="1200" dirty="0">
                 <a:solidFill>
                   <a:schemeClr val="tx1"/>
                 </a:solidFill>
@@ -697,7 +713,7 @@
               <a:t>HTML 5</a:t>
             </a:r>
             <a:r>
-              <a:rPr lang="zh-CN" altLang="en-US" sz="1200" b="0" i="0" kern="1200" dirty="0" smtClean="0">
+              <a:rPr lang="zh-CN" altLang="en-US" sz="1200" b="0" i="0" kern="1200" dirty="0">
                 <a:solidFill>
                   <a:schemeClr val="tx1"/>
                 </a:solidFill>
@@ -709,7 +725,7 @@
               <a:t>浏览器支持</a:t>
             </a:r>
             <a:r>
-              <a:rPr lang="en-US" altLang="zh-CN" sz="1200" b="0" i="0" u="none" strike="noStrike" kern="1200" dirty="0" err="1" smtClean="0">
+              <a:rPr lang="en-US" altLang="zh-CN" sz="1200" b="0" i="0" u="none" strike="noStrike" kern="1200" dirty="0" err="1">
                 <a:solidFill>
                   <a:schemeClr val="tx1"/>
                 </a:solidFill>
@@ -722,7 +738,7 @@
               <a:t>history.pushState</a:t>
             </a:r>
             <a:r>
-              <a:rPr lang="zh-CN" altLang="en-US" sz="1200" b="0" i="0" kern="1200" dirty="0" smtClean="0">
+              <a:rPr lang="zh-CN" altLang="en-US" sz="1200" b="0" i="0" kern="1200" dirty="0">
                 <a:solidFill>
                   <a:schemeClr val="tx1"/>
                 </a:solidFill>
@@ -734,7 +750,7 @@
               <a:t> </a:t>
             </a:r>
             <a:r>
-              <a:rPr lang="en-US" altLang="zh-CN" sz="1200" b="0" i="0" kern="1200" dirty="0" smtClean="0">
+              <a:rPr lang="en-US" altLang="zh-CN" sz="1200" b="0" i="0" kern="1200" dirty="0">
                 <a:solidFill>
                   <a:schemeClr val="tx1"/>
                 </a:solidFill>
@@ -746,7 +762,7 @@
               <a:t>API</a:t>
             </a:r>
             <a:r>
-              <a:rPr lang="zh-CN" altLang="en-US" sz="1200" b="0" i="0" kern="1200" dirty="0" smtClean="0">
+              <a:rPr lang="zh-CN" altLang="en-US" sz="1200" b="0" i="0" kern="1200" dirty="0">
                 <a:solidFill>
                   <a:schemeClr val="tx1"/>
                 </a:solidFill>
@@ -757,7 +773,7 @@
               </a:rPr>
               <a:t>， 这是一项可以改变浏览器的当前地址和历史，却又不会触发服务端页面请求的技术</a:t>
             </a:r>
-            <a:endParaRPr lang="en-US" altLang="zh-CN" sz="1200" b="0" i="0" kern="1200" dirty="0" smtClean="0">
+            <a:endParaRPr lang="en-US" altLang="zh-CN" sz="1200" b="0" i="0" kern="1200" dirty="0">
               <a:solidFill>
                 <a:schemeClr val="tx1"/>
               </a:solidFill>
@@ -786,7 +802,7 @@
               <a:defRPr/>
             </a:pPr>
             <a:r>
-              <a:rPr lang="en-US" altLang="zh-CN" sz="1200" b="0" i="0" kern="1200" dirty="0" err="1" smtClean="0">
+              <a:rPr lang="en-US" altLang="zh-CN" sz="1200" b="0" i="0" kern="1200" dirty="0" err="1">
                 <a:solidFill>
                   <a:schemeClr val="tx1"/>
                 </a:solidFill>
@@ -798,7 +814,7 @@
               <a:t>HashLocationStrategy</a:t>
             </a:r>
             <a:r>
-              <a:rPr lang="en-US" altLang="zh-CN" sz="1200" b="0" i="0" kern="1200" dirty="0" smtClean="0">
+              <a:rPr lang="en-US" altLang="zh-CN" sz="1200" b="0" i="0" kern="1200" dirty="0">
                 <a:solidFill>
                   <a:schemeClr val="tx1"/>
                 </a:solidFill>
@@ -810,7 +826,7 @@
               <a:t>,</a:t>
             </a:r>
             <a:r>
-              <a:rPr lang="zh-CN" altLang="en-US" sz="1200" b="0" i="0" kern="1200" dirty="0" smtClean="0">
+              <a:rPr lang="zh-CN" altLang="en-US" sz="1200" b="0" i="0" kern="1200" dirty="0">
                 <a:solidFill>
                   <a:schemeClr val="tx1"/>
                 </a:solidFill>
@@ -822,7 +838,7 @@
               <a:t>关于</a:t>
             </a:r>
             <a:r>
-              <a:rPr lang="en-US" altLang="zh-CN" sz="1200" b="0" i="0" kern="1200" dirty="0" err="1" smtClean="0">
+              <a:rPr lang="en-US" altLang="zh-CN" sz="1200" b="0" i="0" kern="1200" dirty="0" err="1">
                 <a:solidFill>
                   <a:schemeClr val="tx1"/>
                 </a:solidFill>
@@ -834,7 +850,7 @@
               <a:t>url</a:t>
             </a:r>
             <a:r>
-              <a:rPr lang="zh-CN" altLang="en-US" sz="1200" b="0" i="0" kern="1200" dirty="0" smtClean="0">
+              <a:rPr lang="zh-CN" altLang="en-US" sz="1200" b="0" i="0" kern="1200" dirty="0">
                 <a:solidFill>
                   <a:schemeClr val="tx1"/>
                 </a:solidFill>
@@ -846,7 +862,7 @@
               <a:t>中的</a:t>
             </a:r>
             <a:r>
-              <a:rPr lang="en-US" altLang="zh-CN" sz="1200" b="0" i="0" kern="1200" dirty="0" smtClean="0">
+              <a:rPr lang="en-US" altLang="zh-CN" sz="1200" b="0" i="0" kern="1200" dirty="0">
                 <a:solidFill>
                   <a:schemeClr val="tx1"/>
                 </a:solidFill>
@@ -858,7 +874,7 @@
               <a:t>hash</a:t>
             </a:r>
             <a:r>
-              <a:rPr lang="zh-CN" altLang="en-US" sz="1200" b="0" i="0" kern="1200" dirty="0" smtClean="0">
+              <a:rPr lang="zh-CN" altLang="en-US" sz="1200" b="0" i="0" kern="1200" dirty="0">
                 <a:solidFill>
                   <a:schemeClr val="tx1"/>
                 </a:solidFill>
@@ -870,7 +886,7 @@
               <a:t>说明，参照</a:t>
             </a:r>
             <a:r>
-              <a:rPr lang="en-US" altLang="zh-CN" sz="1200" b="0" i="0" kern="1200" dirty="0" smtClean="0">
+              <a:rPr lang="en-US" altLang="zh-CN" sz="1200" b="0" i="0" kern="1200" dirty="0">
                 <a:solidFill>
                   <a:schemeClr val="tx1"/>
                 </a:solidFill>
@@ -1002,7 +1018,7 @@
               <a:defRPr/>
             </a:pPr>
             <a:r>
-              <a:rPr lang="zh-CN" altLang="en-US" dirty="0" smtClean="0"/>
+              <a:rPr lang="zh-CN" altLang="en-US" dirty="0"/>
               <a:t>注意：路由是客户端视图内部的切换，如果直接在浏览器中打开路由地址会报错</a:t>
             </a:r>
           </a:p>
@@ -1253,10 +1269,9 @@
           <a:lstStyle/>
           <a:p>
             <a:r>
-              <a:rPr lang="zh-CN" altLang="en-US" smtClean="0"/>
+              <a:rPr lang="zh-CN" altLang="en-US"/>
               <a:t>单击此处编辑母版标题样式</a:t>
             </a:r>
-            <a:endParaRPr lang="zh-CN" altLang="en-US"/>
           </a:p>
         </p:txBody>
       </p:sp>
@@ -1372,10 +1387,9 @@
           </a:lstStyle>
           <a:p>
             <a:r>
-              <a:rPr lang="zh-CN" altLang="en-US" smtClean="0"/>
+              <a:rPr lang="zh-CN" altLang="en-US"/>
               <a:t>单击此处编辑母版副标题样式</a:t>
             </a:r>
-            <a:endParaRPr lang="zh-CN" altLang="en-US"/>
           </a:p>
         </p:txBody>
       </p:sp>
@@ -1485,10 +1499,9 @@
           <a:lstStyle/>
           <a:p>
             <a:r>
-              <a:rPr lang="zh-CN" altLang="en-US" smtClean="0"/>
+              <a:rPr lang="zh-CN" altLang="en-US"/>
               <a:t>单击此处编辑母版标题样式</a:t>
             </a:r>
-            <a:endParaRPr lang="zh-CN" altLang="en-US"/>
           </a:p>
         </p:txBody>
       </p:sp>
@@ -1509,38 +1522,37 @@
           <a:p>
             <a:pPr lvl="0"/>
             <a:r>
-              <a:rPr lang="zh-CN" altLang="en-US" smtClean="0"/>
+              <a:rPr lang="zh-CN" altLang="en-US"/>
               <a:t>单击此处编辑母版文本样式</a:t>
             </a:r>
           </a:p>
           <a:p>
             <a:pPr lvl="1"/>
             <a:r>
-              <a:rPr lang="zh-CN" altLang="en-US" smtClean="0"/>
+              <a:rPr lang="zh-CN" altLang="en-US"/>
               <a:t>第二级</a:t>
             </a:r>
           </a:p>
           <a:p>
             <a:pPr lvl="2"/>
             <a:r>
-              <a:rPr lang="zh-CN" altLang="en-US" smtClean="0"/>
+              <a:rPr lang="zh-CN" altLang="en-US"/>
               <a:t>第三级</a:t>
             </a:r>
           </a:p>
           <a:p>
             <a:pPr lvl="3"/>
             <a:r>
-              <a:rPr lang="zh-CN" altLang="en-US" smtClean="0"/>
+              <a:rPr lang="zh-CN" altLang="en-US"/>
               <a:t>第四级</a:t>
             </a:r>
           </a:p>
           <a:p>
             <a:pPr lvl="4"/>
             <a:r>
-              <a:rPr lang="zh-CN" altLang="en-US" smtClean="0"/>
+              <a:rPr lang="zh-CN" altLang="en-US"/>
               <a:t>第五级</a:t>
             </a:r>
-            <a:endParaRPr lang="zh-CN" altLang="en-US"/>
           </a:p>
         </p:txBody>
       </p:sp>
@@ -1655,10 +1667,9 @@
           <a:lstStyle/>
           <a:p>
             <a:r>
-              <a:rPr lang="zh-CN" altLang="en-US" smtClean="0"/>
+              <a:rPr lang="zh-CN" altLang="en-US"/>
               <a:t>单击此处编辑母版标题样式</a:t>
             </a:r>
-            <a:endParaRPr lang="zh-CN" altLang="en-US"/>
           </a:p>
         </p:txBody>
       </p:sp>
@@ -1684,38 +1695,37 @@
           <a:p>
             <a:pPr lvl="0"/>
             <a:r>
-              <a:rPr lang="zh-CN" altLang="en-US" smtClean="0"/>
+              <a:rPr lang="zh-CN" altLang="en-US"/>
               <a:t>单击此处编辑母版文本样式</a:t>
             </a:r>
           </a:p>
           <a:p>
             <a:pPr lvl="1"/>
             <a:r>
-              <a:rPr lang="zh-CN" altLang="en-US" smtClean="0"/>
+              <a:rPr lang="zh-CN" altLang="en-US"/>
               <a:t>第二级</a:t>
             </a:r>
           </a:p>
           <a:p>
             <a:pPr lvl="2"/>
             <a:r>
-              <a:rPr lang="zh-CN" altLang="en-US" smtClean="0"/>
+              <a:rPr lang="zh-CN" altLang="en-US"/>
               <a:t>第三级</a:t>
             </a:r>
           </a:p>
           <a:p>
             <a:pPr lvl="3"/>
             <a:r>
-              <a:rPr lang="zh-CN" altLang="en-US" smtClean="0"/>
+              <a:rPr lang="zh-CN" altLang="en-US"/>
               <a:t>第四级</a:t>
             </a:r>
           </a:p>
           <a:p>
             <a:pPr lvl="4"/>
             <a:r>
-              <a:rPr lang="zh-CN" altLang="en-US" smtClean="0"/>
+              <a:rPr lang="zh-CN" altLang="en-US"/>
               <a:t>第五级</a:t>
             </a:r>
-            <a:endParaRPr lang="zh-CN" altLang="en-US"/>
           </a:p>
         </p:txBody>
       </p:sp>
@@ -1825,10 +1835,9 @@
           <a:lstStyle/>
           <a:p>
             <a:r>
-              <a:rPr lang="zh-CN" altLang="en-US" smtClean="0"/>
+              <a:rPr lang="zh-CN" altLang="en-US"/>
               <a:t>单击此处编辑母版标题样式</a:t>
             </a:r>
-            <a:endParaRPr lang="zh-CN" altLang="en-US"/>
           </a:p>
         </p:txBody>
       </p:sp>
@@ -1849,38 +1858,37 @@
           <a:p>
             <a:pPr lvl="0"/>
             <a:r>
-              <a:rPr lang="zh-CN" altLang="en-US" smtClean="0"/>
+              <a:rPr lang="zh-CN" altLang="en-US"/>
               <a:t>单击此处编辑母版文本样式</a:t>
             </a:r>
           </a:p>
           <a:p>
             <a:pPr lvl="1"/>
             <a:r>
-              <a:rPr lang="zh-CN" altLang="en-US" smtClean="0"/>
+              <a:rPr lang="zh-CN" altLang="en-US"/>
               <a:t>第二级</a:t>
             </a:r>
           </a:p>
           <a:p>
             <a:pPr lvl="2"/>
             <a:r>
-              <a:rPr lang="zh-CN" altLang="en-US" smtClean="0"/>
+              <a:rPr lang="zh-CN" altLang="en-US"/>
               <a:t>第三级</a:t>
             </a:r>
           </a:p>
           <a:p>
             <a:pPr lvl="3"/>
             <a:r>
-              <a:rPr lang="zh-CN" altLang="en-US" smtClean="0"/>
+              <a:rPr lang="zh-CN" altLang="en-US"/>
               <a:t>第四级</a:t>
             </a:r>
           </a:p>
           <a:p>
             <a:pPr lvl="4"/>
             <a:r>
-              <a:rPr lang="zh-CN" altLang="en-US" smtClean="0"/>
+              <a:rPr lang="zh-CN" altLang="en-US"/>
               <a:t>第五级</a:t>
             </a:r>
-            <a:endParaRPr lang="zh-CN" altLang="en-US"/>
           </a:p>
         </p:txBody>
       </p:sp>
@@ -1999,10 +2007,9 @@
           </a:lstStyle>
           <a:p>
             <a:r>
-              <a:rPr lang="zh-CN" altLang="en-US" smtClean="0"/>
+              <a:rPr lang="zh-CN" altLang="en-US"/>
               <a:t>单击此处编辑母版标题样式</a:t>
             </a:r>
-            <a:endParaRPr lang="zh-CN" altLang="en-US"/>
           </a:p>
         </p:txBody>
       </p:sp>
@@ -2119,7 +2126,7 @@
           <a:p>
             <a:pPr lvl="0"/>
             <a:r>
-              <a:rPr lang="zh-CN" altLang="en-US" smtClean="0"/>
+              <a:rPr lang="zh-CN" altLang="en-US"/>
               <a:t>单击此处编辑母版文本样式</a:t>
             </a:r>
           </a:p>
@@ -2231,10 +2238,9 @@
           <a:lstStyle/>
           <a:p>
             <a:r>
-              <a:rPr lang="zh-CN" altLang="en-US" smtClean="0"/>
+              <a:rPr lang="zh-CN" altLang="en-US"/>
               <a:t>单击此处编辑母版标题样式</a:t>
             </a:r>
-            <a:endParaRPr lang="zh-CN" altLang="en-US"/>
           </a:p>
         </p:txBody>
       </p:sp>
@@ -2288,38 +2294,37 @@
           <a:p>
             <a:pPr lvl="0"/>
             <a:r>
-              <a:rPr lang="zh-CN" altLang="en-US" smtClean="0"/>
+              <a:rPr lang="zh-CN" altLang="en-US"/>
               <a:t>单击此处编辑母版文本样式</a:t>
             </a:r>
           </a:p>
           <a:p>
             <a:pPr lvl="1"/>
             <a:r>
-              <a:rPr lang="zh-CN" altLang="en-US" smtClean="0"/>
+              <a:rPr lang="zh-CN" altLang="en-US"/>
               <a:t>第二级</a:t>
             </a:r>
           </a:p>
           <a:p>
             <a:pPr lvl="2"/>
             <a:r>
-              <a:rPr lang="zh-CN" altLang="en-US" smtClean="0"/>
+              <a:rPr lang="zh-CN" altLang="en-US"/>
               <a:t>第三级</a:t>
             </a:r>
           </a:p>
           <a:p>
             <a:pPr lvl="3"/>
             <a:r>
-              <a:rPr lang="zh-CN" altLang="en-US" smtClean="0"/>
+              <a:rPr lang="zh-CN" altLang="en-US"/>
               <a:t>第四级</a:t>
             </a:r>
           </a:p>
           <a:p>
             <a:pPr lvl="4"/>
             <a:r>
-              <a:rPr lang="zh-CN" altLang="en-US" smtClean="0"/>
+              <a:rPr lang="zh-CN" altLang="en-US"/>
               <a:t>第五级</a:t>
             </a:r>
-            <a:endParaRPr lang="zh-CN" altLang="en-US"/>
           </a:p>
         </p:txBody>
       </p:sp>
@@ -2373,38 +2378,37 @@
           <a:p>
             <a:pPr lvl="0"/>
             <a:r>
-              <a:rPr lang="zh-CN" altLang="en-US" smtClean="0"/>
+              <a:rPr lang="zh-CN" altLang="en-US"/>
               <a:t>单击此处编辑母版文本样式</a:t>
             </a:r>
           </a:p>
           <a:p>
             <a:pPr lvl="1"/>
             <a:r>
-              <a:rPr lang="zh-CN" altLang="en-US" smtClean="0"/>
+              <a:rPr lang="zh-CN" altLang="en-US"/>
               <a:t>第二级</a:t>
             </a:r>
           </a:p>
           <a:p>
             <a:pPr lvl="2"/>
             <a:r>
-              <a:rPr lang="zh-CN" altLang="en-US" smtClean="0"/>
+              <a:rPr lang="zh-CN" altLang="en-US"/>
               <a:t>第三级</a:t>
             </a:r>
           </a:p>
           <a:p>
             <a:pPr lvl="3"/>
             <a:r>
-              <a:rPr lang="zh-CN" altLang="en-US" smtClean="0"/>
+              <a:rPr lang="zh-CN" altLang="en-US"/>
               <a:t>第四级</a:t>
             </a:r>
           </a:p>
           <a:p>
             <a:pPr lvl="4"/>
             <a:r>
-              <a:rPr lang="zh-CN" altLang="en-US" smtClean="0"/>
+              <a:rPr lang="zh-CN" altLang="en-US"/>
               <a:t>第五级</a:t>
             </a:r>
-            <a:endParaRPr lang="zh-CN" altLang="en-US"/>
           </a:p>
         </p:txBody>
       </p:sp>
@@ -2518,10 +2522,9 @@
           </a:lstStyle>
           <a:p>
             <a:r>
-              <a:rPr lang="zh-CN" altLang="en-US" smtClean="0"/>
+              <a:rPr lang="zh-CN" altLang="en-US"/>
               <a:t>单击此处编辑母版标题样式</a:t>
             </a:r>
-            <a:endParaRPr lang="zh-CN" altLang="en-US"/>
           </a:p>
         </p:txBody>
       </p:sp>
@@ -2584,7 +2587,7 @@
           <a:p>
             <a:pPr lvl="0"/>
             <a:r>
-              <a:rPr lang="zh-CN" altLang="en-US" smtClean="0"/>
+              <a:rPr lang="zh-CN" altLang="en-US"/>
               <a:t>单击此处编辑母版文本样式</a:t>
             </a:r>
           </a:p>
@@ -2640,38 +2643,37 @@
           <a:p>
             <a:pPr lvl="0"/>
             <a:r>
-              <a:rPr lang="zh-CN" altLang="en-US" smtClean="0"/>
+              <a:rPr lang="zh-CN" altLang="en-US"/>
               <a:t>单击此处编辑母版文本样式</a:t>
             </a:r>
           </a:p>
           <a:p>
             <a:pPr lvl="1"/>
             <a:r>
-              <a:rPr lang="zh-CN" altLang="en-US" smtClean="0"/>
+              <a:rPr lang="zh-CN" altLang="en-US"/>
               <a:t>第二级</a:t>
             </a:r>
           </a:p>
           <a:p>
             <a:pPr lvl="2"/>
             <a:r>
-              <a:rPr lang="zh-CN" altLang="en-US" smtClean="0"/>
+              <a:rPr lang="zh-CN" altLang="en-US"/>
               <a:t>第三级</a:t>
             </a:r>
           </a:p>
           <a:p>
             <a:pPr lvl="3"/>
             <a:r>
-              <a:rPr lang="zh-CN" altLang="en-US" smtClean="0"/>
+              <a:rPr lang="zh-CN" altLang="en-US"/>
               <a:t>第四级</a:t>
             </a:r>
           </a:p>
           <a:p>
             <a:pPr lvl="4"/>
             <a:r>
-              <a:rPr lang="zh-CN" altLang="en-US" smtClean="0"/>
+              <a:rPr lang="zh-CN" altLang="en-US"/>
               <a:t>第五级</a:t>
             </a:r>
-            <a:endParaRPr lang="zh-CN" altLang="en-US"/>
           </a:p>
         </p:txBody>
       </p:sp>
@@ -2734,7 +2736,7 @@
           <a:p>
             <a:pPr lvl="0"/>
             <a:r>
-              <a:rPr lang="zh-CN" altLang="en-US" smtClean="0"/>
+              <a:rPr lang="zh-CN" altLang="en-US"/>
               <a:t>单击此处编辑母版文本样式</a:t>
             </a:r>
           </a:p>
@@ -2790,38 +2792,37 @@
           <a:p>
             <a:pPr lvl="0"/>
             <a:r>
-              <a:rPr lang="zh-CN" altLang="en-US" smtClean="0"/>
+              <a:rPr lang="zh-CN" altLang="en-US"/>
               <a:t>单击此处编辑母版文本样式</a:t>
             </a:r>
           </a:p>
           <a:p>
             <a:pPr lvl="1"/>
             <a:r>
-              <a:rPr lang="zh-CN" altLang="en-US" smtClean="0"/>
+              <a:rPr lang="zh-CN" altLang="en-US"/>
               <a:t>第二级</a:t>
             </a:r>
           </a:p>
           <a:p>
             <a:pPr lvl="2"/>
             <a:r>
-              <a:rPr lang="zh-CN" altLang="en-US" smtClean="0"/>
+              <a:rPr lang="zh-CN" altLang="en-US"/>
               <a:t>第三级</a:t>
             </a:r>
           </a:p>
           <a:p>
             <a:pPr lvl="3"/>
             <a:r>
-              <a:rPr lang="zh-CN" altLang="en-US" smtClean="0"/>
+              <a:rPr lang="zh-CN" altLang="en-US"/>
               <a:t>第四级</a:t>
             </a:r>
           </a:p>
           <a:p>
             <a:pPr lvl="4"/>
             <a:r>
-              <a:rPr lang="zh-CN" altLang="en-US" smtClean="0"/>
+              <a:rPr lang="zh-CN" altLang="en-US"/>
               <a:t>第五级</a:t>
             </a:r>
-            <a:endParaRPr lang="zh-CN" altLang="en-US"/>
           </a:p>
         </p:txBody>
       </p:sp>
@@ -2931,10 +2932,9 @@
           <a:lstStyle/>
           <a:p>
             <a:r>
-              <a:rPr lang="zh-CN" altLang="en-US" smtClean="0"/>
+              <a:rPr lang="zh-CN" altLang="en-US"/>
               <a:t>单击此处编辑母版标题样式</a:t>
             </a:r>
-            <a:endParaRPr lang="zh-CN" altLang="en-US"/>
           </a:p>
         </p:txBody>
       </p:sp>
@@ -3143,10 +3143,9 @@
           </a:lstStyle>
           <a:p>
             <a:r>
-              <a:rPr lang="zh-CN" altLang="en-US" smtClean="0"/>
+              <a:rPr lang="zh-CN" altLang="en-US"/>
               <a:t>单击此处编辑母版标题样式</a:t>
             </a:r>
-            <a:endParaRPr lang="zh-CN" altLang="en-US"/>
           </a:p>
         </p:txBody>
       </p:sp>
@@ -3200,38 +3199,37 @@
           <a:p>
             <a:pPr lvl="0"/>
             <a:r>
-              <a:rPr lang="zh-CN" altLang="en-US" smtClean="0"/>
+              <a:rPr lang="zh-CN" altLang="en-US"/>
               <a:t>单击此处编辑母版文本样式</a:t>
             </a:r>
           </a:p>
           <a:p>
             <a:pPr lvl="1"/>
             <a:r>
-              <a:rPr lang="zh-CN" altLang="en-US" smtClean="0"/>
+              <a:rPr lang="zh-CN" altLang="en-US"/>
               <a:t>第二级</a:t>
             </a:r>
           </a:p>
           <a:p>
             <a:pPr lvl="2"/>
             <a:r>
-              <a:rPr lang="zh-CN" altLang="en-US" smtClean="0"/>
+              <a:rPr lang="zh-CN" altLang="en-US"/>
               <a:t>第三级</a:t>
             </a:r>
           </a:p>
           <a:p>
             <a:pPr lvl="3"/>
             <a:r>
-              <a:rPr lang="zh-CN" altLang="en-US" smtClean="0"/>
+              <a:rPr lang="zh-CN" altLang="en-US"/>
               <a:t>第四级</a:t>
             </a:r>
           </a:p>
           <a:p>
             <a:pPr lvl="4"/>
             <a:r>
-              <a:rPr lang="zh-CN" altLang="en-US" smtClean="0"/>
+              <a:rPr lang="zh-CN" altLang="en-US"/>
               <a:t>第五级</a:t>
             </a:r>
-            <a:endParaRPr lang="zh-CN" altLang="en-US"/>
           </a:p>
         </p:txBody>
       </p:sp>
@@ -3294,7 +3292,7 @@
           <a:p>
             <a:pPr lvl="0"/>
             <a:r>
-              <a:rPr lang="zh-CN" altLang="en-US" smtClean="0"/>
+              <a:rPr lang="zh-CN" altLang="en-US"/>
               <a:t>单击此处编辑母版文本样式</a:t>
             </a:r>
           </a:p>
@@ -3415,10 +3413,9 @@
           </a:lstStyle>
           <a:p>
             <a:r>
-              <a:rPr lang="zh-CN" altLang="en-US" smtClean="0"/>
+              <a:rPr lang="zh-CN" altLang="en-US"/>
               <a:t>单击此处编辑母版标题样式</a:t>
             </a:r>
-            <a:endParaRPr lang="zh-CN" altLang="en-US"/>
           </a:p>
         </p:txBody>
       </p:sp>
@@ -3542,7 +3539,7 @@
           <a:p>
             <a:pPr lvl="0"/>
             <a:r>
-              <a:rPr lang="zh-CN" altLang="en-US" smtClean="0"/>
+              <a:rPr lang="zh-CN" altLang="en-US"/>
               <a:t>单击此处编辑母版文本样式</a:t>
             </a:r>
           </a:p>
@@ -3669,10 +3666,9 @@
           <a:lstStyle/>
           <a:p>
             <a:r>
-              <a:rPr lang="zh-CN" altLang="en-US" smtClean="0"/>
+              <a:rPr lang="zh-CN" altLang="en-US"/>
               <a:t>单击此处编辑母版标题样式</a:t>
             </a:r>
-            <a:endParaRPr lang="zh-CN" altLang="en-US"/>
           </a:p>
         </p:txBody>
       </p:sp>
@@ -3703,38 +3699,37 @@
           <a:p>
             <a:pPr lvl="0"/>
             <a:r>
-              <a:rPr lang="zh-CN" altLang="en-US" smtClean="0"/>
+              <a:rPr lang="zh-CN" altLang="en-US"/>
               <a:t>单击此处编辑母版文本样式</a:t>
             </a:r>
           </a:p>
           <a:p>
             <a:pPr lvl="1"/>
             <a:r>
-              <a:rPr lang="zh-CN" altLang="en-US" smtClean="0"/>
+              <a:rPr lang="zh-CN" altLang="en-US"/>
               <a:t>第二级</a:t>
             </a:r>
           </a:p>
           <a:p>
             <a:pPr lvl="2"/>
             <a:r>
-              <a:rPr lang="zh-CN" altLang="en-US" smtClean="0"/>
+              <a:rPr lang="zh-CN" altLang="en-US"/>
               <a:t>第三级</a:t>
             </a:r>
           </a:p>
           <a:p>
             <a:pPr lvl="3"/>
             <a:r>
-              <a:rPr lang="zh-CN" altLang="en-US" smtClean="0"/>
+              <a:rPr lang="zh-CN" altLang="en-US"/>
               <a:t>第四级</a:t>
             </a:r>
           </a:p>
           <a:p>
             <a:pPr lvl="4"/>
             <a:r>
-              <a:rPr lang="zh-CN" altLang="en-US" smtClean="0"/>
+              <a:rPr lang="zh-CN" altLang="en-US"/>
               <a:t>第五级</a:t>
             </a:r>
-            <a:endParaRPr lang="zh-CN" altLang="en-US"/>
           </a:p>
         </p:txBody>
       </p:sp>
@@ -4159,15 +4154,15 @@
           <a:lstStyle/>
           <a:p>
             <a:r>
-              <a:rPr lang="en-US" altLang="zh-CN" dirty="0" err="1" smtClean="0"/>
+              <a:rPr lang="en-US" altLang="zh-CN" dirty="0" err="1"/>
               <a:t>TypeScript</a:t>
             </a:r>
             <a:r>
-              <a:rPr lang="zh-CN" altLang="en-US" dirty="0" smtClean="0"/>
+              <a:rPr lang="zh-CN" altLang="en-US" dirty="0"/>
               <a:t>自动编译</a:t>
             </a:r>
             <a:r>
-              <a:rPr lang="en-US" altLang="zh-CN" dirty="0" smtClean="0"/>
+              <a:rPr lang="en-US" altLang="zh-CN" dirty="0"/>
               <a:t>(vs2015)</a:t>
             </a:r>
             <a:endParaRPr lang="zh-CN" altLang="en-US" dirty="0"/>
@@ -4190,55 +4185,37 @@
           <a:lstStyle/>
           <a:p>
             <a:r>
-              <a:rPr lang="zh-CN" altLang="en-US" dirty="0" smtClean="0"/>
+              <a:rPr lang="zh-CN" altLang="en-US" dirty="0"/>
               <a:t>以下是网络上的解决方式（都不能完美解决）</a:t>
             </a:r>
-            <a:endParaRPr lang="en-US" altLang="zh-CN" dirty="0" smtClean="0">
+            <a:endParaRPr lang="en-US" altLang="zh-CN" dirty="0">
               <a:hlinkClick r:id="rId2"/>
             </a:endParaRPr>
           </a:p>
           <a:p>
             <a:pPr lvl="1"/>
-            <a:r>
-              <a:rPr lang="en-US" altLang="zh-CN" dirty="0" smtClean="0">
-                <a:hlinkClick r:id="rId2"/>
-              </a:rPr>
-              <a:t>http</a:t>
-            </a:r>
             <a:r>
               <a:rPr lang="en-US" altLang="zh-CN" dirty="0">
                 <a:hlinkClick r:id="rId2"/>
               </a:rPr>
-              <a:t>://www.ryadel.com/en/visual-studio-2015-fix-typescript-ts2304-compilation-errors</a:t>
-            </a:r>
-            <a:r>
-              <a:rPr lang="en-US" altLang="zh-CN" dirty="0" smtClean="0">
-                <a:hlinkClick r:id="rId2"/>
-              </a:rPr>
-              <a:t>/ </a:t>
+              <a:t>http://www.ryadel.com/en/visual-studio-2015-fix-typescript-ts2304-compilation-errors/ </a:t>
             </a:r>
             <a:r>
               <a:rPr lang="zh-CN" altLang="en-US" dirty="0">
                 <a:hlinkClick r:id="rId2"/>
               </a:rPr>
-              <a:t>  </a:t>
-            </a:r>
-            <a:r>
-              <a:rPr lang="zh-CN" altLang="en-US" dirty="0" smtClean="0">
-                <a:hlinkClick r:id="rId2"/>
-              </a:rPr>
-              <a:t>    </a:t>
-            </a:r>
-            <a:r>
-              <a:rPr lang="zh-CN" altLang="en-US" dirty="0" smtClean="0"/>
+              <a:t>      </a:t>
+            </a:r>
+            <a:r>
+              <a:rPr lang="zh-CN" altLang="en-US" dirty="0"/>
               <a:t>（在</a:t>
             </a:r>
             <a:r>
-              <a:rPr lang="en-US" altLang="zh-CN" dirty="0" err="1" smtClean="0"/>
+              <a:rPr lang="en-US" altLang="zh-CN" dirty="0" err="1"/>
               <a:t>vs</a:t>
             </a:r>
             <a:r>
-              <a:rPr lang="zh-CN" altLang="en-US" dirty="0" smtClean="0"/>
+              <a:rPr lang="zh-CN" altLang="en-US" dirty="0"/>
               <a:t>中没起作用）</a:t>
             </a:r>
             <a:endParaRPr lang="en-US" altLang="zh-CN" dirty="0">
@@ -4248,33 +4225,21 @@
           <a:p>
             <a:pPr lvl="1"/>
             <a:r>
-              <a:rPr lang="en-US" altLang="zh-CN" dirty="0" smtClean="0">
-                <a:hlinkClick r:id="rId2"/>
-              </a:rPr>
-              <a:t>https</a:t>
-            </a:r>
-            <a:r>
               <a:rPr lang="en-US" altLang="zh-CN" dirty="0">
                 <a:hlinkClick r:id="rId2"/>
               </a:rPr>
-              <a:t>://my.oschina.net/lhan/blog/101056?p={{totalPage</a:t>
-            </a:r>
-            <a:r>
-              <a:rPr lang="en-US" altLang="zh-CN" dirty="0" smtClean="0">
-                <a:hlinkClick r:id="rId2"/>
-              </a:rPr>
-              <a:t>}}</a:t>
-            </a:r>
-            <a:r>
-              <a:rPr lang="en-US" altLang="zh-CN" dirty="0" smtClean="0"/>
+              <a:t>https://my.oschina.net/lhan/blog/101056?p={{totalPage}}</a:t>
+            </a:r>
+            <a:r>
+              <a:rPr lang="en-US" altLang="zh-CN" dirty="0"/>
               <a:t> (</a:t>
             </a:r>
             <a:r>
-              <a:rPr lang="zh-CN" altLang="en-US" dirty="0" smtClean="0"/>
+              <a:rPr lang="zh-CN" altLang="en-US" dirty="0"/>
               <a:t>测试时有问题</a:t>
             </a:r>
             <a:r>
-              <a:rPr lang="en-US" altLang="zh-CN" dirty="0" smtClean="0"/>
+              <a:rPr lang="en-US" altLang="zh-CN" dirty="0"/>
               <a:t>)</a:t>
             </a:r>
           </a:p>
@@ -4290,13 +4255,6 @@
   <p:clrMapOvr>
     <a:masterClrMapping/>
   </p:clrMapOvr>
-  <p:timing>
-    <p:tnLst>
-      <p:par>
-        <p:cTn id="1" dur="indefinite" restart="never" nodeType="tmRoot"/>
-      </p:par>
-    </p:tnLst>
-  </p:timing>
 </p:sld>
 </file>
 
@@ -4333,14 +4291,13 @@
           <a:lstStyle/>
           <a:p>
             <a:r>
-              <a:rPr lang="en-US" altLang="zh-CN" dirty="0" smtClean="0"/>
+              <a:rPr lang="en-US" altLang="zh-CN" dirty="0"/>
               <a:t>Ng</a:t>
             </a:r>
             <a:r>
-              <a:rPr lang="zh-CN" altLang="en-US" dirty="0" smtClean="0"/>
+              <a:rPr lang="zh-CN" altLang="en-US" dirty="0"/>
               <a:t>开发工具链</a:t>
             </a:r>
-            <a:endParaRPr lang="zh-CN" altLang="en-US" dirty="0"/>
           </a:p>
         </p:txBody>
       </p:sp>
@@ -4360,41 +4317,36 @@
           <a:lstStyle/>
           <a:p>
             <a:r>
-              <a:rPr lang="zh-CN" altLang="en-US" dirty="0" smtClean="0"/>
+              <a:rPr lang="zh-CN" altLang="en-US" dirty="0"/>
               <a:t>项目打包</a:t>
             </a:r>
-            <a:endParaRPr lang="en-US" altLang="zh-CN" dirty="0" smtClean="0"/>
+            <a:endParaRPr lang="en-US" altLang="zh-CN" dirty="0"/>
           </a:p>
           <a:p>
             <a:pPr lvl="1"/>
             <a:r>
-              <a:rPr lang="en-US" altLang="zh-CN" dirty="0" smtClean="0"/>
+              <a:rPr lang="en-US" altLang="zh-CN" dirty="0"/>
               <a:t>CLI</a:t>
             </a:r>
           </a:p>
           <a:p>
             <a:pPr lvl="1"/>
             <a:r>
-              <a:rPr lang="en-US" altLang="zh-CN" dirty="0" err="1" smtClean="0"/>
+              <a:rPr lang="en-US" altLang="zh-CN" dirty="0" err="1"/>
               <a:t>SytemJS</a:t>
             </a:r>
-            <a:endParaRPr lang="en-US" altLang="zh-CN" dirty="0" smtClean="0"/>
+            <a:endParaRPr lang="en-US" altLang="zh-CN" dirty="0"/>
           </a:p>
           <a:p>
             <a:pPr lvl="1"/>
             <a:r>
-              <a:rPr lang="en-US" altLang="zh-CN" dirty="0" err="1" smtClean="0"/>
+              <a:rPr lang="en-US" altLang="zh-CN" dirty="0" err="1"/>
               <a:t>Webpack</a:t>
             </a:r>
             <a:r>
-              <a:rPr lang="en-US" altLang="zh-CN" dirty="0" smtClean="0"/>
-              <a:t>   https</a:t>
-            </a:r>
-            <a:r>
               <a:rPr lang="en-US" altLang="zh-CN" dirty="0"/>
-              <a:t>://github.com/AngularClass/angular2-webpack-starter</a:t>
-            </a:r>
-            <a:endParaRPr lang="en-US" altLang="zh-CN" dirty="0" smtClean="0"/>
+              <a:t>   https://github.com/AngularClass/angular2-webpack-starter</a:t>
+            </a:r>
           </a:p>
         </p:txBody>
       </p:sp>
@@ -4408,13 +4360,6 @@
   <p:clrMapOvr>
     <a:masterClrMapping/>
   </p:clrMapOvr>
-  <p:timing>
-    <p:tnLst>
-      <p:par>
-        <p:cTn id="1" dur="indefinite" restart="never" nodeType="tmRoot"/>
-      </p:par>
-    </p:tnLst>
-  </p:timing>
 </p:sld>
 </file>
 
@@ -4451,10 +4396,9 @@
           <a:lstStyle/>
           <a:p>
             <a:r>
-              <a:rPr lang="zh-CN" altLang="en-US" dirty="0" smtClean="0"/>
+              <a:rPr lang="zh-CN" altLang="en-US" dirty="0"/>
               <a:t>调试引入的外部组件</a:t>
             </a:r>
-            <a:endParaRPr lang="zh-CN" altLang="en-US" dirty="0"/>
           </a:p>
         </p:txBody>
       </p:sp>
@@ -4523,18 +4467,17 @@
           <a:lstStyle/>
           <a:p>
             <a:r>
-              <a:rPr lang="zh-CN" altLang="en-US" dirty="0" smtClean="0"/>
+              <a:rPr lang="zh-CN" altLang="en-US" dirty="0"/>
               <a:t>调试</a:t>
             </a:r>
             <a:r>
-              <a:rPr lang="en-US" altLang="zh-CN" dirty="0" smtClean="0"/>
+              <a:rPr lang="en-US" altLang="zh-CN" dirty="0"/>
               <a:t>angular2</a:t>
             </a:r>
             <a:r>
-              <a:rPr lang="zh-CN" altLang="en-US" dirty="0" smtClean="0"/>
+              <a:rPr lang="zh-CN" altLang="en-US" dirty="0"/>
               <a:t>源码</a:t>
             </a:r>
-            <a:endParaRPr lang="zh-CN" altLang="en-US" dirty="0"/>
           </a:p>
         </p:txBody>
       </p:sp>
@@ -4605,22 +4548,21 @@
           <a:lstStyle/>
           <a:p>
             <a:r>
-              <a:rPr lang="en-US" altLang="zh-CN" dirty="0" err="1" smtClean="0"/>
+              <a:rPr lang="en-US" altLang="zh-CN" dirty="0" err="1"/>
               <a:t>Webstorm</a:t>
             </a:r>
             <a:r>
-              <a:rPr lang="zh-CN" altLang="en-US" dirty="0" smtClean="0"/>
+              <a:rPr lang="zh-CN" altLang="en-US" dirty="0"/>
               <a:t>中设置全局</a:t>
             </a:r>
             <a:r>
-              <a:rPr lang="en-US" altLang="zh-CN" dirty="0" smtClean="0"/>
+              <a:rPr lang="en-US" altLang="zh-CN" dirty="0"/>
               <a:t>typescript</a:t>
             </a:r>
             <a:r>
-              <a:rPr lang="zh-CN" altLang="en-US" dirty="0" smtClean="0"/>
+              <a:rPr lang="zh-CN" altLang="en-US" dirty="0"/>
               <a:t>版本</a:t>
             </a:r>
-            <a:endParaRPr lang="zh-CN" altLang="en-US" dirty="0"/>
           </a:p>
         </p:txBody>
       </p:sp>
@@ -4640,30 +4582,24 @@
           <a:lstStyle/>
           <a:p>
             <a:r>
-              <a:rPr lang="zh-CN" altLang="en-US" dirty="0" smtClean="0"/>
+              <a:rPr lang="zh-CN" altLang="en-US" dirty="0"/>
               <a:t>为什么要设置</a:t>
             </a:r>
             <a:r>
-              <a:rPr lang="en-US" altLang="zh-CN" dirty="0" err="1" smtClean="0"/>
+              <a:rPr lang="en-US" altLang="zh-CN" dirty="0" err="1"/>
               <a:t>typesript</a:t>
             </a:r>
             <a:r>
-              <a:rPr lang="zh-CN" altLang="en-US" dirty="0" smtClean="0"/>
+              <a:rPr lang="zh-CN" altLang="en-US" dirty="0"/>
               <a:t>的版本</a:t>
             </a:r>
             <a:r>
               <a:rPr lang="en-US" altLang="zh-CN" dirty="0">
                 <a:hlinkClick r:id="rId2"/>
               </a:rPr>
-              <a:t>https://</a:t>
-            </a:r>
-            <a:r>
-              <a:rPr lang="en-US" altLang="zh-CN" dirty="0" smtClean="0">
-                <a:hlinkClick r:id="rId2"/>
-              </a:rPr>
-              <a:t>github.com/Microsoft/TypeScript/wiki/What's-new-in-TypeScript#module-identifiers-allow-for-js-extension</a:t>
-            </a:r>
-            <a:endParaRPr lang="en-US" altLang="zh-CN" dirty="0" smtClean="0"/>
+              <a:t>https://github.com/Microsoft/TypeScript/wiki/What's-new-in-TypeScript#module-identifiers-allow-for-js-extension</a:t>
+            </a:r>
+            <a:endParaRPr lang="en-US" altLang="zh-CN" dirty="0"/>
           </a:p>
           <a:p>
             <a:endParaRPr lang="zh-CN" altLang="en-US" dirty="0"/>
@@ -4716,18 +4652,17 @@
           <a:lstStyle/>
           <a:p>
             <a:r>
-              <a:rPr lang="zh-CN" altLang="en-US" dirty="0" smtClean="0"/>
+              <a:rPr lang="zh-CN" altLang="en-US" dirty="0"/>
               <a:t>为什么使用</a:t>
             </a:r>
             <a:r>
-              <a:rPr lang="en-US" altLang="zh-CN" dirty="0" smtClean="0"/>
+              <a:rPr lang="en-US" altLang="zh-CN" dirty="0"/>
               <a:t>UMD</a:t>
             </a:r>
             <a:r>
-              <a:rPr lang="zh-CN" altLang="en-US" dirty="0" smtClean="0"/>
+              <a:rPr lang="zh-CN" altLang="en-US" dirty="0"/>
               <a:t>加载模块</a:t>
             </a:r>
-            <a:endParaRPr lang="zh-CN" altLang="en-US" dirty="0"/>
           </a:p>
         </p:txBody>
       </p:sp>
@@ -4796,10 +4731,9 @@
           <a:lstStyle/>
           <a:p>
             <a:r>
-              <a:rPr lang="zh-CN" altLang="en-US" dirty="0" smtClean="0"/>
+              <a:rPr lang="zh-CN" altLang="en-US" dirty="0"/>
               <a:t>子组件和父组件共享服务</a:t>
             </a:r>
-            <a:endParaRPr lang="zh-CN" altLang="en-US" dirty="0"/>
           </a:p>
         </p:txBody>
       </p:sp>
@@ -4996,10 +4930,9 @@
           <a:lstStyle/>
           <a:p>
             <a:r>
-              <a:rPr lang="zh-CN" altLang="en-US" dirty="0" smtClean="0"/>
+              <a:rPr lang="zh-CN" altLang="en-US" dirty="0"/>
               <a:t>父组件与子组件通信</a:t>
             </a:r>
-            <a:endParaRPr lang="zh-CN" altLang="en-US" dirty="0"/>
           </a:p>
         </p:txBody>
       </p:sp>
@@ -5026,6 +4959,112 @@
     <p:extLst>
       <p:ext uri="{BB962C8B-B14F-4D97-AF65-F5344CB8AC3E}">
         <p14:creationId xmlns:p14="http://schemas.microsoft.com/office/powerpoint/2010/main" val="1220962353"/>
+      </p:ext>
+    </p:extLst>
+  </p:cSld>
+  <p:clrMapOvr>
+    <a:masterClrMapping/>
+  </p:clrMapOvr>
+</p:sld>
+</file>
+
+<file path=ppt/slides/slide17.xml><?xml version="1.0" encoding="utf-8"?>
+<p:sld xmlns:a="http://schemas.openxmlformats.org/drawingml/2006/main" xmlns:r="http://schemas.openxmlformats.org/officeDocument/2006/relationships" xmlns:p="http://schemas.openxmlformats.org/presentationml/2006/main">
+  <p:cSld>
+    <p:spTree>
+      <p:nvGrpSpPr>
+        <p:cNvPr id="1" name=""/>
+        <p:cNvGrpSpPr/>
+        <p:nvPr/>
+      </p:nvGrpSpPr>
+      <p:grpSpPr>
+        <a:xfrm>
+          <a:off x="0" y="0"/>
+          <a:ext cx="0" cy="0"/>
+          <a:chOff x="0" y="0"/>
+          <a:chExt cx="0" cy="0"/>
+        </a:xfrm>
+      </p:grpSpPr>
+      <p:sp>
+        <p:nvSpPr>
+          <p:cNvPr id="2" name="标题 1"/>
+          <p:cNvSpPr>
+            <a:spLocks noGrp="1"/>
+          </p:cNvSpPr>
+          <p:nvPr>
+            <p:ph type="title"/>
+          </p:nvPr>
+        </p:nvSpPr>
+        <p:spPr/>
+        <p:txBody>
+          <a:bodyPr/>
+          <a:lstStyle/>
+          <a:p>
+            <a:r>
+              <a:rPr lang="zh-CN" altLang="en-US" dirty="0"/>
+              <a:t>在</a:t>
+            </a:r>
+            <a:r>
+              <a:rPr lang="en-US" altLang="zh-CN" dirty="0"/>
+              <a:t>Edge</a:t>
+            </a:r>
+            <a:r>
+              <a:rPr lang="zh-CN" altLang="en-US" dirty="0"/>
+              <a:t>下提示错误</a:t>
+            </a:r>
+          </a:p>
+        </p:txBody>
+      </p:sp>
+      <p:sp>
+        <p:nvSpPr>
+          <p:cNvPr id="3" name="内容占位符 2"/>
+          <p:cNvSpPr>
+            <a:spLocks noGrp="1"/>
+          </p:cNvSpPr>
+          <p:nvPr>
+            <p:ph idx="1"/>
+          </p:nvPr>
+        </p:nvSpPr>
+        <p:spPr/>
+        <p:txBody>
+          <a:bodyPr/>
+          <a:lstStyle/>
+          <a:p>
+            <a:r>
+              <a:rPr lang="zh-CN" altLang="en-US" dirty="0"/>
+              <a:t>这个错误不是每次都会出现，不知道为啥又莫名其妙的好了</a:t>
+            </a:r>
+          </a:p>
+        </p:txBody>
+      </p:sp>
+      <p:pic>
+        <p:nvPicPr>
+          <p:cNvPr id="4" name="图片 3"/>
+          <p:cNvPicPr>
+            <a:picLocks noChangeAspect="1"/>
+          </p:cNvPicPr>
+          <p:nvPr/>
+        </p:nvPicPr>
+        <p:blipFill>
+          <a:blip r:embed="rId2"/>
+          <a:stretch>
+            <a:fillRect/>
+          </a:stretch>
+        </p:blipFill>
+        <p:spPr>
+          <a:xfrm>
+            <a:off x="899592" y="2924944"/>
+            <a:ext cx="3960440" cy="2855324"/>
+          </a:xfrm>
+          <a:prstGeom prst="rect">
+            <a:avLst/>
+          </a:prstGeom>
+        </p:spPr>
+      </p:pic>
+    </p:spTree>
+    <p:extLst>
+      <p:ext uri="{BB962C8B-B14F-4D97-AF65-F5344CB8AC3E}">
+        <p14:creationId xmlns:p14="http://schemas.microsoft.com/office/powerpoint/2010/main" val="3904153035"/>
       </p:ext>
     </p:extLst>
   </p:cSld>
@@ -5068,15 +5107,15 @@
           <a:lstStyle/>
           <a:p>
             <a:r>
-              <a:rPr lang="en-US" altLang="zh-CN" dirty="0" err="1" smtClean="0"/>
+              <a:rPr lang="en-US" altLang="zh-CN" dirty="0" err="1"/>
               <a:t>TypeScript</a:t>
             </a:r>
             <a:r>
-              <a:rPr lang="zh-CN" altLang="en-US" dirty="0" smtClean="0"/>
+              <a:rPr lang="zh-CN" altLang="en-US" dirty="0"/>
               <a:t>自动编译误区</a:t>
             </a:r>
             <a:r>
-              <a:rPr lang="en-US" altLang="zh-CN" dirty="0" smtClean="0"/>
+              <a:rPr lang="en-US" altLang="zh-CN" dirty="0"/>
               <a:t>(vs2015)</a:t>
             </a:r>
             <a:endParaRPr lang="zh-CN" altLang="en-US" dirty="0"/>
@@ -5099,84 +5138,80 @@
           <a:lstStyle/>
           <a:p>
             <a:r>
-              <a:rPr lang="zh-CN" altLang="en-US" dirty="0" smtClean="0"/>
+              <a:rPr lang="zh-CN" altLang="en-US" dirty="0"/>
               <a:t>不需要安装</a:t>
             </a:r>
             <a:r>
-              <a:rPr lang="en-US" altLang="zh-CN" dirty="0" err="1" smtClean="0"/>
-              <a:t>typing</a:t>
-            </a:r>
-            <a:r>
               <a:rPr lang="en-US" altLang="zh-CN" dirty="0" err="1"/>
-              <a:t>s</a:t>
-            </a:r>
-            <a:r>
-              <a:rPr lang="zh-CN" altLang="en-US" dirty="0" smtClean="0"/>
+              <a:t>typings</a:t>
+            </a:r>
+            <a:r>
+              <a:rPr lang="zh-CN" altLang="en-US" dirty="0"/>
               <a:t>和配置</a:t>
             </a:r>
             <a:r>
-              <a:rPr lang="en-US" altLang="zh-CN" dirty="0" err="1" smtClean="0"/>
+              <a:rPr lang="en-US" altLang="zh-CN" dirty="0" err="1"/>
               <a:t>typings.json</a:t>
             </a:r>
             <a:r>
-              <a:rPr lang="zh-CN" altLang="en-US" dirty="0" smtClean="0"/>
+              <a:rPr lang="zh-CN" altLang="en-US" dirty="0"/>
               <a:t>文件</a:t>
             </a:r>
-            <a:endParaRPr lang="en-US" altLang="zh-CN" dirty="0" smtClean="0"/>
-          </a:p>
-          <a:p>
-            <a:r>
-              <a:rPr lang="zh-CN" altLang="en-US" dirty="0" smtClean="0"/>
+            <a:endParaRPr lang="en-US" altLang="zh-CN" dirty="0"/>
+          </a:p>
+          <a:p>
+            <a:r>
+              <a:rPr lang="zh-CN" altLang="en-US" dirty="0"/>
               <a:t>在</a:t>
             </a:r>
             <a:r>
-              <a:rPr lang="en-US" altLang="zh-CN" dirty="0" err="1" smtClean="0"/>
+              <a:rPr lang="en-US" altLang="zh-CN" dirty="0" err="1"/>
               <a:t>vs</a:t>
             </a:r>
             <a:r>
-              <a:rPr lang="zh-CN" altLang="en-US" dirty="0" smtClean="0"/>
+              <a:rPr lang="zh-CN" altLang="en-US" dirty="0"/>
               <a:t>的</a:t>
             </a:r>
             <a:r>
-              <a:rPr lang="en-US" altLang="zh-CN" dirty="0" err="1" smtClean="0"/>
+              <a:rPr lang="en-US" altLang="zh-CN" dirty="0" err="1"/>
               <a:t>tsconfig.json</a:t>
             </a:r>
             <a:r>
-              <a:rPr lang="zh-CN" altLang="en-US" dirty="0" smtClean="0"/>
+              <a:rPr lang="zh-CN" altLang="en-US" dirty="0"/>
               <a:t>中不能配置</a:t>
             </a:r>
             <a:r>
-              <a:rPr lang="en-US" altLang="zh-CN" dirty="0" err="1" smtClean="0"/>
+              <a:rPr lang="en-US" altLang="zh-CN" dirty="0" err="1"/>
               <a:t>watch:true</a:t>
             </a:r>
             <a:r>
-              <a:rPr lang="zh-CN" altLang="en-US" dirty="0" smtClean="0"/>
+              <a:rPr lang="zh-CN" altLang="en-US" dirty="0"/>
               <a:t>节点</a:t>
             </a:r>
-            <a:endParaRPr lang="en-US" altLang="zh-CN" dirty="0" smtClean="0"/>
-          </a:p>
-          <a:p>
-            <a:r>
-              <a:rPr lang="zh-CN" altLang="en-US" dirty="0" smtClean="0"/>
+            <a:endParaRPr lang="en-US" altLang="zh-CN" dirty="0"/>
+          </a:p>
+          <a:p>
+            <a:r>
+              <a:rPr lang="zh-CN" altLang="en-US" dirty="0"/>
               <a:t>在</a:t>
             </a:r>
             <a:r>
-              <a:rPr lang="en-US" altLang="zh-CN" dirty="0" err="1" smtClean="0"/>
+              <a:rPr lang="en-US" altLang="zh-CN" dirty="0" err="1"/>
               <a:t>vs</a:t>
             </a:r>
             <a:r>
-              <a:rPr lang="zh-CN" altLang="en-US" dirty="0" smtClean="0"/>
+              <a:rPr lang="zh-CN" altLang="en-US" dirty="0"/>
               <a:t>中最好添加</a:t>
             </a:r>
             <a:r>
-              <a:rPr lang="en-US" altLang="zh-CN" dirty="0" err="1" smtClean="0"/>
+              <a:rPr lang="en-US" altLang="zh-CN" dirty="0" err="1"/>
               <a:t>tsconfig.json</a:t>
             </a:r>
             <a:r>
-              <a:rPr lang="zh-CN" altLang="en-US" dirty="0" smtClean="0"/>
+              <a:rPr lang="zh-CN" altLang="en-US" dirty="0"/>
               <a:t>文件，不要依赖它自己的项目属性中的配置，编译时有很多错误</a:t>
             </a:r>
-            <a:endParaRPr lang="en-US" altLang="zh-CN" dirty="0" smtClean="0"/>
+            <a:endParaRPr lang="en-US" altLang="zh-CN" dirty="0"/>
           </a:p>
         </p:txBody>
       </p:sp>
@@ -5228,22 +5263,21 @@
           <a:lstStyle/>
           <a:p>
             <a:r>
-              <a:rPr lang="en-US" altLang="zh-CN" dirty="0" err="1" smtClean="0"/>
+              <a:rPr lang="en-US" altLang="zh-CN" dirty="0" err="1"/>
               <a:t>TypeScript</a:t>
             </a:r>
             <a:r>
-              <a:rPr lang="zh-CN" altLang="en-US" dirty="0" smtClean="0"/>
+              <a:rPr lang="zh-CN" altLang="en-US" dirty="0"/>
               <a:t>自动编译（</a:t>
             </a:r>
             <a:r>
-              <a:rPr lang="en-US" altLang="zh-CN" dirty="0" smtClean="0"/>
+              <a:rPr lang="en-US" altLang="zh-CN" dirty="0"/>
               <a:t>vs2015</a:t>
             </a:r>
             <a:r>
-              <a:rPr lang="zh-CN" altLang="en-US" dirty="0" smtClean="0"/>
+              <a:rPr lang="zh-CN" altLang="en-US" dirty="0"/>
               <a:t>）</a:t>
             </a:r>
-            <a:endParaRPr lang="zh-CN" altLang="en-US" dirty="0"/>
           </a:p>
         </p:txBody>
       </p:sp>
@@ -5262,23 +5296,23 @@
           <a:bodyPr/>
           <a:lstStyle/>
           <a:p>
-            <a:endParaRPr lang="en-US" altLang="zh-CN" dirty="0" smtClean="0"/>
-          </a:p>
-          <a:p>
-            <a:r>
-              <a:rPr lang="zh-CN" altLang="en-US" dirty="0" smtClean="0"/>
+            <a:endParaRPr lang="en-US" altLang="zh-CN" dirty="0"/>
+          </a:p>
+          <a:p>
+            <a:r>
+              <a:rPr lang="zh-CN" altLang="en-US" dirty="0"/>
               <a:t>添加</a:t>
             </a:r>
             <a:r>
-              <a:rPr lang="en-US" altLang="zh-CN" dirty="0" err="1" smtClean="0"/>
+              <a:rPr lang="en-US" altLang="zh-CN" dirty="0" err="1"/>
               <a:t>compileOnSave:true</a:t>
             </a:r>
             <a:r>
-              <a:rPr lang="en-US" altLang="zh-CN" dirty="0" smtClean="0"/>
+              <a:rPr lang="en-US" altLang="zh-CN" dirty="0"/>
               <a:t>  //</a:t>
             </a:r>
             <a:r>
-              <a:rPr lang="zh-CN" altLang="en-US" dirty="0" smtClean="0"/>
+              <a:rPr lang="zh-CN" altLang="en-US" dirty="0"/>
               <a:t>自动编译</a:t>
             </a:r>
             <a:endParaRPr lang="en-US" altLang="zh-CN" dirty="0"/>
@@ -5395,14 +5429,13 @@
           <a:lstStyle/>
           <a:p>
             <a:r>
-              <a:rPr lang="en-US" altLang="zh-CN" dirty="0" err="1" smtClean="0"/>
+              <a:rPr lang="en-US" altLang="zh-CN" dirty="0" err="1"/>
               <a:t>TypeScript</a:t>
             </a:r>
             <a:r>
-              <a:rPr lang="zh-CN" altLang="en-US" dirty="0" smtClean="0"/>
+              <a:rPr lang="zh-CN" altLang="en-US" dirty="0"/>
               <a:t>调试</a:t>
             </a:r>
-            <a:endParaRPr lang="zh-CN" altLang="en-US" dirty="0"/>
           </a:p>
         </p:txBody>
       </p:sp>
@@ -5422,23 +5455,23 @@
           <a:lstStyle/>
           <a:p>
             <a:r>
-              <a:rPr lang="en-US" altLang="zh-CN" dirty="0" smtClean="0"/>
+              <a:rPr lang="en-US" altLang="zh-CN" dirty="0"/>
               <a:t>IIS</a:t>
             </a:r>
             <a:r>
-              <a:rPr lang="zh-CN" altLang="en-US" dirty="0" smtClean="0"/>
+              <a:rPr lang="zh-CN" altLang="en-US" dirty="0"/>
               <a:t>服务器请不到</a:t>
             </a:r>
             <a:r>
-              <a:rPr lang="en-US" altLang="zh-CN" dirty="0" smtClean="0"/>
+              <a:rPr lang="en-US" altLang="zh-CN" dirty="0"/>
               <a:t>.</a:t>
             </a:r>
             <a:r>
-              <a:rPr lang="en-US" altLang="zh-CN" dirty="0" err="1" smtClean="0"/>
+              <a:rPr lang="en-US" altLang="zh-CN" dirty="0" err="1"/>
               <a:t>ts</a:t>
             </a:r>
             <a:r>
-              <a:rPr lang="zh-CN" altLang="en-US" dirty="0" smtClean="0"/>
+              <a:rPr lang="zh-CN" altLang="en-US" dirty="0"/>
               <a:t>文件问题解决</a:t>
             </a:r>
           </a:p>
@@ -5457,13 +5490,6 @@
   <p:clrMapOvr>
     <a:masterClrMapping/>
   </p:clrMapOvr>
-  <p:timing>
-    <p:tnLst>
-      <p:par>
-        <p:cTn id="1" dur="indefinite" restart="never" nodeType="tmRoot"/>
-      </p:par>
-    </p:tnLst>
-  </p:timing>
 </p:sld>
 </file>
 
@@ -5500,19 +5526,19 @@
           <a:lstStyle/>
           <a:p>
             <a:r>
-              <a:rPr lang="en-US" altLang="zh-CN" dirty="0" err="1" smtClean="0"/>
+              <a:rPr lang="en-US" altLang="zh-CN" dirty="0" err="1"/>
               <a:t>Git</a:t>
             </a:r>
             <a:r>
-              <a:rPr lang="en-US" altLang="zh-CN" dirty="0" smtClean="0"/>
+              <a:rPr lang="en-US" altLang="zh-CN" dirty="0"/>
               <a:t> </a:t>
             </a:r>
             <a:r>
-              <a:rPr lang="zh-CN" altLang="en-US" dirty="0" smtClean="0"/>
+              <a:rPr lang="zh-CN" altLang="en-US" dirty="0"/>
               <a:t>在提交的时候忽略编译的</a:t>
             </a:r>
             <a:r>
-              <a:rPr lang="en-US" altLang="zh-CN" dirty="0" err="1" smtClean="0"/>
+              <a:rPr lang="en-US" altLang="zh-CN" dirty="0" err="1"/>
               <a:t>js</a:t>
             </a:r>
             <a:endParaRPr lang="zh-CN" altLang="en-US" dirty="0"/>
@@ -5535,11 +5561,11 @@
           <a:lstStyle/>
           <a:p>
             <a:r>
-              <a:rPr lang="zh-CN" altLang="en-US" dirty="0" smtClean="0"/>
+              <a:rPr lang="zh-CN" altLang="en-US" dirty="0"/>
               <a:t>提交时忽略本地</a:t>
             </a:r>
             <a:r>
-              <a:rPr lang="en-US" altLang="zh-CN" dirty="0" err="1" smtClean="0"/>
+              <a:rPr lang="en-US" altLang="zh-CN" dirty="0" err="1"/>
               <a:t>js</a:t>
             </a:r>
             <a:endParaRPr lang="zh-CN" altLang="en-US" dirty="0"/>
@@ -5592,10 +5618,9 @@
           <a:lstStyle/>
           <a:p>
             <a:r>
-              <a:rPr lang="zh-CN" altLang="en-US" dirty="0" smtClean="0"/>
+              <a:rPr lang="zh-CN" altLang="en-US" dirty="0"/>
               <a:t>路由</a:t>
             </a:r>
-            <a:endParaRPr lang="zh-CN" altLang="en-US" dirty="0"/>
           </a:p>
         </p:txBody>
       </p:sp>
@@ -5615,10 +5640,9 @@
           <a:lstStyle/>
           <a:p>
             <a:r>
-              <a:rPr lang="zh-CN" altLang="en-US" dirty="0" smtClean="0"/>
+              <a:rPr lang="zh-CN" altLang="en-US" dirty="0"/>
               <a:t>添加路由时的错误</a:t>
             </a:r>
-            <a:endParaRPr lang="zh-CN" altLang="en-US" dirty="0"/>
           </a:p>
         </p:txBody>
       </p:sp>
@@ -5860,10 +5884,9 @@
           <a:lstStyle/>
           <a:p>
             <a:r>
-              <a:rPr lang="zh-CN" altLang="en-US" dirty="0" smtClean="0"/>
+              <a:rPr lang="zh-CN" altLang="en-US" dirty="0"/>
               <a:t>路由</a:t>
             </a:r>
-            <a:endParaRPr lang="zh-CN" altLang="en-US" dirty="0"/>
           </a:p>
         </p:txBody>
       </p:sp>
@@ -5883,10 +5906,9 @@
           <a:lstStyle/>
           <a:p>
             <a:r>
-              <a:rPr lang="zh-CN" altLang="en-US" dirty="0" smtClean="0"/>
+              <a:rPr lang="zh-CN" altLang="en-US" dirty="0"/>
               <a:t>添加路由后刷新页面报错</a:t>
             </a:r>
-            <a:endParaRPr lang="zh-CN" altLang="en-US" dirty="0"/>
           </a:p>
         </p:txBody>
       </p:sp>
@@ -5964,13 +5986,6 @@
   <p:clrMapOvr>
     <a:masterClrMapping/>
   </p:clrMapOvr>
-  <p:timing>
-    <p:tnLst>
-      <p:par>
-        <p:cTn id="1" dur="indefinite" restart="never" nodeType="tmRoot"/>
-      </p:par>
-    </p:tnLst>
-  </p:timing>
 </p:sld>
 </file>
 
@@ -6007,18 +6022,17 @@
           <a:lstStyle/>
           <a:p>
             <a:r>
-              <a:rPr lang="zh-CN" altLang="en-US" dirty="0" smtClean="0"/>
+              <a:rPr lang="zh-CN" altLang="en-US" dirty="0"/>
               <a:t>路由（</a:t>
             </a:r>
             <a:r>
-              <a:rPr lang="en-US" altLang="zh-CN" dirty="0" smtClean="0"/>
+              <a:rPr lang="en-US" altLang="zh-CN" dirty="0"/>
               <a:t>3</a:t>
             </a:r>
             <a:r>
-              <a:rPr lang="zh-CN" altLang="en-US" dirty="0" smtClean="0"/>
+              <a:rPr lang="zh-CN" altLang="en-US" dirty="0"/>
               <a:t>）</a:t>
             </a:r>
-            <a:endParaRPr lang="zh-CN" altLang="en-US" dirty="0"/>
           </a:p>
         </p:txBody>
       </p:sp>
@@ -6038,7 +6052,7 @@
           <a:lstStyle/>
           <a:p>
             <a:r>
-              <a:rPr lang="zh-CN" altLang="en-US" dirty="0" smtClean="0"/>
+              <a:rPr lang="zh-CN" altLang="en-US" dirty="0"/>
               <a:t>使用</a:t>
             </a:r>
             <a:r>
@@ -6054,15 +6068,15 @@
               <a:t>&lt;base </a:t>
             </a:r>
             <a:r>
-              <a:rPr lang="en-US" altLang="zh-CN" b="1" dirty="0" err="1" smtClean="0"/>
+              <a:rPr lang="en-US" altLang="zh-CN" b="1" dirty="0" err="1"/>
               <a:t>href</a:t>
             </a:r>
             <a:r>
-              <a:rPr lang="en-US" altLang="zh-CN" b="1" dirty="0" smtClean="0"/>
+              <a:rPr lang="en-US" altLang="zh-CN" b="1" dirty="0"/>
               <a:t>&gt;</a:t>
             </a:r>
             <a:r>
-              <a:rPr lang="zh-CN" altLang="en-US" b="1" dirty="0" smtClean="0"/>
+              <a:rPr lang="zh-CN" altLang="en-US" b="1" dirty="0"/>
               <a:t>来配置路由</a:t>
             </a:r>
             <a:endParaRPr lang="en-US" altLang="zh-CN" b="1" dirty="0"/>
@@ -6079,13 +6093,6 @@
   <p:clrMapOvr>
     <a:masterClrMapping/>
   </p:clrMapOvr>
-  <p:timing>
-    <p:tnLst>
-      <p:par>
-        <p:cTn id="1" dur="indefinite" restart="never" nodeType="tmRoot"/>
-      </p:par>
-    </p:tnLst>
-  </p:timing>
 </p:sld>
 </file>
 
@@ -6122,11 +6129,11 @@
           <a:lstStyle/>
           <a:p>
             <a:r>
-              <a:rPr lang="zh-CN" altLang="en-US" dirty="0" smtClean="0"/>
+              <a:rPr lang="zh-CN" altLang="en-US" dirty="0"/>
               <a:t>路由</a:t>
             </a:r>
             <a:r>
-              <a:rPr lang="en-US" altLang="zh-CN" dirty="0" smtClean="0"/>
+              <a:rPr lang="en-US" altLang="zh-CN" dirty="0"/>
               <a:t>4</a:t>
             </a:r>
             <a:endParaRPr lang="zh-CN" altLang="en-US" dirty="0"/>
@@ -6149,15 +6156,15 @@
           <a:lstStyle/>
           <a:p>
             <a:r>
-              <a:rPr lang="zh-CN" altLang="en-US" dirty="0" smtClean="0"/>
+              <a:rPr lang="zh-CN" altLang="en-US" dirty="0"/>
               <a:t>使用</a:t>
             </a:r>
             <a:r>
-              <a:rPr lang="en-US" altLang="zh-CN" b="1" i="1" dirty="0" err="1" smtClean="0"/>
+              <a:rPr lang="en-US" altLang="zh-CN" b="1" i="1" dirty="0" err="1"/>
               <a:t>HashLocationStrategy</a:t>
             </a:r>
             <a:r>
-              <a:rPr lang="zh-CN" altLang="en-US" dirty="0" smtClean="0"/>
+              <a:rPr lang="zh-CN" altLang="en-US" dirty="0"/>
               <a:t>配置路由</a:t>
             </a:r>
             <a:endParaRPr lang="en-US" altLang="zh-CN" b="1" dirty="0"/>
@@ -6174,13 +6181,6 @@
   <p:clrMapOvr>
     <a:masterClrMapping/>
   </p:clrMapOvr>
-  <p:timing>
-    <p:tnLst>
-      <p:par>
-        <p:cTn id="1" dur="indefinite" restart="never" nodeType="tmRoot"/>
-      </p:par>
-    </p:tnLst>
-  </p:timing>
 </p:sld>
 </file>
 
@@ -6192,7 +6192,7 @@
         <a:sysClr val="windowText" lastClr="000000"/>
       </a:dk1>
       <a:lt1>
-        <a:sysClr val="window" lastClr="CBE9CF"/>
+        <a:sysClr val="window" lastClr="FFFFFF"/>
       </a:lt1>
       <a:dk2>
         <a:srgbClr val="1F497D"/>
@@ -6475,7 +6475,7 @@
         <a:sysClr val="windowText" lastClr="000000"/>
       </a:dk1>
       <a:lt1>
-        <a:sysClr val="window" lastClr="CBE9CF"/>
+        <a:sysClr val="window" lastClr="FFFFFF"/>
       </a:lt1>
       <a:dk2>
         <a:srgbClr val="1F497D"/>

--- a/files/Angular2.pptx
+++ b/files/Angular2.pptx
@@ -5,7 +5,7 @@
     <p:sldMasterId id="2147483648" r:id="rId1"/>
   </p:sldMasterIdLst>
   <p:notesMasterIdLst>
-    <p:notesMasterId r:id="rId18"/>
+    <p:notesMasterId r:id="rId26"/>
   </p:notesMasterIdLst>
   <p:sldIdLst>
     <p:sldId id="257" r:id="rId2"/>
@@ -24,6 +24,14 @@
     <p:sldId id="270" r:id="rId15"/>
     <p:sldId id="271" r:id="rId16"/>
     <p:sldId id="272" r:id="rId17"/>
+    <p:sldId id="273" r:id="rId18"/>
+    <p:sldId id="276" r:id="rId19"/>
+    <p:sldId id="274" r:id="rId20"/>
+    <p:sldId id="275" r:id="rId21"/>
+    <p:sldId id="277" r:id="rId22"/>
+    <p:sldId id="279" r:id="rId23"/>
+    <p:sldId id="280" r:id="rId24"/>
+    <p:sldId id="278" r:id="rId25"/>
   </p:sldIdLst>
   <p:sldSz cx="9144000" cy="6858000" type="screen4x3"/>
   <p:notesSz cx="6858000" cy="9144000"/>
@@ -207,7 +215,7 @@
           <a:p>
             <a:fld id="{AD1DCDFA-BF87-4C21-B8FF-C7D869EA008A}" type="datetimeFigureOut">
               <a:rPr lang="zh-CN" altLang="en-US" smtClean="0"/>
-              <a:t>2017/3/15</a:t>
+              <a:t>2017/3/16</a:t>
             </a:fld>
             <a:endParaRPr lang="zh-CN" altLang="en-US"/>
           </a:p>
@@ -1215,6 +1223,120 @@
 </p:notes>
 </file>
 
+<file path=ppt/notesSlides/notesSlide6.xml><?xml version="1.0" encoding="utf-8"?>
+<p:notes xmlns:a="http://schemas.openxmlformats.org/drawingml/2006/main" xmlns:r="http://schemas.openxmlformats.org/officeDocument/2006/relationships" xmlns:p="http://schemas.openxmlformats.org/presentationml/2006/main">
+  <p:cSld>
+    <p:spTree>
+      <p:nvGrpSpPr>
+        <p:cNvPr id="1" name=""/>
+        <p:cNvGrpSpPr/>
+        <p:nvPr/>
+      </p:nvGrpSpPr>
+      <p:grpSpPr>
+        <a:xfrm>
+          <a:off x="0" y="0"/>
+          <a:ext cx="0" cy="0"/>
+          <a:chOff x="0" y="0"/>
+          <a:chExt cx="0" cy="0"/>
+        </a:xfrm>
+      </p:grpSpPr>
+      <p:sp>
+        <p:nvSpPr>
+          <p:cNvPr id="2" name="幻灯片图像占位符 1"/>
+          <p:cNvSpPr>
+            <a:spLocks noGrp="1" noRot="1" noChangeAspect="1"/>
+          </p:cNvSpPr>
+          <p:nvPr>
+            <p:ph type="sldImg"/>
+          </p:nvPr>
+        </p:nvSpPr>
+        <p:spPr/>
+      </p:sp>
+      <p:sp>
+        <p:nvSpPr>
+          <p:cNvPr id="3" name="备注占位符 2"/>
+          <p:cNvSpPr>
+            <a:spLocks noGrp="1"/>
+          </p:cNvSpPr>
+          <p:nvPr>
+            <p:ph type="body" idx="1"/>
+          </p:nvPr>
+        </p:nvSpPr>
+        <p:spPr/>
+        <p:txBody>
+          <a:bodyPr/>
+          <a:lstStyle/>
+          <a:p>
+            <a:pPr marL="228600" indent="-228600">
+              <a:buFont typeface="+mj-lt"/>
+              <a:buAutoNum type="arabicPeriod"/>
+            </a:pPr>
+            <a:r>
+              <a:rPr lang="zh-CN" altLang="en-US" dirty="0" smtClean="0"/>
+              <a:t>在父组件中通过</a:t>
+            </a:r>
+            <a:r>
+              <a:rPr lang="en-US" altLang="zh-CN" dirty="0" smtClean="0"/>
+              <a:t>provider</a:t>
+            </a:r>
+            <a:r>
+              <a:rPr lang="zh-CN" altLang="en-US" dirty="0" smtClean="0"/>
+              <a:t>提供服务实例，子组件通过构造函数将该实例注入到自身</a:t>
+            </a:r>
+            <a:endParaRPr lang="en-US" altLang="zh-CN" dirty="0" smtClean="0"/>
+          </a:p>
+          <a:p>
+            <a:pPr marL="228600" indent="-228600">
+              <a:buFont typeface="+mj-lt"/>
+              <a:buAutoNum type="arabicPeriod"/>
+            </a:pPr>
+            <a:r>
+              <a:rPr lang="zh-CN" altLang="en-US" dirty="0" smtClean="0"/>
+              <a:t>问：如果在子组件中使用注册服务实例，父组件能访问到该服务的实例不？回答是：不能，会提示上面的错误：</a:t>
+            </a:r>
+            <a:r>
+              <a:rPr lang="en-US" altLang="zh-CN" dirty="0" smtClean="0"/>
+              <a:t>No provider for</a:t>
+            </a:r>
+          </a:p>
+        </p:txBody>
+      </p:sp>
+      <p:sp>
+        <p:nvSpPr>
+          <p:cNvPr id="4" name="灯片编号占位符 3"/>
+          <p:cNvSpPr>
+            <a:spLocks noGrp="1"/>
+          </p:cNvSpPr>
+          <p:nvPr>
+            <p:ph type="sldNum" sz="quarter" idx="10"/>
+          </p:nvPr>
+        </p:nvSpPr>
+        <p:spPr/>
+        <p:txBody>
+          <a:bodyPr/>
+          <a:lstStyle/>
+          <a:p>
+            <a:fld id="{5596D80E-E838-4A36-A5AD-2029880C9AD3}" type="slidenum">
+              <a:rPr lang="zh-CN" altLang="en-US" smtClean="0"/>
+              <a:t>15</a:t>
+            </a:fld>
+            <a:endParaRPr lang="zh-CN" altLang="en-US"/>
+          </a:p>
+        </p:txBody>
+      </p:sp>
+    </p:spTree>
+    <p:extLst>
+      <p:ext uri="{BB962C8B-B14F-4D97-AF65-F5344CB8AC3E}">
+        <p14:creationId xmlns:p14="http://schemas.microsoft.com/office/powerpoint/2010/main" val="1503843014"/>
+      </p:ext>
+    </p:extLst>
+  </p:cSld>
+  <p:clrMapOvr>
+    <a:masterClrMapping/>
+  </p:clrMapOvr>
+</p:notes>
+</file>
+
 <file path=ppt/slideLayouts/slideLayout1.xml><?xml version="1.0" encoding="utf-8"?>
 <p:sldLayout xmlns:a="http://schemas.openxmlformats.org/drawingml/2006/main" xmlns:r="http://schemas.openxmlformats.org/officeDocument/2006/relationships" xmlns:p="http://schemas.openxmlformats.org/presentationml/2006/main" type="title" preserve="1">
   <p:cSld name="标题幻灯片">
@@ -1396,7 +1518,7 @@
           <a:p>
             <a:fld id="{530820CF-B880-4189-942D-D702A7CBA730}" type="datetimeFigureOut">
               <a:rPr lang="zh-CN" altLang="en-US" smtClean="0"/>
-              <a:t>2017/3/15</a:t>
+              <a:t>2017/3/16</a:t>
             </a:fld>
             <a:endParaRPr lang="zh-CN" altLang="en-US"/>
           </a:p>
@@ -1561,7 +1683,7 @@
           <a:p>
             <a:fld id="{530820CF-B880-4189-942D-D702A7CBA730}" type="datetimeFigureOut">
               <a:rPr lang="zh-CN" altLang="en-US" smtClean="0"/>
-              <a:t>2017/3/15</a:t>
+              <a:t>2017/3/16</a:t>
             </a:fld>
             <a:endParaRPr lang="zh-CN" altLang="en-US"/>
           </a:p>
@@ -1736,7 +1858,7 @@
           <a:p>
             <a:fld id="{530820CF-B880-4189-942D-D702A7CBA730}" type="datetimeFigureOut">
               <a:rPr lang="zh-CN" altLang="en-US" smtClean="0"/>
-              <a:t>2017/3/15</a:t>
+              <a:t>2017/3/16</a:t>
             </a:fld>
             <a:endParaRPr lang="zh-CN" altLang="en-US"/>
           </a:p>
@@ -1901,7 +2023,7 @@
           <a:p>
             <a:fld id="{530820CF-B880-4189-942D-D702A7CBA730}" type="datetimeFigureOut">
               <a:rPr lang="zh-CN" altLang="en-US" smtClean="0"/>
-              <a:t>2017/3/15</a:t>
+              <a:t>2017/3/16</a:t>
             </a:fld>
             <a:endParaRPr lang="zh-CN" altLang="en-US"/>
           </a:p>
@@ -2142,7 +2264,7 @@
           <a:p>
             <a:fld id="{530820CF-B880-4189-942D-D702A7CBA730}" type="datetimeFigureOut">
               <a:rPr lang="zh-CN" altLang="en-US" smtClean="0"/>
-              <a:t>2017/3/15</a:t>
+              <a:t>2017/3/16</a:t>
             </a:fld>
             <a:endParaRPr lang="zh-CN" altLang="en-US"/>
           </a:p>
@@ -2425,7 +2547,7 @@
           <a:p>
             <a:fld id="{530820CF-B880-4189-942D-D702A7CBA730}" type="datetimeFigureOut">
               <a:rPr lang="zh-CN" altLang="en-US" smtClean="0"/>
-              <a:t>2017/3/15</a:t>
+              <a:t>2017/3/16</a:t>
             </a:fld>
             <a:endParaRPr lang="zh-CN" altLang="en-US"/>
           </a:p>
@@ -2842,7 +2964,7 @@
           <a:p>
             <a:fld id="{530820CF-B880-4189-942D-D702A7CBA730}" type="datetimeFigureOut">
               <a:rPr lang="zh-CN" altLang="en-US" smtClean="0"/>
-              <a:t>2017/3/15</a:t>
+              <a:t>2017/3/16</a:t>
             </a:fld>
             <a:endParaRPr lang="zh-CN" altLang="en-US"/>
           </a:p>
@@ -2955,7 +3077,7 @@
           <a:p>
             <a:fld id="{530820CF-B880-4189-942D-D702A7CBA730}" type="datetimeFigureOut">
               <a:rPr lang="zh-CN" altLang="en-US" smtClean="0"/>
-              <a:t>2017/3/15</a:t>
+              <a:t>2017/3/16</a:t>
             </a:fld>
             <a:endParaRPr lang="zh-CN" altLang="en-US"/>
           </a:p>
@@ -3045,7 +3167,7 @@
           <a:p>
             <a:fld id="{530820CF-B880-4189-942D-D702A7CBA730}" type="datetimeFigureOut">
               <a:rPr lang="zh-CN" altLang="en-US" smtClean="0"/>
-              <a:t>2017/3/15</a:t>
+              <a:t>2017/3/16</a:t>
             </a:fld>
             <a:endParaRPr lang="zh-CN" altLang="en-US"/>
           </a:p>
@@ -3317,7 +3439,7 @@
           <a:p>
             <a:fld id="{530820CF-B880-4189-942D-D702A7CBA730}" type="datetimeFigureOut">
               <a:rPr lang="zh-CN" altLang="en-US" smtClean="0"/>
-              <a:t>2017/3/15</a:t>
+              <a:t>2017/3/16</a:t>
             </a:fld>
             <a:endParaRPr lang="zh-CN" altLang="en-US"/>
           </a:p>
@@ -3565,7 +3687,7 @@
           <a:p>
             <a:fld id="{530820CF-B880-4189-942D-D702A7CBA730}" type="datetimeFigureOut">
               <a:rPr lang="zh-CN" altLang="en-US" smtClean="0"/>
-              <a:t>2017/3/15</a:t>
+              <a:t>2017/3/16</a:t>
             </a:fld>
             <a:endParaRPr lang="zh-CN" altLang="en-US"/>
           </a:p>
@@ -3773,7 +3895,7 @@
           <a:p>
             <a:fld id="{530820CF-B880-4189-942D-D702A7CBA730}" type="datetimeFigureOut">
               <a:rPr lang="zh-CN" altLang="en-US" smtClean="0"/>
-              <a:t>2017/3/15</a:t>
+              <a:t>2017/3/16</a:t>
             </a:fld>
             <a:endParaRPr lang="zh-CN" altLang="en-US"/>
           </a:p>
@@ -4831,7 +4953,7 @@
           <p:nvPr/>
         </p:nvPicPr>
         <p:blipFill>
-          <a:blip r:embed="rId2">
+          <a:blip r:embed="rId3">
             <a:extLst>
               <a:ext uri="{28A0092B-C50C-407E-A947-70E740481C1C}">
                 <a14:useLocalDpi xmlns:a14="http://schemas.microsoft.com/office/drawing/2010/main" val="0"/>
@@ -4895,7 +5017,7 @@
           <p:nvPr/>
         </p:nvPicPr>
         <p:blipFill>
-          <a:blip r:embed="rId3">
+          <a:blip r:embed="rId4">
             <a:extLst>
               <a:ext uri="{28A0092B-C50C-407E-A947-70E740481C1C}">
                 <a14:useLocalDpi xmlns:a14="http://schemas.microsoft.com/office/drawing/2010/main" val="0"/>
@@ -4911,6 +5033,70 @@
           <a:xfrm>
             <a:off x="251520" y="2255352"/>
             <a:ext cx="4296147" cy="2030294"/>
+          </a:xfrm>
+          <a:prstGeom prst="rect">
+            <a:avLst/>
+          </a:prstGeom>
+          <a:noFill/>
+          <a:ln>
+            <a:noFill/>
+          </a:ln>
+          <a:effectLst/>
+          <a:extLst>
+            <a:ext uri="{909E8E84-426E-40DD-AFC4-6F175D3DCCD1}">
+              <a14:hiddenFill xmlns:a14="http://schemas.microsoft.com/office/drawing/2010/main">
+                <a:solidFill>
+                  <a:schemeClr val="accent1"/>
+                </a:solidFill>
+              </a14:hiddenFill>
+            </a:ext>
+            <a:ext uri="{91240B29-F687-4F45-9708-019B960494DF}">
+              <a14:hiddenLine xmlns:a14="http://schemas.microsoft.com/office/drawing/2010/main" w="9525">
+                <a:solidFill>
+                  <a:schemeClr val="tx1"/>
+                </a:solidFill>
+                <a:miter lim="800000"/>
+                <a:headEnd/>
+                <a:tailEnd/>
+              </a14:hiddenLine>
+            </a:ext>
+            <a:ext uri="{AF507438-7753-43E0-B8FC-AC1667EBCBE1}">
+              <a14:hiddenEffects xmlns:a14="http://schemas.microsoft.com/office/drawing/2010/main">
+                <a:effectLst>
+                  <a:outerShdw dist="35921" dir="2700000" algn="ctr" rotWithShape="0">
+                    <a:schemeClr val="bg2"/>
+                  </a:outerShdw>
+                </a:effectLst>
+              </a14:hiddenEffects>
+            </a:ext>
+          </a:extLst>
+        </p:spPr>
+      </p:pic>
+      <p:pic>
+        <p:nvPicPr>
+          <p:cNvPr id="3074" name="Picture 2"/>
+          <p:cNvPicPr>
+            <a:picLocks noChangeAspect="1" noChangeArrowheads="1"/>
+          </p:cNvPicPr>
+          <p:nvPr/>
+        </p:nvPicPr>
+        <p:blipFill>
+          <a:blip r:embed="rId5">
+            <a:extLst>
+              <a:ext uri="{28A0092B-C50C-407E-A947-70E740481C1C}">
+                <a14:useLocalDpi xmlns:a14="http://schemas.microsoft.com/office/drawing/2010/main" val="0"/>
+              </a:ext>
+            </a:extLst>
+          </a:blip>
+          <a:srcRect/>
+          <a:stretch>
+            <a:fillRect/>
+          </a:stretch>
+        </p:blipFill>
+        <p:spPr bwMode="auto">
+          <a:xfrm>
+            <a:off x="1187624" y="4455844"/>
+            <a:ext cx="5400675" cy="1905000"/>
           </a:xfrm>
           <a:prstGeom prst="rect">
             <a:avLst/>
@@ -5035,6 +5221,269 @@
 </p:sld>
 </file>
 
+<file path=ppt/slides/slide17.xml><?xml version="1.0" encoding="utf-8"?>
+<p:sld xmlns:a="http://schemas.openxmlformats.org/drawingml/2006/main" xmlns:r="http://schemas.openxmlformats.org/officeDocument/2006/relationships" xmlns:p="http://schemas.openxmlformats.org/presentationml/2006/main">
+  <p:cSld>
+    <p:spTree>
+      <p:nvGrpSpPr>
+        <p:cNvPr id="1" name=""/>
+        <p:cNvGrpSpPr/>
+        <p:nvPr/>
+      </p:nvGrpSpPr>
+      <p:grpSpPr>
+        <a:xfrm>
+          <a:off x="0" y="0"/>
+          <a:ext cx="0" cy="0"/>
+          <a:chOff x="0" y="0"/>
+          <a:chExt cx="0" cy="0"/>
+        </a:xfrm>
+      </p:grpSpPr>
+      <p:sp>
+        <p:nvSpPr>
+          <p:cNvPr id="2" name="标题 1"/>
+          <p:cNvSpPr>
+            <a:spLocks noGrp="1"/>
+          </p:cNvSpPr>
+          <p:nvPr>
+            <p:ph type="title"/>
+          </p:nvPr>
+        </p:nvSpPr>
+        <p:spPr/>
+        <p:txBody>
+          <a:bodyPr/>
+          <a:lstStyle/>
+          <a:p>
+            <a:r>
+              <a:rPr lang="zh-CN" altLang="en-US" dirty="0" smtClean="0"/>
+              <a:t>创建子模块</a:t>
+            </a:r>
+            <a:endParaRPr lang="zh-CN" altLang="en-US" dirty="0"/>
+          </a:p>
+        </p:txBody>
+      </p:sp>
+      <p:sp>
+        <p:nvSpPr>
+          <p:cNvPr id="3" name="内容占位符 2"/>
+          <p:cNvSpPr>
+            <a:spLocks noGrp="1"/>
+          </p:cNvSpPr>
+          <p:nvPr>
+            <p:ph idx="1"/>
+          </p:nvPr>
+        </p:nvSpPr>
+        <p:spPr/>
+        <p:txBody>
+          <a:bodyPr/>
+          <a:lstStyle/>
+          <a:p>
+            <a:r>
+              <a:rPr lang="zh-CN" altLang="en-US" dirty="0"/>
+              <a:t>导</a:t>
+            </a:r>
+            <a:r>
+              <a:rPr lang="zh-CN" altLang="en-US" dirty="0" smtClean="0"/>
+              <a:t>入</a:t>
+            </a:r>
+            <a:r>
+              <a:rPr lang="en-US" altLang="zh-CN" dirty="0" err="1" smtClean="0"/>
+              <a:t>CommonModule</a:t>
+            </a:r>
+            <a:endParaRPr lang="en-US" altLang="zh-CN" dirty="0" smtClean="0"/>
+          </a:p>
+          <a:p>
+            <a:r>
+              <a:rPr lang="zh-CN" altLang="en-US" dirty="0"/>
+              <a:t>导</a:t>
+            </a:r>
+            <a:r>
+              <a:rPr lang="zh-CN" altLang="en-US" dirty="0" smtClean="0"/>
+              <a:t>入子路由</a:t>
+            </a:r>
+            <a:endParaRPr lang="zh-CN" altLang="en-US" dirty="0"/>
+          </a:p>
+        </p:txBody>
+      </p:sp>
+    </p:spTree>
+    <p:extLst>
+      <p:ext uri="{BB962C8B-B14F-4D97-AF65-F5344CB8AC3E}">
+        <p14:creationId xmlns:p14="http://schemas.microsoft.com/office/powerpoint/2010/main" val="2934551552"/>
+      </p:ext>
+    </p:extLst>
+  </p:cSld>
+  <p:clrMapOvr>
+    <a:masterClrMapping/>
+  </p:clrMapOvr>
+</p:sld>
+</file>
+
+<file path=ppt/slides/slide18.xml><?xml version="1.0" encoding="utf-8"?>
+<p:sld xmlns:a="http://schemas.openxmlformats.org/drawingml/2006/main" xmlns:r="http://schemas.openxmlformats.org/officeDocument/2006/relationships" xmlns:p="http://schemas.openxmlformats.org/presentationml/2006/main">
+  <p:cSld>
+    <p:spTree>
+      <p:nvGrpSpPr>
+        <p:cNvPr id="1" name=""/>
+        <p:cNvGrpSpPr/>
+        <p:nvPr/>
+      </p:nvGrpSpPr>
+      <p:grpSpPr>
+        <a:xfrm>
+          <a:off x="0" y="0"/>
+          <a:ext cx="0" cy="0"/>
+          <a:chOff x="0" y="0"/>
+          <a:chExt cx="0" cy="0"/>
+        </a:xfrm>
+      </p:grpSpPr>
+      <p:sp>
+        <p:nvSpPr>
+          <p:cNvPr id="2" name="标题 1"/>
+          <p:cNvSpPr>
+            <a:spLocks noGrp="1"/>
+          </p:cNvSpPr>
+          <p:nvPr>
+            <p:ph type="title"/>
+          </p:nvPr>
+        </p:nvSpPr>
+        <p:spPr/>
+        <p:txBody>
+          <a:bodyPr/>
+          <a:lstStyle/>
+          <a:p>
+            <a:r>
+              <a:rPr lang="zh-CN" altLang="en-US" dirty="0" smtClean="0"/>
+              <a:t>组件树</a:t>
+            </a:r>
+            <a:endParaRPr lang="zh-CN" altLang="en-US" dirty="0"/>
+          </a:p>
+        </p:txBody>
+      </p:sp>
+      <p:sp>
+        <p:nvSpPr>
+          <p:cNvPr id="3" name="内容占位符 2"/>
+          <p:cNvSpPr>
+            <a:spLocks noGrp="1"/>
+          </p:cNvSpPr>
+          <p:nvPr>
+            <p:ph idx="1"/>
+          </p:nvPr>
+        </p:nvSpPr>
+        <p:spPr/>
+        <p:txBody>
+          <a:bodyPr/>
+          <a:lstStyle/>
+          <a:p>
+            <a:r>
+              <a:rPr lang="en-US" altLang="zh-CN" dirty="0" err="1" smtClean="0"/>
+              <a:t>NgModule</a:t>
+            </a:r>
+            <a:r>
+              <a:rPr lang="zh-CN" altLang="en-US" dirty="0" smtClean="0"/>
+              <a:t>中</a:t>
+            </a:r>
+            <a:r>
+              <a:rPr lang="en-US" altLang="zh-CN" dirty="0" smtClean="0"/>
+              <a:t>exports</a:t>
+            </a:r>
+            <a:r>
+              <a:rPr lang="zh-CN" altLang="en-US" dirty="0" smtClean="0"/>
+              <a:t>导出组件</a:t>
+            </a:r>
+            <a:endParaRPr lang="zh-CN" altLang="en-US" dirty="0"/>
+          </a:p>
+        </p:txBody>
+      </p:sp>
+    </p:spTree>
+    <p:extLst>
+      <p:ext uri="{BB962C8B-B14F-4D97-AF65-F5344CB8AC3E}">
+        <p14:creationId xmlns:p14="http://schemas.microsoft.com/office/powerpoint/2010/main" val="1845034492"/>
+      </p:ext>
+    </p:extLst>
+  </p:cSld>
+  <p:clrMapOvr>
+    <a:masterClrMapping/>
+  </p:clrMapOvr>
+</p:sld>
+</file>
+
+<file path=ppt/slides/slide19.xml><?xml version="1.0" encoding="utf-8"?>
+<p:sld xmlns:a="http://schemas.openxmlformats.org/drawingml/2006/main" xmlns:r="http://schemas.openxmlformats.org/officeDocument/2006/relationships" xmlns:p="http://schemas.openxmlformats.org/presentationml/2006/main">
+  <p:cSld>
+    <p:spTree>
+      <p:nvGrpSpPr>
+        <p:cNvPr id="1" name=""/>
+        <p:cNvGrpSpPr/>
+        <p:nvPr/>
+      </p:nvGrpSpPr>
+      <p:grpSpPr>
+        <a:xfrm>
+          <a:off x="0" y="0"/>
+          <a:ext cx="0" cy="0"/>
+          <a:chOff x="0" y="0"/>
+          <a:chExt cx="0" cy="0"/>
+        </a:xfrm>
+      </p:grpSpPr>
+      <p:sp>
+        <p:nvSpPr>
+          <p:cNvPr id="2" name="标题 1"/>
+          <p:cNvSpPr>
+            <a:spLocks noGrp="1"/>
+          </p:cNvSpPr>
+          <p:nvPr>
+            <p:ph type="title"/>
+          </p:nvPr>
+        </p:nvSpPr>
+        <p:spPr/>
+        <p:txBody>
+          <a:bodyPr/>
+          <a:lstStyle/>
+          <a:p>
+            <a:r>
+              <a:rPr lang="zh-CN" altLang="en-US" dirty="0" smtClean="0"/>
+              <a:t>路由从</a:t>
+            </a:r>
+            <a:r>
+              <a:rPr lang="en-US" altLang="zh-CN" dirty="0" err="1" smtClean="0"/>
+              <a:t>AppModule</a:t>
+            </a:r>
+            <a:r>
+              <a:rPr lang="zh-CN" altLang="en-US" dirty="0" smtClean="0"/>
+              <a:t>中分离</a:t>
+            </a:r>
+            <a:endParaRPr lang="zh-CN" altLang="en-US" dirty="0"/>
+          </a:p>
+        </p:txBody>
+      </p:sp>
+      <p:sp>
+        <p:nvSpPr>
+          <p:cNvPr id="3" name="内容占位符 2"/>
+          <p:cNvSpPr>
+            <a:spLocks noGrp="1"/>
+          </p:cNvSpPr>
+          <p:nvPr>
+            <p:ph idx="1"/>
+          </p:nvPr>
+        </p:nvSpPr>
+        <p:spPr/>
+        <p:txBody>
+          <a:bodyPr/>
+          <a:lstStyle/>
+          <a:p>
+            <a:endParaRPr lang="zh-CN" altLang="en-US"/>
+          </a:p>
+        </p:txBody>
+      </p:sp>
+    </p:spTree>
+    <p:extLst>
+      <p:ext uri="{BB962C8B-B14F-4D97-AF65-F5344CB8AC3E}">
+        <p14:creationId xmlns:p14="http://schemas.microsoft.com/office/powerpoint/2010/main" val="737358544"/>
+      </p:ext>
+    </p:extLst>
+  </p:cSld>
+  <p:clrMapOvr>
+    <a:masterClrMapping/>
+  </p:clrMapOvr>
+</p:sld>
+</file>
+
 <file path=ppt/slides/slide2.xml><?xml version="1.0" encoding="utf-8"?>
 <p:sld xmlns:a="http://schemas.openxmlformats.org/drawingml/2006/main" xmlns:r="http://schemas.openxmlformats.org/officeDocument/2006/relationships" xmlns:p="http://schemas.openxmlformats.org/presentationml/2006/main">
   <p:cSld>
@@ -5184,6 +5633,594 @@
     <p:extLst>
       <p:ext uri="{BB962C8B-B14F-4D97-AF65-F5344CB8AC3E}">
         <p14:creationId xmlns:p14="http://schemas.microsoft.com/office/powerpoint/2010/main" val="3028113592"/>
+      </p:ext>
+    </p:extLst>
+  </p:cSld>
+  <p:clrMapOvr>
+    <a:masterClrMapping/>
+  </p:clrMapOvr>
+</p:sld>
+</file>
+
+<file path=ppt/slides/slide20.xml><?xml version="1.0" encoding="utf-8"?>
+<p:sld xmlns:a="http://schemas.openxmlformats.org/drawingml/2006/main" xmlns:r="http://schemas.openxmlformats.org/officeDocument/2006/relationships" xmlns:p="http://schemas.openxmlformats.org/presentationml/2006/main">
+  <p:cSld>
+    <p:spTree>
+      <p:nvGrpSpPr>
+        <p:cNvPr id="1" name=""/>
+        <p:cNvGrpSpPr/>
+        <p:nvPr/>
+      </p:nvGrpSpPr>
+      <p:grpSpPr>
+        <a:xfrm>
+          <a:off x="0" y="0"/>
+          <a:ext cx="0" cy="0"/>
+          <a:chOff x="0" y="0"/>
+          <a:chExt cx="0" cy="0"/>
+        </a:xfrm>
+      </p:grpSpPr>
+      <p:sp>
+        <p:nvSpPr>
+          <p:cNvPr id="2" name="标题 1"/>
+          <p:cNvSpPr>
+            <a:spLocks noGrp="1"/>
+          </p:cNvSpPr>
+          <p:nvPr>
+            <p:ph type="title"/>
+          </p:nvPr>
+        </p:nvSpPr>
+        <p:spPr/>
+        <p:txBody>
+          <a:bodyPr/>
+          <a:lstStyle/>
+          <a:p>
+            <a:r>
+              <a:rPr lang="zh-CN" altLang="en-US" dirty="0" smtClean="0"/>
+              <a:t>路由分离后错误</a:t>
+            </a:r>
+            <a:endParaRPr lang="zh-CN" altLang="en-US" dirty="0"/>
+          </a:p>
+        </p:txBody>
+      </p:sp>
+      <p:sp>
+        <p:nvSpPr>
+          <p:cNvPr id="3" name="内容占位符 2"/>
+          <p:cNvSpPr>
+            <a:spLocks noGrp="1"/>
+          </p:cNvSpPr>
+          <p:nvPr>
+            <p:ph idx="1"/>
+          </p:nvPr>
+        </p:nvSpPr>
+        <p:spPr/>
+        <p:txBody>
+          <a:bodyPr/>
+          <a:lstStyle/>
+          <a:p>
+            <a:endParaRPr lang="zh-CN" altLang="en-US" dirty="0"/>
+          </a:p>
+        </p:txBody>
+      </p:sp>
+      <p:pic>
+        <p:nvPicPr>
+          <p:cNvPr id="1026" name="Picture 2"/>
+          <p:cNvPicPr>
+            <a:picLocks noChangeAspect="1" noChangeArrowheads="1"/>
+          </p:cNvPicPr>
+          <p:nvPr/>
+        </p:nvPicPr>
+        <p:blipFill>
+          <a:blip r:embed="rId2">
+            <a:extLst>
+              <a:ext uri="{28A0092B-C50C-407E-A947-70E740481C1C}">
+                <a14:useLocalDpi xmlns:a14="http://schemas.microsoft.com/office/drawing/2010/main" val="0"/>
+              </a:ext>
+            </a:extLst>
+          </a:blip>
+          <a:srcRect/>
+          <a:stretch>
+            <a:fillRect/>
+          </a:stretch>
+        </p:blipFill>
+        <p:spPr bwMode="auto">
+          <a:xfrm>
+            <a:off x="754850" y="1824039"/>
+            <a:ext cx="7389491" cy="2613073"/>
+          </a:xfrm>
+          <a:prstGeom prst="rect">
+            <a:avLst/>
+          </a:prstGeom>
+          <a:noFill/>
+          <a:ln>
+            <a:noFill/>
+          </a:ln>
+          <a:effectLst/>
+          <a:extLst>
+            <a:ext uri="{909E8E84-426E-40DD-AFC4-6F175D3DCCD1}">
+              <a14:hiddenFill xmlns:a14="http://schemas.microsoft.com/office/drawing/2010/main">
+                <a:solidFill>
+                  <a:schemeClr val="accent1"/>
+                </a:solidFill>
+              </a14:hiddenFill>
+            </a:ext>
+            <a:ext uri="{91240B29-F687-4F45-9708-019B960494DF}">
+              <a14:hiddenLine xmlns:a14="http://schemas.microsoft.com/office/drawing/2010/main" w="9525">
+                <a:solidFill>
+                  <a:schemeClr val="tx1"/>
+                </a:solidFill>
+                <a:miter lim="800000"/>
+                <a:headEnd/>
+                <a:tailEnd/>
+              </a14:hiddenLine>
+            </a:ext>
+            <a:ext uri="{AF507438-7753-43E0-B8FC-AC1667EBCBE1}">
+              <a14:hiddenEffects xmlns:a14="http://schemas.microsoft.com/office/drawing/2010/main">
+                <a:effectLst>
+                  <a:outerShdw dist="35921" dir="2700000" algn="ctr" rotWithShape="0">
+                    <a:schemeClr val="bg2"/>
+                  </a:outerShdw>
+                </a:effectLst>
+              </a14:hiddenEffects>
+            </a:ext>
+          </a:extLst>
+        </p:spPr>
+      </p:pic>
+    </p:spTree>
+    <p:extLst>
+      <p:ext uri="{BB962C8B-B14F-4D97-AF65-F5344CB8AC3E}">
+        <p14:creationId xmlns:p14="http://schemas.microsoft.com/office/powerpoint/2010/main" val="3423326049"/>
+      </p:ext>
+    </p:extLst>
+  </p:cSld>
+  <p:clrMapOvr>
+    <a:masterClrMapping/>
+  </p:clrMapOvr>
+</p:sld>
+</file>
+
+<file path=ppt/slides/slide21.xml><?xml version="1.0" encoding="utf-8"?>
+<p:sld xmlns:a="http://schemas.openxmlformats.org/drawingml/2006/main" xmlns:r="http://schemas.openxmlformats.org/officeDocument/2006/relationships" xmlns:p="http://schemas.openxmlformats.org/presentationml/2006/main">
+  <p:cSld>
+    <p:spTree>
+      <p:nvGrpSpPr>
+        <p:cNvPr id="1" name=""/>
+        <p:cNvGrpSpPr/>
+        <p:nvPr/>
+      </p:nvGrpSpPr>
+      <p:grpSpPr>
+        <a:xfrm>
+          <a:off x="0" y="0"/>
+          <a:ext cx="0" cy="0"/>
+          <a:chOff x="0" y="0"/>
+          <a:chExt cx="0" cy="0"/>
+        </a:xfrm>
+      </p:grpSpPr>
+      <p:sp>
+        <p:nvSpPr>
+          <p:cNvPr id="2" name="标题 1"/>
+          <p:cNvSpPr>
+            <a:spLocks noGrp="1"/>
+          </p:cNvSpPr>
+          <p:nvPr>
+            <p:ph type="title"/>
+          </p:nvPr>
+        </p:nvSpPr>
+        <p:spPr/>
+        <p:txBody>
+          <a:bodyPr>
+            <a:normAutofit fontScale="90000"/>
+          </a:bodyPr>
+          <a:lstStyle/>
+          <a:p>
+            <a:r>
+              <a:rPr lang="zh-CN" altLang="en-US" dirty="0" smtClean="0"/>
+              <a:t>路由懒加载的子模块，必须有自己的路由模块</a:t>
+            </a:r>
+            <a:endParaRPr lang="zh-CN" altLang="en-US" dirty="0"/>
+          </a:p>
+        </p:txBody>
+      </p:sp>
+      <p:sp>
+        <p:nvSpPr>
+          <p:cNvPr id="3" name="内容占位符 2"/>
+          <p:cNvSpPr>
+            <a:spLocks noGrp="1"/>
+          </p:cNvSpPr>
+          <p:nvPr>
+            <p:ph idx="1"/>
+          </p:nvPr>
+        </p:nvSpPr>
+        <p:spPr/>
+        <p:txBody>
+          <a:bodyPr/>
+          <a:lstStyle/>
+          <a:p>
+            <a:r>
+              <a:rPr lang="zh-CN" altLang="en-US" dirty="0" smtClean="0"/>
+              <a:t>懒加载的模块如果没有自己的路由，则会加载失败</a:t>
+            </a:r>
+            <a:endParaRPr lang="en-US" altLang="zh-CN" dirty="0" smtClean="0"/>
+          </a:p>
+          <a:p>
+            <a:r>
+              <a:rPr lang="zh-CN" altLang="en-US" dirty="0" smtClean="0"/>
+              <a:t>特性模块必须拥有自己的路由</a:t>
+            </a:r>
+            <a:endParaRPr lang="zh-CN" altLang="en-US" dirty="0"/>
+          </a:p>
+        </p:txBody>
+      </p:sp>
+      <p:pic>
+        <p:nvPicPr>
+          <p:cNvPr id="2050" name="Picture 2"/>
+          <p:cNvPicPr>
+            <a:picLocks noChangeAspect="1" noChangeArrowheads="1"/>
+          </p:cNvPicPr>
+          <p:nvPr/>
+        </p:nvPicPr>
+        <p:blipFill>
+          <a:blip r:embed="rId2">
+            <a:extLst>
+              <a:ext uri="{28A0092B-C50C-407E-A947-70E740481C1C}">
+                <a14:useLocalDpi xmlns:a14="http://schemas.microsoft.com/office/drawing/2010/main" val="0"/>
+              </a:ext>
+            </a:extLst>
+          </a:blip>
+          <a:srcRect/>
+          <a:stretch>
+            <a:fillRect/>
+          </a:stretch>
+        </p:blipFill>
+        <p:spPr bwMode="auto">
+          <a:xfrm>
+            <a:off x="683568" y="3068960"/>
+            <a:ext cx="7219950" cy="2895600"/>
+          </a:xfrm>
+          <a:prstGeom prst="rect">
+            <a:avLst/>
+          </a:prstGeom>
+          <a:noFill/>
+          <a:ln>
+            <a:noFill/>
+          </a:ln>
+          <a:effectLst/>
+          <a:extLst>
+            <a:ext uri="{909E8E84-426E-40DD-AFC4-6F175D3DCCD1}">
+              <a14:hiddenFill xmlns:a14="http://schemas.microsoft.com/office/drawing/2010/main">
+                <a:solidFill>
+                  <a:schemeClr val="accent1"/>
+                </a:solidFill>
+              </a14:hiddenFill>
+            </a:ext>
+            <a:ext uri="{91240B29-F687-4F45-9708-019B960494DF}">
+              <a14:hiddenLine xmlns:a14="http://schemas.microsoft.com/office/drawing/2010/main" w="9525">
+                <a:solidFill>
+                  <a:schemeClr val="tx1"/>
+                </a:solidFill>
+                <a:miter lim="800000"/>
+                <a:headEnd/>
+                <a:tailEnd/>
+              </a14:hiddenLine>
+            </a:ext>
+            <a:ext uri="{AF507438-7753-43E0-B8FC-AC1667EBCBE1}">
+              <a14:hiddenEffects xmlns:a14="http://schemas.microsoft.com/office/drawing/2010/main">
+                <a:effectLst>
+                  <a:outerShdw dist="35921" dir="2700000" algn="ctr" rotWithShape="0">
+                    <a:schemeClr val="bg2"/>
+                  </a:outerShdw>
+                </a:effectLst>
+              </a14:hiddenEffects>
+            </a:ext>
+          </a:extLst>
+        </p:spPr>
+      </p:pic>
+    </p:spTree>
+    <p:extLst>
+      <p:ext uri="{BB962C8B-B14F-4D97-AF65-F5344CB8AC3E}">
+        <p14:creationId xmlns:p14="http://schemas.microsoft.com/office/powerpoint/2010/main" val="2029253723"/>
+      </p:ext>
+    </p:extLst>
+  </p:cSld>
+  <p:clrMapOvr>
+    <a:masterClrMapping/>
+  </p:clrMapOvr>
+</p:sld>
+</file>
+
+<file path=ppt/slides/slide22.xml><?xml version="1.0" encoding="utf-8"?>
+<p:sld xmlns:a="http://schemas.openxmlformats.org/drawingml/2006/main" xmlns:r="http://schemas.openxmlformats.org/officeDocument/2006/relationships" xmlns:p="http://schemas.openxmlformats.org/presentationml/2006/main">
+  <p:cSld>
+    <p:spTree>
+      <p:nvGrpSpPr>
+        <p:cNvPr id="1" name=""/>
+        <p:cNvGrpSpPr/>
+        <p:nvPr/>
+      </p:nvGrpSpPr>
+      <p:grpSpPr>
+        <a:xfrm>
+          <a:off x="0" y="0"/>
+          <a:ext cx="0" cy="0"/>
+          <a:chOff x="0" y="0"/>
+          <a:chExt cx="0" cy="0"/>
+        </a:xfrm>
+      </p:grpSpPr>
+      <p:sp>
+        <p:nvSpPr>
+          <p:cNvPr id="2" name="标题 1"/>
+          <p:cNvSpPr>
+            <a:spLocks noGrp="1"/>
+          </p:cNvSpPr>
+          <p:nvPr>
+            <p:ph type="title"/>
+          </p:nvPr>
+        </p:nvSpPr>
+        <p:spPr/>
+        <p:txBody>
+          <a:bodyPr/>
+          <a:lstStyle/>
+          <a:p>
+            <a:r>
+              <a:rPr lang="en-US" altLang="zh-CN" dirty="0" err="1" smtClean="0"/>
+              <a:t>systemJS</a:t>
+            </a:r>
+            <a:r>
+              <a:rPr lang="zh-CN" altLang="en-US" dirty="0" smtClean="0"/>
+              <a:t>工具链</a:t>
+            </a:r>
+            <a:endParaRPr lang="zh-CN" altLang="en-US" dirty="0"/>
+          </a:p>
+        </p:txBody>
+      </p:sp>
+      <p:sp>
+        <p:nvSpPr>
+          <p:cNvPr id="3" name="内容占位符 2"/>
+          <p:cNvSpPr>
+            <a:spLocks noGrp="1"/>
+          </p:cNvSpPr>
+          <p:nvPr>
+            <p:ph idx="1"/>
+          </p:nvPr>
+        </p:nvSpPr>
+        <p:spPr/>
+        <p:txBody>
+          <a:bodyPr/>
+          <a:lstStyle/>
+          <a:p>
+            <a:r>
+              <a:rPr lang="en-US" altLang="zh-CN" dirty="0">
+                <a:hlinkClick r:id="rId2"/>
+              </a:rPr>
+              <a:t>http://jspm.io</a:t>
+            </a:r>
+            <a:r>
+              <a:rPr lang="en-US" altLang="zh-CN" dirty="0" smtClean="0">
+                <a:hlinkClick r:id="rId2"/>
+              </a:rPr>
+              <a:t>/</a:t>
+            </a:r>
+            <a:endParaRPr lang="en-US" altLang="zh-CN" dirty="0" smtClean="0"/>
+          </a:p>
+          <a:p>
+            <a:r>
+              <a:rPr lang="en-US" altLang="zh-CN" dirty="0">
+                <a:hlinkClick r:id="rId3"/>
+              </a:rPr>
+              <a:t>https://</a:t>
+            </a:r>
+            <a:r>
+              <a:rPr lang="en-US" altLang="zh-CN" dirty="0" smtClean="0">
+                <a:hlinkClick r:id="rId3"/>
+              </a:rPr>
+              <a:t>github.com/systemjs/systemjs/blob/master/docs/plugins.md</a:t>
+            </a:r>
+            <a:endParaRPr lang="en-US" altLang="zh-CN" dirty="0" smtClean="0"/>
+          </a:p>
+          <a:p>
+            <a:r>
+              <a:rPr lang="en-US" altLang="zh-CN" dirty="0">
+                <a:hlinkClick r:id="rId4"/>
+              </a:rPr>
+              <a:t>https://</a:t>
+            </a:r>
+            <a:r>
+              <a:rPr lang="en-US" altLang="zh-CN" dirty="0" smtClean="0">
+                <a:hlinkClick r:id="rId4"/>
+              </a:rPr>
+              <a:t>github.com/systemjs/systemjs</a:t>
+            </a:r>
+            <a:endParaRPr lang="en-US" altLang="zh-CN" dirty="0" smtClean="0"/>
+          </a:p>
+          <a:p>
+            <a:endParaRPr lang="zh-CN" altLang="en-US" dirty="0"/>
+          </a:p>
+        </p:txBody>
+      </p:sp>
+    </p:spTree>
+    <p:extLst>
+      <p:ext uri="{BB962C8B-B14F-4D97-AF65-F5344CB8AC3E}">
+        <p14:creationId xmlns:p14="http://schemas.microsoft.com/office/powerpoint/2010/main" val="1287197292"/>
+      </p:ext>
+    </p:extLst>
+  </p:cSld>
+  <p:clrMapOvr>
+    <a:masterClrMapping/>
+  </p:clrMapOvr>
+</p:sld>
+</file>
+
+<file path=ppt/slides/slide23.xml><?xml version="1.0" encoding="utf-8"?>
+<p:sld xmlns:a="http://schemas.openxmlformats.org/drawingml/2006/main" xmlns:r="http://schemas.openxmlformats.org/officeDocument/2006/relationships" xmlns:p="http://schemas.openxmlformats.org/presentationml/2006/main">
+  <p:cSld>
+    <p:spTree>
+      <p:nvGrpSpPr>
+        <p:cNvPr id="1" name=""/>
+        <p:cNvGrpSpPr/>
+        <p:nvPr/>
+      </p:nvGrpSpPr>
+      <p:grpSpPr>
+        <a:xfrm>
+          <a:off x="0" y="0"/>
+          <a:ext cx="0" cy="0"/>
+          <a:chOff x="0" y="0"/>
+          <a:chExt cx="0" cy="0"/>
+        </a:xfrm>
+      </p:grpSpPr>
+      <p:sp>
+        <p:nvSpPr>
+          <p:cNvPr id="2" name="标题 1"/>
+          <p:cNvSpPr>
+            <a:spLocks noGrp="1"/>
+          </p:cNvSpPr>
+          <p:nvPr>
+            <p:ph type="title"/>
+          </p:nvPr>
+        </p:nvSpPr>
+        <p:spPr/>
+        <p:txBody>
+          <a:bodyPr>
+            <a:normAutofit/>
+          </a:bodyPr>
+          <a:lstStyle/>
+          <a:p>
+            <a:r>
+              <a:rPr lang="en-US" altLang="zh-CN" dirty="0" err="1" smtClean="0"/>
+              <a:t>Webpack</a:t>
+            </a:r>
+            <a:r>
+              <a:rPr lang="zh-CN" altLang="en-US" dirty="0" smtClean="0"/>
+              <a:t>工具链</a:t>
+            </a:r>
+            <a:endParaRPr lang="zh-CN" altLang="en-US" dirty="0"/>
+          </a:p>
+        </p:txBody>
+      </p:sp>
+      <p:sp>
+        <p:nvSpPr>
+          <p:cNvPr id="3" name="内容占位符 2"/>
+          <p:cNvSpPr>
+            <a:spLocks noGrp="1"/>
+          </p:cNvSpPr>
+          <p:nvPr>
+            <p:ph idx="1"/>
+          </p:nvPr>
+        </p:nvSpPr>
+        <p:spPr/>
+        <p:txBody>
+          <a:bodyPr/>
+          <a:lstStyle/>
+          <a:p>
+            <a:r>
+              <a:rPr lang="en-US" altLang="zh-CN" dirty="0"/>
+              <a:t>http://webpack.github.io/docs/</a:t>
+            </a:r>
+            <a:endParaRPr lang="zh-CN" altLang="en-US" dirty="0"/>
+          </a:p>
+        </p:txBody>
+      </p:sp>
+    </p:spTree>
+    <p:extLst>
+      <p:ext uri="{BB962C8B-B14F-4D97-AF65-F5344CB8AC3E}">
+        <p14:creationId xmlns:p14="http://schemas.microsoft.com/office/powerpoint/2010/main" val="4047428046"/>
+      </p:ext>
+    </p:extLst>
+  </p:cSld>
+  <p:clrMapOvr>
+    <a:masterClrMapping/>
+  </p:clrMapOvr>
+</p:sld>
+</file>
+
+<file path=ppt/slides/slide24.xml><?xml version="1.0" encoding="utf-8"?>
+<p:sld xmlns:a="http://schemas.openxmlformats.org/drawingml/2006/main" xmlns:r="http://schemas.openxmlformats.org/officeDocument/2006/relationships" xmlns:p="http://schemas.openxmlformats.org/presentationml/2006/main">
+  <p:cSld>
+    <p:spTree>
+      <p:nvGrpSpPr>
+        <p:cNvPr id="1" name=""/>
+        <p:cNvGrpSpPr/>
+        <p:nvPr/>
+      </p:nvGrpSpPr>
+      <p:grpSpPr>
+        <a:xfrm>
+          <a:off x="0" y="0"/>
+          <a:ext cx="0" cy="0"/>
+          <a:chOff x="0" y="0"/>
+          <a:chExt cx="0" cy="0"/>
+        </a:xfrm>
+      </p:grpSpPr>
+      <p:sp>
+        <p:nvSpPr>
+          <p:cNvPr id="2" name="标题 1"/>
+          <p:cNvSpPr>
+            <a:spLocks noGrp="1"/>
+          </p:cNvSpPr>
+          <p:nvPr>
+            <p:ph type="title"/>
+          </p:nvPr>
+        </p:nvSpPr>
+        <p:spPr/>
+        <p:txBody>
+          <a:bodyPr/>
+          <a:lstStyle/>
+          <a:p>
+            <a:r>
+              <a:rPr lang="zh-CN" altLang="en-US" dirty="0" smtClean="0"/>
+              <a:t>问题</a:t>
+            </a:r>
+            <a:endParaRPr lang="zh-CN" altLang="en-US" dirty="0"/>
+          </a:p>
+        </p:txBody>
+      </p:sp>
+      <p:sp>
+        <p:nvSpPr>
+          <p:cNvPr id="3" name="内容占位符 2"/>
+          <p:cNvSpPr>
+            <a:spLocks noGrp="1"/>
+          </p:cNvSpPr>
+          <p:nvPr>
+            <p:ph idx="1"/>
+          </p:nvPr>
+        </p:nvSpPr>
+        <p:spPr/>
+        <p:txBody>
+          <a:bodyPr/>
+          <a:lstStyle/>
+          <a:p>
+            <a:r>
+              <a:rPr lang="zh-CN" altLang="en-US" dirty="0" smtClean="0"/>
+              <a:t>如果</a:t>
+            </a:r>
+            <a:r>
+              <a:rPr lang="en-US" altLang="zh-CN" dirty="0" err="1" smtClean="0"/>
+              <a:t>sharemodule</a:t>
+            </a:r>
+            <a:r>
+              <a:rPr lang="zh-CN" altLang="en-US" dirty="0" smtClean="0"/>
+              <a:t>中的组件里面含有</a:t>
+            </a:r>
+            <a:r>
+              <a:rPr lang="en-US" altLang="zh-CN" dirty="0" smtClean="0"/>
+              <a:t>provider,</a:t>
+            </a:r>
+            <a:r>
+              <a:rPr lang="zh-CN" altLang="en-US" dirty="0" smtClean="0"/>
+              <a:t>这个</a:t>
+            </a:r>
+            <a:r>
+              <a:rPr lang="en-US" altLang="zh-CN" dirty="0" smtClean="0"/>
+              <a:t>provider</a:t>
+            </a:r>
+            <a:r>
+              <a:rPr lang="zh-CN" altLang="en-US" dirty="0" smtClean="0"/>
+              <a:t>里面有服务，那么这个服务还是单例么？</a:t>
+            </a:r>
+            <a:endParaRPr lang="zh-CN" altLang="en-US" dirty="0"/>
+          </a:p>
+        </p:txBody>
+      </p:sp>
+    </p:spTree>
+    <p:extLst>
+      <p:ext uri="{BB962C8B-B14F-4D97-AF65-F5344CB8AC3E}">
+        <p14:creationId xmlns:p14="http://schemas.microsoft.com/office/powerpoint/2010/main" val="1704239897"/>
       </p:ext>
     </p:extLst>
   </p:cSld>

--- a/files/Angular2.pptx
+++ b/files/Angular2.pptx
@@ -5,7 +5,7 @@
     <p:sldMasterId id="2147483648" r:id="rId1"/>
   </p:sldMasterIdLst>
   <p:notesMasterIdLst>
-    <p:notesMasterId r:id="rId26"/>
+    <p:notesMasterId r:id="rId28"/>
   </p:notesMasterIdLst>
   <p:sldIdLst>
     <p:sldId id="257" r:id="rId2"/>
@@ -24,14 +24,16 @@
     <p:sldId id="270" r:id="rId15"/>
     <p:sldId id="271" r:id="rId16"/>
     <p:sldId id="272" r:id="rId17"/>
-    <p:sldId id="273" r:id="rId18"/>
-    <p:sldId id="276" r:id="rId19"/>
-    <p:sldId id="274" r:id="rId20"/>
-    <p:sldId id="275" r:id="rId21"/>
-    <p:sldId id="277" r:id="rId22"/>
-    <p:sldId id="279" r:id="rId23"/>
-    <p:sldId id="280" r:id="rId24"/>
-    <p:sldId id="278" r:id="rId25"/>
+    <p:sldId id="282" r:id="rId18"/>
+    <p:sldId id="273" r:id="rId19"/>
+    <p:sldId id="276" r:id="rId20"/>
+    <p:sldId id="274" r:id="rId21"/>
+    <p:sldId id="275" r:id="rId22"/>
+    <p:sldId id="277" r:id="rId23"/>
+    <p:sldId id="279" r:id="rId24"/>
+    <p:sldId id="280" r:id="rId25"/>
+    <p:sldId id="283" r:id="rId26"/>
+    <p:sldId id="278" r:id="rId27"/>
   </p:sldIdLst>
   <p:sldSz cx="9144000" cy="6858000" type="screen4x3"/>
   <p:notesSz cx="6858000" cy="9144000"/>
@@ -130,6 +132,22 @@
       </a:defRPr>
     </a:lvl9pPr>
   </p:defaultTextStyle>
+  <p:extLst>
+    <p:ext uri="{EFAFB233-063F-42B5-8137-9DF3F51BA10A}">
+      <p15:sldGuideLst xmlns:p15="http://schemas.microsoft.com/office/powerpoint/2012/main">
+        <p15:guide id="1" orient="horz" pos="2160">
+          <p15:clr>
+            <a:srgbClr val="A4A3A4"/>
+          </p15:clr>
+        </p15:guide>
+        <p15:guide id="2" pos="2880">
+          <p15:clr>
+            <a:srgbClr val="A4A3A4"/>
+          </p15:clr>
+        </p15:guide>
+      </p15:sldGuideLst>
+    </p:ext>
+  </p:extLst>
 </p:presentation>
 </file>
 
@@ -279,38 +297,37 @@
           <a:p>
             <a:pPr lvl="0"/>
             <a:r>
-              <a:rPr lang="zh-CN" altLang="en-US" smtClean="0"/>
+              <a:rPr lang="zh-CN" altLang="en-US"/>
               <a:t>单击此处编辑母版文本样式</a:t>
             </a:r>
           </a:p>
           <a:p>
             <a:pPr lvl="1"/>
             <a:r>
-              <a:rPr lang="zh-CN" altLang="en-US" smtClean="0"/>
+              <a:rPr lang="zh-CN" altLang="en-US"/>
               <a:t>第二级</a:t>
             </a:r>
           </a:p>
           <a:p>
             <a:pPr lvl="2"/>
             <a:r>
-              <a:rPr lang="zh-CN" altLang="en-US" smtClean="0"/>
+              <a:rPr lang="zh-CN" altLang="en-US"/>
               <a:t>第三级</a:t>
             </a:r>
           </a:p>
           <a:p>
             <a:pPr lvl="3"/>
             <a:r>
-              <a:rPr lang="zh-CN" altLang="en-US" smtClean="0"/>
+              <a:rPr lang="zh-CN" altLang="en-US"/>
               <a:t>第四级</a:t>
             </a:r>
           </a:p>
           <a:p>
             <a:pPr lvl="4"/>
             <a:r>
-              <a:rPr lang="zh-CN" altLang="en-US" smtClean="0"/>
+              <a:rPr lang="zh-CN" altLang="en-US"/>
               <a:t>第五级</a:t>
             </a:r>
-            <a:endParaRPr lang="zh-CN" altLang="en-US"/>
           </a:p>
         </p:txBody>
       </p:sp>
@@ -629,26 +646,26 @@
               <a:defRPr/>
             </a:pPr>
             <a:r>
-              <a:rPr lang="zh-CN" altLang="en-US" dirty="0" smtClean="0"/>
+              <a:rPr lang="zh-CN" altLang="en-US" dirty="0"/>
               <a:t>点击</a:t>
             </a:r>
             <a:r>
-              <a:rPr lang="en-US" altLang="zh-CN" dirty="0" smtClean="0"/>
+              <a:rPr lang="en-US" altLang="zh-CN" dirty="0"/>
               <a:t>view</a:t>
             </a:r>
             <a:r>
-              <a:rPr lang="zh-CN" altLang="en-US" dirty="0" smtClean="0"/>
+              <a:rPr lang="zh-CN" altLang="en-US" dirty="0"/>
               <a:t>上的超链接，虽然视图和</a:t>
             </a:r>
             <a:r>
-              <a:rPr lang="en-US" altLang="zh-CN" dirty="0" err="1" smtClean="0"/>
+              <a:rPr lang="en-US" altLang="zh-CN" dirty="0" err="1"/>
               <a:t>url</a:t>
             </a:r>
             <a:r>
-              <a:rPr lang="zh-CN" altLang="en-US" dirty="0" smtClean="0"/>
+              <a:rPr lang="zh-CN" altLang="en-US" dirty="0"/>
               <a:t>地址变化，但没有请求后台页面，也就是说后台服务器上其实并没有这样的路径</a:t>
             </a:r>
-            <a:endParaRPr lang="en-US" altLang="zh-CN" dirty="0" smtClean="0"/>
+            <a:endParaRPr lang="en-US" altLang="zh-CN" dirty="0"/>
           </a:p>
           <a:p>
             <a:pPr marL="228600" marR="0" indent="-228600" algn="l" defTabSz="914400" rtl="0" eaLnBrk="1" fontAlgn="auto" latinLnBrk="0" hangingPunct="1">
@@ -669,7 +686,7 @@
               <a:defRPr/>
             </a:pPr>
             <a:r>
-              <a:rPr lang="en-US" altLang="zh-CN" sz="1200" b="0" i="0" kern="1200" dirty="0" smtClean="0">
+              <a:rPr lang="en-US" altLang="zh-CN" sz="1200" b="0" i="0" kern="1200" dirty="0">
                 <a:solidFill>
                   <a:schemeClr val="tx1"/>
                 </a:solidFill>
@@ -681,7 +698,7 @@
               <a:t>Angular2</a:t>
             </a:r>
             <a:r>
-              <a:rPr lang="zh-CN" altLang="en-US" sz="1200" b="0" i="0" kern="1200" dirty="0" smtClean="0">
+              <a:rPr lang="zh-CN" altLang="en-US" sz="1200" b="0" i="0" kern="1200" dirty="0">
                 <a:solidFill>
                   <a:schemeClr val="tx1"/>
                 </a:solidFill>
@@ -693,7 +710,7 @@
               <a:t>中的路由实现是现代</a:t>
             </a:r>
             <a:r>
-              <a:rPr lang="en-US" altLang="zh-CN" sz="1200" b="0" i="0" kern="1200" dirty="0" smtClean="0">
+              <a:rPr lang="en-US" altLang="zh-CN" sz="1200" b="0" i="0" kern="1200" dirty="0">
                 <a:solidFill>
                   <a:schemeClr val="tx1"/>
                 </a:solidFill>
@@ -705,7 +722,7 @@
               <a:t>HTML 5</a:t>
             </a:r>
             <a:r>
-              <a:rPr lang="zh-CN" altLang="en-US" sz="1200" b="0" i="0" kern="1200" dirty="0" smtClean="0">
+              <a:rPr lang="zh-CN" altLang="en-US" sz="1200" b="0" i="0" kern="1200" dirty="0">
                 <a:solidFill>
                   <a:schemeClr val="tx1"/>
                 </a:solidFill>
@@ -717,7 +734,7 @@
               <a:t>浏览器支持</a:t>
             </a:r>
             <a:r>
-              <a:rPr lang="en-US" altLang="zh-CN" sz="1200" b="0" i="0" u="none" strike="noStrike" kern="1200" dirty="0" err="1" smtClean="0">
+              <a:rPr lang="en-US" altLang="zh-CN" sz="1200" b="0" i="0" u="none" strike="noStrike" kern="1200" dirty="0" err="1">
                 <a:solidFill>
                   <a:schemeClr val="tx1"/>
                 </a:solidFill>
@@ -730,7 +747,7 @@
               <a:t>history.pushState</a:t>
             </a:r>
             <a:r>
-              <a:rPr lang="zh-CN" altLang="en-US" sz="1200" b="0" i="0" kern="1200" dirty="0" smtClean="0">
+              <a:rPr lang="zh-CN" altLang="en-US" sz="1200" b="0" i="0" kern="1200" dirty="0">
                 <a:solidFill>
                   <a:schemeClr val="tx1"/>
                 </a:solidFill>
@@ -742,7 +759,7 @@
               <a:t> </a:t>
             </a:r>
             <a:r>
-              <a:rPr lang="en-US" altLang="zh-CN" sz="1200" b="0" i="0" kern="1200" dirty="0" smtClean="0">
+              <a:rPr lang="en-US" altLang="zh-CN" sz="1200" b="0" i="0" kern="1200" dirty="0">
                 <a:solidFill>
                   <a:schemeClr val="tx1"/>
                 </a:solidFill>
@@ -754,7 +771,7 @@
               <a:t>API</a:t>
             </a:r>
             <a:r>
-              <a:rPr lang="zh-CN" altLang="en-US" sz="1200" b="0" i="0" kern="1200" dirty="0" smtClean="0">
+              <a:rPr lang="zh-CN" altLang="en-US" sz="1200" b="0" i="0" kern="1200" dirty="0">
                 <a:solidFill>
                   <a:schemeClr val="tx1"/>
                 </a:solidFill>
@@ -765,7 +782,7 @@
               </a:rPr>
               <a:t>， 这是一项可以改变浏览器的当前地址和历史，却又不会触发服务端页面请求的技术</a:t>
             </a:r>
-            <a:endParaRPr lang="en-US" altLang="zh-CN" sz="1200" b="0" i="0" kern="1200" dirty="0" smtClean="0">
+            <a:endParaRPr lang="en-US" altLang="zh-CN" sz="1200" b="0" i="0" kern="1200" dirty="0">
               <a:solidFill>
                 <a:schemeClr val="tx1"/>
               </a:solidFill>
@@ -794,7 +811,7 @@
               <a:defRPr/>
             </a:pPr>
             <a:r>
-              <a:rPr lang="en-US" altLang="zh-CN" sz="1200" b="0" i="0" kern="1200" dirty="0" err="1" smtClean="0">
+              <a:rPr lang="en-US" altLang="zh-CN" sz="1200" b="0" i="0" kern="1200" dirty="0" err="1">
                 <a:solidFill>
                   <a:schemeClr val="tx1"/>
                 </a:solidFill>
@@ -806,7 +823,7 @@
               <a:t>HashLocationStrategy</a:t>
             </a:r>
             <a:r>
-              <a:rPr lang="en-US" altLang="zh-CN" sz="1200" b="0" i="0" kern="1200" dirty="0" smtClean="0">
+              <a:rPr lang="en-US" altLang="zh-CN" sz="1200" b="0" i="0" kern="1200" dirty="0">
                 <a:solidFill>
                   <a:schemeClr val="tx1"/>
                 </a:solidFill>
@@ -818,7 +835,7 @@
               <a:t>,</a:t>
             </a:r>
             <a:r>
-              <a:rPr lang="zh-CN" altLang="en-US" sz="1200" b="0" i="0" kern="1200" dirty="0" smtClean="0">
+              <a:rPr lang="zh-CN" altLang="en-US" sz="1200" b="0" i="0" kern="1200" dirty="0">
                 <a:solidFill>
                   <a:schemeClr val="tx1"/>
                 </a:solidFill>
@@ -830,7 +847,7 @@
               <a:t>关于</a:t>
             </a:r>
             <a:r>
-              <a:rPr lang="en-US" altLang="zh-CN" sz="1200" b="0" i="0" kern="1200" dirty="0" err="1" smtClean="0">
+              <a:rPr lang="en-US" altLang="zh-CN" sz="1200" b="0" i="0" kern="1200" dirty="0" err="1">
                 <a:solidFill>
                   <a:schemeClr val="tx1"/>
                 </a:solidFill>
@@ -842,7 +859,7 @@
               <a:t>url</a:t>
             </a:r>
             <a:r>
-              <a:rPr lang="zh-CN" altLang="en-US" sz="1200" b="0" i="0" kern="1200" dirty="0" smtClean="0">
+              <a:rPr lang="zh-CN" altLang="en-US" sz="1200" b="0" i="0" kern="1200" dirty="0">
                 <a:solidFill>
                   <a:schemeClr val="tx1"/>
                 </a:solidFill>
@@ -854,7 +871,7 @@
               <a:t>中的</a:t>
             </a:r>
             <a:r>
-              <a:rPr lang="en-US" altLang="zh-CN" sz="1200" b="0" i="0" kern="1200" dirty="0" smtClean="0">
+              <a:rPr lang="en-US" altLang="zh-CN" sz="1200" b="0" i="0" kern="1200" dirty="0">
                 <a:solidFill>
                   <a:schemeClr val="tx1"/>
                 </a:solidFill>
@@ -866,7 +883,7 @@
               <a:t>hash</a:t>
             </a:r>
             <a:r>
-              <a:rPr lang="zh-CN" altLang="en-US" sz="1200" b="0" i="0" kern="1200" dirty="0" smtClean="0">
+              <a:rPr lang="zh-CN" altLang="en-US" sz="1200" b="0" i="0" kern="1200" dirty="0">
                 <a:solidFill>
                   <a:schemeClr val="tx1"/>
                 </a:solidFill>
@@ -878,7 +895,7 @@
               <a:t>说明，参照</a:t>
             </a:r>
             <a:r>
-              <a:rPr lang="en-US" altLang="zh-CN" sz="1200" b="0" i="0" kern="1200" dirty="0" smtClean="0">
+              <a:rPr lang="en-US" altLang="zh-CN" sz="1200" b="0" i="0" kern="1200" dirty="0">
                 <a:solidFill>
                   <a:schemeClr val="tx1"/>
                 </a:solidFill>
@@ -1010,7 +1027,7 @@
               <a:defRPr/>
             </a:pPr>
             <a:r>
-              <a:rPr lang="zh-CN" altLang="en-US" dirty="0" smtClean="0"/>
+              <a:rPr lang="zh-CN" altLang="en-US" dirty="0"/>
               <a:t>注意：路由是客户端视图内部的切换，如果直接在浏览器中打开路由地址会报错</a:t>
             </a:r>
           </a:p>
@@ -1272,18 +1289,18 @@
               <a:buAutoNum type="arabicPeriod"/>
             </a:pPr>
             <a:r>
-              <a:rPr lang="zh-CN" altLang="en-US" dirty="0" smtClean="0"/>
+              <a:rPr lang="zh-CN" altLang="en-US" dirty="0"/>
               <a:t>在父组件中通过</a:t>
             </a:r>
             <a:r>
-              <a:rPr lang="en-US" altLang="zh-CN" dirty="0" smtClean="0"/>
+              <a:rPr lang="en-US" altLang="zh-CN" dirty="0"/>
               <a:t>provider</a:t>
             </a:r>
             <a:r>
-              <a:rPr lang="zh-CN" altLang="en-US" dirty="0" smtClean="0"/>
+              <a:rPr lang="zh-CN" altLang="en-US" dirty="0"/>
               <a:t>提供服务实例，子组件通过构造函数将该实例注入到自身</a:t>
             </a:r>
-            <a:endParaRPr lang="en-US" altLang="zh-CN" dirty="0" smtClean="0"/>
+            <a:endParaRPr lang="en-US" altLang="zh-CN" dirty="0"/>
           </a:p>
           <a:p>
             <a:pPr marL="228600" indent="-228600">
@@ -1291,11 +1308,11 @@
               <a:buAutoNum type="arabicPeriod"/>
             </a:pPr>
             <a:r>
-              <a:rPr lang="zh-CN" altLang="en-US" dirty="0" smtClean="0"/>
+              <a:rPr lang="zh-CN" altLang="en-US" dirty="0"/>
               <a:t>问：如果在子组件中使用注册服务实例，父组件能访问到该服务的实例不？回答是：不能，会提示上面的错误：</a:t>
             </a:r>
             <a:r>
-              <a:rPr lang="en-US" altLang="zh-CN" dirty="0" smtClean="0"/>
+              <a:rPr lang="en-US" altLang="zh-CN" dirty="0"/>
               <a:t>No provider for</a:t>
             </a:r>
           </a:p>
@@ -1328,6 +1345,114 @@
     <p:extLst>
       <p:ext uri="{BB962C8B-B14F-4D97-AF65-F5344CB8AC3E}">
         <p14:creationId xmlns:p14="http://schemas.microsoft.com/office/powerpoint/2010/main" val="1503843014"/>
+      </p:ext>
+    </p:extLst>
+  </p:cSld>
+  <p:clrMapOvr>
+    <a:masterClrMapping/>
+  </p:clrMapOvr>
+</p:notes>
+</file>
+
+<file path=ppt/notesSlides/notesSlide7.xml><?xml version="1.0" encoding="utf-8"?>
+<p:notes xmlns:a="http://schemas.openxmlformats.org/drawingml/2006/main" xmlns:r="http://schemas.openxmlformats.org/officeDocument/2006/relationships" xmlns:p="http://schemas.openxmlformats.org/presentationml/2006/main">
+  <p:cSld>
+    <p:spTree>
+      <p:nvGrpSpPr>
+        <p:cNvPr id="1" name=""/>
+        <p:cNvGrpSpPr/>
+        <p:nvPr/>
+      </p:nvGrpSpPr>
+      <p:grpSpPr>
+        <a:xfrm>
+          <a:off x="0" y="0"/>
+          <a:ext cx="0" cy="0"/>
+          <a:chOff x="0" y="0"/>
+          <a:chExt cx="0" cy="0"/>
+        </a:xfrm>
+      </p:grpSpPr>
+      <p:sp>
+        <p:nvSpPr>
+          <p:cNvPr id="2" name="幻灯片图像占位符 1"/>
+          <p:cNvSpPr>
+            <a:spLocks noGrp="1" noRot="1" noChangeAspect="1"/>
+          </p:cNvSpPr>
+          <p:nvPr>
+            <p:ph type="sldImg"/>
+          </p:nvPr>
+        </p:nvSpPr>
+        <p:spPr/>
+      </p:sp>
+      <p:sp>
+        <p:nvSpPr>
+          <p:cNvPr id="3" name="备注占位符 2"/>
+          <p:cNvSpPr>
+            <a:spLocks noGrp="1"/>
+          </p:cNvSpPr>
+          <p:nvPr>
+            <p:ph type="body" idx="1"/>
+          </p:nvPr>
+        </p:nvSpPr>
+        <p:spPr/>
+        <p:txBody>
+          <a:bodyPr/>
+          <a:lstStyle/>
+          <a:p>
+            <a:pPr marL="228600" indent="-228600">
+              <a:buFont typeface="+mj-lt"/>
+              <a:buAutoNum type="arabicPeriod"/>
+            </a:pPr>
+            <a:r>
+              <a:rPr lang="en-US" altLang="zh-CN" dirty="0"/>
+              <a:t>https://docs.npmjs.com/files/folders  </a:t>
+            </a:r>
+            <a:r>
+              <a:rPr lang="zh-CN" altLang="en-US" dirty="0"/>
+              <a:t>介绍</a:t>
+            </a:r>
+            <a:r>
+              <a:rPr lang="en-US" altLang="zh-CN" dirty="0" err="1"/>
+              <a:t>npm</a:t>
+            </a:r>
+            <a:r>
+              <a:rPr lang="zh-CN" altLang="en-US" dirty="0"/>
+              <a:t>的</a:t>
+            </a:r>
+            <a:r>
+              <a:rPr lang="en-US" altLang="zh-CN" dirty="0" err="1"/>
+              <a:t>package.json</a:t>
+            </a:r>
+            <a:endParaRPr lang="zh-CN" altLang="en-US" dirty="0"/>
+          </a:p>
+        </p:txBody>
+      </p:sp>
+      <p:sp>
+        <p:nvSpPr>
+          <p:cNvPr id="4" name="灯片编号占位符 3"/>
+          <p:cNvSpPr>
+            <a:spLocks noGrp="1"/>
+          </p:cNvSpPr>
+          <p:nvPr>
+            <p:ph type="sldNum" sz="quarter" idx="10"/>
+          </p:nvPr>
+        </p:nvSpPr>
+        <p:spPr/>
+        <p:txBody>
+          <a:bodyPr/>
+          <a:lstStyle/>
+          <a:p>
+            <a:fld id="{5596D80E-E838-4A36-A5AD-2029880C9AD3}" type="slidenum">
+              <a:rPr lang="zh-CN" altLang="en-US" smtClean="0"/>
+              <a:t>25</a:t>
+            </a:fld>
+            <a:endParaRPr lang="zh-CN" altLang="en-US"/>
+          </a:p>
+        </p:txBody>
+      </p:sp>
+    </p:spTree>
+    <p:extLst>
+      <p:ext uri="{BB962C8B-B14F-4D97-AF65-F5344CB8AC3E}">
+        <p14:creationId xmlns:p14="http://schemas.microsoft.com/office/powerpoint/2010/main" val="2416616150"/>
       </p:ext>
     </p:extLst>
   </p:cSld>
@@ -1375,10 +1500,9 @@
           <a:lstStyle/>
           <a:p>
             <a:r>
-              <a:rPr lang="zh-CN" altLang="en-US" smtClean="0"/>
+              <a:rPr lang="zh-CN" altLang="en-US"/>
               <a:t>单击此处编辑母版标题样式</a:t>
             </a:r>
-            <a:endParaRPr lang="zh-CN" altLang="en-US"/>
           </a:p>
         </p:txBody>
       </p:sp>
@@ -1494,10 +1618,9 @@
           </a:lstStyle>
           <a:p>
             <a:r>
-              <a:rPr lang="zh-CN" altLang="en-US" smtClean="0"/>
+              <a:rPr lang="zh-CN" altLang="en-US"/>
               <a:t>单击此处编辑母版副标题样式</a:t>
             </a:r>
-            <a:endParaRPr lang="zh-CN" altLang="en-US"/>
           </a:p>
         </p:txBody>
       </p:sp>
@@ -1607,10 +1730,9 @@
           <a:lstStyle/>
           <a:p>
             <a:r>
-              <a:rPr lang="zh-CN" altLang="en-US" smtClean="0"/>
+              <a:rPr lang="zh-CN" altLang="en-US"/>
               <a:t>单击此处编辑母版标题样式</a:t>
             </a:r>
-            <a:endParaRPr lang="zh-CN" altLang="en-US"/>
           </a:p>
         </p:txBody>
       </p:sp>
@@ -1631,38 +1753,37 @@
           <a:p>
             <a:pPr lvl="0"/>
             <a:r>
-              <a:rPr lang="zh-CN" altLang="en-US" smtClean="0"/>
+              <a:rPr lang="zh-CN" altLang="en-US"/>
               <a:t>单击此处编辑母版文本样式</a:t>
             </a:r>
           </a:p>
           <a:p>
             <a:pPr lvl="1"/>
             <a:r>
-              <a:rPr lang="zh-CN" altLang="en-US" smtClean="0"/>
+              <a:rPr lang="zh-CN" altLang="en-US"/>
               <a:t>第二级</a:t>
             </a:r>
           </a:p>
           <a:p>
             <a:pPr lvl="2"/>
             <a:r>
-              <a:rPr lang="zh-CN" altLang="en-US" smtClean="0"/>
+              <a:rPr lang="zh-CN" altLang="en-US"/>
               <a:t>第三级</a:t>
             </a:r>
           </a:p>
           <a:p>
             <a:pPr lvl="3"/>
             <a:r>
-              <a:rPr lang="zh-CN" altLang="en-US" smtClean="0"/>
+              <a:rPr lang="zh-CN" altLang="en-US"/>
               <a:t>第四级</a:t>
             </a:r>
           </a:p>
           <a:p>
             <a:pPr lvl="4"/>
             <a:r>
-              <a:rPr lang="zh-CN" altLang="en-US" smtClean="0"/>
+              <a:rPr lang="zh-CN" altLang="en-US"/>
               <a:t>第五级</a:t>
             </a:r>
-            <a:endParaRPr lang="zh-CN" altLang="en-US"/>
           </a:p>
         </p:txBody>
       </p:sp>
@@ -1777,10 +1898,9 @@
           <a:lstStyle/>
           <a:p>
             <a:r>
-              <a:rPr lang="zh-CN" altLang="en-US" smtClean="0"/>
+              <a:rPr lang="zh-CN" altLang="en-US"/>
               <a:t>单击此处编辑母版标题样式</a:t>
             </a:r>
-            <a:endParaRPr lang="zh-CN" altLang="en-US"/>
           </a:p>
         </p:txBody>
       </p:sp>
@@ -1806,38 +1926,37 @@
           <a:p>
             <a:pPr lvl="0"/>
             <a:r>
-              <a:rPr lang="zh-CN" altLang="en-US" smtClean="0"/>
+              <a:rPr lang="zh-CN" altLang="en-US"/>
               <a:t>单击此处编辑母版文本样式</a:t>
             </a:r>
           </a:p>
           <a:p>
             <a:pPr lvl="1"/>
             <a:r>
-              <a:rPr lang="zh-CN" altLang="en-US" smtClean="0"/>
+              <a:rPr lang="zh-CN" altLang="en-US"/>
               <a:t>第二级</a:t>
             </a:r>
           </a:p>
           <a:p>
             <a:pPr lvl="2"/>
             <a:r>
-              <a:rPr lang="zh-CN" altLang="en-US" smtClean="0"/>
+              <a:rPr lang="zh-CN" altLang="en-US"/>
               <a:t>第三级</a:t>
             </a:r>
           </a:p>
           <a:p>
             <a:pPr lvl="3"/>
             <a:r>
-              <a:rPr lang="zh-CN" altLang="en-US" smtClean="0"/>
+              <a:rPr lang="zh-CN" altLang="en-US"/>
               <a:t>第四级</a:t>
             </a:r>
           </a:p>
           <a:p>
             <a:pPr lvl="4"/>
             <a:r>
-              <a:rPr lang="zh-CN" altLang="en-US" smtClean="0"/>
+              <a:rPr lang="zh-CN" altLang="en-US"/>
               <a:t>第五级</a:t>
             </a:r>
-            <a:endParaRPr lang="zh-CN" altLang="en-US"/>
           </a:p>
         </p:txBody>
       </p:sp>
@@ -1947,10 +2066,9 @@
           <a:lstStyle/>
           <a:p>
             <a:r>
-              <a:rPr lang="zh-CN" altLang="en-US" smtClean="0"/>
+              <a:rPr lang="zh-CN" altLang="en-US"/>
               <a:t>单击此处编辑母版标题样式</a:t>
             </a:r>
-            <a:endParaRPr lang="zh-CN" altLang="en-US"/>
           </a:p>
         </p:txBody>
       </p:sp>
@@ -1971,38 +2089,37 @@
           <a:p>
             <a:pPr lvl="0"/>
             <a:r>
-              <a:rPr lang="zh-CN" altLang="en-US" smtClean="0"/>
+              <a:rPr lang="zh-CN" altLang="en-US"/>
               <a:t>单击此处编辑母版文本样式</a:t>
             </a:r>
           </a:p>
           <a:p>
             <a:pPr lvl="1"/>
             <a:r>
-              <a:rPr lang="zh-CN" altLang="en-US" smtClean="0"/>
+              <a:rPr lang="zh-CN" altLang="en-US"/>
               <a:t>第二级</a:t>
             </a:r>
           </a:p>
           <a:p>
             <a:pPr lvl="2"/>
             <a:r>
-              <a:rPr lang="zh-CN" altLang="en-US" smtClean="0"/>
+              <a:rPr lang="zh-CN" altLang="en-US"/>
               <a:t>第三级</a:t>
             </a:r>
           </a:p>
           <a:p>
             <a:pPr lvl="3"/>
             <a:r>
-              <a:rPr lang="zh-CN" altLang="en-US" smtClean="0"/>
+              <a:rPr lang="zh-CN" altLang="en-US"/>
               <a:t>第四级</a:t>
             </a:r>
           </a:p>
           <a:p>
             <a:pPr lvl="4"/>
             <a:r>
-              <a:rPr lang="zh-CN" altLang="en-US" smtClean="0"/>
+              <a:rPr lang="zh-CN" altLang="en-US"/>
               <a:t>第五级</a:t>
             </a:r>
-            <a:endParaRPr lang="zh-CN" altLang="en-US"/>
           </a:p>
         </p:txBody>
       </p:sp>
@@ -2121,10 +2238,9 @@
           </a:lstStyle>
           <a:p>
             <a:r>
-              <a:rPr lang="zh-CN" altLang="en-US" smtClean="0"/>
+              <a:rPr lang="zh-CN" altLang="en-US"/>
               <a:t>单击此处编辑母版标题样式</a:t>
             </a:r>
-            <a:endParaRPr lang="zh-CN" altLang="en-US"/>
           </a:p>
         </p:txBody>
       </p:sp>
@@ -2241,7 +2357,7 @@
           <a:p>
             <a:pPr lvl="0"/>
             <a:r>
-              <a:rPr lang="zh-CN" altLang="en-US" smtClean="0"/>
+              <a:rPr lang="zh-CN" altLang="en-US"/>
               <a:t>单击此处编辑母版文本样式</a:t>
             </a:r>
           </a:p>
@@ -2353,10 +2469,9 @@
           <a:lstStyle/>
           <a:p>
             <a:r>
-              <a:rPr lang="zh-CN" altLang="en-US" smtClean="0"/>
+              <a:rPr lang="zh-CN" altLang="en-US"/>
               <a:t>单击此处编辑母版标题样式</a:t>
             </a:r>
-            <a:endParaRPr lang="zh-CN" altLang="en-US"/>
           </a:p>
         </p:txBody>
       </p:sp>
@@ -2410,38 +2525,37 @@
           <a:p>
             <a:pPr lvl="0"/>
             <a:r>
-              <a:rPr lang="zh-CN" altLang="en-US" smtClean="0"/>
+              <a:rPr lang="zh-CN" altLang="en-US"/>
               <a:t>单击此处编辑母版文本样式</a:t>
             </a:r>
           </a:p>
           <a:p>
             <a:pPr lvl="1"/>
             <a:r>
-              <a:rPr lang="zh-CN" altLang="en-US" smtClean="0"/>
+              <a:rPr lang="zh-CN" altLang="en-US"/>
               <a:t>第二级</a:t>
             </a:r>
           </a:p>
           <a:p>
             <a:pPr lvl="2"/>
             <a:r>
-              <a:rPr lang="zh-CN" altLang="en-US" smtClean="0"/>
+              <a:rPr lang="zh-CN" altLang="en-US"/>
               <a:t>第三级</a:t>
             </a:r>
           </a:p>
           <a:p>
             <a:pPr lvl="3"/>
             <a:r>
-              <a:rPr lang="zh-CN" altLang="en-US" smtClean="0"/>
+              <a:rPr lang="zh-CN" altLang="en-US"/>
               <a:t>第四级</a:t>
             </a:r>
           </a:p>
           <a:p>
             <a:pPr lvl="4"/>
             <a:r>
-              <a:rPr lang="zh-CN" altLang="en-US" smtClean="0"/>
+              <a:rPr lang="zh-CN" altLang="en-US"/>
               <a:t>第五级</a:t>
             </a:r>
-            <a:endParaRPr lang="zh-CN" altLang="en-US"/>
           </a:p>
         </p:txBody>
       </p:sp>
@@ -2495,38 +2609,37 @@
           <a:p>
             <a:pPr lvl="0"/>
             <a:r>
-              <a:rPr lang="zh-CN" altLang="en-US" smtClean="0"/>
+              <a:rPr lang="zh-CN" altLang="en-US"/>
               <a:t>单击此处编辑母版文本样式</a:t>
             </a:r>
           </a:p>
           <a:p>
             <a:pPr lvl="1"/>
             <a:r>
-              <a:rPr lang="zh-CN" altLang="en-US" smtClean="0"/>
+              <a:rPr lang="zh-CN" altLang="en-US"/>
               <a:t>第二级</a:t>
             </a:r>
           </a:p>
           <a:p>
             <a:pPr lvl="2"/>
             <a:r>
-              <a:rPr lang="zh-CN" altLang="en-US" smtClean="0"/>
+              <a:rPr lang="zh-CN" altLang="en-US"/>
               <a:t>第三级</a:t>
             </a:r>
           </a:p>
           <a:p>
             <a:pPr lvl="3"/>
             <a:r>
-              <a:rPr lang="zh-CN" altLang="en-US" smtClean="0"/>
+              <a:rPr lang="zh-CN" altLang="en-US"/>
               <a:t>第四级</a:t>
             </a:r>
           </a:p>
           <a:p>
             <a:pPr lvl="4"/>
             <a:r>
-              <a:rPr lang="zh-CN" altLang="en-US" smtClean="0"/>
+              <a:rPr lang="zh-CN" altLang="en-US"/>
               <a:t>第五级</a:t>
             </a:r>
-            <a:endParaRPr lang="zh-CN" altLang="en-US"/>
           </a:p>
         </p:txBody>
       </p:sp>
@@ -2640,10 +2753,9 @@
           </a:lstStyle>
           <a:p>
             <a:r>
-              <a:rPr lang="zh-CN" altLang="en-US" smtClean="0"/>
+              <a:rPr lang="zh-CN" altLang="en-US"/>
               <a:t>单击此处编辑母版标题样式</a:t>
             </a:r>
-            <a:endParaRPr lang="zh-CN" altLang="en-US"/>
           </a:p>
         </p:txBody>
       </p:sp>
@@ -2706,7 +2818,7 @@
           <a:p>
             <a:pPr lvl="0"/>
             <a:r>
-              <a:rPr lang="zh-CN" altLang="en-US" smtClean="0"/>
+              <a:rPr lang="zh-CN" altLang="en-US"/>
               <a:t>单击此处编辑母版文本样式</a:t>
             </a:r>
           </a:p>
@@ -2762,38 +2874,37 @@
           <a:p>
             <a:pPr lvl="0"/>
             <a:r>
-              <a:rPr lang="zh-CN" altLang="en-US" smtClean="0"/>
+              <a:rPr lang="zh-CN" altLang="en-US"/>
               <a:t>单击此处编辑母版文本样式</a:t>
             </a:r>
           </a:p>
           <a:p>
             <a:pPr lvl="1"/>
             <a:r>
-              <a:rPr lang="zh-CN" altLang="en-US" smtClean="0"/>
+              <a:rPr lang="zh-CN" altLang="en-US"/>
               <a:t>第二级</a:t>
             </a:r>
           </a:p>
           <a:p>
             <a:pPr lvl="2"/>
             <a:r>
-              <a:rPr lang="zh-CN" altLang="en-US" smtClean="0"/>
+              <a:rPr lang="zh-CN" altLang="en-US"/>
               <a:t>第三级</a:t>
             </a:r>
           </a:p>
           <a:p>
             <a:pPr lvl="3"/>
             <a:r>
-              <a:rPr lang="zh-CN" altLang="en-US" smtClean="0"/>
+              <a:rPr lang="zh-CN" altLang="en-US"/>
               <a:t>第四级</a:t>
             </a:r>
           </a:p>
           <a:p>
             <a:pPr lvl="4"/>
             <a:r>
-              <a:rPr lang="zh-CN" altLang="en-US" smtClean="0"/>
+              <a:rPr lang="zh-CN" altLang="en-US"/>
               <a:t>第五级</a:t>
             </a:r>
-            <a:endParaRPr lang="zh-CN" altLang="en-US"/>
           </a:p>
         </p:txBody>
       </p:sp>
@@ -2856,7 +2967,7 @@
           <a:p>
             <a:pPr lvl="0"/>
             <a:r>
-              <a:rPr lang="zh-CN" altLang="en-US" smtClean="0"/>
+              <a:rPr lang="zh-CN" altLang="en-US"/>
               <a:t>单击此处编辑母版文本样式</a:t>
             </a:r>
           </a:p>
@@ -2912,38 +3023,37 @@
           <a:p>
             <a:pPr lvl="0"/>
             <a:r>
-              <a:rPr lang="zh-CN" altLang="en-US" smtClean="0"/>
+              <a:rPr lang="zh-CN" altLang="en-US"/>
               <a:t>单击此处编辑母版文本样式</a:t>
             </a:r>
           </a:p>
           <a:p>
             <a:pPr lvl="1"/>
             <a:r>
-              <a:rPr lang="zh-CN" altLang="en-US" smtClean="0"/>
+              <a:rPr lang="zh-CN" altLang="en-US"/>
               <a:t>第二级</a:t>
             </a:r>
           </a:p>
           <a:p>
             <a:pPr lvl="2"/>
             <a:r>
-              <a:rPr lang="zh-CN" altLang="en-US" smtClean="0"/>
+              <a:rPr lang="zh-CN" altLang="en-US"/>
               <a:t>第三级</a:t>
             </a:r>
           </a:p>
           <a:p>
             <a:pPr lvl="3"/>
             <a:r>
-              <a:rPr lang="zh-CN" altLang="en-US" smtClean="0"/>
+              <a:rPr lang="zh-CN" altLang="en-US"/>
               <a:t>第四级</a:t>
             </a:r>
           </a:p>
           <a:p>
             <a:pPr lvl="4"/>
             <a:r>
-              <a:rPr lang="zh-CN" altLang="en-US" smtClean="0"/>
+              <a:rPr lang="zh-CN" altLang="en-US"/>
               <a:t>第五级</a:t>
             </a:r>
-            <a:endParaRPr lang="zh-CN" altLang="en-US"/>
           </a:p>
         </p:txBody>
       </p:sp>
@@ -3053,10 +3163,9 @@
           <a:lstStyle/>
           <a:p>
             <a:r>
-              <a:rPr lang="zh-CN" altLang="en-US" smtClean="0"/>
+              <a:rPr lang="zh-CN" altLang="en-US"/>
               <a:t>单击此处编辑母版标题样式</a:t>
             </a:r>
-            <a:endParaRPr lang="zh-CN" altLang="en-US"/>
           </a:p>
         </p:txBody>
       </p:sp>
@@ -3265,10 +3374,9 @@
           </a:lstStyle>
           <a:p>
             <a:r>
-              <a:rPr lang="zh-CN" altLang="en-US" smtClean="0"/>
+              <a:rPr lang="zh-CN" altLang="en-US"/>
               <a:t>单击此处编辑母版标题样式</a:t>
             </a:r>
-            <a:endParaRPr lang="zh-CN" altLang="en-US"/>
           </a:p>
         </p:txBody>
       </p:sp>
@@ -3322,38 +3430,37 @@
           <a:p>
             <a:pPr lvl="0"/>
             <a:r>
-              <a:rPr lang="zh-CN" altLang="en-US" smtClean="0"/>
+              <a:rPr lang="zh-CN" altLang="en-US"/>
               <a:t>单击此处编辑母版文本样式</a:t>
             </a:r>
           </a:p>
           <a:p>
             <a:pPr lvl="1"/>
             <a:r>
-              <a:rPr lang="zh-CN" altLang="en-US" smtClean="0"/>
+              <a:rPr lang="zh-CN" altLang="en-US"/>
               <a:t>第二级</a:t>
             </a:r>
           </a:p>
           <a:p>
             <a:pPr lvl="2"/>
             <a:r>
-              <a:rPr lang="zh-CN" altLang="en-US" smtClean="0"/>
+              <a:rPr lang="zh-CN" altLang="en-US"/>
               <a:t>第三级</a:t>
             </a:r>
           </a:p>
           <a:p>
             <a:pPr lvl="3"/>
             <a:r>
-              <a:rPr lang="zh-CN" altLang="en-US" smtClean="0"/>
+              <a:rPr lang="zh-CN" altLang="en-US"/>
               <a:t>第四级</a:t>
             </a:r>
           </a:p>
           <a:p>
             <a:pPr lvl="4"/>
             <a:r>
-              <a:rPr lang="zh-CN" altLang="en-US" smtClean="0"/>
+              <a:rPr lang="zh-CN" altLang="en-US"/>
               <a:t>第五级</a:t>
             </a:r>
-            <a:endParaRPr lang="zh-CN" altLang="en-US"/>
           </a:p>
         </p:txBody>
       </p:sp>
@@ -3416,7 +3523,7 @@
           <a:p>
             <a:pPr lvl="0"/>
             <a:r>
-              <a:rPr lang="zh-CN" altLang="en-US" smtClean="0"/>
+              <a:rPr lang="zh-CN" altLang="en-US"/>
               <a:t>单击此处编辑母版文本样式</a:t>
             </a:r>
           </a:p>
@@ -3537,10 +3644,9 @@
           </a:lstStyle>
           <a:p>
             <a:r>
-              <a:rPr lang="zh-CN" altLang="en-US" smtClean="0"/>
+              <a:rPr lang="zh-CN" altLang="en-US"/>
               <a:t>单击此处编辑母版标题样式</a:t>
             </a:r>
-            <a:endParaRPr lang="zh-CN" altLang="en-US"/>
           </a:p>
         </p:txBody>
       </p:sp>
@@ -3664,7 +3770,7 @@
           <a:p>
             <a:pPr lvl="0"/>
             <a:r>
-              <a:rPr lang="zh-CN" altLang="en-US" smtClean="0"/>
+              <a:rPr lang="zh-CN" altLang="en-US"/>
               <a:t>单击此处编辑母版文本样式</a:t>
             </a:r>
           </a:p>
@@ -3791,10 +3897,9 @@
           <a:lstStyle/>
           <a:p>
             <a:r>
-              <a:rPr lang="zh-CN" altLang="en-US" smtClean="0"/>
+              <a:rPr lang="zh-CN" altLang="en-US"/>
               <a:t>单击此处编辑母版标题样式</a:t>
             </a:r>
-            <a:endParaRPr lang="zh-CN" altLang="en-US"/>
           </a:p>
         </p:txBody>
       </p:sp>
@@ -3825,38 +3930,37 @@
           <a:p>
             <a:pPr lvl="0"/>
             <a:r>
-              <a:rPr lang="zh-CN" altLang="en-US" smtClean="0"/>
+              <a:rPr lang="zh-CN" altLang="en-US"/>
               <a:t>单击此处编辑母版文本样式</a:t>
             </a:r>
           </a:p>
           <a:p>
             <a:pPr lvl="1"/>
             <a:r>
-              <a:rPr lang="zh-CN" altLang="en-US" smtClean="0"/>
+              <a:rPr lang="zh-CN" altLang="en-US"/>
               <a:t>第二级</a:t>
             </a:r>
           </a:p>
           <a:p>
             <a:pPr lvl="2"/>
             <a:r>
-              <a:rPr lang="zh-CN" altLang="en-US" smtClean="0"/>
+              <a:rPr lang="zh-CN" altLang="en-US"/>
               <a:t>第三级</a:t>
             </a:r>
           </a:p>
           <a:p>
             <a:pPr lvl="3"/>
             <a:r>
-              <a:rPr lang="zh-CN" altLang="en-US" smtClean="0"/>
+              <a:rPr lang="zh-CN" altLang="en-US"/>
               <a:t>第四级</a:t>
             </a:r>
           </a:p>
           <a:p>
             <a:pPr lvl="4"/>
             <a:r>
-              <a:rPr lang="zh-CN" altLang="en-US" smtClean="0"/>
+              <a:rPr lang="zh-CN" altLang="en-US"/>
               <a:t>第五级</a:t>
             </a:r>
-            <a:endParaRPr lang="zh-CN" altLang="en-US"/>
           </a:p>
         </p:txBody>
       </p:sp>
@@ -4281,15 +4385,15 @@
           <a:lstStyle/>
           <a:p>
             <a:r>
-              <a:rPr lang="en-US" altLang="zh-CN" dirty="0" err="1" smtClean="0"/>
+              <a:rPr lang="en-US" altLang="zh-CN" dirty="0" err="1"/>
               <a:t>TypeScript</a:t>
             </a:r>
             <a:r>
-              <a:rPr lang="zh-CN" altLang="en-US" dirty="0" smtClean="0"/>
+              <a:rPr lang="zh-CN" altLang="en-US" dirty="0"/>
               <a:t>自动编译</a:t>
             </a:r>
             <a:r>
-              <a:rPr lang="en-US" altLang="zh-CN" dirty="0" smtClean="0"/>
+              <a:rPr lang="en-US" altLang="zh-CN" dirty="0"/>
               <a:t>(vs2015)</a:t>
             </a:r>
             <a:endParaRPr lang="zh-CN" altLang="en-US" dirty="0"/>
@@ -4312,55 +4416,37 @@
           <a:lstStyle/>
           <a:p>
             <a:r>
-              <a:rPr lang="zh-CN" altLang="en-US" dirty="0" smtClean="0"/>
+              <a:rPr lang="zh-CN" altLang="en-US" dirty="0"/>
               <a:t>以下是网络上的解决方式（都不能完美解决）</a:t>
             </a:r>
-            <a:endParaRPr lang="en-US" altLang="zh-CN" dirty="0" smtClean="0">
+            <a:endParaRPr lang="en-US" altLang="zh-CN" dirty="0">
               <a:hlinkClick r:id="rId2"/>
             </a:endParaRPr>
           </a:p>
           <a:p>
             <a:pPr lvl="1"/>
-            <a:r>
-              <a:rPr lang="en-US" altLang="zh-CN" dirty="0" smtClean="0">
-                <a:hlinkClick r:id="rId2"/>
-              </a:rPr>
-              <a:t>http</a:t>
-            </a:r>
             <a:r>
               <a:rPr lang="en-US" altLang="zh-CN" dirty="0">
                 <a:hlinkClick r:id="rId2"/>
               </a:rPr>
-              <a:t>://www.ryadel.com/en/visual-studio-2015-fix-typescript-ts2304-compilation-errors</a:t>
-            </a:r>
-            <a:r>
-              <a:rPr lang="en-US" altLang="zh-CN" dirty="0" smtClean="0">
-                <a:hlinkClick r:id="rId2"/>
-              </a:rPr>
-              <a:t>/ </a:t>
+              <a:t>http://www.ryadel.com/en/visual-studio-2015-fix-typescript-ts2304-compilation-errors/ </a:t>
             </a:r>
             <a:r>
               <a:rPr lang="zh-CN" altLang="en-US" dirty="0">
                 <a:hlinkClick r:id="rId2"/>
               </a:rPr>
-              <a:t>  </a:t>
-            </a:r>
-            <a:r>
-              <a:rPr lang="zh-CN" altLang="en-US" dirty="0" smtClean="0">
-                <a:hlinkClick r:id="rId2"/>
-              </a:rPr>
-              <a:t>    </a:t>
-            </a:r>
-            <a:r>
-              <a:rPr lang="zh-CN" altLang="en-US" dirty="0" smtClean="0"/>
+              <a:t>      </a:t>
+            </a:r>
+            <a:r>
+              <a:rPr lang="zh-CN" altLang="en-US" dirty="0"/>
               <a:t>（在</a:t>
             </a:r>
             <a:r>
-              <a:rPr lang="en-US" altLang="zh-CN" dirty="0" err="1" smtClean="0"/>
+              <a:rPr lang="en-US" altLang="zh-CN" dirty="0" err="1"/>
               <a:t>vs</a:t>
             </a:r>
             <a:r>
-              <a:rPr lang="zh-CN" altLang="en-US" dirty="0" smtClean="0"/>
+              <a:rPr lang="zh-CN" altLang="en-US" dirty="0"/>
               <a:t>中没起作用）</a:t>
             </a:r>
             <a:endParaRPr lang="en-US" altLang="zh-CN" dirty="0">
@@ -4370,33 +4456,21 @@
           <a:p>
             <a:pPr lvl="1"/>
             <a:r>
-              <a:rPr lang="en-US" altLang="zh-CN" dirty="0" smtClean="0">
-                <a:hlinkClick r:id="rId2"/>
-              </a:rPr>
-              <a:t>https</a:t>
-            </a:r>
-            <a:r>
               <a:rPr lang="en-US" altLang="zh-CN" dirty="0">
                 <a:hlinkClick r:id="rId2"/>
               </a:rPr>
-              <a:t>://my.oschina.net/lhan/blog/101056?p={{totalPage</a:t>
-            </a:r>
-            <a:r>
-              <a:rPr lang="en-US" altLang="zh-CN" dirty="0" smtClean="0">
-                <a:hlinkClick r:id="rId2"/>
-              </a:rPr>
-              <a:t>}}</a:t>
-            </a:r>
-            <a:r>
-              <a:rPr lang="en-US" altLang="zh-CN" dirty="0" smtClean="0"/>
+              <a:t>https://my.oschina.net/lhan/blog/101056?p={{totalPage}}</a:t>
+            </a:r>
+            <a:r>
+              <a:rPr lang="en-US" altLang="zh-CN" dirty="0"/>
               <a:t> (</a:t>
             </a:r>
             <a:r>
-              <a:rPr lang="zh-CN" altLang="en-US" dirty="0" smtClean="0"/>
+              <a:rPr lang="zh-CN" altLang="en-US" dirty="0"/>
               <a:t>测试时有问题</a:t>
             </a:r>
             <a:r>
-              <a:rPr lang="en-US" altLang="zh-CN" dirty="0" smtClean="0"/>
+              <a:rPr lang="en-US" altLang="zh-CN" dirty="0"/>
               <a:t>)</a:t>
             </a:r>
           </a:p>
@@ -4412,13 +4486,6 @@
   <p:clrMapOvr>
     <a:masterClrMapping/>
   </p:clrMapOvr>
-  <p:timing>
-    <p:tnLst>
-      <p:par>
-        <p:cTn id="1" dur="indefinite" restart="never" nodeType="tmRoot"/>
-      </p:par>
-    </p:tnLst>
-  </p:timing>
 </p:sld>
 </file>
 
@@ -4455,14 +4522,13 @@
           <a:lstStyle/>
           <a:p>
             <a:r>
-              <a:rPr lang="en-US" altLang="zh-CN" dirty="0" smtClean="0"/>
+              <a:rPr lang="en-US" altLang="zh-CN" dirty="0"/>
               <a:t>Ng</a:t>
             </a:r>
             <a:r>
-              <a:rPr lang="zh-CN" altLang="en-US" dirty="0" smtClean="0"/>
+              <a:rPr lang="zh-CN" altLang="en-US" dirty="0"/>
               <a:t>开发工具链</a:t>
             </a:r>
-            <a:endParaRPr lang="zh-CN" altLang="en-US" dirty="0"/>
           </a:p>
         </p:txBody>
       </p:sp>
@@ -4482,41 +4548,36 @@
           <a:lstStyle/>
           <a:p>
             <a:r>
-              <a:rPr lang="zh-CN" altLang="en-US" dirty="0" smtClean="0"/>
+              <a:rPr lang="zh-CN" altLang="en-US" dirty="0"/>
               <a:t>项目打包</a:t>
             </a:r>
-            <a:endParaRPr lang="en-US" altLang="zh-CN" dirty="0" smtClean="0"/>
+            <a:endParaRPr lang="en-US" altLang="zh-CN" dirty="0"/>
           </a:p>
           <a:p>
             <a:pPr lvl="1"/>
             <a:r>
-              <a:rPr lang="en-US" altLang="zh-CN" dirty="0" smtClean="0"/>
+              <a:rPr lang="en-US" altLang="zh-CN" dirty="0"/>
               <a:t>CLI</a:t>
             </a:r>
           </a:p>
           <a:p>
             <a:pPr lvl="1"/>
             <a:r>
-              <a:rPr lang="en-US" altLang="zh-CN" dirty="0" err="1" smtClean="0"/>
+              <a:rPr lang="en-US" altLang="zh-CN" dirty="0" err="1"/>
               <a:t>SytemJS</a:t>
             </a:r>
-            <a:endParaRPr lang="en-US" altLang="zh-CN" dirty="0" smtClean="0"/>
+            <a:endParaRPr lang="en-US" altLang="zh-CN" dirty="0"/>
           </a:p>
           <a:p>
             <a:pPr lvl="1"/>
             <a:r>
-              <a:rPr lang="en-US" altLang="zh-CN" dirty="0" err="1" smtClean="0"/>
+              <a:rPr lang="en-US" altLang="zh-CN" dirty="0" err="1"/>
               <a:t>Webpack</a:t>
             </a:r>
             <a:r>
-              <a:rPr lang="en-US" altLang="zh-CN" dirty="0" smtClean="0"/>
-              <a:t>   https</a:t>
-            </a:r>
-            <a:r>
               <a:rPr lang="en-US" altLang="zh-CN" dirty="0"/>
-              <a:t>://github.com/AngularClass/angular2-webpack-starter</a:t>
-            </a:r>
-            <a:endParaRPr lang="en-US" altLang="zh-CN" dirty="0" smtClean="0"/>
+              <a:t>   https://github.com/AngularClass/angular2-webpack-starter</a:t>
+            </a:r>
           </a:p>
         </p:txBody>
       </p:sp>
@@ -4530,13 +4591,6 @@
   <p:clrMapOvr>
     <a:masterClrMapping/>
   </p:clrMapOvr>
-  <p:timing>
-    <p:tnLst>
-      <p:par>
-        <p:cTn id="1" dur="indefinite" restart="never" nodeType="tmRoot"/>
-      </p:par>
-    </p:tnLst>
-  </p:timing>
 </p:sld>
 </file>
 
@@ -4573,10 +4627,9 @@
           <a:lstStyle/>
           <a:p>
             <a:r>
-              <a:rPr lang="zh-CN" altLang="en-US" dirty="0" smtClean="0"/>
+              <a:rPr lang="zh-CN" altLang="en-US" dirty="0"/>
               <a:t>调试引入的外部组件</a:t>
             </a:r>
-            <a:endParaRPr lang="zh-CN" altLang="en-US" dirty="0"/>
           </a:p>
         </p:txBody>
       </p:sp>
@@ -4645,18 +4698,17 @@
           <a:lstStyle/>
           <a:p>
             <a:r>
-              <a:rPr lang="zh-CN" altLang="en-US" dirty="0" smtClean="0"/>
+              <a:rPr lang="zh-CN" altLang="en-US" dirty="0"/>
               <a:t>调试</a:t>
             </a:r>
             <a:r>
-              <a:rPr lang="en-US" altLang="zh-CN" dirty="0" smtClean="0"/>
+              <a:rPr lang="en-US" altLang="zh-CN" dirty="0"/>
               <a:t>angular2</a:t>
             </a:r>
             <a:r>
-              <a:rPr lang="zh-CN" altLang="en-US" dirty="0" smtClean="0"/>
+              <a:rPr lang="zh-CN" altLang="en-US" dirty="0"/>
               <a:t>源码</a:t>
             </a:r>
-            <a:endParaRPr lang="zh-CN" altLang="en-US" dirty="0"/>
           </a:p>
         </p:txBody>
       </p:sp>
@@ -4727,22 +4779,21 @@
           <a:lstStyle/>
           <a:p>
             <a:r>
-              <a:rPr lang="en-US" altLang="zh-CN" dirty="0" err="1" smtClean="0"/>
+              <a:rPr lang="en-US" altLang="zh-CN" dirty="0" err="1"/>
               <a:t>Webstorm</a:t>
             </a:r>
             <a:r>
-              <a:rPr lang="zh-CN" altLang="en-US" dirty="0" smtClean="0"/>
+              <a:rPr lang="zh-CN" altLang="en-US" dirty="0"/>
               <a:t>中设置全局</a:t>
             </a:r>
             <a:r>
-              <a:rPr lang="en-US" altLang="zh-CN" dirty="0" smtClean="0"/>
+              <a:rPr lang="en-US" altLang="zh-CN" dirty="0"/>
               <a:t>typescript</a:t>
             </a:r>
             <a:r>
-              <a:rPr lang="zh-CN" altLang="en-US" dirty="0" smtClean="0"/>
+              <a:rPr lang="zh-CN" altLang="en-US" dirty="0"/>
               <a:t>版本</a:t>
             </a:r>
-            <a:endParaRPr lang="zh-CN" altLang="en-US" dirty="0"/>
           </a:p>
         </p:txBody>
       </p:sp>
@@ -4762,30 +4813,24 @@
           <a:lstStyle/>
           <a:p>
             <a:r>
-              <a:rPr lang="zh-CN" altLang="en-US" dirty="0" smtClean="0"/>
+              <a:rPr lang="zh-CN" altLang="en-US" dirty="0"/>
               <a:t>为什么要设置</a:t>
             </a:r>
             <a:r>
-              <a:rPr lang="en-US" altLang="zh-CN" dirty="0" err="1" smtClean="0"/>
+              <a:rPr lang="en-US" altLang="zh-CN" dirty="0" err="1"/>
               <a:t>typesript</a:t>
             </a:r>
             <a:r>
-              <a:rPr lang="zh-CN" altLang="en-US" dirty="0" smtClean="0"/>
+              <a:rPr lang="zh-CN" altLang="en-US" dirty="0"/>
               <a:t>的版本</a:t>
             </a:r>
             <a:r>
               <a:rPr lang="en-US" altLang="zh-CN" dirty="0">
                 <a:hlinkClick r:id="rId2"/>
               </a:rPr>
-              <a:t>https://</a:t>
-            </a:r>
-            <a:r>
-              <a:rPr lang="en-US" altLang="zh-CN" dirty="0" smtClean="0">
-                <a:hlinkClick r:id="rId2"/>
-              </a:rPr>
-              <a:t>github.com/Microsoft/TypeScript/wiki/What's-new-in-TypeScript#module-identifiers-allow-for-js-extension</a:t>
-            </a:r>
-            <a:endParaRPr lang="en-US" altLang="zh-CN" dirty="0" smtClean="0"/>
+              <a:t>https://github.com/Microsoft/TypeScript/wiki/What's-new-in-TypeScript#module-identifiers-allow-for-js-extension</a:t>
+            </a:r>
+            <a:endParaRPr lang="en-US" altLang="zh-CN" dirty="0"/>
           </a:p>
           <a:p>
             <a:endParaRPr lang="zh-CN" altLang="en-US" dirty="0"/>
@@ -4838,18 +4883,17 @@
           <a:lstStyle/>
           <a:p>
             <a:r>
-              <a:rPr lang="zh-CN" altLang="en-US" dirty="0" smtClean="0"/>
+              <a:rPr lang="zh-CN" altLang="en-US" dirty="0"/>
               <a:t>为什么使用</a:t>
             </a:r>
             <a:r>
-              <a:rPr lang="en-US" altLang="zh-CN" dirty="0" smtClean="0"/>
+              <a:rPr lang="en-US" altLang="zh-CN" dirty="0"/>
               <a:t>UMD</a:t>
             </a:r>
             <a:r>
-              <a:rPr lang="zh-CN" altLang="en-US" dirty="0" smtClean="0"/>
+              <a:rPr lang="zh-CN" altLang="en-US" dirty="0"/>
               <a:t>加载模块</a:t>
             </a:r>
-            <a:endParaRPr lang="zh-CN" altLang="en-US" dirty="0"/>
           </a:p>
         </p:txBody>
       </p:sp>
@@ -4918,10 +4962,9 @@
           <a:lstStyle/>
           <a:p>
             <a:r>
-              <a:rPr lang="zh-CN" altLang="en-US" dirty="0" smtClean="0"/>
+              <a:rPr lang="zh-CN" altLang="en-US" dirty="0"/>
               <a:t>子组件和父组件共享服务</a:t>
             </a:r>
-            <a:endParaRPr lang="zh-CN" altLang="en-US" dirty="0"/>
           </a:p>
         </p:txBody>
       </p:sp>
@@ -5182,10 +5225,9 @@
           <a:lstStyle/>
           <a:p>
             <a:r>
-              <a:rPr lang="zh-CN" altLang="en-US" dirty="0" smtClean="0"/>
+              <a:rPr lang="zh-CN" altLang="en-US" dirty="0"/>
               <a:t>父组件与子组件通信</a:t>
             </a:r>
-            <a:endParaRPr lang="zh-CN" altLang="en-US" dirty="0"/>
           </a:p>
         </p:txBody>
       </p:sp>
@@ -5254,10 +5296,17 @@
           <a:lstStyle/>
           <a:p>
             <a:r>
-              <a:rPr lang="zh-CN" altLang="en-US" dirty="0" smtClean="0"/>
-              <a:t>创建子模块</a:t>
-            </a:r>
-            <a:endParaRPr lang="zh-CN" altLang="en-US" dirty="0"/>
+              <a:rPr lang="zh-CN" altLang="en-US" dirty="0"/>
+              <a:t>在</a:t>
+            </a:r>
+            <a:r>
+              <a:rPr lang="en-US" altLang="zh-CN" dirty="0"/>
+              <a:t>Edge</a:t>
+            </a:r>
+            <a:r>
+              <a:rPr lang="zh-CN" altLang="en-US" dirty="0"/>
+              <a:t>下提示错误</a:t>
+            </a:r>
           </a:p>
         </p:txBody>
       </p:sp>
@@ -5278,35 +5327,39 @@
           <a:p>
             <a:r>
               <a:rPr lang="zh-CN" altLang="en-US" dirty="0"/>
-              <a:t>导</a:t>
-            </a:r>
-            <a:r>
-              <a:rPr lang="zh-CN" altLang="en-US" dirty="0" smtClean="0"/>
-              <a:t>入</a:t>
-            </a:r>
-            <a:r>
-              <a:rPr lang="en-US" altLang="zh-CN" dirty="0" err="1" smtClean="0"/>
-              <a:t>CommonModule</a:t>
-            </a:r>
-            <a:endParaRPr lang="en-US" altLang="zh-CN" dirty="0" smtClean="0"/>
-          </a:p>
-          <a:p>
-            <a:r>
-              <a:rPr lang="zh-CN" altLang="en-US" dirty="0"/>
-              <a:t>导</a:t>
-            </a:r>
-            <a:r>
-              <a:rPr lang="zh-CN" altLang="en-US" dirty="0" smtClean="0"/>
-              <a:t>入子路由</a:t>
-            </a:r>
-            <a:endParaRPr lang="zh-CN" altLang="en-US" dirty="0"/>
-          </a:p>
-        </p:txBody>
-      </p:sp>
+              <a:t>这个错误不是每次都会出现，不知道为啥又莫名其妙的好了</a:t>
+            </a:r>
+          </a:p>
+        </p:txBody>
+      </p:sp>
+      <p:pic>
+        <p:nvPicPr>
+          <p:cNvPr id="4" name="图片 3"/>
+          <p:cNvPicPr>
+            <a:picLocks noChangeAspect="1"/>
+          </p:cNvPicPr>
+          <p:nvPr/>
+        </p:nvPicPr>
+        <p:blipFill>
+          <a:blip r:embed="rId2"/>
+          <a:stretch>
+            <a:fillRect/>
+          </a:stretch>
+        </p:blipFill>
+        <p:spPr>
+          <a:xfrm>
+            <a:off x="899592" y="2924944"/>
+            <a:ext cx="3960440" cy="2855324"/>
+          </a:xfrm>
+          <a:prstGeom prst="rect">
+            <a:avLst/>
+          </a:prstGeom>
+        </p:spPr>
+      </p:pic>
     </p:spTree>
     <p:extLst>
       <p:ext uri="{BB962C8B-B14F-4D97-AF65-F5344CB8AC3E}">
-        <p14:creationId xmlns:p14="http://schemas.microsoft.com/office/powerpoint/2010/main" val="2934551552"/>
+        <p14:creationId xmlns:p14="http://schemas.microsoft.com/office/powerpoint/2010/main" val="3904153035"/>
       </p:ext>
     </p:extLst>
   </p:cSld>
@@ -5349,10 +5402,9 @@
           <a:lstStyle/>
           <a:p>
             <a:r>
-              <a:rPr lang="zh-CN" altLang="en-US" dirty="0" smtClean="0"/>
-              <a:t>组件树</a:t>
-            </a:r>
-            <a:endParaRPr lang="zh-CN" altLang="en-US" dirty="0"/>
+              <a:rPr lang="zh-CN" altLang="en-US" dirty="0"/>
+              <a:t>创建子模块</a:t>
+            </a:r>
           </a:p>
         </p:txBody>
       </p:sp>
@@ -5372,29 +5424,27 @@
           <a:lstStyle/>
           <a:p>
             <a:r>
-              <a:rPr lang="en-US" altLang="zh-CN" dirty="0" err="1" smtClean="0"/>
-              <a:t>NgModule</a:t>
-            </a:r>
-            <a:r>
-              <a:rPr lang="zh-CN" altLang="en-US" dirty="0" smtClean="0"/>
-              <a:t>中</a:t>
-            </a:r>
-            <a:r>
-              <a:rPr lang="en-US" altLang="zh-CN" dirty="0" smtClean="0"/>
-              <a:t>exports</a:t>
-            </a:r>
-            <a:r>
-              <a:rPr lang="zh-CN" altLang="en-US" dirty="0" smtClean="0"/>
-              <a:t>导出组件</a:t>
-            </a:r>
-            <a:endParaRPr lang="zh-CN" altLang="en-US" dirty="0"/>
+              <a:rPr lang="zh-CN" altLang="en-US" dirty="0"/>
+              <a:t>导入</a:t>
+            </a:r>
+            <a:r>
+              <a:rPr lang="en-US" altLang="zh-CN" dirty="0" err="1"/>
+              <a:t>CommonModule</a:t>
+            </a:r>
+            <a:endParaRPr lang="en-US" altLang="zh-CN" dirty="0"/>
+          </a:p>
+          <a:p>
+            <a:r>
+              <a:rPr lang="zh-CN" altLang="en-US" dirty="0"/>
+              <a:t>导入子路由</a:t>
+            </a:r>
           </a:p>
         </p:txBody>
       </p:sp>
     </p:spTree>
     <p:extLst>
       <p:ext uri="{BB962C8B-B14F-4D97-AF65-F5344CB8AC3E}">
-        <p14:creationId xmlns:p14="http://schemas.microsoft.com/office/powerpoint/2010/main" val="1845034492"/>
+        <p14:creationId xmlns:p14="http://schemas.microsoft.com/office/powerpoint/2010/main" val="2934551552"/>
       </p:ext>
     </p:extLst>
   </p:cSld>
@@ -5437,18 +5487,9 @@
           <a:lstStyle/>
           <a:p>
             <a:r>
-              <a:rPr lang="zh-CN" altLang="en-US" dirty="0" smtClean="0"/>
-              <a:t>路由从</a:t>
-            </a:r>
-            <a:r>
-              <a:rPr lang="en-US" altLang="zh-CN" dirty="0" err="1" smtClean="0"/>
-              <a:t>AppModule</a:t>
-            </a:r>
-            <a:r>
-              <a:rPr lang="zh-CN" altLang="en-US" dirty="0" smtClean="0"/>
-              <a:t>中分离</a:t>
-            </a:r>
-            <a:endParaRPr lang="zh-CN" altLang="en-US" dirty="0"/>
+              <a:rPr lang="zh-CN" altLang="en-US" dirty="0"/>
+              <a:t>组件树</a:t>
+            </a:r>
           </a:p>
         </p:txBody>
       </p:sp>
@@ -5467,14 +5508,29 @@
           <a:bodyPr/>
           <a:lstStyle/>
           <a:p>
-            <a:endParaRPr lang="zh-CN" altLang="en-US"/>
+            <a:r>
+              <a:rPr lang="en-US" altLang="zh-CN" dirty="0" err="1"/>
+              <a:t>NgModule</a:t>
+            </a:r>
+            <a:r>
+              <a:rPr lang="zh-CN" altLang="en-US" dirty="0"/>
+              <a:t>中</a:t>
+            </a:r>
+            <a:r>
+              <a:rPr lang="en-US" altLang="zh-CN" dirty="0"/>
+              <a:t>exports</a:t>
+            </a:r>
+            <a:r>
+              <a:rPr lang="zh-CN" altLang="en-US" dirty="0"/>
+              <a:t>导出组件</a:t>
+            </a:r>
           </a:p>
         </p:txBody>
       </p:sp>
     </p:spTree>
     <p:extLst>
       <p:ext uri="{BB962C8B-B14F-4D97-AF65-F5344CB8AC3E}">
-        <p14:creationId xmlns:p14="http://schemas.microsoft.com/office/powerpoint/2010/main" val="737358544"/>
+        <p14:creationId xmlns:p14="http://schemas.microsoft.com/office/powerpoint/2010/main" val="1845034492"/>
       </p:ext>
     </p:extLst>
   </p:cSld>
@@ -5517,15 +5573,15 @@
           <a:lstStyle/>
           <a:p>
             <a:r>
-              <a:rPr lang="en-US" altLang="zh-CN" dirty="0" err="1" smtClean="0"/>
+              <a:rPr lang="en-US" altLang="zh-CN" dirty="0" err="1"/>
               <a:t>TypeScript</a:t>
             </a:r>
             <a:r>
-              <a:rPr lang="zh-CN" altLang="en-US" dirty="0" smtClean="0"/>
+              <a:rPr lang="zh-CN" altLang="en-US" dirty="0"/>
               <a:t>自动编译误区</a:t>
             </a:r>
             <a:r>
-              <a:rPr lang="en-US" altLang="zh-CN" dirty="0" smtClean="0"/>
+              <a:rPr lang="en-US" altLang="zh-CN" dirty="0"/>
               <a:t>(vs2015)</a:t>
             </a:r>
             <a:endParaRPr lang="zh-CN" altLang="en-US" dirty="0"/>
@@ -5548,84 +5604,80 @@
           <a:lstStyle/>
           <a:p>
             <a:r>
-              <a:rPr lang="zh-CN" altLang="en-US" dirty="0" smtClean="0"/>
+              <a:rPr lang="zh-CN" altLang="en-US" dirty="0"/>
               <a:t>不需要安装</a:t>
             </a:r>
             <a:r>
-              <a:rPr lang="en-US" altLang="zh-CN" dirty="0" err="1" smtClean="0"/>
-              <a:t>typing</a:t>
-            </a:r>
-            <a:r>
               <a:rPr lang="en-US" altLang="zh-CN" dirty="0" err="1"/>
-              <a:t>s</a:t>
-            </a:r>
-            <a:r>
-              <a:rPr lang="zh-CN" altLang="en-US" dirty="0" smtClean="0"/>
+              <a:t>typings</a:t>
+            </a:r>
+            <a:r>
+              <a:rPr lang="zh-CN" altLang="en-US" dirty="0"/>
               <a:t>和配置</a:t>
             </a:r>
             <a:r>
-              <a:rPr lang="en-US" altLang="zh-CN" dirty="0" err="1" smtClean="0"/>
+              <a:rPr lang="en-US" altLang="zh-CN" dirty="0" err="1"/>
               <a:t>typings.json</a:t>
             </a:r>
             <a:r>
-              <a:rPr lang="zh-CN" altLang="en-US" dirty="0" smtClean="0"/>
+              <a:rPr lang="zh-CN" altLang="en-US" dirty="0"/>
               <a:t>文件</a:t>
             </a:r>
-            <a:endParaRPr lang="en-US" altLang="zh-CN" dirty="0" smtClean="0"/>
-          </a:p>
-          <a:p>
-            <a:r>
-              <a:rPr lang="zh-CN" altLang="en-US" dirty="0" smtClean="0"/>
+            <a:endParaRPr lang="en-US" altLang="zh-CN" dirty="0"/>
+          </a:p>
+          <a:p>
+            <a:r>
+              <a:rPr lang="zh-CN" altLang="en-US" dirty="0"/>
               <a:t>在</a:t>
             </a:r>
             <a:r>
-              <a:rPr lang="en-US" altLang="zh-CN" dirty="0" err="1" smtClean="0"/>
+              <a:rPr lang="en-US" altLang="zh-CN" dirty="0" err="1"/>
               <a:t>vs</a:t>
             </a:r>
             <a:r>
-              <a:rPr lang="zh-CN" altLang="en-US" dirty="0" smtClean="0"/>
+              <a:rPr lang="zh-CN" altLang="en-US" dirty="0"/>
               <a:t>的</a:t>
             </a:r>
             <a:r>
-              <a:rPr lang="en-US" altLang="zh-CN" dirty="0" err="1" smtClean="0"/>
+              <a:rPr lang="en-US" altLang="zh-CN" dirty="0" err="1"/>
               <a:t>tsconfig.json</a:t>
             </a:r>
             <a:r>
-              <a:rPr lang="zh-CN" altLang="en-US" dirty="0" smtClean="0"/>
+              <a:rPr lang="zh-CN" altLang="en-US" dirty="0"/>
               <a:t>中不能配置</a:t>
             </a:r>
             <a:r>
-              <a:rPr lang="en-US" altLang="zh-CN" dirty="0" err="1" smtClean="0"/>
+              <a:rPr lang="en-US" altLang="zh-CN" dirty="0" err="1"/>
               <a:t>watch:true</a:t>
             </a:r>
             <a:r>
-              <a:rPr lang="zh-CN" altLang="en-US" dirty="0" smtClean="0"/>
+              <a:rPr lang="zh-CN" altLang="en-US" dirty="0"/>
               <a:t>节点</a:t>
             </a:r>
-            <a:endParaRPr lang="en-US" altLang="zh-CN" dirty="0" smtClean="0"/>
-          </a:p>
-          <a:p>
-            <a:r>
-              <a:rPr lang="zh-CN" altLang="en-US" dirty="0" smtClean="0"/>
+            <a:endParaRPr lang="en-US" altLang="zh-CN" dirty="0"/>
+          </a:p>
+          <a:p>
+            <a:r>
+              <a:rPr lang="zh-CN" altLang="en-US" dirty="0"/>
               <a:t>在</a:t>
             </a:r>
             <a:r>
-              <a:rPr lang="en-US" altLang="zh-CN" dirty="0" err="1" smtClean="0"/>
+              <a:rPr lang="en-US" altLang="zh-CN" dirty="0" err="1"/>
               <a:t>vs</a:t>
             </a:r>
             <a:r>
-              <a:rPr lang="zh-CN" altLang="en-US" dirty="0" smtClean="0"/>
+              <a:rPr lang="zh-CN" altLang="en-US" dirty="0"/>
               <a:t>中最好添加</a:t>
             </a:r>
             <a:r>
-              <a:rPr lang="en-US" altLang="zh-CN" dirty="0" err="1" smtClean="0"/>
+              <a:rPr lang="en-US" altLang="zh-CN" dirty="0" err="1"/>
               <a:t>tsconfig.json</a:t>
             </a:r>
             <a:r>
-              <a:rPr lang="zh-CN" altLang="en-US" dirty="0" smtClean="0"/>
+              <a:rPr lang="zh-CN" altLang="en-US" dirty="0"/>
               <a:t>文件，不要依赖它自己的项目属性中的配置，编译时有很多错误</a:t>
             </a:r>
-            <a:endParaRPr lang="en-US" altLang="zh-CN" dirty="0" smtClean="0"/>
+            <a:endParaRPr lang="en-US" altLang="zh-CN" dirty="0"/>
           </a:p>
         </p:txBody>
       </p:sp>
@@ -5675,10 +5727,88 @@
           <a:lstStyle/>
           <a:p>
             <a:r>
-              <a:rPr lang="zh-CN" altLang="en-US" dirty="0" smtClean="0"/>
+              <a:rPr lang="zh-CN" altLang="en-US" dirty="0"/>
+              <a:t>路由从</a:t>
+            </a:r>
+            <a:r>
+              <a:rPr lang="en-US" altLang="zh-CN" dirty="0" err="1"/>
+              <a:t>AppModule</a:t>
+            </a:r>
+            <a:r>
+              <a:rPr lang="zh-CN" altLang="en-US" dirty="0"/>
+              <a:t>中分离</a:t>
+            </a:r>
+          </a:p>
+        </p:txBody>
+      </p:sp>
+      <p:sp>
+        <p:nvSpPr>
+          <p:cNvPr id="3" name="内容占位符 2"/>
+          <p:cNvSpPr>
+            <a:spLocks noGrp="1"/>
+          </p:cNvSpPr>
+          <p:nvPr>
+            <p:ph idx="1"/>
+          </p:nvPr>
+        </p:nvSpPr>
+        <p:spPr/>
+        <p:txBody>
+          <a:bodyPr/>
+          <a:lstStyle/>
+          <a:p>
+            <a:endParaRPr lang="zh-CN" altLang="en-US"/>
+          </a:p>
+        </p:txBody>
+      </p:sp>
+    </p:spTree>
+    <p:extLst>
+      <p:ext uri="{BB962C8B-B14F-4D97-AF65-F5344CB8AC3E}">
+        <p14:creationId xmlns:p14="http://schemas.microsoft.com/office/powerpoint/2010/main" val="737358544"/>
+      </p:ext>
+    </p:extLst>
+  </p:cSld>
+  <p:clrMapOvr>
+    <a:masterClrMapping/>
+  </p:clrMapOvr>
+</p:sld>
+</file>
+
+<file path=ppt/slides/slide21.xml><?xml version="1.0" encoding="utf-8"?>
+<p:sld xmlns:a="http://schemas.openxmlformats.org/drawingml/2006/main" xmlns:r="http://schemas.openxmlformats.org/officeDocument/2006/relationships" xmlns:p="http://schemas.openxmlformats.org/presentationml/2006/main">
+  <p:cSld>
+    <p:spTree>
+      <p:nvGrpSpPr>
+        <p:cNvPr id="1" name=""/>
+        <p:cNvGrpSpPr/>
+        <p:nvPr/>
+      </p:nvGrpSpPr>
+      <p:grpSpPr>
+        <a:xfrm>
+          <a:off x="0" y="0"/>
+          <a:ext cx="0" cy="0"/>
+          <a:chOff x="0" y="0"/>
+          <a:chExt cx="0" cy="0"/>
+        </a:xfrm>
+      </p:grpSpPr>
+      <p:sp>
+        <p:nvSpPr>
+          <p:cNvPr id="2" name="标题 1"/>
+          <p:cNvSpPr>
+            <a:spLocks noGrp="1"/>
+          </p:cNvSpPr>
+          <p:nvPr>
+            <p:ph type="title"/>
+          </p:nvPr>
+        </p:nvSpPr>
+        <p:spPr/>
+        <p:txBody>
+          <a:bodyPr/>
+          <a:lstStyle/>
+          <a:p>
+            <a:r>
+              <a:rPr lang="zh-CN" altLang="en-US" dirty="0"/>
               <a:t>路由分离后错误</a:t>
             </a:r>
-            <a:endParaRPr lang="zh-CN" altLang="en-US" dirty="0"/>
           </a:p>
         </p:txBody>
       </p:sp>
@@ -5778,7 +5908,7 @@
 </p:sld>
 </file>
 
-<file path=ppt/slides/slide21.xml><?xml version="1.0" encoding="utf-8"?>
+<file path=ppt/slides/slide22.xml><?xml version="1.0" encoding="utf-8"?>
 <p:sld xmlns:a="http://schemas.openxmlformats.org/drawingml/2006/main" xmlns:r="http://schemas.openxmlformats.org/officeDocument/2006/relationships" xmlns:p="http://schemas.openxmlformats.org/presentationml/2006/main">
   <p:cSld>
     <p:spTree>
@@ -5813,10 +5943,9 @@
           <a:lstStyle/>
           <a:p>
             <a:r>
-              <a:rPr lang="zh-CN" altLang="en-US" dirty="0" smtClean="0"/>
+              <a:rPr lang="zh-CN" altLang="en-US" dirty="0"/>
               <a:t>路由懒加载的子模块，必须有自己的路由模块</a:t>
             </a:r>
-            <a:endParaRPr lang="zh-CN" altLang="en-US" dirty="0"/>
           </a:p>
         </p:txBody>
       </p:sp>
@@ -5836,17 +5965,16 @@
           <a:lstStyle/>
           <a:p>
             <a:r>
-              <a:rPr lang="zh-CN" altLang="en-US" dirty="0" smtClean="0"/>
+              <a:rPr lang="zh-CN" altLang="en-US" dirty="0"/>
               <a:t>懒加载的模块如果没有自己的路由，则会加载失败</a:t>
             </a:r>
-            <a:endParaRPr lang="en-US" altLang="zh-CN" dirty="0" smtClean="0"/>
-          </a:p>
-          <a:p>
-            <a:r>
-              <a:rPr lang="zh-CN" altLang="en-US" dirty="0" smtClean="0"/>
+            <a:endParaRPr lang="en-US" altLang="zh-CN" dirty="0"/>
+          </a:p>
+          <a:p>
+            <a:r>
+              <a:rPr lang="zh-CN" altLang="en-US" dirty="0"/>
               <a:t>特性模块必须拥有自己的路由</a:t>
             </a:r>
-            <a:endParaRPr lang="zh-CN" altLang="en-US" dirty="0"/>
           </a:p>
         </p:txBody>
       </p:sp>
@@ -5927,127 +6055,6 @@
 </p:sld>
 </file>
 
-<file path=ppt/slides/slide22.xml><?xml version="1.0" encoding="utf-8"?>
-<p:sld xmlns:a="http://schemas.openxmlformats.org/drawingml/2006/main" xmlns:r="http://schemas.openxmlformats.org/officeDocument/2006/relationships" xmlns:p="http://schemas.openxmlformats.org/presentationml/2006/main">
-  <p:cSld>
-    <p:spTree>
-      <p:nvGrpSpPr>
-        <p:cNvPr id="1" name=""/>
-        <p:cNvGrpSpPr/>
-        <p:nvPr/>
-      </p:nvGrpSpPr>
-      <p:grpSpPr>
-        <a:xfrm>
-          <a:off x="0" y="0"/>
-          <a:ext cx="0" cy="0"/>
-          <a:chOff x="0" y="0"/>
-          <a:chExt cx="0" cy="0"/>
-        </a:xfrm>
-      </p:grpSpPr>
-      <p:sp>
-        <p:nvSpPr>
-          <p:cNvPr id="2" name="标题 1"/>
-          <p:cNvSpPr>
-            <a:spLocks noGrp="1"/>
-          </p:cNvSpPr>
-          <p:nvPr>
-            <p:ph type="title"/>
-          </p:nvPr>
-        </p:nvSpPr>
-        <p:spPr/>
-        <p:txBody>
-          <a:bodyPr/>
-          <a:lstStyle/>
-          <a:p>
-            <a:r>
-              <a:rPr lang="en-US" altLang="zh-CN" dirty="0" err="1" smtClean="0"/>
-              <a:t>systemJS</a:t>
-            </a:r>
-            <a:r>
-              <a:rPr lang="zh-CN" altLang="en-US" dirty="0" smtClean="0"/>
-              <a:t>工具链</a:t>
-            </a:r>
-            <a:endParaRPr lang="zh-CN" altLang="en-US" dirty="0"/>
-          </a:p>
-        </p:txBody>
-      </p:sp>
-      <p:sp>
-        <p:nvSpPr>
-          <p:cNvPr id="3" name="内容占位符 2"/>
-          <p:cNvSpPr>
-            <a:spLocks noGrp="1"/>
-          </p:cNvSpPr>
-          <p:nvPr>
-            <p:ph idx="1"/>
-          </p:nvPr>
-        </p:nvSpPr>
-        <p:spPr/>
-        <p:txBody>
-          <a:bodyPr/>
-          <a:lstStyle/>
-          <a:p>
-            <a:r>
-              <a:rPr lang="en-US" altLang="zh-CN" dirty="0">
-                <a:hlinkClick r:id="rId2"/>
-              </a:rPr>
-              <a:t>http://jspm.io</a:t>
-            </a:r>
-            <a:r>
-              <a:rPr lang="en-US" altLang="zh-CN" dirty="0" smtClean="0">
-                <a:hlinkClick r:id="rId2"/>
-              </a:rPr>
-              <a:t>/</a:t>
-            </a:r>
-            <a:endParaRPr lang="en-US" altLang="zh-CN" dirty="0" smtClean="0"/>
-          </a:p>
-          <a:p>
-            <a:r>
-              <a:rPr lang="en-US" altLang="zh-CN" dirty="0">
-                <a:hlinkClick r:id="rId3"/>
-              </a:rPr>
-              <a:t>https://</a:t>
-            </a:r>
-            <a:r>
-              <a:rPr lang="en-US" altLang="zh-CN" dirty="0" smtClean="0">
-                <a:hlinkClick r:id="rId3"/>
-              </a:rPr>
-              <a:t>github.com/systemjs/systemjs/blob/master/docs/plugins.md</a:t>
-            </a:r>
-            <a:endParaRPr lang="en-US" altLang="zh-CN" dirty="0" smtClean="0"/>
-          </a:p>
-          <a:p>
-            <a:r>
-              <a:rPr lang="en-US" altLang="zh-CN" dirty="0">
-                <a:hlinkClick r:id="rId4"/>
-              </a:rPr>
-              <a:t>https://</a:t>
-            </a:r>
-            <a:r>
-              <a:rPr lang="en-US" altLang="zh-CN" dirty="0" smtClean="0">
-                <a:hlinkClick r:id="rId4"/>
-              </a:rPr>
-              <a:t>github.com/systemjs/systemjs</a:t>
-            </a:r>
-            <a:endParaRPr lang="en-US" altLang="zh-CN" dirty="0" smtClean="0"/>
-          </a:p>
-          <a:p>
-            <a:endParaRPr lang="zh-CN" altLang="en-US" dirty="0"/>
-          </a:p>
-        </p:txBody>
-      </p:sp>
-    </p:spTree>
-    <p:extLst>
-      <p:ext uri="{BB962C8B-B14F-4D97-AF65-F5344CB8AC3E}">
-        <p14:creationId xmlns:p14="http://schemas.microsoft.com/office/powerpoint/2010/main" val="1287197292"/>
-      </p:ext>
-    </p:extLst>
-  </p:cSld>
-  <p:clrMapOvr>
-    <a:masterClrMapping/>
-  </p:clrMapOvr>
-</p:sld>
-</file>
-
 <file path=ppt/slides/slide23.xml><?xml version="1.0" encoding="utf-8"?>
 <p:sld xmlns:a="http://schemas.openxmlformats.org/drawingml/2006/main" xmlns:r="http://schemas.openxmlformats.org/officeDocument/2006/relationships" xmlns:p="http://schemas.openxmlformats.org/presentationml/2006/main">
   <p:cSld>
@@ -6077,20 +6084,17 @@
         </p:nvSpPr>
         <p:spPr/>
         <p:txBody>
-          <a:bodyPr>
-            <a:normAutofit/>
-          </a:bodyPr>
-          <a:lstStyle/>
-          <a:p>
-            <a:r>
-              <a:rPr lang="en-US" altLang="zh-CN" dirty="0" err="1" smtClean="0"/>
-              <a:t>Webpack</a:t>
-            </a:r>
-            <a:r>
-              <a:rPr lang="zh-CN" altLang="en-US" dirty="0" smtClean="0"/>
+          <a:bodyPr/>
+          <a:lstStyle/>
+          <a:p>
+            <a:r>
+              <a:rPr lang="en-US" altLang="zh-CN" dirty="0" err="1"/>
+              <a:t>systemJS</a:t>
+            </a:r>
+            <a:r>
+              <a:rPr lang="zh-CN" altLang="en-US" dirty="0"/>
               <a:t>工具链</a:t>
             </a:r>
-            <a:endParaRPr lang="zh-CN" altLang="en-US" dirty="0"/>
           </a:p>
         </p:txBody>
       </p:sp>
@@ -6110,9 +6114,32 @@
           <a:lstStyle/>
           <a:p>
             <a:r>
-              <a:rPr lang="en-US" altLang="zh-CN" dirty="0"/>
-              <a:t>http://webpack.github.io/docs/</a:t>
-            </a:r>
+              <a:rPr lang="en-US" altLang="zh-CN" dirty="0">
+                <a:hlinkClick r:id="rId2"/>
+              </a:rPr>
+              <a:t>http://jspm.io/</a:t>
+            </a:r>
+            <a:endParaRPr lang="en-US" altLang="zh-CN" dirty="0"/>
+          </a:p>
+          <a:p>
+            <a:r>
+              <a:rPr lang="en-US" altLang="zh-CN" dirty="0">
+                <a:hlinkClick r:id="rId3"/>
+              </a:rPr>
+              <a:t>https://github.com/systemjs/systemjs/blob/master/docs/plugins.md</a:t>
+            </a:r>
+            <a:endParaRPr lang="en-US" altLang="zh-CN" dirty="0"/>
+          </a:p>
+          <a:p>
+            <a:r>
+              <a:rPr lang="en-US" altLang="zh-CN" dirty="0">
+                <a:hlinkClick r:id="rId4"/>
+              </a:rPr>
+              <a:t>https://github.com/systemjs/systemjs</a:t>
+            </a:r>
+            <a:endParaRPr lang="en-US" altLang="zh-CN" dirty="0"/>
+          </a:p>
+          <a:p>
             <a:endParaRPr lang="zh-CN" altLang="en-US" dirty="0"/>
           </a:p>
         </p:txBody>
@@ -6120,7 +6147,7 @@
     </p:spTree>
     <p:extLst>
       <p:ext uri="{BB962C8B-B14F-4D97-AF65-F5344CB8AC3E}">
-        <p14:creationId xmlns:p14="http://schemas.microsoft.com/office/powerpoint/2010/main" val="4047428046"/>
+        <p14:creationId xmlns:p14="http://schemas.microsoft.com/office/powerpoint/2010/main" val="1287197292"/>
       </p:ext>
     </p:extLst>
   </p:cSld>
@@ -6159,14 +6186,246 @@
         </p:nvSpPr>
         <p:spPr/>
         <p:txBody>
-          <a:bodyPr/>
-          <a:lstStyle/>
-          <a:p>
-            <a:r>
-              <a:rPr lang="zh-CN" altLang="en-US" dirty="0" smtClean="0"/>
+          <a:bodyPr>
+            <a:normAutofit/>
+          </a:bodyPr>
+          <a:lstStyle/>
+          <a:p>
+            <a:r>
+              <a:rPr lang="en-US" altLang="zh-CN" dirty="0" err="1"/>
+              <a:t>Webpack</a:t>
+            </a:r>
+            <a:r>
+              <a:rPr lang="zh-CN" altLang="en-US" dirty="0"/>
+              <a:t>工具链</a:t>
+            </a:r>
+          </a:p>
+        </p:txBody>
+      </p:sp>
+      <p:sp>
+        <p:nvSpPr>
+          <p:cNvPr id="3" name="内容占位符 2"/>
+          <p:cNvSpPr>
+            <a:spLocks noGrp="1"/>
+          </p:cNvSpPr>
+          <p:nvPr>
+            <p:ph idx="1"/>
+          </p:nvPr>
+        </p:nvSpPr>
+        <p:spPr/>
+        <p:txBody>
+          <a:bodyPr/>
+          <a:lstStyle/>
+          <a:p>
+            <a:r>
+              <a:rPr lang="en-US" altLang="zh-CN" dirty="0"/>
+              <a:t>http://webpack.github.io/docs/</a:t>
+            </a:r>
+            <a:endParaRPr lang="zh-CN" altLang="en-US" dirty="0"/>
+          </a:p>
+        </p:txBody>
+      </p:sp>
+    </p:spTree>
+    <p:extLst>
+      <p:ext uri="{BB962C8B-B14F-4D97-AF65-F5344CB8AC3E}">
+        <p14:creationId xmlns:p14="http://schemas.microsoft.com/office/powerpoint/2010/main" val="4047428046"/>
+      </p:ext>
+    </p:extLst>
+  </p:cSld>
+  <p:clrMapOvr>
+    <a:masterClrMapping/>
+  </p:clrMapOvr>
+</p:sld>
+</file>
+
+<file path=ppt/slides/slide25.xml><?xml version="1.0" encoding="utf-8"?>
+<p:sld xmlns:a="http://schemas.openxmlformats.org/drawingml/2006/main" xmlns:r="http://schemas.openxmlformats.org/officeDocument/2006/relationships" xmlns:p="http://schemas.openxmlformats.org/presentationml/2006/main">
+  <p:cSld>
+    <p:spTree>
+      <p:nvGrpSpPr>
+        <p:cNvPr id="1" name=""/>
+        <p:cNvGrpSpPr/>
+        <p:nvPr/>
+      </p:nvGrpSpPr>
+      <p:grpSpPr>
+        <a:xfrm>
+          <a:off x="0" y="0"/>
+          <a:ext cx="0" cy="0"/>
+          <a:chOff x="0" y="0"/>
+          <a:chExt cx="0" cy="0"/>
+        </a:xfrm>
+      </p:grpSpPr>
+      <p:sp>
+        <p:nvSpPr>
+          <p:cNvPr id="2" name="标题 1"/>
+          <p:cNvSpPr>
+            <a:spLocks noGrp="1"/>
+          </p:cNvSpPr>
+          <p:nvPr>
+            <p:ph type="title"/>
+          </p:nvPr>
+        </p:nvSpPr>
+        <p:spPr/>
+        <p:txBody>
+          <a:bodyPr/>
+          <a:lstStyle/>
+          <a:p>
+            <a:r>
+              <a:rPr lang="en-US" altLang="zh-CN" dirty="0" err="1"/>
+              <a:t>Npm</a:t>
+            </a:r>
+            <a:r>
+              <a:rPr lang="zh-CN" altLang="en-US" dirty="0"/>
+              <a:t>模块管理器详解</a:t>
+            </a:r>
+          </a:p>
+        </p:txBody>
+      </p:sp>
+      <p:sp>
+        <p:nvSpPr>
+          <p:cNvPr id="3" name="内容占位符 2"/>
+          <p:cNvSpPr>
+            <a:spLocks noGrp="1"/>
+          </p:cNvSpPr>
+          <p:nvPr>
+            <p:ph idx="1"/>
+          </p:nvPr>
+        </p:nvSpPr>
+        <p:spPr/>
+        <p:txBody>
+          <a:bodyPr/>
+          <a:lstStyle/>
+          <a:p>
+            <a:r>
+              <a:rPr lang="en-US" altLang="zh-CN" dirty="0">
+                <a:hlinkClick r:id="rId3"/>
+              </a:rPr>
+              <a:t>http://javascript.ruanyifeng.com/nodejs/npm.html</a:t>
+            </a:r>
+            <a:endParaRPr lang="en-US" altLang="zh-CN" dirty="0"/>
+          </a:p>
+          <a:p>
+            <a:r>
+              <a:rPr lang="zh-CN" altLang="en-US" dirty="0"/>
+              <a:t>运行本地安装的（非全局）的命令</a:t>
+            </a:r>
+            <a:r>
+              <a:rPr lang="en-US" altLang="zh-CN" dirty="0">
+                <a:hlinkClick r:id="rId4"/>
+              </a:rPr>
+              <a:t>http://www.2ality.com/2016/01/locally-installed-npm-executables.html</a:t>
+            </a:r>
+            <a:endParaRPr lang="en-US" altLang="zh-CN" dirty="0"/>
+          </a:p>
+          <a:p>
+            <a:r>
+              <a:rPr lang="en-US" altLang="zh-CN" dirty="0" err="1"/>
+              <a:t>Package.json</a:t>
+            </a:r>
+            <a:r>
+              <a:rPr lang="zh-CN" altLang="en-US" dirty="0"/>
+              <a:t>中的</a:t>
+            </a:r>
+            <a:r>
+              <a:rPr lang="en-US" altLang="zh-CN" dirty="0"/>
+              <a:t>scripts</a:t>
+            </a:r>
+            <a:r>
+              <a:rPr lang="zh-CN" altLang="en-US" dirty="0"/>
+              <a:t>作用，可以运行非全局命令，</a:t>
+            </a:r>
+            <a:r>
+              <a:rPr lang="en-US" altLang="zh-CN" dirty="0" err="1"/>
+              <a:t>npm</a:t>
+            </a:r>
+            <a:r>
+              <a:rPr lang="en-US" altLang="zh-CN" dirty="0"/>
+              <a:t> run </a:t>
+            </a:r>
+            <a:r>
+              <a:rPr lang="zh-CN" altLang="en-US" dirty="0"/>
+              <a:t>命令名称</a:t>
+            </a:r>
+            <a:endParaRPr lang="en-US" altLang="zh-CN" dirty="0"/>
+          </a:p>
+          <a:p>
+            <a:endParaRPr lang="zh-CN" altLang="en-US" dirty="0"/>
+          </a:p>
+        </p:txBody>
+      </p:sp>
+      <p:pic>
+        <p:nvPicPr>
+          <p:cNvPr id="4" name="图片 3"/>
+          <p:cNvPicPr>
+            <a:picLocks noChangeAspect="1"/>
+          </p:cNvPicPr>
+          <p:nvPr/>
+        </p:nvPicPr>
+        <p:blipFill>
+          <a:blip r:embed="rId5"/>
+          <a:stretch>
+            <a:fillRect/>
+          </a:stretch>
+        </p:blipFill>
+        <p:spPr>
+          <a:xfrm>
+            <a:off x="683568" y="5373216"/>
+            <a:ext cx="3864929" cy="1115488"/>
+          </a:xfrm>
+          <a:prstGeom prst="rect">
+            <a:avLst/>
+          </a:prstGeom>
+        </p:spPr>
+      </p:pic>
+    </p:spTree>
+    <p:extLst>
+      <p:ext uri="{BB962C8B-B14F-4D97-AF65-F5344CB8AC3E}">
+        <p14:creationId xmlns:p14="http://schemas.microsoft.com/office/powerpoint/2010/main" val="913981619"/>
+      </p:ext>
+    </p:extLst>
+  </p:cSld>
+  <p:clrMapOvr>
+    <a:masterClrMapping/>
+  </p:clrMapOvr>
+</p:sld>
+</file>
+
+<file path=ppt/slides/slide26.xml><?xml version="1.0" encoding="utf-8"?>
+<p:sld xmlns:a="http://schemas.openxmlformats.org/drawingml/2006/main" xmlns:r="http://schemas.openxmlformats.org/officeDocument/2006/relationships" xmlns:p="http://schemas.openxmlformats.org/presentationml/2006/main">
+  <p:cSld>
+    <p:spTree>
+      <p:nvGrpSpPr>
+        <p:cNvPr id="1" name=""/>
+        <p:cNvGrpSpPr/>
+        <p:nvPr/>
+      </p:nvGrpSpPr>
+      <p:grpSpPr>
+        <a:xfrm>
+          <a:off x="0" y="0"/>
+          <a:ext cx="0" cy="0"/>
+          <a:chOff x="0" y="0"/>
+          <a:chExt cx="0" cy="0"/>
+        </a:xfrm>
+      </p:grpSpPr>
+      <p:sp>
+        <p:nvSpPr>
+          <p:cNvPr id="2" name="标题 1"/>
+          <p:cNvSpPr>
+            <a:spLocks noGrp="1"/>
+          </p:cNvSpPr>
+          <p:nvPr>
+            <p:ph type="title"/>
+          </p:nvPr>
+        </p:nvSpPr>
+        <p:spPr/>
+        <p:txBody>
+          <a:bodyPr/>
+          <a:lstStyle/>
+          <a:p>
+            <a:r>
+              <a:rPr lang="zh-CN" altLang="en-US" dirty="0"/>
               <a:t>问题</a:t>
             </a:r>
-            <a:endParaRPr lang="zh-CN" altLang="en-US" dirty="0"/>
           </a:p>
         </p:txBody>
       </p:sp>
@@ -6186,34 +6445,33 @@
           <a:lstStyle/>
           <a:p>
             <a:r>
-              <a:rPr lang="zh-CN" altLang="en-US" dirty="0" smtClean="0"/>
+              <a:rPr lang="zh-CN" altLang="en-US" dirty="0"/>
               <a:t>如果</a:t>
             </a:r>
             <a:r>
-              <a:rPr lang="en-US" altLang="zh-CN" dirty="0" err="1" smtClean="0"/>
+              <a:rPr lang="en-US" altLang="zh-CN" dirty="0" err="1"/>
               <a:t>sharemodule</a:t>
             </a:r>
             <a:r>
-              <a:rPr lang="zh-CN" altLang="en-US" dirty="0" smtClean="0"/>
+              <a:rPr lang="zh-CN" altLang="en-US" dirty="0"/>
               <a:t>中的组件里面含有</a:t>
             </a:r>
             <a:r>
-              <a:rPr lang="en-US" altLang="zh-CN" dirty="0" smtClean="0"/>
+              <a:rPr lang="en-US" altLang="zh-CN" dirty="0"/>
               <a:t>provider,</a:t>
             </a:r>
             <a:r>
-              <a:rPr lang="zh-CN" altLang="en-US" dirty="0" smtClean="0"/>
+              <a:rPr lang="zh-CN" altLang="en-US" dirty="0"/>
               <a:t>这个</a:t>
             </a:r>
             <a:r>
-              <a:rPr lang="en-US" altLang="zh-CN" dirty="0" smtClean="0"/>
+              <a:rPr lang="en-US" altLang="zh-CN" dirty="0"/>
               <a:t>provider</a:t>
             </a:r>
             <a:r>
-              <a:rPr lang="zh-CN" altLang="en-US" dirty="0" smtClean="0"/>
+              <a:rPr lang="zh-CN" altLang="en-US" dirty="0"/>
               <a:t>里面有服务，那么这个服务还是单例么？</a:t>
             </a:r>
-            <a:endParaRPr lang="zh-CN" altLang="en-US" dirty="0"/>
           </a:p>
         </p:txBody>
       </p:sp>
@@ -6265,22 +6523,21 @@
           <a:lstStyle/>
           <a:p>
             <a:r>
-              <a:rPr lang="en-US" altLang="zh-CN" dirty="0" err="1" smtClean="0"/>
+              <a:rPr lang="en-US" altLang="zh-CN" dirty="0" err="1"/>
               <a:t>TypeScript</a:t>
             </a:r>
             <a:r>
-              <a:rPr lang="zh-CN" altLang="en-US" dirty="0" smtClean="0"/>
+              <a:rPr lang="zh-CN" altLang="en-US" dirty="0"/>
               <a:t>自动编译（</a:t>
             </a:r>
             <a:r>
-              <a:rPr lang="en-US" altLang="zh-CN" dirty="0" smtClean="0"/>
+              <a:rPr lang="en-US" altLang="zh-CN" dirty="0"/>
               <a:t>vs2015</a:t>
             </a:r>
             <a:r>
-              <a:rPr lang="zh-CN" altLang="en-US" dirty="0" smtClean="0"/>
+              <a:rPr lang="zh-CN" altLang="en-US" dirty="0"/>
               <a:t>）</a:t>
             </a:r>
-            <a:endParaRPr lang="zh-CN" altLang="en-US" dirty="0"/>
           </a:p>
         </p:txBody>
       </p:sp>
@@ -6299,23 +6556,23 @@
           <a:bodyPr/>
           <a:lstStyle/>
           <a:p>
-            <a:endParaRPr lang="en-US" altLang="zh-CN" dirty="0" smtClean="0"/>
-          </a:p>
-          <a:p>
-            <a:r>
-              <a:rPr lang="zh-CN" altLang="en-US" dirty="0" smtClean="0"/>
+            <a:endParaRPr lang="en-US" altLang="zh-CN" dirty="0"/>
+          </a:p>
+          <a:p>
+            <a:r>
+              <a:rPr lang="zh-CN" altLang="en-US" dirty="0"/>
               <a:t>添加</a:t>
             </a:r>
             <a:r>
-              <a:rPr lang="en-US" altLang="zh-CN" dirty="0" err="1" smtClean="0"/>
+              <a:rPr lang="en-US" altLang="zh-CN" dirty="0" err="1"/>
               <a:t>compileOnSave:true</a:t>
             </a:r>
             <a:r>
-              <a:rPr lang="en-US" altLang="zh-CN" dirty="0" smtClean="0"/>
+              <a:rPr lang="en-US" altLang="zh-CN" dirty="0"/>
               <a:t>  //</a:t>
             </a:r>
             <a:r>
-              <a:rPr lang="zh-CN" altLang="en-US" dirty="0" smtClean="0"/>
+              <a:rPr lang="zh-CN" altLang="en-US" dirty="0"/>
               <a:t>自动编译</a:t>
             </a:r>
             <a:endParaRPr lang="en-US" altLang="zh-CN" dirty="0"/>
@@ -6432,14 +6689,13 @@
           <a:lstStyle/>
           <a:p>
             <a:r>
-              <a:rPr lang="en-US" altLang="zh-CN" dirty="0" err="1" smtClean="0"/>
+              <a:rPr lang="en-US" altLang="zh-CN" dirty="0" err="1"/>
               <a:t>TypeScript</a:t>
             </a:r>
             <a:r>
-              <a:rPr lang="zh-CN" altLang="en-US" dirty="0" smtClean="0"/>
+              <a:rPr lang="zh-CN" altLang="en-US" dirty="0"/>
               <a:t>调试</a:t>
             </a:r>
-            <a:endParaRPr lang="zh-CN" altLang="en-US" dirty="0"/>
           </a:p>
         </p:txBody>
       </p:sp>
@@ -6459,23 +6715,23 @@
           <a:lstStyle/>
           <a:p>
             <a:r>
-              <a:rPr lang="en-US" altLang="zh-CN" dirty="0" smtClean="0"/>
+              <a:rPr lang="en-US" altLang="zh-CN" dirty="0"/>
               <a:t>IIS</a:t>
             </a:r>
             <a:r>
-              <a:rPr lang="zh-CN" altLang="en-US" dirty="0" smtClean="0"/>
+              <a:rPr lang="zh-CN" altLang="en-US" dirty="0"/>
               <a:t>服务器请不到</a:t>
             </a:r>
             <a:r>
-              <a:rPr lang="en-US" altLang="zh-CN" dirty="0" smtClean="0"/>
+              <a:rPr lang="en-US" altLang="zh-CN" dirty="0"/>
               <a:t>.</a:t>
             </a:r>
             <a:r>
-              <a:rPr lang="en-US" altLang="zh-CN" dirty="0" err="1" smtClean="0"/>
+              <a:rPr lang="en-US" altLang="zh-CN" dirty="0" err="1"/>
               <a:t>ts</a:t>
             </a:r>
             <a:r>
-              <a:rPr lang="zh-CN" altLang="en-US" dirty="0" smtClean="0"/>
+              <a:rPr lang="zh-CN" altLang="en-US" dirty="0"/>
               <a:t>文件问题解决</a:t>
             </a:r>
           </a:p>
@@ -6494,13 +6750,6 @@
   <p:clrMapOvr>
     <a:masterClrMapping/>
   </p:clrMapOvr>
-  <p:timing>
-    <p:tnLst>
-      <p:par>
-        <p:cTn id="1" dur="indefinite" restart="never" nodeType="tmRoot"/>
-      </p:par>
-    </p:tnLst>
-  </p:timing>
 </p:sld>
 </file>
 
@@ -6537,19 +6786,19 @@
           <a:lstStyle/>
           <a:p>
             <a:r>
-              <a:rPr lang="en-US" altLang="zh-CN" dirty="0" err="1" smtClean="0"/>
+              <a:rPr lang="en-US" altLang="zh-CN" dirty="0" err="1"/>
               <a:t>Git</a:t>
             </a:r>
             <a:r>
-              <a:rPr lang="en-US" altLang="zh-CN" dirty="0" smtClean="0"/>
+              <a:rPr lang="en-US" altLang="zh-CN" dirty="0"/>
               <a:t> </a:t>
             </a:r>
             <a:r>
-              <a:rPr lang="zh-CN" altLang="en-US" dirty="0" smtClean="0"/>
+              <a:rPr lang="zh-CN" altLang="en-US" dirty="0"/>
               <a:t>在提交的时候忽略编译的</a:t>
             </a:r>
             <a:r>
-              <a:rPr lang="en-US" altLang="zh-CN" dirty="0" err="1" smtClean="0"/>
+              <a:rPr lang="en-US" altLang="zh-CN" dirty="0" err="1"/>
               <a:t>js</a:t>
             </a:r>
             <a:endParaRPr lang="zh-CN" altLang="en-US" dirty="0"/>
@@ -6572,11 +6821,11 @@
           <a:lstStyle/>
           <a:p>
             <a:r>
-              <a:rPr lang="zh-CN" altLang="en-US" dirty="0" smtClean="0"/>
+              <a:rPr lang="zh-CN" altLang="en-US" dirty="0"/>
               <a:t>提交时忽略本地</a:t>
             </a:r>
             <a:r>
-              <a:rPr lang="en-US" altLang="zh-CN" dirty="0" err="1" smtClean="0"/>
+              <a:rPr lang="en-US" altLang="zh-CN" dirty="0" err="1"/>
               <a:t>js</a:t>
             </a:r>
             <a:endParaRPr lang="zh-CN" altLang="en-US" dirty="0"/>
@@ -6629,10 +6878,9 @@
           <a:lstStyle/>
           <a:p>
             <a:r>
-              <a:rPr lang="zh-CN" altLang="en-US" dirty="0" smtClean="0"/>
+              <a:rPr lang="zh-CN" altLang="en-US" dirty="0"/>
               <a:t>路由</a:t>
             </a:r>
-            <a:endParaRPr lang="zh-CN" altLang="en-US" dirty="0"/>
           </a:p>
         </p:txBody>
       </p:sp>
@@ -6652,10 +6900,9 @@
           <a:lstStyle/>
           <a:p>
             <a:r>
-              <a:rPr lang="zh-CN" altLang="en-US" dirty="0" smtClean="0"/>
+              <a:rPr lang="zh-CN" altLang="en-US" dirty="0"/>
               <a:t>添加路由时的错误</a:t>
             </a:r>
-            <a:endParaRPr lang="zh-CN" altLang="en-US" dirty="0"/>
           </a:p>
         </p:txBody>
       </p:sp>
@@ -6897,10 +7144,9 @@
           <a:lstStyle/>
           <a:p>
             <a:r>
-              <a:rPr lang="zh-CN" altLang="en-US" dirty="0" smtClean="0"/>
+              <a:rPr lang="zh-CN" altLang="en-US" dirty="0"/>
               <a:t>路由</a:t>
             </a:r>
-            <a:endParaRPr lang="zh-CN" altLang="en-US" dirty="0"/>
           </a:p>
         </p:txBody>
       </p:sp>
@@ -6920,10 +7166,9 @@
           <a:lstStyle/>
           <a:p>
             <a:r>
-              <a:rPr lang="zh-CN" altLang="en-US" dirty="0" smtClean="0"/>
+              <a:rPr lang="zh-CN" altLang="en-US" dirty="0"/>
               <a:t>添加路由后刷新页面报错</a:t>
             </a:r>
-            <a:endParaRPr lang="zh-CN" altLang="en-US" dirty="0"/>
           </a:p>
         </p:txBody>
       </p:sp>
@@ -7001,13 +7246,6 @@
   <p:clrMapOvr>
     <a:masterClrMapping/>
   </p:clrMapOvr>
-  <p:timing>
-    <p:tnLst>
-      <p:par>
-        <p:cTn id="1" dur="indefinite" restart="never" nodeType="tmRoot"/>
-      </p:par>
-    </p:tnLst>
-  </p:timing>
 </p:sld>
 </file>
 
@@ -7044,18 +7282,17 @@
           <a:lstStyle/>
           <a:p>
             <a:r>
-              <a:rPr lang="zh-CN" altLang="en-US" dirty="0" smtClean="0"/>
+              <a:rPr lang="zh-CN" altLang="en-US" dirty="0"/>
               <a:t>路由（</a:t>
             </a:r>
             <a:r>
-              <a:rPr lang="en-US" altLang="zh-CN" dirty="0" smtClean="0"/>
+              <a:rPr lang="en-US" altLang="zh-CN" dirty="0"/>
               <a:t>3</a:t>
             </a:r>
             <a:r>
-              <a:rPr lang="zh-CN" altLang="en-US" dirty="0" smtClean="0"/>
+              <a:rPr lang="zh-CN" altLang="en-US" dirty="0"/>
               <a:t>）</a:t>
             </a:r>
-            <a:endParaRPr lang="zh-CN" altLang="en-US" dirty="0"/>
           </a:p>
         </p:txBody>
       </p:sp>
@@ -7075,7 +7312,7 @@
           <a:lstStyle/>
           <a:p>
             <a:r>
-              <a:rPr lang="zh-CN" altLang="en-US" dirty="0" smtClean="0"/>
+              <a:rPr lang="zh-CN" altLang="en-US" dirty="0"/>
               <a:t>使用</a:t>
             </a:r>
             <a:r>
@@ -7091,15 +7328,15 @@
               <a:t>&lt;base </a:t>
             </a:r>
             <a:r>
-              <a:rPr lang="en-US" altLang="zh-CN" b="1" dirty="0" err="1" smtClean="0"/>
+              <a:rPr lang="en-US" altLang="zh-CN" b="1" dirty="0" err="1"/>
               <a:t>href</a:t>
             </a:r>
             <a:r>
-              <a:rPr lang="en-US" altLang="zh-CN" b="1" dirty="0" smtClean="0"/>
+              <a:rPr lang="en-US" altLang="zh-CN" b="1" dirty="0"/>
               <a:t>&gt;</a:t>
             </a:r>
             <a:r>
-              <a:rPr lang="zh-CN" altLang="en-US" b="1" dirty="0" smtClean="0"/>
+              <a:rPr lang="zh-CN" altLang="en-US" b="1" dirty="0"/>
               <a:t>来配置路由</a:t>
             </a:r>
             <a:endParaRPr lang="en-US" altLang="zh-CN" b="1" dirty="0"/>
@@ -7116,13 +7353,6 @@
   <p:clrMapOvr>
     <a:masterClrMapping/>
   </p:clrMapOvr>
-  <p:timing>
-    <p:tnLst>
-      <p:par>
-        <p:cTn id="1" dur="indefinite" restart="never" nodeType="tmRoot"/>
-      </p:par>
-    </p:tnLst>
-  </p:timing>
 </p:sld>
 </file>
 
@@ -7159,11 +7389,11 @@
           <a:lstStyle/>
           <a:p>
             <a:r>
-              <a:rPr lang="zh-CN" altLang="en-US" dirty="0" smtClean="0"/>
+              <a:rPr lang="zh-CN" altLang="en-US" dirty="0"/>
               <a:t>路由</a:t>
             </a:r>
             <a:r>
-              <a:rPr lang="en-US" altLang="zh-CN" dirty="0" smtClean="0"/>
+              <a:rPr lang="en-US" altLang="zh-CN" dirty="0"/>
               <a:t>4</a:t>
             </a:r>
             <a:endParaRPr lang="zh-CN" altLang="en-US" dirty="0"/>
@@ -7186,15 +7416,15 @@
           <a:lstStyle/>
           <a:p>
             <a:r>
-              <a:rPr lang="zh-CN" altLang="en-US" dirty="0" smtClean="0"/>
+              <a:rPr lang="zh-CN" altLang="en-US" dirty="0"/>
               <a:t>使用</a:t>
             </a:r>
             <a:r>
-              <a:rPr lang="en-US" altLang="zh-CN" b="1" i="1" dirty="0" err="1" smtClean="0"/>
+              <a:rPr lang="en-US" altLang="zh-CN" b="1" i="1" dirty="0" err="1"/>
               <a:t>HashLocationStrategy</a:t>
             </a:r>
             <a:r>
-              <a:rPr lang="zh-CN" altLang="en-US" dirty="0" smtClean="0"/>
+              <a:rPr lang="zh-CN" altLang="en-US" dirty="0"/>
               <a:t>配置路由</a:t>
             </a:r>
             <a:endParaRPr lang="en-US" altLang="zh-CN" b="1" dirty="0"/>
@@ -7211,13 +7441,6 @@
   <p:clrMapOvr>
     <a:masterClrMapping/>
   </p:clrMapOvr>
-  <p:timing>
-    <p:tnLst>
-      <p:par>
-        <p:cTn id="1" dur="indefinite" restart="never" nodeType="tmRoot"/>
-      </p:par>
-    </p:tnLst>
-  </p:timing>
 </p:sld>
 </file>
 
@@ -7229,7 +7452,7 @@
         <a:sysClr val="windowText" lastClr="000000"/>
       </a:dk1>
       <a:lt1>
-        <a:sysClr val="window" lastClr="CBE9CF"/>
+        <a:sysClr val="window" lastClr="FFFFFF"/>
       </a:lt1>
       <a:dk2>
         <a:srgbClr val="1F497D"/>
@@ -7512,7 +7735,7 @@
         <a:sysClr val="windowText" lastClr="000000"/>
       </a:dk1>
       <a:lt1>
-        <a:sysClr val="window" lastClr="CBE9CF"/>
+        <a:sysClr val="window" lastClr="FFFFFF"/>
       </a:lt1>
       <a:dk2>
         <a:srgbClr val="1F497D"/>

--- a/files/Angular2.pptx
+++ b/files/Angular2.pptx
@@ -5,7 +5,7 @@
     <p:sldMasterId id="2147483648" r:id="rId1"/>
   </p:sldMasterIdLst>
   <p:notesMasterIdLst>
-    <p:notesMasterId r:id="rId28"/>
+    <p:notesMasterId r:id="rId33"/>
   </p:notesMasterIdLst>
   <p:sldIdLst>
     <p:sldId id="257" r:id="rId2"/>
@@ -32,8 +32,13 @@
     <p:sldId id="277" r:id="rId23"/>
     <p:sldId id="279" r:id="rId24"/>
     <p:sldId id="280" r:id="rId25"/>
-    <p:sldId id="283" r:id="rId26"/>
-    <p:sldId id="278" r:id="rId27"/>
+    <p:sldId id="284" r:id="rId26"/>
+    <p:sldId id="285" r:id="rId27"/>
+    <p:sldId id="288" r:id="rId28"/>
+    <p:sldId id="283" r:id="rId29"/>
+    <p:sldId id="286" r:id="rId30"/>
+    <p:sldId id="287" r:id="rId31"/>
+    <p:sldId id="278" r:id="rId32"/>
   </p:sldIdLst>
   <p:sldSz cx="9144000" cy="6858000" type="screen4x3"/>
   <p:notesSz cx="6858000" cy="9144000"/>
@@ -134,7 +139,7 @@
   </p:defaultTextStyle>
   <p:extLst>
     <p:ext uri="{EFAFB233-063F-42B5-8137-9DF3F51BA10A}">
-      <p15:sldGuideLst xmlns:p15="http://schemas.microsoft.com/office/powerpoint/2012/main">
+      <p15:sldGuideLst xmlns:p15="http://schemas.microsoft.com/office/powerpoint/2012/main" xmlns="">
         <p15:guide id="1" orient="horz" pos="2160">
           <p15:clr>
             <a:srgbClr val="A4A3A4"/>
@@ -233,7 +238,7 @@
           <a:p>
             <a:fld id="{AD1DCDFA-BF87-4C21-B8FF-C7D869EA008A}" type="datetimeFigureOut">
               <a:rPr lang="zh-CN" altLang="en-US" smtClean="0"/>
-              <a:t>2017/3/16</a:t>
+              <a:t>2017/3/17</a:t>
             </a:fld>
             <a:endParaRPr lang="zh-CN" altLang="en-US"/>
           </a:p>
@@ -1032,6 +1037,34 @@
             </a:r>
           </a:p>
           <a:p>
+            <a:r>
+              <a:rPr lang="en-US" altLang="zh-CN" dirty="0" smtClean="0"/>
+              <a:t>Angular</a:t>
+            </a:r>
+            <a:r>
+              <a:rPr lang="zh-CN" altLang="en-US" dirty="0" smtClean="0"/>
+              <a:t>中的默认路由，主页面中的</a:t>
+            </a:r>
+            <a:r>
+              <a:rPr lang="en-US" altLang="zh-CN" dirty="0" smtClean="0"/>
+              <a:t>base </a:t>
+            </a:r>
+            <a:r>
+              <a:rPr lang="en-US" altLang="zh-CN" dirty="0" err="1" smtClean="0"/>
+              <a:t>href</a:t>
+            </a:r>
+            <a:r>
+              <a:rPr lang="zh-CN" altLang="en-US" dirty="0" smtClean="0"/>
+              <a:t>是必须的，使用</a:t>
+            </a:r>
+            <a:r>
+              <a:rPr lang="en-US" altLang="zh-CN" dirty="0" smtClean="0"/>
+              <a:t>hash</a:t>
+            </a:r>
+            <a:r>
+              <a:rPr lang="zh-CN" altLang="en-US" dirty="0" smtClean="0"/>
+              <a:t>则不需要</a:t>
+            </a:r>
             <a:endParaRPr lang="zh-CN" altLang="en-US" dirty="0"/>
           </a:p>
         </p:txBody>
@@ -1443,7 +1476,7 @@
           <a:p>
             <a:fld id="{5596D80E-E838-4A36-A5AD-2029880C9AD3}" type="slidenum">
               <a:rPr lang="zh-CN" altLang="en-US" smtClean="0"/>
-              <a:t>25</a:t>
+              <a:t>28</a:t>
             </a:fld>
             <a:endParaRPr lang="zh-CN" altLang="en-US"/>
           </a:p>
@@ -1641,7 +1674,7 @@
           <a:p>
             <a:fld id="{530820CF-B880-4189-942D-D702A7CBA730}" type="datetimeFigureOut">
               <a:rPr lang="zh-CN" altLang="en-US" smtClean="0"/>
-              <a:t>2017/3/16</a:t>
+              <a:t>2017/3/17</a:t>
             </a:fld>
             <a:endParaRPr lang="zh-CN" altLang="en-US"/>
           </a:p>
@@ -1804,7 +1837,7 @@
           <a:p>
             <a:fld id="{530820CF-B880-4189-942D-D702A7CBA730}" type="datetimeFigureOut">
               <a:rPr lang="zh-CN" altLang="en-US" smtClean="0"/>
-              <a:t>2017/3/16</a:t>
+              <a:t>2017/3/17</a:t>
             </a:fld>
             <a:endParaRPr lang="zh-CN" altLang="en-US"/>
           </a:p>
@@ -1977,7 +2010,7 @@
           <a:p>
             <a:fld id="{530820CF-B880-4189-942D-D702A7CBA730}" type="datetimeFigureOut">
               <a:rPr lang="zh-CN" altLang="en-US" smtClean="0"/>
-              <a:t>2017/3/16</a:t>
+              <a:t>2017/3/17</a:t>
             </a:fld>
             <a:endParaRPr lang="zh-CN" altLang="en-US"/>
           </a:p>
@@ -2140,7 +2173,7 @@
           <a:p>
             <a:fld id="{530820CF-B880-4189-942D-D702A7CBA730}" type="datetimeFigureOut">
               <a:rPr lang="zh-CN" altLang="en-US" smtClean="0"/>
-              <a:t>2017/3/16</a:t>
+              <a:t>2017/3/17</a:t>
             </a:fld>
             <a:endParaRPr lang="zh-CN" altLang="en-US"/>
           </a:p>
@@ -2380,7 +2413,7 @@
           <a:p>
             <a:fld id="{530820CF-B880-4189-942D-D702A7CBA730}" type="datetimeFigureOut">
               <a:rPr lang="zh-CN" altLang="en-US" smtClean="0"/>
-              <a:t>2017/3/16</a:t>
+              <a:t>2017/3/17</a:t>
             </a:fld>
             <a:endParaRPr lang="zh-CN" altLang="en-US"/>
           </a:p>
@@ -2660,7 +2693,7 @@
           <a:p>
             <a:fld id="{530820CF-B880-4189-942D-D702A7CBA730}" type="datetimeFigureOut">
               <a:rPr lang="zh-CN" altLang="en-US" smtClean="0"/>
-              <a:t>2017/3/16</a:t>
+              <a:t>2017/3/17</a:t>
             </a:fld>
             <a:endParaRPr lang="zh-CN" altLang="en-US"/>
           </a:p>
@@ -3074,7 +3107,7 @@
           <a:p>
             <a:fld id="{530820CF-B880-4189-942D-D702A7CBA730}" type="datetimeFigureOut">
               <a:rPr lang="zh-CN" altLang="en-US" smtClean="0"/>
-              <a:t>2017/3/16</a:t>
+              <a:t>2017/3/17</a:t>
             </a:fld>
             <a:endParaRPr lang="zh-CN" altLang="en-US"/>
           </a:p>
@@ -3186,7 +3219,7 @@
           <a:p>
             <a:fld id="{530820CF-B880-4189-942D-D702A7CBA730}" type="datetimeFigureOut">
               <a:rPr lang="zh-CN" altLang="en-US" smtClean="0"/>
-              <a:t>2017/3/16</a:t>
+              <a:t>2017/3/17</a:t>
             </a:fld>
             <a:endParaRPr lang="zh-CN" altLang="en-US"/>
           </a:p>
@@ -3276,7 +3309,7 @@
           <a:p>
             <a:fld id="{530820CF-B880-4189-942D-D702A7CBA730}" type="datetimeFigureOut">
               <a:rPr lang="zh-CN" altLang="en-US" smtClean="0"/>
-              <a:t>2017/3/16</a:t>
+              <a:t>2017/3/17</a:t>
             </a:fld>
             <a:endParaRPr lang="zh-CN" altLang="en-US"/>
           </a:p>
@@ -3546,7 +3579,7 @@
           <a:p>
             <a:fld id="{530820CF-B880-4189-942D-D702A7CBA730}" type="datetimeFigureOut">
               <a:rPr lang="zh-CN" altLang="en-US" smtClean="0"/>
-              <a:t>2017/3/16</a:t>
+              <a:t>2017/3/17</a:t>
             </a:fld>
             <a:endParaRPr lang="zh-CN" altLang="en-US"/>
           </a:p>
@@ -3793,7 +3826,7 @@
           <a:p>
             <a:fld id="{530820CF-B880-4189-942D-D702A7CBA730}" type="datetimeFigureOut">
               <a:rPr lang="zh-CN" altLang="en-US" smtClean="0"/>
-              <a:t>2017/3/16</a:t>
+              <a:t>2017/3/17</a:t>
             </a:fld>
             <a:endParaRPr lang="zh-CN" altLang="en-US"/>
           </a:p>
@@ -3999,7 +4032,7 @@
           <a:p>
             <a:fld id="{530820CF-B880-4189-942D-D702A7CBA730}" type="datetimeFigureOut">
               <a:rPr lang="zh-CN" altLang="en-US" smtClean="0"/>
-              <a:t>2017/3/16</a:t>
+              <a:t>2017/3/17</a:t>
             </a:fld>
             <a:endParaRPr lang="zh-CN" altLang="en-US"/>
           </a:p>
@@ -6218,9 +6251,49 @@
           <a:lstStyle/>
           <a:p>
             <a:r>
-              <a:rPr lang="en-US" altLang="zh-CN" dirty="0"/>
-              <a:t>http://webpack.github.io/docs/</a:t>
-            </a:r>
+              <a:rPr lang="en-US" altLang="zh-CN" dirty="0">
+                <a:hlinkClick r:id="rId2"/>
+              </a:rPr>
+              <a:t>https://webpack.js.org/guides/get-started/</a:t>
+            </a:r>
+          </a:p>
+          <a:p>
+            <a:r>
+              <a:rPr lang="en-US" altLang="zh-CN" dirty="0" smtClean="0">
+                <a:hlinkClick r:id="rId2"/>
+              </a:rPr>
+              <a:t>http</a:t>
+            </a:r>
+            <a:r>
+              <a:rPr lang="en-US" altLang="zh-CN" dirty="0">
+                <a:hlinkClick r:id="rId2"/>
+              </a:rPr>
+              <a:t>://webpack.github.io/docs</a:t>
+            </a:r>
+            <a:r>
+              <a:rPr lang="en-US" altLang="zh-CN" dirty="0" smtClean="0">
+                <a:hlinkClick r:id="rId2"/>
+              </a:rPr>
+              <a:t>/</a:t>
+            </a:r>
+            <a:endParaRPr lang="en-US" altLang="zh-CN" dirty="0" smtClean="0"/>
+          </a:p>
+          <a:p>
+            <a:r>
+              <a:rPr lang="en-US" altLang="zh-CN" dirty="0">
+                <a:hlinkClick r:id="rId3"/>
+              </a:rPr>
+              <a:t>http://</a:t>
+            </a:r>
+            <a:r>
+              <a:rPr lang="en-US" altLang="zh-CN" dirty="0" smtClean="0">
+                <a:hlinkClick r:id="rId3"/>
+              </a:rPr>
+              <a:t>webpackdoc.com/usage.html</a:t>
+            </a:r>
+            <a:endParaRPr lang="en-US" altLang="zh-CN" dirty="0" smtClean="0"/>
+          </a:p>
+          <a:p>
             <a:endParaRPr lang="zh-CN" altLang="en-US" dirty="0"/>
           </a:p>
         </p:txBody>
@@ -6239,6 +6312,253 @@
 </file>
 
 <file path=ppt/slides/slide25.xml><?xml version="1.0" encoding="utf-8"?>
+<p:sld xmlns:a="http://schemas.openxmlformats.org/drawingml/2006/main" xmlns:r="http://schemas.openxmlformats.org/officeDocument/2006/relationships" xmlns:p="http://schemas.openxmlformats.org/presentationml/2006/main">
+  <p:cSld>
+    <p:spTree>
+      <p:nvGrpSpPr>
+        <p:cNvPr id="1" name=""/>
+        <p:cNvGrpSpPr/>
+        <p:nvPr/>
+      </p:nvGrpSpPr>
+      <p:grpSpPr>
+        <a:xfrm>
+          <a:off x="0" y="0"/>
+          <a:ext cx="0" cy="0"/>
+          <a:chOff x="0" y="0"/>
+          <a:chExt cx="0" cy="0"/>
+        </a:xfrm>
+      </p:grpSpPr>
+      <p:sp>
+        <p:nvSpPr>
+          <p:cNvPr id="2" name="标题 1"/>
+          <p:cNvSpPr>
+            <a:spLocks noGrp="1"/>
+          </p:cNvSpPr>
+          <p:nvPr>
+            <p:ph type="title"/>
+          </p:nvPr>
+        </p:nvSpPr>
+        <p:spPr/>
+        <p:txBody>
+          <a:bodyPr/>
+          <a:lstStyle/>
+          <a:p>
+            <a:r>
+              <a:rPr lang="en-US" altLang="zh-CN" dirty="0" err="1" smtClean="0"/>
+              <a:t>Webpack</a:t>
+            </a:r>
+            <a:r>
+              <a:rPr lang="zh-CN" altLang="en-US" dirty="0" smtClean="0"/>
+              <a:t>中的各种</a:t>
+            </a:r>
+            <a:r>
+              <a:rPr lang="en-US" altLang="zh-CN" dirty="0" err="1" smtClean="0"/>
+              <a:t>css</a:t>
+            </a:r>
+            <a:r>
+              <a:rPr lang="en-US" altLang="zh-CN" dirty="0" smtClean="0"/>
+              <a:t>-loader</a:t>
+            </a:r>
+            <a:endParaRPr lang="zh-CN" altLang="en-US" dirty="0"/>
+          </a:p>
+        </p:txBody>
+      </p:sp>
+      <p:sp>
+        <p:nvSpPr>
+          <p:cNvPr id="3" name="内容占位符 2"/>
+          <p:cNvSpPr>
+            <a:spLocks noGrp="1"/>
+          </p:cNvSpPr>
+          <p:nvPr>
+            <p:ph idx="1"/>
+          </p:nvPr>
+        </p:nvSpPr>
+        <p:spPr/>
+        <p:txBody>
+          <a:bodyPr/>
+          <a:lstStyle/>
+          <a:p>
+            <a:endParaRPr lang="zh-CN" altLang="en-US"/>
+          </a:p>
+        </p:txBody>
+      </p:sp>
+    </p:spTree>
+    <p:extLst>
+      <p:ext uri="{BB962C8B-B14F-4D97-AF65-F5344CB8AC3E}">
+        <p14:creationId xmlns:p14="http://schemas.microsoft.com/office/powerpoint/2010/main" val="3905841973"/>
+      </p:ext>
+    </p:extLst>
+  </p:cSld>
+  <p:clrMapOvr>
+    <a:masterClrMapping/>
+  </p:clrMapOvr>
+</p:sld>
+</file>
+
+<file path=ppt/slides/slide26.xml><?xml version="1.0" encoding="utf-8"?>
+<p:sld xmlns:a="http://schemas.openxmlformats.org/drawingml/2006/main" xmlns:r="http://schemas.openxmlformats.org/officeDocument/2006/relationships" xmlns:p="http://schemas.openxmlformats.org/presentationml/2006/main">
+  <p:cSld>
+    <p:spTree>
+      <p:nvGrpSpPr>
+        <p:cNvPr id="1" name=""/>
+        <p:cNvGrpSpPr/>
+        <p:nvPr/>
+      </p:nvGrpSpPr>
+      <p:grpSpPr>
+        <a:xfrm>
+          <a:off x="0" y="0"/>
+          <a:ext cx="0" cy="0"/>
+          <a:chOff x="0" y="0"/>
+          <a:chExt cx="0" cy="0"/>
+        </a:xfrm>
+      </p:grpSpPr>
+      <p:sp>
+        <p:nvSpPr>
+          <p:cNvPr id="2" name="标题 1"/>
+          <p:cNvSpPr>
+            <a:spLocks noGrp="1"/>
+          </p:cNvSpPr>
+          <p:nvPr>
+            <p:ph type="title"/>
+          </p:nvPr>
+        </p:nvSpPr>
+        <p:spPr/>
+        <p:txBody>
+          <a:bodyPr/>
+          <a:lstStyle/>
+          <a:p>
+            <a:r>
+              <a:rPr lang="en-US" altLang="zh-CN" dirty="0" smtClean="0"/>
+              <a:t>AOT</a:t>
+            </a:r>
+            <a:r>
+              <a:rPr lang="zh-CN" altLang="en-US" dirty="0" smtClean="0"/>
+              <a:t>模式</a:t>
+            </a:r>
+            <a:endParaRPr lang="zh-CN" altLang="en-US" dirty="0"/>
+          </a:p>
+        </p:txBody>
+      </p:sp>
+      <p:sp>
+        <p:nvSpPr>
+          <p:cNvPr id="3" name="内容占位符 2"/>
+          <p:cNvSpPr>
+            <a:spLocks noGrp="1"/>
+          </p:cNvSpPr>
+          <p:nvPr>
+            <p:ph idx="1"/>
+          </p:nvPr>
+        </p:nvSpPr>
+        <p:spPr/>
+        <p:txBody>
+          <a:bodyPr/>
+          <a:lstStyle/>
+          <a:p>
+            <a:endParaRPr lang="zh-CN" altLang="en-US"/>
+          </a:p>
+        </p:txBody>
+      </p:sp>
+    </p:spTree>
+    <p:extLst>
+      <p:ext uri="{BB962C8B-B14F-4D97-AF65-F5344CB8AC3E}">
+        <p14:creationId xmlns:p14="http://schemas.microsoft.com/office/powerpoint/2010/main" val="1591564055"/>
+      </p:ext>
+    </p:extLst>
+  </p:cSld>
+  <p:clrMapOvr>
+    <a:masterClrMapping/>
+  </p:clrMapOvr>
+</p:sld>
+</file>
+
+<file path=ppt/slides/slide27.xml><?xml version="1.0" encoding="utf-8"?>
+<p:sld xmlns:a="http://schemas.openxmlformats.org/drawingml/2006/main" xmlns:r="http://schemas.openxmlformats.org/officeDocument/2006/relationships" xmlns:p="http://schemas.openxmlformats.org/presentationml/2006/main">
+  <p:cSld>
+    <p:spTree>
+      <p:nvGrpSpPr>
+        <p:cNvPr id="1" name=""/>
+        <p:cNvGrpSpPr/>
+        <p:nvPr/>
+      </p:nvGrpSpPr>
+      <p:grpSpPr>
+        <a:xfrm>
+          <a:off x="0" y="0"/>
+          <a:ext cx="0" cy="0"/>
+          <a:chOff x="0" y="0"/>
+          <a:chExt cx="0" cy="0"/>
+        </a:xfrm>
+      </p:grpSpPr>
+      <p:sp>
+        <p:nvSpPr>
+          <p:cNvPr id="2" name="标题 1"/>
+          <p:cNvSpPr>
+            <a:spLocks noGrp="1"/>
+          </p:cNvSpPr>
+          <p:nvPr>
+            <p:ph type="title"/>
+          </p:nvPr>
+        </p:nvSpPr>
+        <p:spPr/>
+        <p:txBody>
+          <a:bodyPr/>
+          <a:lstStyle/>
+          <a:p>
+            <a:r>
+              <a:rPr lang="zh-CN" altLang="en-US" dirty="0" smtClean="0"/>
+              <a:t>实现前端模块加载器</a:t>
+            </a:r>
+            <a:endParaRPr lang="zh-CN" altLang="en-US" dirty="0"/>
+          </a:p>
+        </p:txBody>
+      </p:sp>
+      <p:sp>
+        <p:nvSpPr>
+          <p:cNvPr id="3" name="内容占位符 2"/>
+          <p:cNvSpPr>
+            <a:spLocks noGrp="1"/>
+          </p:cNvSpPr>
+          <p:nvPr>
+            <p:ph idx="1"/>
+          </p:nvPr>
+        </p:nvSpPr>
+        <p:spPr/>
+        <p:txBody>
+          <a:bodyPr/>
+          <a:lstStyle/>
+          <a:p>
+            <a:r>
+              <a:rPr lang="en-US" altLang="zh-CN" dirty="0">
+                <a:hlinkClick r:id="rId2"/>
+              </a:rPr>
+              <a:t>http://web.jobbole.com/89903</a:t>
+            </a:r>
+            <a:r>
+              <a:rPr lang="en-US" altLang="zh-CN" dirty="0" smtClean="0">
+                <a:hlinkClick r:id="rId2"/>
+              </a:rPr>
+              <a:t>/</a:t>
+            </a:r>
+            <a:endParaRPr lang="en-US" altLang="zh-CN" dirty="0" smtClean="0"/>
+          </a:p>
+          <a:p>
+            <a:endParaRPr lang="zh-CN" altLang="en-US" dirty="0"/>
+          </a:p>
+        </p:txBody>
+      </p:sp>
+    </p:spTree>
+    <p:extLst>
+      <p:ext uri="{BB962C8B-B14F-4D97-AF65-F5344CB8AC3E}">
+        <p14:creationId xmlns:p14="http://schemas.microsoft.com/office/powerpoint/2010/main" val="3369442003"/>
+      </p:ext>
+    </p:extLst>
+  </p:cSld>
+  <p:clrMapOvr>
+    <a:masterClrMapping/>
+  </p:clrMapOvr>
+</p:sld>
+</file>
+
+<file path=ppt/slides/slide28.xml><?xml version="1.0" encoding="utf-8"?>
 <p:sld xmlns:a="http://schemas.openxmlformats.org/drawingml/2006/main" xmlns:r="http://schemas.openxmlformats.org/officeDocument/2006/relationships" xmlns:p="http://schemas.openxmlformats.org/presentationml/2006/main">
   <p:cSld>
     <p:spTree>
@@ -6390,7 +6710,7 @@
 </p:sld>
 </file>
 
-<file path=ppt/slides/slide26.xml><?xml version="1.0" encoding="utf-8"?>
+<file path=ppt/slides/slide29.xml><?xml version="1.0" encoding="utf-8"?>
 <p:sld xmlns:a="http://schemas.openxmlformats.org/drawingml/2006/main" xmlns:r="http://schemas.openxmlformats.org/officeDocument/2006/relationships" xmlns:p="http://schemas.openxmlformats.org/presentationml/2006/main">
   <p:cSld>
     <p:spTree>
@@ -6423,9 +6743,10 @@
           <a:lstStyle/>
           <a:p>
             <a:r>
-              <a:rPr lang="zh-CN" altLang="en-US" dirty="0"/>
-              <a:t>问题</a:t>
-            </a:r>
+              <a:rPr lang="zh-CN" altLang="en-US" dirty="0" smtClean="0"/>
+              <a:t>应用启动器</a:t>
+            </a:r>
+            <a:endParaRPr lang="zh-CN" altLang="en-US" dirty="0"/>
           </a:p>
         </p:txBody>
       </p:sp>
@@ -6445,40 +6766,32 @@
           <a:lstStyle/>
           <a:p>
             <a:r>
-              <a:rPr lang="zh-CN" altLang="en-US" dirty="0"/>
-              <a:t>如果</a:t>
-            </a:r>
-            <a:r>
-              <a:rPr lang="en-US" altLang="zh-CN" dirty="0" err="1"/>
-              <a:t>sharemodule</a:t>
-            </a:r>
-            <a:r>
-              <a:rPr lang="zh-CN" altLang="en-US" dirty="0"/>
-              <a:t>中的组件里面含有</a:t>
-            </a:r>
-            <a:r>
-              <a:rPr lang="en-US" altLang="zh-CN" dirty="0"/>
-              <a:t>provider,</a:t>
-            </a:r>
-            <a:r>
-              <a:rPr lang="zh-CN" altLang="en-US" dirty="0"/>
-              <a:t>这个</a:t>
-            </a:r>
-            <a:r>
-              <a:rPr lang="en-US" altLang="zh-CN" dirty="0"/>
-              <a:t>provider</a:t>
-            </a:r>
-            <a:r>
-              <a:rPr lang="zh-CN" altLang="en-US" dirty="0"/>
-              <a:t>里面有服务，那么这个服务还是单例么？</a:t>
-            </a:r>
+              <a:rPr lang="en-US" altLang="zh-CN" dirty="0" err="1" smtClean="0"/>
+              <a:t>SystemJS</a:t>
+            </a:r>
+            <a:r>
+              <a:rPr lang="zh-CN" altLang="en-US" dirty="0" smtClean="0"/>
+              <a:t>时，如何启动应用程序</a:t>
+            </a:r>
+            <a:endParaRPr lang="en-US" altLang="zh-CN" dirty="0" smtClean="0"/>
+          </a:p>
+          <a:p>
+            <a:r>
+              <a:rPr lang="en-US" altLang="zh-CN" dirty="0" err="1" smtClean="0"/>
+              <a:t>WebPack</a:t>
+            </a:r>
+            <a:r>
+              <a:rPr lang="zh-CN" altLang="en-US" dirty="0" smtClean="0"/>
+              <a:t>启动器</a:t>
+            </a:r>
+            <a:endParaRPr lang="zh-CN" altLang="en-US" dirty="0"/>
           </a:p>
         </p:txBody>
       </p:sp>
     </p:spTree>
     <p:extLst>
       <p:ext uri="{BB962C8B-B14F-4D97-AF65-F5344CB8AC3E}">
-        <p14:creationId xmlns:p14="http://schemas.microsoft.com/office/powerpoint/2010/main" val="1704239897"/>
+        <p14:creationId xmlns:p14="http://schemas.microsoft.com/office/powerpoint/2010/main" val="4065519204"/>
       </p:ext>
     </p:extLst>
   </p:cSld>
@@ -6647,6 +6960,206 @@
     <p:extLst>
       <p:ext uri="{BB962C8B-B14F-4D97-AF65-F5344CB8AC3E}">
         <p14:creationId xmlns:p14="http://schemas.microsoft.com/office/powerpoint/2010/main" val="79308216"/>
+      </p:ext>
+    </p:extLst>
+  </p:cSld>
+  <p:clrMapOvr>
+    <a:masterClrMapping/>
+  </p:clrMapOvr>
+</p:sld>
+</file>
+
+<file path=ppt/slides/slide30.xml><?xml version="1.0" encoding="utf-8"?>
+<p:sld xmlns:a="http://schemas.openxmlformats.org/drawingml/2006/main" xmlns:r="http://schemas.openxmlformats.org/officeDocument/2006/relationships" xmlns:p="http://schemas.openxmlformats.org/presentationml/2006/main">
+  <p:cSld>
+    <p:spTree>
+      <p:nvGrpSpPr>
+        <p:cNvPr id="1" name=""/>
+        <p:cNvGrpSpPr/>
+        <p:nvPr/>
+      </p:nvGrpSpPr>
+      <p:grpSpPr>
+        <a:xfrm>
+          <a:off x="0" y="0"/>
+          <a:ext cx="0" cy="0"/>
+          <a:chOff x="0" y="0"/>
+          <a:chExt cx="0" cy="0"/>
+        </a:xfrm>
+      </p:grpSpPr>
+      <p:sp>
+        <p:nvSpPr>
+          <p:cNvPr id="2" name="标题 1"/>
+          <p:cNvSpPr>
+            <a:spLocks noGrp="1"/>
+          </p:cNvSpPr>
+          <p:nvPr>
+            <p:ph type="title"/>
+          </p:nvPr>
+        </p:nvSpPr>
+        <p:spPr/>
+        <p:txBody>
+          <a:bodyPr/>
+          <a:lstStyle/>
+          <a:p>
+            <a:r>
+              <a:rPr lang="en-US" altLang="zh-CN" dirty="0"/>
+              <a:t>setting-up-angular-2-with-webpack</a:t>
+            </a:r>
+            <a:endParaRPr lang="zh-CN" altLang="en-US" dirty="0"/>
+          </a:p>
+        </p:txBody>
+      </p:sp>
+      <p:sp>
+        <p:nvSpPr>
+          <p:cNvPr id="3" name="内容占位符 2"/>
+          <p:cNvSpPr>
+            <a:spLocks noGrp="1"/>
+          </p:cNvSpPr>
+          <p:nvPr>
+            <p:ph idx="1"/>
+          </p:nvPr>
+        </p:nvSpPr>
+        <p:spPr/>
+        <p:txBody>
+          <a:bodyPr/>
+          <a:lstStyle/>
+          <a:p>
+            <a:r>
+              <a:rPr lang="en-US" altLang="zh-CN" dirty="0">
+                <a:hlinkClick r:id="rId2"/>
+              </a:rPr>
+              <a:t>http://</a:t>
+            </a:r>
+            <a:r>
+              <a:rPr lang="en-US" altLang="zh-CN" dirty="0" smtClean="0">
+                <a:hlinkClick r:id="rId2"/>
+              </a:rPr>
+              <a:t>semaphoreci.com/community/tutorials/setting-up-angular-2-with-webpack</a:t>
+            </a:r>
+            <a:endParaRPr lang="en-US" altLang="zh-CN" dirty="0" smtClean="0"/>
+          </a:p>
+          <a:p>
+            <a:r>
+              <a:rPr lang="en-US" altLang="zh-CN" dirty="0">
+                <a:hlinkClick r:id="rId3"/>
+              </a:rPr>
+              <a:t>http://www.eloquentwebapp.com/setting-angular-2-environment-using-typescript-npm-webpack</a:t>
+            </a:r>
+            <a:r>
+              <a:rPr lang="en-US" altLang="zh-CN" dirty="0" smtClean="0">
+                <a:hlinkClick r:id="rId3"/>
+              </a:rPr>
+              <a:t>/</a:t>
+            </a:r>
+            <a:endParaRPr lang="en-US" altLang="zh-CN" dirty="0" smtClean="0"/>
+          </a:p>
+          <a:p>
+            <a:endParaRPr lang="zh-CN" altLang="en-US" dirty="0"/>
+          </a:p>
+        </p:txBody>
+      </p:sp>
+    </p:spTree>
+    <p:extLst>
+      <p:ext uri="{BB962C8B-B14F-4D97-AF65-F5344CB8AC3E}">
+        <p14:creationId xmlns:p14="http://schemas.microsoft.com/office/powerpoint/2010/main" val="3068746039"/>
+      </p:ext>
+    </p:extLst>
+  </p:cSld>
+  <p:clrMapOvr>
+    <a:masterClrMapping/>
+  </p:clrMapOvr>
+</p:sld>
+</file>
+
+<file path=ppt/slides/slide31.xml><?xml version="1.0" encoding="utf-8"?>
+<p:sld xmlns:a="http://schemas.openxmlformats.org/drawingml/2006/main" xmlns:r="http://schemas.openxmlformats.org/officeDocument/2006/relationships" xmlns:p="http://schemas.openxmlformats.org/presentationml/2006/main">
+  <p:cSld>
+    <p:spTree>
+      <p:nvGrpSpPr>
+        <p:cNvPr id="1" name=""/>
+        <p:cNvGrpSpPr/>
+        <p:nvPr/>
+      </p:nvGrpSpPr>
+      <p:grpSpPr>
+        <a:xfrm>
+          <a:off x="0" y="0"/>
+          <a:ext cx="0" cy="0"/>
+          <a:chOff x="0" y="0"/>
+          <a:chExt cx="0" cy="0"/>
+        </a:xfrm>
+      </p:grpSpPr>
+      <p:sp>
+        <p:nvSpPr>
+          <p:cNvPr id="2" name="标题 1"/>
+          <p:cNvSpPr>
+            <a:spLocks noGrp="1"/>
+          </p:cNvSpPr>
+          <p:nvPr>
+            <p:ph type="title"/>
+          </p:nvPr>
+        </p:nvSpPr>
+        <p:spPr/>
+        <p:txBody>
+          <a:bodyPr/>
+          <a:lstStyle/>
+          <a:p>
+            <a:r>
+              <a:rPr lang="zh-CN" altLang="en-US" dirty="0"/>
+              <a:t>问题</a:t>
+            </a:r>
+          </a:p>
+        </p:txBody>
+      </p:sp>
+      <p:sp>
+        <p:nvSpPr>
+          <p:cNvPr id="3" name="内容占位符 2"/>
+          <p:cNvSpPr>
+            <a:spLocks noGrp="1"/>
+          </p:cNvSpPr>
+          <p:nvPr>
+            <p:ph idx="1"/>
+          </p:nvPr>
+        </p:nvSpPr>
+        <p:spPr/>
+        <p:txBody>
+          <a:bodyPr/>
+          <a:lstStyle/>
+          <a:p>
+            <a:r>
+              <a:rPr lang="zh-CN" altLang="en-US" dirty="0"/>
+              <a:t>如果</a:t>
+            </a:r>
+            <a:r>
+              <a:rPr lang="en-US" altLang="zh-CN" dirty="0" err="1"/>
+              <a:t>sharemodule</a:t>
+            </a:r>
+            <a:r>
+              <a:rPr lang="zh-CN" altLang="en-US" dirty="0"/>
+              <a:t>中的组件里面含有</a:t>
+            </a:r>
+            <a:r>
+              <a:rPr lang="en-US" altLang="zh-CN" dirty="0"/>
+              <a:t>provider,</a:t>
+            </a:r>
+            <a:r>
+              <a:rPr lang="zh-CN" altLang="en-US" dirty="0"/>
+              <a:t>这个</a:t>
+            </a:r>
+            <a:r>
+              <a:rPr lang="en-US" altLang="zh-CN" dirty="0"/>
+              <a:t>provider</a:t>
+            </a:r>
+            <a:r>
+              <a:rPr lang="zh-CN" altLang="en-US" dirty="0"/>
+              <a:t>里面有服务，那么这个服务还是单例么？</a:t>
+            </a:r>
+          </a:p>
+        </p:txBody>
+      </p:sp>
+    </p:spTree>
+    <p:extLst>
+      <p:ext uri="{BB962C8B-B14F-4D97-AF65-F5344CB8AC3E}">
+        <p14:creationId xmlns:p14="http://schemas.microsoft.com/office/powerpoint/2010/main" val="1704239897"/>
       </p:ext>
     </p:extLst>
   </p:cSld>
@@ -7452,7 +7965,7 @@
         <a:sysClr val="windowText" lastClr="000000"/>
       </a:dk1>
       <a:lt1>
-        <a:sysClr val="window" lastClr="FFFFFF"/>
+        <a:sysClr val="window" lastClr="CBE9CF"/>
       </a:lt1>
       <a:dk2>
         <a:srgbClr val="1F497D"/>
@@ -7735,7 +8248,7 @@
         <a:sysClr val="windowText" lastClr="000000"/>
       </a:dk1>
       <a:lt1>
-        <a:sysClr val="window" lastClr="FFFFFF"/>
+        <a:sysClr val="window" lastClr="CBE9CF"/>
       </a:lt1>
       <a:dk2>
         <a:srgbClr val="1F497D"/>

--- a/files/Angular2.pptx
+++ b/files/Angular2.pptx
@@ -5,7 +5,7 @@
     <p:sldMasterId id="2147483648" r:id="rId1"/>
   </p:sldMasterIdLst>
   <p:notesMasterIdLst>
-    <p:notesMasterId r:id="rId33"/>
+    <p:notesMasterId r:id="rId44"/>
   </p:notesMasterIdLst>
   <p:sldIdLst>
     <p:sldId id="257" r:id="rId2"/>
@@ -24,21 +24,32 @@
     <p:sldId id="270" r:id="rId15"/>
     <p:sldId id="271" r:id="rId16"/>
     <p:sldId id="272" r:id="rId17"/>
-    <p:sldId id="282" r:id="rId18"/>
-    <p:sldId id="273" r:id="rId19"/>
-    <p:sldId id="276" r:id="rId20"/>
-    <p:sldId id="274" r:id="rId21"/>
-    <p:sldId id="275" r:id="rId22"/>
-    <p:sldId id="277" r:id="rId23"/>
-    <p:sldId id="279" r:id="rId24"/>
-    <p:sldId id="280" r:id="rId25"/>
-    <p:sldId id="284" r:id="rId26"/>
-    <p:sldId id="285" r:id="rId27"/>
-    <p:sldId id="288" r:id="rId28"/>
-    <p:sldId id="283" r:id="rId29"/>
-    <p:sldId id="286" r:id="rId30"/>
-    <p:sldId id="287" r:id="rId31"/>
-    <p:sldId id="278" r:id="rId32"/>
+    <p:sldId id="291" r:id="rId18"/>
+    <p:sldId id="282" r:id="rId19"/>
+    <p:sldId id="273" r:id="rId20"/>
+    <p:sldId id="276" r:id="rId21"/>
+    <p:sldId id="274" r:id="rId22"/>
+    <p:sldId id="275" r:id="rId23"/>
+    <p:sldId id="277" r:id="rId24"/>
+    <p:sldId id="279" r:id="rId25"/>
+    <p:sldId id="280" r:id="rId26"/>
+    <p:sldId id="284" r:id="rId27"/>
+    <p:sldId id="293" r:id="rId28"/>
+    <p:sldId id="292" r:id="rId29"/>
+    <p:sldId id="294" r:id="rId30"/>
+    <p:sldId id="296" r:id="rId31"/>
+    <p:sldId id="295" r:id="rId32"/>
+    <p:sldId id="285" r:id="rId33"/>
+    <p:sldId id="288" r:id="rId34"/>
+    <p:sldId id="283" r:id="rId35"/>
+    <p:sldId id="286" r:id="rId36"/>
+    <p:sldId id="287" r:id="rId37"/>
+    <p:sldId id="289" r:id="rId38"/>
+    <p:sldId id="290" r:id="rId39"/>
+    <p:sldId id="297" r:id="rId40"/>
+    <p:sldId id="299" r:id="rId41"/>
+    <p:sldId id="298" r:id="rId42"/>
+    <p:sldId id="278" r:id="rId43"/>
   </p:sldIdLst>
   <p:sldSz cx="9144000" cy="6858000" type="screen4x3"/>
   <p:notesSz cx="6858000" cy="9144000"/>
@@ -139,7 +150,7 @@
   </p:defaultTextStyle>
   <p:extLst>
     <p:ext uri="{EFAFB233-063F-42B5-8137-9DF3F51BA10A}">
-      <p15:sldGuideLst xmlns:p15="http://schemas.microsoft.com/office/powerpoint/2012/main" xmlns="">
+      <p15:sldGuideLst xmlns:p15="http://schemas.microsoft.com/office/powerpoint/2012/main">
         <p15:guide id="1" orient="horz" pos="2160">
           <p15:clr>
             <a:srgbClr val="A4A3A4"/>
@@ -238,7 +249,7 @@
           <a:p>
             <a:fld id="{AD1DCDFA-BF87-4C21-B8FF-C7D869EA008A}" type="datetimeFigureOut">
               <a:rPr lang="zh-CN" altLang="en-US" smtClean="0"/>
-              <a:t>2017/3/17</a:t>
+              <a:t>2017/3/18</a:t>
             </a:fld>
             <a:endParaRPr lang="zh-CN" altLang="en-US"/>
           </a:p>
@@ -589,6 +600,90 @@
 </p:notes>
 </file>
 
+<file path=ppt/notesSlides/notesSlide10.xml><?xml version="1.0" encoding="utf-8"?>
+<p:notes xmlns:a="http://schemas.openxmlformats.org/drawingml/2006/main" xmlns:r="http://schemas.openxmlformats.org/officeDocument/2006/relationships" xmlns:p="http://schemas.openxmlformats.org/presentationml/2006/main">
+  <p:cSld>
+    <p:spTree>
+      <p:nvGrpSpPr>
+        <p:cNvPr id="1" name=""/>
+        <p:cNvGrpSpPr/>
+        <p:nvPr/>
+      </p:nvGrpSpPr>
+      <p:grpSpPr>
+        <a:xfrm>
+          <a:off x="0" y="0"/>
+          <a:ext cx="0" cy="0"/>
+          <a:chOff x="0" y="0"/>
+          <a:chExt cx="0" cy="0"/>
+        </a:xfrm>
+      </p:grpSpPr>
+      <p:sp>
+        <p:nvSpPr>
+          <p:cNvPr id="2" name="幻灯片图像占位符 1"/>
+          <p:cNvSpPr>
+            <a:spLocks noGrp="1" noRot="1" noChangeAspect="1"/>
+          </p:cNvSpPr>
+          <p:nvPr>
+            <p:ph type="sldImg"/>
+          </p:nvPr>
+        </p:nvSpPr>
+        <p:spPr/>
+      </p:sp>
+      <p:sp>
+        <p:nvSpPr>
+          <p:cNvPr id="3" name="备注占位符 2"/>
+          <p:cNvSpPr>
+            <a:spLocks noGrp="1"/>
+          </p:cNvSpPr>
+          <p:nvPr>
+            <p:ph type="body" idx="1"/>
+          </p:nvPr>
+        </p:nvSpPr>
+        <p:spPr/>
+        <p:txBody>
+          <a:bodyPr/>
+          <a:lstStyle/>
+          <a:p>
+            <a:endParaRPr lang="zh-CN" altLang="en-US" dirty="0"/>
+          </a:p>
+        </p:txBody>
+      </p:sp>
+      <p:sp>
+        <p:nvSpPr>
+          <p:cNvPr id="4" name="灯片编号占位符 3"/>
+          <p:cNvSpPr>
+            <a:spLocks noGrp="1"/>
+          </p:cNvSpPr>
+          <p:nvPr>
+            <p:ph type="sldNum" sz="quarter" idx="10"/>
+          </p:nvPr>
+        </p:nvSpPr>
+        <p:spPr/>
+        <p:txBody>
+          <a:bodyPr/>
+          <a:lstStyle/>
+          <a:p>
+            <a:fld id="{5596D80E-E838-4A36-A5AD-2029880C9AD3}" type="slidenum">
+              <a:rPr lang="zh-CN" altLang="en-US" smtClean="0"/>
+              <a:t>42</a:t>
+            </a:fld>
+            <a:endParaRPr lang="zh-CN" altLang="en-US"/>
+          </a:p>
+        </p:txBody>
+      </p:sp>
+    </p:spTree>
+    <p:extLst>
+      <p:ext uri="{BB962C8B-B14F-4D97-AF65-F5344CB8AC3E}">
+        <p14:creationId xmlns:p14="http://schemas.microsoft.com/office/powerpoint/2010/main" val="3914301870"/>
+      </p:ext>
+    </p:extLst>
+  </p:cSld>
+  <p:clrMapOvr>
+    <a:masterClrMapping/>
+  </p:clrMapOvr>
+</p:notes>
+</file>
+
 <file path=ppt/notesSlides/notesSlide2.xml><?xml version="1.0" encoding="utf-8"?>
 <p:notes xmlns:a="http://schemas.openxmlformats.org/drawingml/2006/main" xmlns:r="http://schemas.openxmlformats.org/officeDocument/2006/relationships" xmlns:p="http://schemas.openxmlformats.org/presentationml/2006/main">
   <p:cSld>
@@ -1038,34 +1133,33 @@
           </a:p>
           <a:p>
             <a:r>
-              <a:rPr lang="en-US" altLang="zh-CN" dirty="0" smtClean="0"/>
+              <a:rPr lang="en-US" altLang="zh-CN" dirty="0"/>
               <a:t>Angular</a:t>
             </a:r>
             <a:r>
-              <a:rPr lang="zh-CN" altLang="en-US" dirty="0" smtClean="0"/>
+              <a:rPr lang="zh-CN" altLang="en-US" dirty="0"/>
               <a:t>中的默认路由，主页面中的</a:t>
             </a:r>
             <a:r>
-              <a:rPr lang="en-US" altLang="zh-CN" dirty="0" smtClean="0"/>
+              <a:rPr lang="en-US" altLang="zh-CN" dirty="0"/>
               <a:t>base </a:t>
             </a:r>
             <a:r>
-              <a:rPr lang="en-US" altLang="zh-CN" dirty="0" err="1" smtClean="0"/>
+              <a:rPr lang="en-US" altLang="zh-CN" dirty="0" err="1"/>
               <a:t>href</a:t>
             </a:r>
             <a:r>
-              <a:rPr lang="zh-CN" altLang="en-US" dirty="0" smtClean="0"/>
+              <a:rPr lang="zh-CN" altLang="en-US" dirty="0"/>
               <a:t>是必须的，使用</a:t>
             </a:r>
             <a:r>
-              <a:rPr lang="en-US" altLang="zh-CN" dirty="0" smtClean="0"/>
+              <a:rPr lang="en-US" altLang="zh-CN" dirty="0"/>
               <a:t>hash</a:t>
             </a:r>
             <a:r>
-              <a:rPr lang="zh-CN" altLang="en-US" dirty="0" smtClean="0"/>
+              <a:rPr lang="zh-CN" altLang="en-US" dirty="0"/>
               <a:t>则不需要</a:t>
             </a:r>
-            <a:endParaRPr lang="zh-CN" altLang="en-US" dirty="0"/>
           </a:p>
         </p:txBody>
       </p:sp>
@@ -1431,6 +1525,314 @@
           <a:bodyPr/>
           <a:lstStyle/>
           <a:p>
+            <a:r>
+              <a:rPr lang="zh-CN" altLang="en-US" dirty="0"/>
+              <a:t>产生原因：有些是因为缺少</a:t>
+            </a:r>
+            <a:r>
+              <a:rPr lang="en-US" altLang="zh-CN" dirty="0"/>
+              <a:t>.</a:t>
+            </a:r>
+            <a:r>
+              <a:rPr lang="en-US" altLang="zh-CN" dirty="0" err="1"/>
+              <a:t>d.ts</a:t>
+            </a:r>
+            <a:r>
+              <a:rPr lang="zh-CN" altLang="en-US" dirty="0"/>
+              <a:t>的类型声明文件，通过安装</a:t>
+            </a:r>
+            <a:r>
+              <a:rPr lang="en-US" altLang="zh-CN" dirty="0"/>
+              <a:t>@type/</a:t>
+            </a:r>
+            <a:r>
+              <a:rPr lang="zh-CN" altLang="en-US" dirty="0"/>
+              <a:t>包名</a:t>
+            </a:r>
+            <a:r>
+              <a:rPr lang="zh-CN" altLang="en-US" baseline="0" dirty="0"/>
+              <a:t> 来解决，不要安装</a:t>
+            </a:r>
+            <a:r>
+              <a:rPr lang="en-US" altLang="zh-CN" baseline="0" dirty="0" err="1"/>
+              <a:t>typings</a:t>
+            </a:r>
+            <a:r>
+              <a:rPr lang="zh-CN" altLang="en-US" baseline="0" dirty="0"/>
+              <a:t>这样的工具，这个是因为插件使用的</a:t>
+            </a:r>
+            <a:r>
+              <a:rPr lang="en-US" altLang="zh-CN" baseline="0" dirty="0" err="1"/>
+              <a:t>trypescrpt</a:t>
+            </a:r>
+            <a:r>
+              <a:rPr lang="zh-CN" altLang="en-US" baseline="0" dirty="0"/>
+              <a:t>编译器不能正确识别自己的</a:t>
+            </a:r>
+            <a:r>
+              <a:rPr lang="en-US" altLang="zh-CN" baseline="0" dirty="0"/>
+              <a:t>require</a:t>
+            </a:r>
+            <a:r>
+              <a:rPr lang="zh-CN" altLang="en-US" baseline="0" dirty="0"/>
+              <a:t>类型，如：</a:t>
+            </a:r>
+            <a:r>
+              <a:rPr lang="en-US" altLang="zh-CN" baseline="0" dirty="0" err="1"/>
+              <a:t>webpack</a:t>
+            </a:r>
+            <a:r>
+              <a:rPr lang="zh-CN" altLang="en-US" baseline="0" dirty="0"/>
+              <a:t>生成的</a:t>
+            </a:r>
+            <a:r>
+              <a:rPr lang="en-US" altLang="zh-CN" baseline="0" dirty="0"/>
+              <a:t>require</a:t>
+            </a:r>
+            <a:r>
+              <a:rPr lang="zh-CN" altLang="en-US" baseline="0" dirty="0"/>
+              <a:t>类型为</a:t>
+            </a:r>
+            <a:r>
+              <a:rPr lang="en-US" altLang="zh-CN" dirty="0">
+                <a:effectLst/>
+              </a:rPr>
+              <a:t>__</a:t>
+            </a:r>
+            <a:r>
+              <a:rPr lang="en-US" altLang="zh-CN" dirty="0" err="1">
+                <a:effectLst/>
+              </a:rPr>
+              <a:t>webpack_require</a:t>
+            </a:r>
+            <a:r>
+              <a:rPr lang="en-US" altLang="zh-CN" dirty="0">
+                <a:effectLst/>
+              </a:rPr>
+              <a:t>__</a:t>
+            </a:r>
+          </a:p>
+          <a:p>
+            <a:r>
+              <a:rPr lang="zh-CN" altLang="en-US" dirty="0">
+                <a:effectLst/>
+              </a:rPr>
+              <a:t>解决方法：安装</a:t>
+            </a:r>
+            <a:r>
+              <a:rPr lang="en-US" altLang="zh-CN" dirty="0">
+                <a:effectLst/>
+              </a:rPr>
+              <a:t>@type/</a:t>
+            </a:r>
+            <a:r>
+              <a:rPr lang="en-US" altLang="zh-CN" dirty="0" err="1">
+                <a:effectLst/>
+              </a:rPr>
+              <a:t>webpack</a:t>
+            </a:r>
+            <a:r>
+              <a:rPr lang="zh-CN" altLang="en-US" dirty="0">
+                <a:effectLst/>
+              </a:rPr>
+              <a:t>来解决</a:t>
+            </a:r>
+            <a:r>
+              <a:rPr lang="en-US" altLang="zh-CN" dirty="0" err="1">
+                <a:effectLst/>
+              </a:rPr>
+              <a:t>webpack</a:t>
+            </a:r>
+            <a:r>
+              <a:rPr lang="zh-CN" altLang="en-US" dirty="0">
+                <a:effectLst/>
+              </a:rPr>
+              <a:t>编译</a:t>
+            </a:r>
+            <a:r>
+              <a:rPr lang="en-US" altLang="zh-CN" dirty="0" err="1">
+                <a:effectLst/>
+              </a:rPr>
+              <a:t>ts</a:t>
+            </a:r>
+            <a:r>
+              <a:rPr lang="zh-CN" altLang="en-US" dirty="0">
+                <a:effectLst/>
+              </a:rPr>
+              <a:t>的从错误</a:t>
+            </a:r>
+            <a:endParaRPr lang="zh-CN" altLang="en-US" dirty="0"/>
+          </a:p>
+        </p:txBody>
+      </p:sp>
+      <p:sp>
+        <p:nvSpPr>
+          <p:cNvPr id="4" name="灯片编号占位符 3"/>
+          <p:cNvSpPr>
+            <a:spLocks noGrp="1"/>
+          </p:cNvSpPr>
+          <p:nvPr>
+            <p:ph type="sldNum" sz="quarter" idx="10"/>
+          </p:nvPr>
+        </p:nvSpPr>
+        <p:spPr/>
+        <p:txBody>
+          <a:bodyPr/>
+          <a:lstStyle/>
+          <a:p>
+            <a:fld id="{5596D80E-E838-4A36-A5AD-2029880C9AD3}" type="slidenum">
+              <a:rPr lang="zh-CN" altLang="en-US" smtClean="0"/>
+              <a:t>29</a:t>
+            </a:fld>
+            <a:endParaRPr lang="zh-CN" altLang="en-US"/>
+          </a:p>
+        </p:txBody>
+      </p:sp>
+    </p:spTree>
+    <p:extLst>
+      <p:ext uri="{BB962C8B-B14F-4D97-AF65-F5344CB8AC3E}">
+        <p14:creationId xmlns:p14="http://schemas.microsoft.com/office/powerpoint/2010/main" val="1999826937"/>
+      </p:ext>
+    </p:extLst>
+  </p:cSld>
+  <p:clrMapOvr>
+    <a:masterClrMapping/>
+  </p:clrMapOvr>
+</p:notes>
+</file>
+
+<file path=ppt/notesSlides/notesSlide8.xml><?xml version="1.0" encoding="utf-8"?>
+<p:notes xmlns:a="http://schemas.openxmlformats.org/drawingml/2006/main" xmlns:r="http://schemas.openxmlformats.org/officeDocument/2006/relationships" xmlns:p="http://schemas.openxmlformats.org/presentationml/2006/main">
+  <p:cSld>
+    <p:spTree>
+      <p:nvGrpSpPr>
+        <p:cNvPr id="1" name=""/>
+        <p:cNvGrpSpPr/>
+        <p:nvPr/>
+      </p:nvGrpSpPr>
+      <p:grpSpPr>
+        <a:xfrm>
+          <a:off x="0" y="0"/>
+          <a:ext cx="0" cy="0"/>
+          <a:chOff x="0" y="0"/>
+          <a:chExt cx="0" cy="0"/>
+        </a:xfrm>
+      </p:grpSpPr>
+      <p:sp>
+        <p:nvSpPr>
+          <p:cNvPr id="2" name="幻灯片图像占位符 1"/>
+          <p:cNvSpPr>
+            <a:spLocks noGrp="1" noRot="1" noChangeAspect="1"/>
+          </p:cNvSpPr>
+          <p:nvPr>
+            <p:ph type="sldImg"/>
+          </p:nvPr>
+        </p:nvSpPr>
+        <p:spPr/>
+      </p:sp>
+      <p:sp>
+        <p:nvSpPr>
+          <p:cNvPr id="3" name="备注占位符 2"/>
+          <p:cNvSpPr>
+            <a:spLocks noGrp="1"/>
+          </p:cNvSpPr>
+          <p:nvPr>
+            <p:ph type="body" idx="1"/>
+          </p:nvPr>
+        </p:nvSpPr>
+        <p:spPr/>
+        <p:txBody>
+          <a:bodyPr/>
+          <a:lstStyle/>
+          <a:p>
+            <a:r>
+              <a:rPr lang="en-US" altLang="zh-CN" dirty="0"/>
+              <a:t>https://github.com/shlomiassaf/ng-router-loader</a:t>
+            </a:r>
+            <a:endParaRPr lang="zh-CN" altLang="en-US" dirty="0"/>
+          </a:p>
+        </p:txBody>
+      </p:sp>
+      <p:sp>
+        <p:nvSpPr>
+          <p:cNvPr id="4" name="灯片编号占位符 3"/>
+          <p:cNvSpPr>
+            <a:spLocks noGrp="1"/>
+          </p:cNvSpPr>
+          <p:nvPr>
+            <p:ph type="sldNum" sz="quarter" idx="10"/>
+          </p:nvPr>
+        </p:nvSpPr>
+        <p:spPr/>
+        <p:txBody>
+          <a:bodyPr/>
+          <a:lstStyle/>
+          <a:p>
+            <a:fld id="{5596D80E-E838-4A36-A5AD-2029880C9AD3}" type="slidenum">
+              <a:rPr lang="zh-CN" altLang="en-US" smtClean="0"/>
+              <a:t>31</a:t>
+            </a:fld>
+            <a:endParaRPr lang="zh-CN" altLang="en-US"/>
+          </a:p>
+        </p:txBody>
+      </p:sp>
+    </p:spTree>
+    <p:extLst>
+      <p:ext uri="{BB962C8B-B14F-4D97-AF65-F5344CB8AC3E}">
+        <p14:creationId xmlns:p14="http://schemas.microsoft.com/office/powerpoint/2010/main" val="174918967"/>
+      </p:ext>
+    </p:extLst>
+  </p:cSld>
+  <p:clrMapOvr>
+    <a:masterClrMapping/>
+  </p:clrMapOvr>
+</p:notes>
+</file>
+
+<file path=ppt/notesSlides/notesSlide9.xml><?xml version="1.0" encoding="utf-8"?>
+<p:notes xmlns:a="http://schemas.openxmlformats.org/drawingml/2006/main" xmlns:r="http://schemas.openxmlformats.org/officeDocument/2006/relationships" xmlns:p="http://schemas.openxmlformats.org/presentationml/2006/main">
+  <p:cSld>
+    <p:spTree>
+      <p:nvGrpSpPr>
+        <p:cNvPr id="1" name=""/>
+        <p:cNvGrpSpPr/>
+        <p:nvPr/>
+      </p:nvGrpSpPr>
+      <p:grpSpPr>
+        <a:xfrm>
+          <a:off x="0" y="0"/>
+          <a:ext cx="0" cy="0"/>
+          <a:chOff x="0" y="0"/>
+          <a:chExt cx="0" cy="0"/>
+        </a:xfrm>
+      </p:grpSpPr>
+      <p:sp>
+        <p:nvSpPr>
+          <p:cNvPr id="2" name="幻灯片图像占位符 1"/>
+          <p:cNvSpPr>
+            <a:spLocks noGrp="1" noRot="1" noChangeAspect="1"/>
+          </p:cNvSpPr>
+          <p:nvPr>
+            <p:ph type="sldImg"/>
+          </p:nvPr>
+        </p:nvSpPr>
+        <p:spPr/>
+      </p:sp>
+      <p:sp>
+        <p:nvSpPr>
+          <p:cNvPr id="3" name="备注占位符 2"/>
+          <p:cNvSpPr>
+            <a:spLocks noGrp="1"/>
+          </p:cNvSpPr>
+          <p:nvPr>
+            <p:ph type="body" idx="1"/>
+          </p:nvPr>
+        </p:nvSpPr>
+        <p:spPr/>
+        <p:txBody>
+          <a:bodyPr/>
+          <a:lstStyle/>
+          <a:p>
             <a:pPr marL="228600" indent="-228600">
               <a:buFont typeface="+mj-lt"/>
               <a:buAutoNum type="arabicPeriod"/>
@@ -1476,7 +1878,7 @@
           <a:p>
             <a:fld id="{5596D80E-E838-4A36-A5AD-2029880C9AD3}" type="slidenum">
               <a:rPr lang="zh-CN" altLang="en-US" smtClean="0"/>
-              <a:t>28</a:t>
+              <a:t>34</a:t>
             </a:fld>
             <a:endParaRPr lang="zh-CN" altLang="en-US"/>
           </a:p>
@@ -1674,7 +2076,7 @@
           <a:p>
             <a:fld id="{530820CF-B880-4189-942D-D702A7CBA730}" type="datetimeFigureOut">
               <a:rPr lang="zh-CN" altLang="en-US" smtClean="0"/>
-              <a:t>2017/3/17</a:t>
+              <a:t>2017/3/18</a:t>
             </a:fld>
             <a:endParaRPr lang="zh-CN" altLang="en-US"/>
           </a:p>
@@ -1837,7 +2239,7 @@
           <a:p>
             <a:fld id="{530820CF-B880-4189-942D-D702A7CBA730}" type="datetimeFigureOut">
               <a:rPr lang="zh-CN" altLang="en-US" smtClean="0"/>
-              <a:t>2017/3/17</a:t>
+              <a:t>2017/3/18</a:t>
             </a:fld>
             <a:endParaRPr lang="zh-CN" altLang="en-US"/>
           </a:p>
@@ -2010,7 +2412,7 @@
           <a:p>
             <a:fld id="{530820CF-B880-4189-942D-D702A7CBA730}" type="datetimeFigureOut">
               <a:rPr lang="zh-CN" altLang="en-US" smtClean="0"/>
-              <a:t>2017/3/17</a:t>
+              <a:t>2017/3/18</a:t>
             </a:fld>
             <a:endParaRPr lang="zh-CN" altLang="en-US"/>
           </a:p>
@@ -2173,7 +2575,7 @@
           <a:p>
             <a:fld id="{530820CF-B880-4189-942D-D702A7CBA730}" type="datetimeFigureOut">
               <a:rPr lang="zh-CN" altLang="en-US" smtClean="0"/>
-              <a:t>2017/3/17</a:t>
+              <a:t>2017/3/18</a:t>
             </a:fld>
             <a:endParaRPr lang="zh-CN" altLang="en-US"/>
           </a:p>
@@ -2413,7 +2815,7 @@
           <a:p>
             <a:fld id="{530820CF-B880-4189-942D-D702A7CBA730}" type="datetimeFigureOut">
               <a:rPr lang="zh-CN" altLang="en-US" smtClean="0"/>
-              <a:t>2017/3/17</a:t>
+              <a:t>2017/3/18</a:t>
             </a:fld>
             <a:endParaRPr lang="zh-CN" altLang="en-US"/>
           </a:p>
@@ -2693,7 +3095,7 @@
           <a:p>
             <a:fld id="{530820CF-B880-4189-942D-D702A7CBA730}" type="datetimeFigureOut">
               <a:rPr lang="zh-CN" altLang="en-US" smtClean="0"/>
-              <a:t>2017/3/17</a:t>
+              <a:t>2017/3/18</a:t>
             </a:fld>
             <a:endParaRPr lang="zh-CN" altLang="en-US"/>
           </a:p>
@@ -3107,7 +3509,7 @@
           <a:p>
             <a:fld id="{530820CF-B880-4189-942D-D702A7CBA730}" type="datetimeFigureOut">
               <a:rPr lang="zh-CN" altLang="en-US" smtClean="0"/>
-              <a:t>2017/3/17</a:t>
+              <a:t>2017/3/18</a:t>
             </a:fld>
             <a:endParaRPr lang="zh-CN" altLang="en-US"/>
           </a:p>
@@ -3219,7 +3621,7 @@
           <a:p>
             <a:fld id="{530820CF-B880-4189-942D-D702A7CBA730}" type="datetimeFigureOut">
               <a:rPr lang="zh-CN" altLang="en-US" smtClean="0"/>
-              <a:t>2017/3/17</a:t>
+              <a:t>2017/3/18</a:t>
             </a:fld>
             <a:endParaRPr lang="zh-CN" altLang="en-US"/>
           </a:p>
@@ -3309,7 +3711,7 @@
           <a:p>
             <a:fld id="{530820CF-B880-4189-942D-D702A7CBA730}" type="datetimeFigureOut">
               <a:rPr lang="zh-CN" altLang="en-US" smtClean="0"/>
-              <a:t>2017/3/17</a:t>
+              <a:t>2017/3/18</a:t>
             </a:fld>
             <a:endParaRPr lang="zh-CN" altLang="en-US"/>
           </a:p>
@@ -3579,7 +3981,7 @@
           <a:p>
             <a:fld id="{530820CF-B880-4189-942D-D702A7CBA730}" type="datetimeFigureOut">
               <a:rPr lang="zh-CN" altLang="en-US" smtClean="0"/>
-              <a:t>2017/3/17</a:t>
+              <a:t>2017/3/18</a:t>
             </a:fld>
             <a:endParaRPr lang="zh-CN" altLang="en-US"/>
           </a:p>
@@ -3826,7 +4228,7 @@
           <a:p>
             <a:fld id="{530820CF-B880-4189-942D-D702A7CBA730}" type="datetimeFigureOut">
               <a:rPr lang="zh-CN" altLang="en-US" smtClean="0"/>
-              <a:t>2017/3/17</a:t>
+              <a:t>2017/3/18</a:t>
             </a:fld>
             <a:endParaRPr lang="zh-CN" altLang="en-US"/>
           </a:p>
@@ -4032,7 +4434,7 @@
           <a:p>
             <a:fld id="{530820CF-B880-4189-942D-D702A7CBA730}" type="datetimeFigureOut">
               <a:rPr lang="zh-CN" altLang="en-US" smtClean="0"/>
-              <a:t>2017/3/17</a:t>
+              <a:t>2017/3/18</a:t>
             </a:fld>
             <a:endParaRPr lang="zh-CN" altLang="en-US"/>
           </a:p>
@@ -5325,6 +5727,79 @@
         </p:nvSpPr>
         <p:spPr/>
         <p:txBody>
+          <a:bodyPr>
+            <a:normAutofit fontScale="90000"/>
+          </a:bodyPr>
+          <a:lstStyle/>
+          <a:p>
+            <a:r>
+              <a:rPr lang="zh-CN" altLang="en-US" dirty="0"/>
+              <a:t>定义了服务如何在组件中使用服务</a:t>
+            </a:r>
+          </a:p>
+        </p:txBody>
+      </p:sp>
+      <p:sp>
+        <p:nvSpPr>
+          <p:cNvPr id="3" name="内容占位符 2"/>
+          <p:cNvSpPr>
+            <a:spLocks noGrp="1"/>
+          </p:cNvSpPr>
+          <p:nvPr>
+            <p:ph idx="1"/>
+          </p:nvPr>
+        </p:nvSpPr>
+        <p:spPr/>
+        <p:txBody>
+          <a:bodyPr/>
+          <a:lstStyle/>
+          <a:p>
+            <a:endParaRPr lang="zh-CN" altLang="en-US" dirty="0"/>
+          </a:p>
+        </p:txBody>
+      </p:sp>
+    </p:spTree>
+    <p:extLst>
+      <p:ext uri="{BB962C8B-B14F-4D97-AF65-F5344CB8AC3E}">
+        <p14:creationId xmlns:p14="http://schemas.microsoft.com/office/powerpoint/2010/main" val="3498836591"/>
+      </p:ext>
+    </p:extLst>
+  </p:cSld>
+  <p:clrMapOvr>
+    <a:masterClrMapping/>
+  </p:clrMapOvr>
+</p:sld>
+</file>
+
+<file path=ppt/slides/slide18.xml><?xml version="1.0" encoding="utf-8"?>
+<p:sld xmlns:a="http://schemas.openxmlformats.org/drawingml/2006/main" xmlns:r="http://schemas.openxmlformats.org/officeDocument/2006/relationships" xmlns:p="http://schemas.openxmlformats.org/presentationml/2006/main">
+  <p:cSld>
+    <p:spTree>
+      <p:nvGrpSpPr>
+        <p:cNvPr id="1" name=""/>
+        <p:cNvGrpSpPr/>
+        <p:nvPr/>
+      </p:nvGrpSpPr>
+      <p:grpSpPr>
+        <a:xfrm>
+          <a:off x="0" y="0"/>
+          <a:ext cx="0" cy="0"/>
+          <a:chOff x="0" y="0"/>
+          <a:chExt cx="0" cy="0"/>
+        </a:xfrm>
+      </p:grpSpPr>
+      <p:sp>
+        <p:nvSpPr>
+          <p:cNvPr id="2" name="标题 1"/>
+          <p:cNvSpPr>
+            <a:spLocks noGrp="1"/>
+          </p:cNvSpPr>
+          <p:nvPr>
+            <p:ph type="title"/>
+          </p:nvPr>
+        </p:nvSpPr>
+        <p:spPr/>
+        <p:txBody>
           <a:bodyPr/>
           <a:lstStyle/>
           <a:p>
@@ -5402,91 +5877,6 @@
 </p:sld>
 </file>
 
-<file path=ppt/slides/slide18.xml><?xml version="1.0" encoding="utf-8"?>
-<p:sld xmlns:a="http://schemas.openxmlformats.org/drawingml/2006/main" xmlns:r="http://schemas.openxmlformats.org/officeDocument/2006/relationships" xmlns:p="http://schemas.openxmlformats.org/presentationml/2006/main">
-  <p:cSld>
-    <p:spTree>
-      <p:nvGrpSpPr>
-        <p:cNvPr id="1" name=""/>
-        <p:cNvGrpSpPr/>
-        <p:nvPr/>
-      </p:nvGrpSpPr>
-      <p:grpSpPr>
-        <a:xfrm>
-          <a:off x="0" y="0"/>
-          <a:ext cx="0" cy="0"/>
-          <a:chOff x="0" y="0"/>
-          <a:chExt cx="0" cy="0"/>
-        </a:xfrm>
-      </p:grpSpPr>
-      <p:sp>
-        <p:nvSpPr>
-          <p:cNvPr id="2" name="标题 1"/>
-          <p:cNvSpPr>
-            <a:spLocks noGrp="1"/>
-          </p:cNvSpPr>
-          <p:nvPr>
-            <p:ph type="title"/>
-          </p:nvPr>
-        </p:nvSpPr>
-        <p:spPr/>
-        <p:txBody>
-          <a:bodyPr/>
-          <a:lstStyle/>
-          <a:p>
-            <a:r>
-              <a:rPr lang="zh-CN" altLang="en-US" dirty="0"/>
-              <a:t>创建子模块</a:t>
-            </a:r>
-          </a:p>
-        </p:txBody>
-      </p:sp>
-      <p:sp>
-        <p:nvSpPr>
-          <p:cNvPr id="3" name="内容占位符 2"/>
-          <p:cNvSpPr>
-            <a:spLocks noGrp="1"/>
-          </p:cNvSpPr>
-          <p:nvPr>
-            <p:ph idx="1"/>
-          </p:nvPr>
-        </p:nvSpPr>
-        <p:spPr/>
-        <p:txBody>
-          <a:bodyPr/>
-          <a:lstStyle/>
-          <a:p>
-            <a:r>
-              <a:rPr lang="zh-CN" altLang="en-US" dirty="0"/>
-              <a:t>导入</a:t>
-            </a:r>
-            <a:r>
-              <a:rPr lang="en-US" altLang="zh-CN" dirty="0" err="1"/>
-              <a:t>CommonModule</a:t>
-            </a:r>
-            <a:endParaRPr lang="en-US" altLang="zh-CN" dirty="0"/>
-          </a:p>
-          <a:p>
-            <a:r>
-              <a:rPr lang="zh-CN" altLang="en-US" dirty="0"/>
-              <a:t>导入子路由</a:t>
-            </a:r>
-          </a:p>
-        </p:txBody>
-      </p:sp>
-    </p:spTree>
-    <p:extLst>
-      <p:ext uri="{BB962C8B-B14F-4D97-AF65-F5344CB8AC3E}">
-        <p14:creationId xmlns:p14="http://schemas.microsoft.com/office/powerpoint/2010/main" val="2934551552"/>
-      </p:ext>
-    </p:extLst>
-  </p:cSld>
-  <p:clrMapOvr>
-    <a:masterClrMapping/>
-  </p:clrMapOvr>
-</p:sld>
-</file>
-
 <file path=ppt/slides/slide19.xml><?xml version="1.0" encoding="utf-8"?>
 <p:sld xmlns:a="http://schemas.openxmlformats.org/drawingml/2006/main" xmlns:r="http://schemas.openxmlformats.org/officeDocument/2006/relationships" xmlns:p="http://schemas.openxmlformats.org/presentationml/2006/main">
   <p:cSld>
@@ -5521,7 +5911,7 @@
           <a:p>
             <a:r>
               <a:rPr lang="zh-CN" altLang="en-US" dirty="0"/>
-              <a:t>组件树</a:t>
+              <a:t>创建子模块</a:t>
             </a:r>
           </a:p>
         </p:txBody>
@@ -5542,20 +5932,19 @@
           <a:lstStyle/>
           <a:p>
             <a:r>
+              <a:rPr lang="zh-CN" altLang="en-US" dirty="0"/>
+              <a:t>导入</a:t>
+            </a:r>
+            <a:r>
               <a:rPr lang="en-US" altLang="zh-CN" dirty="0" err="1"/>
-              <a:t>NgModule</a:t>
-            </a:r>
-            <a:r>
-              <a:rPr lang="zh-CN" altLang="en-US" dirty="0"/>
-              <a:t>中</a:t>
-            </a:r>
-            <a:r>
-              <a:rPr lang="en-US" altLang="zh-CN" dirty="0"/>
-              <a:t>exports</a:t>
-            </a:r>
-            <a:r>
-              <a:rPr lang="zh-CN" altLang="en-US" dirty="0"/>
-              <a:t>导出组件</a:t>
+              <a:t>CommonModule</a:t>
+            </a:r>
+            <a:endParaRPr lang="en-US" altLang="zh-CN" dirty="0"/>
+          </a:p>
+          <a:p>
+            <a:r>
+              <a:rPr lang="zh-CN" altLang="en-US" dirty="0"/>
+              <a:t>导入子路由</a:t>
             </a:r>
           </a:p>
         </p:txBody>
@@ -5563,7 +5952,7 @@
     </p:spTree>
     <p:extLst>
       <p:ext uri="{BB962C8B-B14F-4D97-AF65-F5344CB8AC3E}">
-        <p14:creationId xmlns:p14="http://schemas.microsoft.com/office/powerpoint/2010/main" val="1845034492"/>
+        <p14:creationId xmlns:p14="http://schemas.microsoft.com/office/powerpoint/2010/main" val="2934551552"/>
       </p:ext>
     </p:extLst>
   </p:cSld>
@@ -5761,6 +6150,92 @@
           <a:p>
             <a:r>
               <a:rPr lang="zh-CN" altLang="en-US" dirty="0"/>
+              <a:t>组件树</a:t>
+            </a:r>
+          </a:p>
+        </p:txBody>
+      </p:sp>
+      <p:sp>
+        <p:nvSpPr>
+          <p:cNvPr id="3" name="内容占位符 2"/>
+          <p:cNvSpPr>
+            <a:spLocks noGrp="1"/>
+          </p:cNvSpPr>
+          <p:nvPr>
+            <p:ph idx="1"/>
+          </p:nvPr>
+        </p:nvSpPr>
+        <p:spPr/>
+        <p:txBody>
+          <a:bodyPr/>
+          <a:lstStyle/>
+          <a:p>
+            <a:r>
+              <a:rPr lang="en-US" altLang="zh-CN" dirty="0" err="1"/>
+              <a:t>NgModule</a:t>
+            </a:r>
+            <a:r>
+              <a:rPr lang="zh-CN" altLang="en-US" dirty="0"/>
+              <a:t>中</a:t>
+            </a:r>
+            <a:r>
+              <a:rPr lang="en-US" altLang="zh-CN" dirty="0"/>
+              <a:t>exports</a:t>
+            </a:r>
+            <a:r>
+              <a:rPr lang="zh-CN" altLang="en-US" dirty="0"/>
+              <a:t>导出组件</a:t>
+            </a:r>
+          </a:p>
+        </p:txBody>
+      </p:sp>
+    </p:spTree>
+    <p:extLst>
+      <p:ext uri="{BB962C8B-B14F-4D97-AF65-F5344CB8AC3E}">
+        <p14:creationId xmlns:p14="http://schemas.microsoft.com/office/powerpoint/2010/main" val="1845034492"/>
+      </p:ext>
+    </p:extLst>
+  </p:cSld>
+  <p:clrMapOvr>
+    <a:masterClrMapping/>
+  </p:clrMapOvr>
+</p:sld>
+</file>
+
+<file path=ppt/slides/slide21.xml><?xml version="1.0" encoding="utf-8"?>
+<p:sld xmlns:a="http://schemas.openxmlformats.org/drawingml/2006/main" xmlns:r="http://schemas.openxmlformats.org/officeDocument/2006/relationships" xmlns:p="http://schemas.openxmlformats.org/presentationml/2006/main">
+  <p:cSld>
+    <p:spTree>
+      <p:nvGrpSpPr>
+        <p:cNvPr id="1" name=""/>
+        <p:cNvGrpSpPr/>
+        <p:nvPr/>
+      </p:nvGrpSpPr>
+      <p:grpSpPr>
+        <a:xfrm>
+          <a:off x="0" y="0"/>
+          <a:ext cx="0" cy="0"/>
+          <a:chOff x="0" y="0"/>
+          <a:chExt cx="0" cy="0"/>
+        </a:xfrm>
+      </p:grpSpPr>
+      <p:sp>
+        <p:nvSpPr>
+          <p:cNvPr id="2" name="标题 1"/>
+          <p:cNvSpPr>
+            <a:spLocks noGrp="1"/>
+          </p:cNvSpPr>
+          <p:nvPr>
+            <p:ph type="title"/>
+          </p:nvPr>
+        </p:nvSpPr>
+        <p:spPr/>
+        <p:txBody>
+          <a:bodyPr/>
+          <a:lstStyle/>
+          <a:p>
+            <a:r>
+              <a:rPr lang="zh-CN" altLang="en-US" dirty="0"/>
               <a:t>路由从</a:t>
             </a:r>
             <a:r>
@@ -5806,7 +6281,7 @@
 </p:sld>
 </file>
 
-<file path=ppt/slides/slide21.xml><?xml version="1.0" encoding="utf-8"?>
+<file path=ppt/slides/slide22.xml><?xml version="1.0" encoding="utf-8"?>
 <p:sld xmlns:a="http://schemas.openxmlformats.org/drawingml/2006/main" xmlns:r="http://schemas.openxmlformats.org/officeDocument/2006/relationships" xmlns:p="http://schemas.openxmlformats.org/presentationml/2006/main">
   <p:cSld>
     <p:spTree>
@@ -5941,7 +6416,7 @@
 </p:sld>
 </file>
 
-<file path=ppt/slides/slide22.xml><?xml version="1.0" encoding="utf-8"?>
+<file path=ppt/slides/slide23.xml><?xml version="1.0" encoding="utf-8"?>
 <p:sld xmlns:a="http://schemas.openxmlformats.org/drawingml/2006/main" xmlns:r="http://schemas.openxmlformats.org/officeDocument/2006/relationships" xmlns:p="http://schemas.openxmlformats.org/presentationml/2006/main">
   <p:cSld>
     <p:spTree>
@@ -6088,108 +6563,6 @@
 </p:sld>
 </file>
 
-<file path=ppt/slides/slide23.xml><?xml version="1.0" encoding="utf-8"?>
-<p:sld xmlns:a="http://schemas.openxmlformats.org/drawingml/2006/main" xmlns:r="http://schemas.openxmlformats.org/officeDocument/2006/relationships" xmlns:p="http://schemas.openxmlformats.org/presentationml/2006/main">
-  <p:cSld>
-    <p:spTree>
-      <p:nvGrpSpPr>
-        <p:cNvPr id="1" name=""/>
-        <p:cNvGrpSpPr/>
-        <p:nvPr/>
-      </p:nvGrpSpPr>
-      <p:grpSpPr>
-        <a:xfrm>
-          <a:off x="0" y="0"/>
-          <a:ext cx="0" cy="0"/>
-          <a:chOff x="0" y="0"/>
-          <a:chExt cx="0" cy="0"/>
-        </a:xfrm>
-      </p:grpSpPr>
-      <p:sp>
-        <p:nvSpPr>
-          <p:cNvPr id="2" name="标题 1"/>
-          <p:cNvSpPr>
-            <a:spLocks noGrp="1"/>
-          </p:cNvSpPr>
-          <p:nvPr>
-            <p:ph type="title"/>
-          </p:nvPr>
-        </p:nvSpPr>
-        <p:spPr/>
-        <p:txBody>
-          <a:bodyPr/>
-          <a:lstStyle/>
-          <a:p>
-            <a:r>
-              <a:rPr lang="en-US" altLang="zh-CN" dirty="0" err="1"/>
-              <a:t>systemJS</a:t>
-            </a:r>
-            <a:r>
-              <a:rPr lang="zh-CN" altLang="en-US" dirty="0"/>
-              <a:t>工具链</a:t>
-            </a:r>
-          </a:p>
-        </p:txBody>
-      </p:sp>
-      <p:sp>
-        <p:nvSpPr>
-          <p:cNvPr id="3" name="内容占位符 2"/>
-          <p:cNvSpPr>
-            <a:spLocks noGrp="1"/>
-          </p:cNvSpPr>
-          <p:nvPr>
-            <p:ph idx="1"/>
-          </p:nvPr>
-        </p:nvSpPr>
-        <p:spPr/>
-        <p:txBody>
-          <a:bodyPr/>
-          <a:lstStyle/>
-          <a:p>
-            <a:r>
-              <a:rPr lang="en-US" altLang="zh-CN" dirty="0">
-                <a:hlinkClick r:id="rId2"/>
-              </a:rPr>
-              <a:t>http://jspm.io/</a:t>
-            </a:r>
-            <a:endParaRPr lang="en-US" altLang="zh-CN" dirty="0"/>
-          </a:p>
-          <a:p>
-            <a:r>
-              <a:rPr lang="en-US" altLang="zh-CN" dirty="0">
-                <a:hlinkClick r:id="rId3"/>
-              </a:rPr>
-              <a:t>https://github.com/systemjs/systemjs/blob/master/docs/plugins.md</a:t>
-            </a:r>
-            <a:endParaRPr lang="en-US" altLang="zh-CN" dirty="0"/>
-          </a:p>
-          <a:p>
-            <a:r>
-              <a:rPr lang="en-US" altLang="zh-CN" dirty="0">
-                <a:hlinkClick r:id="rId4"/>
-              </a:rPr>
-              <a:t>https://github.com/systemjs/systemjs</a:t>
-            </a:r>
-            <a:endParaRPr lang="en-US" altLang="zh-CN" dirty="0"/>
-          </a:p>
-          <a:p>
-            <a:endParaRPr lang="zh-CN" altLang="en-US" dirty="0"/>
-          </a:p>
-        </p:txBody>
-      </p:sp>
-    </p:spTree>
-    <p:extLst>
-      <p:ext uri="{BB962C8B-B14F-4D97-AF65-F5344CB8AC3E}">
-        <p14:creationId xmlns:p14="http://schemas.microsoft.com/office/powerpoint/2010/main" val="1287197292"/>
-      </p:ext>
-    </p:extLst>
-  </p:cSld>
-  <p:clrMapOvr>
-    <a:masterClrMapping/>
-  </p:clrMapOvr>
-</p:sld>
-</file>
-
 <file path=ppt/slides/slide24.xml><?xml version="1.0" encoding="utf-8"?>
 <p:sld xmlns:a="http://schemas.openxmlformats.org/drawingml/2006/main" xmlns:r="http://schemas.openxmlformats.org/officeDocument/2006/relationships" xmlns:p="http://schemas.openxmlformats.org/presentationml/2006/main">
   <p:cSld>
@@ -6219,14 +6592,12 @@
         </p:nvSpPr>
         <p:spPr/>
         <p:txBody>
-          <a:bodyPr>
-            <a:normAutofit/>
-          </a:bodyPr>
+          <a:bodyPr/>
           <a:lstStyle/>
           <a:p>
             <a:r>
               <a:rPr lang="en-US" altLang="zh-CN" dirty="0" err="1"/>
-              <a:t>Webpack</a:t>
+              <a:t>systemJS</a:t>
             </a:r>
             <a:r>
               <a:rPr lang="zh-CN" altLang="en-US" dirty="0"/>
@@ -6254,44 +6625,27 @@
               <a:rPr lang="en-US" altLang="zh-CN" dirty="0">
                 <a:hlinkClick r:id="rId2"/>
               </a:rPr>
-              <a:t>https://webpack.js.org/guides/get-started/</a:t>
-            </a:r>
-          </a:p>
-          <a:p>
-            <a:r>
-              <a:rPr lang="en-US" altLang="zh-CN" dirty="0" smtClean="0">
-                <a:hlinkClick r:id="rId2"/>
-              </a:rPr>
-              <a:t>http</a:t>
-            </a:r>
-            <a:r>
-              <a:rPr lang="en-US" altLang="zh-CN" dirty="0">
-                <a:hlinkClick r:id="rId2"/>
-              </a:rPr>
-              <a:t>://webpack.github.io/docs</a:t>
-            </a:r>
-            <a:r>
-              <a:rPr lang="en-US" altLang="zh-CN" dirty="0" smtClean="0">
-                <a:hlinkClick r:id="rId2"/>
-              </a:rPr>
-              <a:t>/</a:t>
-            </a:r>
-            <a:endParaRPr lang="en-US" altLang="zh-CN" dirty="0" smtClean="0"/>
+              <a:t>http://jspm.io/</a:t>
+            </a:r>
+            <a:endParaRPr lang="en-US" altLang="zh-CN" dirty="0"/>
           </a:p>
           <a:p>
             <a:r>
               <a:rPr lang="en-US" altLang="zh-CN" dirty="0">
                 <a:hlinkClick r:id="rId3"/>
               </a:rPr>
-              <a:t>http://</a:t>
-            </a:r>
-            <a:r>
-              <a:rPr lang="en-US" altLang="zh-CN" dirty="0" smtClean="0">
-                <a:hlinkClick r:id="rId3"/>
+              <a:t>https://github.com/systemjs/systemjs/blob/master/docs/plugins.md</a:t>
+            </a:r>
+            <a:endParaRPr lang="en-US" altLang="zh-CN" dirty="0"/>
+          </a:p>
+          <a:p>
+            <a:r>
+              <a:rPr lang="en-US" altLang="zh-CN" dirty="0">
+                <a:hlinkClick r:id="rId4"/>
               </a:rPr>
-              <a:t>webpackdoc.com/usage.html</a:t>
-            </a:r>
-            <a:endParaRPr lang="en-US" altLang="zh-CN" dirty="0" smtClean="0"/>
+              <a:t>https://github.com/systemjs/systemjs</a:t>
+            </a:r>
+            <a:endParaRPr lang="en-US" altLang="zh-CN" dirty="0"/>
           </a:p>
           <a:p>
             <a:endParaRPr lang="zh-CN" altLang="en-US" dirty="0"/>
@@ -6301,7 +6655,7 @@
     </p:spTree>
     <p:extLst>
       <p:ext uri="{BB962C8B-B14F-4D97-AF65-F5344CB8AC3E}">
-        <p14:creationId xmlns:p14="http://schemas.microsoft.com/office/powerpoint/2010/main" val="4047428046"/>
+        <p14:creationId xmlns:p14="http://schemas.microsoft.com/office/powerpoint/2010/main" val="1287197292"/>
       </p:ext>
     </p:extLst>
   </p:cSld>
@@ -6340,52 +6694,71 @@
         </p:nvSpPr>
         <p:spPr/>
         <p:txBody>
-          <a:bodyPr/>
-          <a:lstStyle/>
-          <a:p>
-            <a:r>
-              <a:rPr lang="en-US" altLang="zh-CN" dirty="0" err="1" smtClean="0"/>
+          <a:bodyPr>
+            <a:normAutofit/>
+          </a:bodyPr>
+          <a:lstStyle/>
+          <a:p>
+            <a:r>
+              <a:rPr lang="en-US" altLang="zh-CN" dirty="0" err="1"/>
               <a:t>Webpack</a:t>
             </a:r>
             <a:r>
-              <a:rPr lang="zh-CN" altLang="en-US" dirty="0" smtClean="0"/>
-              <a:t>中的各种</a:t>
-            </a:r>
-            <a:r>
-              <a:rPr lang="en-US" altLang="zh-CN" dirty="0" err="1" smtClean="0"/>
-              <a:t>css</a:t>
-            </a:r>
-            <a:r>
-              <a:rPr lang="en-US" altLang="zh-CN" dirty="0" smtClean="0"/>
-              <a:t>-loader</a:t>
-            </a:r>
+              <a:rPr lang="zh-CN" altLang="en-US" dirty="0"/>
+              <a:t>工具链</a:t>
+            </a:r>
+          </a:p>
+        </p:txBody>
+      </p:sp>
+      <p:sp>
+        <p:nvSpPr>
+          <p:cNvPr id="3" name="内容占位符 2"/>
+          <p:cNvSpPr>
+            <a:spLocks noGrp="1"/>
+          </p:cNvSpPr>
+          <p:nvPr>
+            <p:ph idx="1"/>
+          </p:nvPr>
+        </p:nvSpPr>
+        <p:spPr/>
+        <p:txBody>
+          <a:bodyPr/>
+          <a:lstStyle/>
+          <a:p>
+            <a:r>
+              <a:rPr lang="en-US" altLang="zh-CN" dirty="0">
+                <a:hlinkClick r:id="rId2"/>
+              </a:rPr>
+              <a:t>https://webpack.js.org/guides/get-started/</a:t>
+            </a:r>
+          </a:p>
+          <a:p>
+            <a:r>
+              <a:rPr lang="en-US" altLang="zh-CN" dirty="0">
+                <a:hlinkClick r:id="rId2"/>
+              </a:rPr>
+              <a:t>http://webpack.github.io/docs/</a:t>
+            </a:r>
+            <a:endParaRPr lang="en-US" altLang="zh-CN" dirty="0"/>
+          </a:p>
+          <a:p>
+            <a:r>
+              <a:rPr lang="en-US" altLang="zh-CN" dirty="0">
+                <a:hlinkClick r:id="rId3"/>
+              </a:rPr>
+              <a:t>http://webpackdoc.com/usage.html</a:t>
+            </a:r>
+            <a:endParaRPr lang="en-US" altLang="zh-CN" dirty="0"/>
+          </a:p>
+          <a:p>
             <a:endParaRPr lang="zh-CN" altLang="en-US" dirty="0"/>
-          </a:p>
-        </p:txBody>
-      </p:sp>
-      <p:sp>
-        <p:nvSpPr>
-          <p:cNvPr id="3" name="内容占位符 2"/>
-          <p:cNvSpPr>
-            <a:spLocks noGrp="1"/>
-          </p:cNvSpPr>
-          <p:nvPr>
-            <p:ph idx="1"/>
-          </p:nvPr>
-        </p:nvSpPr>
-        <p:spPr/>
-        <p:txBody>
-          <a:bodyPr/>
-          <a:lstStyle/>
-          <a:p>
-            <a:endParaRPr lang="zh-CN" altLang="en-US"/>
           </a:p>
         </p:txBody>
       </p:sp>
     </p:spTree>
     <p:extLst>
       <p:ext uri="{BB962C8B-B14F-4D97-AF65-F5344CB8AC3E}">
-        <p14:creationId xmlns:p14="http://schemas.microsoft.com/office/powerpoint/2010/main" val="3905841973"/>
+        <p14:creationId xmlns:p14="http://schemas.microsoft.com/office/powerpoint/2010/main" val="4047428046"/>
       </p:ext>
     </p:extLst>
   </p:cSld>
@@ -6428,12 +6801,20 @@
           <a:lstStyle/>
           <a:p>
             <a:r>
-              <a:rPr lang="en-US" altLang="zh-CN" dirty="0" smtClean="0"/>
-              <a:t>AOT</a:t>
-            </a:r>
-            <a:r>
-              <a:rPr lang="zh-CN" altLang="en-US" dirty="0" smtClean="0"/>
-              <a:t>模式</a:t>
+              <a:rPr lang="en-US" altLang="zh-CN" dirty="0" err="1"/>
+              <a:t>Webpack</a:t>
+            </a:r>
+            <a:r>
+              <a:rPr lang="zh-CN" altLang="en-US" dirty="0"/>
+              <a:t>中的各种</a:t>
+            </a:r>
+            <a:r>
+              <a:rPr lang="en-US" altLang="zh-CN" dirty="0" err="1"/>
+              <a:t>css</a:t>
+            </a:r>
+            <a:r>
+              <a:rPr lang="en-US" altLang="zh-CN" dirty="0"/>
+              <a:t>-loader</a:t>
             </a:r>
             <a:endParaRPr lang="zh-CN" altLang="en-US" dirty="0"/>
           </a:p>
@@ -6461,7 +6842,7 @@
     </p:spTree>
     <p:extLst>
       <p:ext uri="{BB962C8B-B14F-4D97-AF65-F5344CB8AC3E}">
-        <p14:creationId xmlns:p14="http://schemas.microsoft.com/office/powerpoint/2010/main" val="1591564055"/>
+        <p14:creationId xmlns:p14="http://schemas.microsoft.com/office/powerpoint/2010/main" val="3905841973"/>
       </p:ext>
     </p:extLst>
   </p:cSld>
@@ -6500,14 +6881,27 @@
         </p:nvSpPr>
         <p:spPr/>
         <p:txBody>
-          <a:bodyPr/>
-          <a:lstStyle/>
-          <a:p>
-            <a:r>
-              <a:rPr lang="zh-CN" altLang="en-US" dirty="0" smtClean="0"/>
-              <a:t>实现前端模块加载器</a:t>
-            </a:r>
-            <a:endParaRPr lang="zh-CN" altLang="en-US" dirty="0"/>
+          <a:bodyPr>
+            <a:normAutofit fontScale="90000"/>
+          </a:bodyPr>
+          <a:lstStyle/>
+          <a:p>
+            <a:r>
+              <a:rPr lang="en-US" altLang="zh-CN" dirty="0" err="1"/>
+              <a:t>Webpack</a:t>
+            </a:r>
+            <a:r>
+              <a:rPr lang="zh-CN" altLang="en-US" dirty="0"/>
+              <a:t>中模板是相对路径地址，</a:t>
+            </a:r>
+            <a:r>
+              <a:rPr lang="en-US" altLang="zh-CN" dirty="0" err="1"/>
+              <a:t>systemjs</a:t>
+            </a:r>
+            <a:r>
+              <a:rPr lang="zh-CN" altLang="en-US" dirty="0"/>
+              <a:t>中模板是绝对路径地址，打包的时候有问题</a:t>
+            </a:r>
           </a:p>
         </p:txBody>
       </p:sp>
@@ -6527,28 +6921,16 @@
           <a:lstStyle/>
           <a:p>
             <a:r>
-              <a:rPr lang="en-US" altLang="zh-CN" dirty="0">
-                <a:hlinkClick r:id="rId2"/>
-              </a:rPr>
-              <a:t>http://web.jobbole.com/89903</a:t>
-            </a:r>
-            <a:r>
-              <a:rPr lang="en-US" altLang="zh-CN" dirty="0" smtClean="0">
-                <a:hlinkClick r:id="rId2"/>
-              </a:rPr>
-              <a:t>/</a:t>
-            </a:r>
-            <a:endParaRPr lang="en-US" altLang="zh-CN" dirty="0" smtClean="0"/>
-          </a:p>
-          <a:p>
-            <a:endParaRPr lang="zh-CN" altLang="en-US" dirty="0"/>
+              <a:rPr lang="zh-CN" altLang="en-US" dirty="0"/>
+              <a:t>路由的路径也有区别，这个要注意</a:t>
+            </a:r>
           </a:p>
         </p:txBody>
       </p:sp>
     </p:spTree>
     <p:extLst>
       <p:ext uri="{BB962C8B-B14F-4D97-AF65-F5344CB8AC3E}">
-        <p14:creationId xmlns:p14="http://schemas.microsoft.com/office/powerpoint/2010/main" val="3369442003"/>
+        <p14:creationId xmlns:p14="http://schemas.microsoft.com/office/powerpoint/2010/main" val="1802996946"/>
       </p:ext>
     </p:extLst>
   </p:cSld>
@@ -6587,16 +6969,26 @@
         </p:nvSpPr>
         <p:spPr/>
         <p:txBody>
-          <a:bodyPr/>
+          <a:bodyPr>
+            <a:normAutofit fontScale="90000"/>
+          </a:bodyPr>
           <a:lstStyle/>
           <a:p>
             <a:r>
               <a:rPr lang="en-US" altLang="zh-CN" dirty="0" err="1"/>
-              <a:t>Npm</a:t>
-            </a:r>
-            <a:r>
-              <a:rPr lang="zh-CN" altLang="en-US" dirty="0"/>
-              <a:t>模块管理器详解</a:t>
+              <a:t>Webpack</a:t>
+            </a:r>
+            <a:r>
+              <a:rPr lang="zh-CN" altLang="en-US" dirty="0"/>
+              <a:t>中的</a:t>
+            </a:r>
+            <a:r>
+              <a:rPr lang="en-US" altLang="zh-CN" dirty="0"/>
+              <a:t>angular</a:t>
+            </a:r>
+            <a:r>
+              <a:rPr lang="zh-CN" altLang="en-US" dirty="0"/>
+              <a:t>路由懒加载配置</a:t>
             </a:r>
           </a:p>
         </p:txBody>
@@ -6618,55 +7010,32 @@
           <a:p>
             <a:r>
               <a:rPr lang="en-US" altLang="zh-CN" dirty="0">
-                <a:hlinkClick r:id="rId3"/>
+                <a:hlinkClick r:id="rId2"/>
               </a:rPr>
-              <a:t>http://javascript.ruanyifeng.com/nodejs/npm.html</a:t>
-            </a:r>
-            <a:endParaRPr lang="en-US" altLang="zh-CN" dirty="0"/>
-          </a:p>
-          <a:p>
-            <a:r>
-              <a:rPr lang="zh-CN" altLang="en-US" dirty="0"/>
-              <a:t>运行本地安装的（非全局）的命令</a:t>
-            </a:r>
-            <a:r>
-              <a:rPr lang="en-US" altLang="zh-CN" dirty="0">
-                <a:hlinkClick r:id="rId4"/>
-              </a:rPr>
-              <a:t>http://www.2ality.com/2016/01/locally-installed-npm-executables.html</a:t>
-            </a:r>
-            <a:endParaRPr lang="en-US" altLang="zh-CN" dirty="0"/>
-          </a:p>
-          <a:p>
-            <a:r>
-              <a:rPr lang="en-US" altLang="zh-CN" dirty="0" err="1"/>
-              <a:t>Package.json</a:t>
-            </a:r>
-            <a:r>
-              <a:rPr lang="zh-CN" altLang="en-US" dirty="0"/>
-              <a:t>中的</a:t>
+              <a:t>https://medium.com/@daviddentoom/angular-2-lazy-loading-with-webpack-d25fe71c29c1#.ud8q5n3b9</a:t>
             </a:r>
             <a:r>
               <a:rPr lang="en-US" altLang="zh-CN" dirty="0"/>
-              <a:t>scripts</a:t>
-            </a:r>
-            <a:r>
-              <a:rPr lang="zh-CN" altLang="en-US" dirty="0"/>
-              <a:t>作用，可以运行非全局命令，</a:t>
-            </a:r>
-            <a:r>
-              <a:rPr lang="en-US" altLang="zh-CN" dirty="0" err="1"/>
-              <a:t>npm</a:t>
+              <a:t>(</a:t>
+            </a:r>
+            <a:r>
+              <a:rPr lang="zh-CN" altLang="en-US" dirty="0"/>
+              <a:t>可能有点问题</a:t>
             </a:r>
             <a:r>
               <a:rPr lang="en-US" altLang="zh-CN" dirty="0"/>
-              <a:t> run </a:t>
-            </a:r>
-            <a:r>
-              <a:rPr lang="zh-CN" altLang="en-US" dirty="0"/>
-              <a:t>命令名称</a:t>
-            </a:r>
-            <a:endParaRPr lang="en-US" altLang="zh-CN" dirty="0"/>
+              <a:t>)</a:t>
+            </a:r>
+          </a:p>
+          <a:p>
+            <a:r>
+              <a:rPr lang="zh-CN" altLang="en-US" dirty="0"/>
+              <a:t>实现懒加载需要的</a:t>
+            </a:r>
+            <a:r>
+              <a:rPr lang="en-US" altLang="zh-CN" dirty="0"/>
+              <a:t>loader:</a:t>
+            </a:r>
           </a:p>
           <a:p>
             <a:endParaRPr lang="zh-CN" altLang="en-US" dirty="0"/>
@@ -6675,22 +7044,22 @@
       </p:sp>
       <p:pic>
         <p:nvPicPr>
-          <p:cNvPr id="4" name="图片 3"/>
+          <p:cNvPr id="6" name="图片 5"/>
           <p:cNvPicPr>
             <a:picLocks noChangeAspect="1"/>
           </p:cNvPicPr>
           <p:nvPr/>
         </p:nvPicPr>
         <p:blipFill>
-          <a:blip r:embed="rId5"/>
+          <a:blip r:embed="rId3"/>
           <a:stretch>
             <a:fillRect/>
           </a:stretch>
         </p:blipFill>
         <p:spPr>
           <a:xfrm>
-            <a:off x="683568" y="5373216"/>
-            <a:ext cx="3864929" cy="1115488"/>
+            <a:off x="755576" y="3863181"/>
+            <a:ext cx="5149967" cy="3126766"/>
           </a:xfrm>
           <a:prstGeom prst="rect">
             <a:avLst/>
@@ -6700,7 +7069,7 @@
     </p:spTree>
     <p:extLst>
       <p:ext uri="{BB962C8B-B14F-4D97-AF65-F5344CB8AC3E}">
-        <p14:creationId xmlns:p14="http://schemas.microsoft.com/office/powerpoint/2010/main" val="913981619"/>
+        <p14:creationId xmlns:p14="http://schemas.microsoft.com/office/powerpoint/2010/main" val="1768285326"/>
       </p:ext>
     </p:extLst>
   </p:cSld>
@@ -6743,55 +7112,46 @@
           <a:lstStyle/>
           <a:p>
             <a:r>
-              <a:rPr lang="zh-CN" altLang="en-US" dirty="0" smtClean="0"/>
-              <a:t>应用启动器</a:t>
-            </a:r>
-            <a:endParaRPr lang="zh-CN" altLang="en-US" dirty="0"/>
-          </a:p>
-        </p:txBody>
-      </p:sp>
-      <p:sp>
-        <p:nvSpPr>
-          <p:cNvPr id="3" name="内容占位符 2"/>
-          <p:cNvSpPr>
-            <a:spLocks noGrp="1"/>
-          </p:cNvSpPr>
+              <a:rPr lang="en-US" altLang="zh-CN" dirty="0" err="1"/>
+              <a:t>Webpack</a:t>
+            </a:r>
+            <a:r>
+              <a:rPr lang="zh-CN" altLang="en-US" dirty="0"/>
+              <a:t>编译错误</a:t>
+            </a:r>
+          </a:p>
+        </p:txBody>
+      </p:sp>
+      <p:pic>
+        <p:nvPicPr>
+          <p:cNvPr id="4" name="内容占位符 3"/>
+          <p:cNvPicPr>
+            <a:picLocks noGrp="1" noChangeAspect="1"/>
+          </p:cNvPicPr>
           <p:nvPr>
             <p:ph idx="1"/>
           </p:nvPr>
-        </p:nvSpPr>
-        <p:spPr/>
-        <p:txBody>
-          <a:bodyPr/>
-          <a:lstStyle/>
-          <a:p>
-            <a:r>
-              <a:rPr lang="en-US" altLang="zh-CN" dirty="0" err="1" smtClean="0"/>
-              <a:t>SystemJS</a:t>
-            </a:r>
-            <a:r>
-              <a:rPr lang="zh-CN" altLang="en-US" dirty="0" smtClean="0"/>
-              <a:t>时，如何启动应用程序</a:t>
-            </a:r>
-            <a:endParaRPr lang="en-US" altLang="zh-CN" dirty="0" smtClean="0"/>
-          </a:p>
-          <a:p>
-            <a:r>
-              <a:rPr lang="en-US" altLang="zh-CN" dirty="0" err="1" smtClean="0"/>
-              <a:t>WebPack</a:t>
-            </a:r>
-            <a:r>
-              <a:rPr lang="zh-CN" altLang="en-US" dirty="0" smtClean="0"/>
-              <a:t>启动器</a:t>
-            </a:r>
-            <a:endParaRPr lang="zh-CN" altLang="en-US" dirty="0"/>
-          </a:p>
-        </p:txBody>
-      </p:sp>
+        </p:nvPicPr>
+        <p:blipFill>
+          <a:blip r:embed="rId3"/>
+          <a:stretch>
+            <a:fillRect/>
+          </a:stretch>
+        </p:blipFill>
+        <p:spPr>
+          <a:xfrm>
+            <a:off x="685800" y="1929606"/>
+            <a:ext cx="7772400" cy="3867150"/>
+          </a:xfrm>
+          <a:prstGeom prst="rect">
+            <a:avLst/>
+          </a:prstGeom>
+        </p:spPr>
+      </p:pic>
     </p:spTree>
     <p:extLst>
       <p:ext uri="{BB962C8B-B14F-4D97-AF65-F5344CB8AC3E}">
-        <p14:creationId xmlns:p14="http://schemas.microsoft.com/office/powerpoint/2010/main" val="4065519204"/>
+        <p14:creationId xmlns:p14="http://schemas.microsoft.com/office/powerpoint/2010/main" val="209773196"/>
       </p:ext>
     </p:extLst>
   </p:cSld>
@@ -6869,6 +7229,26 @@
           <a:bodyPr/>
           <a:lstStyle/>
           <a:p>
+            <a:r>
+              <a:rPr lang="zh-CN" altLang="en-US" dirty="0"/>
+              <a:t>如果项目是用</a:t>
+            </a:r>
+            <a:r>
+              <a:rPr lang="en-US" altLang="zh-CN" dirty="0" err="1"/>
+              <a:t>webpack</a:t>
+            </a:r>
+            <a:r>
+              <a:rPr lang="zh-CN" altLang="en-US" dirty="0"/>
+              <a:t>打包加载的，不需要启用自动编译，会生成无用</a:t>
+            </a:r>
+            <a:r>
+              <a:rPr lang="en-US" altLang="zh-CN" dirty="0" err="1"/>
+              <a:t>js</a:t>
+            </a:r>
+            <a:r>
+              <a:rPr lang="zh-CN" altLang="en-US" dirty="0"/>
+              <a:t>文件</a:t>
+            </a:r>
             <a:endParaRPr lang="en-US" altLang="zh-CN" dirty="0"/>
           </a:p>
           <a:p>
@@ -6915,8 +7295,8 @@
         </p:blipFill>
         <p:spPr bwMode="auto">
           <a:xfrm>
-            <a:off x="899593" y="2852936"/>
-            <a:ext cx="4729630" cy="3424212"/>
+            <a:off x="899594" y="3253424"/>
+            <a:ext cx="3967918" cy="2872739"/>
           </a:xfrm>
           <a:prstGeom prst="rect">
             <a:avLst/>
@@ -7002,10 +7382,17 @@
           <a:lstStyle/>
           <a:p>
             <a:r>
-              <a:rPr lang="en-US" altLang="zh-CN" dirty="0"/>
-              <a:t>setting-up-angular-2-with-webpack</a:t>
-            </a:r>
-            <a:endParaRPr lang="zh-CN" altLang="en-US" dirty="0"/>
+              <a:rPr lang="zh-CN" altLang="en-US" dirty="0"/>
+              <a:t>如何看</a:t>
+            </a:r>
+            <a:r>
+              <a:rPr lang="en-US" altLang="zh-CN" dirty="0" err="1"/>
+              <a:t>webpack</a:t>
+            </a:r>
+            <a:r>
+              <a:rPr lang="zh-CN" altLang="en-US" dirty="0"/>
+              <a:t>编译错误</a:t>
+            </a:r>
           </a:p>
         </p:txBody>
       </p:sp>
@@ -7024,44 +7411,14 @@
           <a:bodyPr/>
           <a:lstStyle/>
           <a:p>
-            <a:r>
-              <a:rPr lang="en-US" altLang="zh-CN" dirty="0">
-                <a:hlinkClick r:id="rId2"/>
-              </a:rPr>
-              <a:t>http://</a:t>
-            </a:r>
-            <a:r>
-              <a:rPr lang="en-US" altLang="zh-CN" dirty="0" smtClean="0">
-                <a:hlinkClick r:id="rId2"/>
-              </a:rPr>
-              <a:t>semaphoreci.com/community/tutorials/setting-up-angular-2-with-webpack</a:t>
-            </a:r>
-            <a:endParaRPr lang="en-US" altLang="zh-CN" dirty="0" smtClean="0"/>
-          </a:p>
-          <a:p>
-            <a:r>
-              <a:rPr lang="en-US" altLang="zh-CN" dirty="0">
-                <a:hlinkClick r:id="rId3"/>
-              </a:rPr>
-              <a:t>http://www.eloquentwebapp.com/setting-angular-2-environment-using-typescript-npm-webpack</a:t>
-            </a:r>
-            <a:r>
-              <a:rPr lang="en-US" altLang="zh-CN" dirty="0" smtClean="0">
-                <a:hlinkClick r:id="rId3"/>
-              </a:rPr>
-              <a:t>/</a:t>
-            </a:r>
-            <a:endParaRPr lang="en-US" altLang="zh-CN" dirty="0" smtClean="0"/>
-          </a:p>
-          <a:p>
-            <a:endParaRPr lang="zh-CN" altLang="en-US" dirty="0"/>
+            <a:endParaRPr lang="zh-CN" altLang="en-US"/>
           </a:p>
         </p:txBody>
       </p:sp>
     </p:spTree>
     <p:extLst>
       <p:ext uri="{BB962C8B-B14F-4D97-AF65-F5344CB8AC3E}">
-        <p14:creationId xmlns:p14="http://schemas.microsoft.com/office/powerpoint/2010/main" val="3068746039"/>
+        <p14:creationId xmlns:p14="http://schemas.microsoft.com/office/powerpoint/2010/main" val="2573918868"/>
       </p:ext>
     </p:extLst>
   </p:cSld>
@@ -7100,66 +7457,840 @@
         </p:nvSpPr>
         <p:spPr/>
         <p:txBody>
-          <a:bodyPr/>
-          <a:lstStyle/>
-          <a:p>
-            <a:r>
-              <a:rPr lang="zh-CN" altLang="en-US" dirty="0"/>
-              <a:t>问题</a:t>
-            </a:r>
-          </a:p>
-        </p:txBody>
-      </p:sp>
-      <p:sp>
-        <p:nvSpPr>
-          <p:cNvPr id="3" name="内容占位符 2"/>
-          <p:cNvSpPr>
-            <a:spLocks noGrp="1"/>
-          </p:cNvSpPr>
+          <a:bodyPr>
+            <a:normAutofit fontScale="90000"/>
+          </a:bodyPr>
+          <a:lstStyle/>
+          <a:p>
+            <a:r>
+              <a:rPr lang="en-US" altLang="zh-CN" dirty="0" err="1"/>
+              <a:t>Webpack</a:t>
+            </a:r>
+            <a:r>
+              <a:rPr lang="zh-CN" altLang="en-US" dirty="0"/>
+              <a:t>版本不同，配置名称区别</a:t>
+            </a:r>
+          </a:p>
+        </p:txBody>
+      </p:sp>
+      <p:pic>
+        <p:nvPicPr>
+          <p:cNvPr id="4" name="内容占位符 3"/>
+          <p:cNvPicPr>
+            <a:picLocks noGrp="1" noChangeAspect="1"/>
+          </p:cNvPicPr>
           <p:nvPr>
             <p:ph idx="1"/>
           </p:nvPr>
-        </p:nvSpPr>
-        <p:spPr/>
-        <p:txBody>
-          <a:bodyPr/>
-          <a:lstStyle/>
-          <a:p>
-            <a:r>
-              <a:rPr lang="zh-CN" altLang="en-US" dirty="0"/>
-              <a:t>如果</a:t>
-            </a:r>
-            <a:r>
-              <a:rPr lang="en-US" altLang="zh-CN" dirty="0" err="1"/>
-              <a:t>sharemodule</a:t>
-            </a:r>
-            <a:r>
-              <a:rPr lang="zh-CN" altLang="en-US" dirty="0"/>
-              <a:t>中的组件里面含有</a:t>
-            </a:r>
-            <a:r>
-              <a:rPr lang="en-US" altLang="zh-CN" dirty="0"/>
-              <a:t>provider,</a:t>
-            </a:r>
-            <a:r>
-              <a:rPr lang="zh-CN" altLang="en-US" dirty="0"/>
-              <a:t>这个</a:t>
-            </a:r>
-            <a:r>
-              <a:rPr lang="en-US" altLang="zh-CN" dirty="0"/>
-              <a:t>provider</a:t>
-            </a:r>
-            <a:r>
-              <a:rPr lang="zh-CN" altLang="en-US" dirty="0"/>
-              <a:t>里面有服务，那么这个服务还是单例么？</a:t>
-            </a:r>
-          </a:p>
-        </p:txBody>
-      </p:sp>
+        </p:nvPicPr>
+        <p:blipFill>
+          <a:blip r:embed="rId3"/>
+          <a:stretch>
+            <a:fillRect/>
+          </a:stretch>
+        </p:blipFill>
+        <p:spPr>
+          <a:xfrm>
+            <a:off x="679250" y="1196752"/>
+            <a:ext cx="3892750" cy="4229317"/>
+          </a:xfrm>
+          <a:prstGeom prst="rect">
+            <a:avLst/>
+          </a:prstGeom>
+        </p:spPr>
+      </p:pic>
     </p:spTree>
     <p:extLst>
       <p:ext uri="{BB962C8B-B14F-4D97-AF65-F5344CB8AC3E}">
-        <p14:creationId xmlns:p14="http://schemas.microsoft.com/office/powerpoint/2010/main" val="1704239897"/>
+        <p14:creationId xmlns:p14="http://schemas.microsoft.com/office/powerpoint/2010/main" val="3311072538"/>
+      </p:ext>
+    </p:extLst>
+  </p:cSld>
+  <p:clrMapOvr>
+    <a:masterClrMapping/>
+  </p:clrMapOvr>
+</p:sld>
+</file>
+
+<file path=ppt/slides/slide32.xml><?xml version="1.0" encoding="utf-8"?>
+<p:sld xmlns:a="http://schemas.openxmlformats.org/drawingml/2006/main" xmlns:r="http://schemas.openxmlformats.org/officeDocument/2006/relationships" xmlns:p="http://schemas.openxmlformats.org/presentationml/2006/main">
+  <p:cSld>
+    <p:spTree>
+      <p:nvGrpSpPr>
+        <p:cNvPr id="1" name=""/>
+        <p:cNvGrpSpPr/>
+        <p:nvPr/>
+      </p:nvGrpSpPr>
+      <p:grpSpPr>
+        <a:xfrm>
+          <a:off x="0" y="0"/>
+          <a:ext cx="0" cy="0"/>
+          <a:chOff x="0" y="0"/>
+          <a:chExt cx="0" cy="0"/>
+        </a:xfrm>
+      </p:grpSpPr>
+      <p:sp>
+        <p:nvSpPr>
+          <p:cNvPr id="2" name="标题 1"/>
+          <p:cNvSpPr>
+            <a:spLocks noGrp="1"/>
+          </p:cNvSpPr>
+          <p:nvPr>
+            <p:ph type="title"/>
+          </p:nvPr>
+        </p:nvSpPr>
+        <p:spPr/>
+        <p:txBody>
+          <a:bodyPr/>
+          <a:lstStyle/>
+          <a:p>
+            <a:r>
+              <a:rPr lang="en-US" altLang="zh-CN" dirty="0"/>
+              <a:t>AOT</a:t>
+            </a:r>
+            <a:r>
+              <a:rPr lang="zh-CN" altLang="en-US" dirty="0"/>
+              <a:t>模式</a:t>
+            </a:r>
+          </a:p>
+        </p:txBody>
+      </p:sp>
+      <p:sp>
+        <p:nvSpPr>
+          <p:cNvPr id="3" name="内容占位符 2"/>
+          <p:cNvSpPr>
+            <a:spLocks noGrp="1"/>
+          </p:cNvSpPr>
+          <p:nvPr>
+            <p:ph idx="1"/>
+          </p:nvPr>
+        </p:nvSpPr>
+        <p:spPr/>
+        <p:txBody>
+          <a:bodyPr/>
+          <a:lstStyle/>
+          <a:p>
+            <a:endParaRPr lang="zh-CN" altLang="en-US"/>
+          </a:p>
+        </p:txBody>
+      </p:sp>
+    </p:spTree>
+    <p:extLst>
+      <p:ext uri="{BB962C8B-B14F-4D97-AF65-F5344CB8AC3E}">
+        <p14:creationId xmlns:p14="http://schemas.microsoft.com/office/powerpoint/2010/main" val="1591564055"/>
+      </p:ext>
+    </p:extLst>
+  </p:cSld>
+  <p:clrMapOvr>
+    <a:masterClrMapping/>
+  </p:clrMapOvr>
+</p:sld>
+</file>
+
+<file path=ppt/slides/slide33.xml><?xml version="1.0" encoding="utf-8"?>
+<p:sld xmlns:a="http://schemas.openxmlformats.org/drawingml/2006/main" xmlns:r="http://schemas.openxmlformats.org/officeDocument/2006/relationships" xmlns:p="http://schemas.openxmlformats.org/presentationml/2006/main">
+  <p:cSld>
+    <p:spTree>
+      <p:nvGrpSpPr>
+        <p:cNvPr id="1" name=""/>
+        <p:cNvGrpSpPr/>
+        <p:nvPr/>
+      </p:nvGrpSpPr>
+      <p:grpSpPr>
+        <a:xfrm>
+          <a:off x="0" y="0"/>
+          <a:ext cx="0" cy="0"/>
+          <a:chOff x="0" y="0"/>
+          <a:chExt cx="0" cy="0"/>
+        </a:xfrm>
+      </p:grpSpPr>
+      <p:sp>
+        <p:nvSpPr>
+          <p:cNvPr id="2" name="标题 1"/>
+          <p:cNvSpPr>
+            <a:spLocks noGrp="1"/>
+          </p:cNvSpPr>
+          <p:nvPr>
+            <p:ph type="title"/>
+          </p:nvPr>
+        </p:nvSpPr>
+        <p:spPr/>
+        <p:txBody>
+          <a:bodyPr/>
+          <a:lstStyle/>
+          <a:p>
+            <a:r>
+              <a:rPr lang="zh-CN" altLang="en-US" dirty="0"/>
+              <a:t>实现前端模块加载器</a:t>
+            </a:r>
+          </a:p>
+        </p:txBody>
+      </p:sp>
+      <p:sp>
+        <p:nvSpPr>
+          <p:cNvPr id="3" name="内容占位符 2"/>
+          <p:cNvSpPr>
+            <a:spLocks noGrp="1"/>
+          </p:cNvSpPr>
+          <p:nvPr>
+            <p:ph idx="1"/>
+          </p:nvPr>
+        </p:nvSpPr>
+        <p:spPr/>
+        <p:txBody>
+          <a:bodyPr/>
+          <a:lstStyle/>
+          <a:p>
+            <a:r>
+              <a:rPr lang="en-US" altLang="zh-CN" dirty="0">
+                <a:hlinkClick r:id="rId2"/>
+              </a:rPr>
+              <a:t>http://web.jobbole.com/89903/</a:t>
+            </a:r>
+            <a:endParaRPr lang="en-US" altLang="zh-CN" dirty="0"/>
+          </a:p>
+          <a:p>
+            <a:endParaRPr lang="zh-CN" altLang="en-US" dirty="0"/>
+          </a:p>
+        </p:txBody>
+      </p:sp>
+    </p:spTree>
+    <p:extLst>
+      <p:ext uri="{BB962C8B-B14F-4D97-AF65-F5344CB8AC3E}">
+        <p14:creationId xmlns:p14="http://schemas.microsoft.com/office/powerpoint/2010/main" val="3369442003"/>
+      </p:ext>
+    </p:extLst>
+  </p:cSld>
+  <p:clrMapOvr>
+    <a:masterClrMapping/>
+  </p:clrMapOvr>
+</p:sld>
+</file>
+
+<file path=ppt/slides/slide34.xml><?xml version="1.0" encoding="utf-8"?>
+<p:sld xmlns:a="http://schemas.openxmlformats.org/drawingml/2006/main" xmlns:r="http://schemas.openxmlformats.org/officeDocument/2006/relationships" xmlns:p="http://schemas.openxmlformats.org/presentationml/2006/main">
+  <p:cSld>
+    <p:spTree>
+      <p:nvGrpSpPr>
+        <p:cNvPr id="1" name=""/>
+        <p:cNvGrpSpPr/>
+        <p:nvPr/>
+      </p:nvGrpSpPr>
+      <p:grpSpPr>
+        <a:xfrm>
+          <a:off x="0" y="0"/>
+          <a:ext cx="0" cy="0"/>
+          <a:chOff x="0" y="0"/>
+          <a:chExt cx="0" cy="0"/>
+        </a:xfrm>
+      </p:grpSpPr>
+      <p:sp>
+        <p:nvSpPr>
+          <p:cNvPr id="2" name="标题 1"/>
+          <p:cNvSpPr>
+            <a:spLocks noGrp="1"/>
+          </p:cNvSpPr>
+          <p:nvPr>
+            <p:ph type="title"/>
+          </p:nvPr>
+        </p:nvSpPr>
+        <p:spPr/>
+        <p:txBody>
+          <a:bodyPr/>
+          <a:lstStyle/>
+          <a:p>
+            <a:r>
+              <a:rPr lang="en-US" altLang="zh-CN" dirty="0" err="1"/>
+              <a:t>Npm</a:t>
+            </a:r>
+            <a:r>
+              <a:rPr lang="zh-CN" altLang="en-US" dirty="0"/>
+              <a:t>模块管理器详解</a:t>
+            </a:r>
+          </a:p>
+        </p:txBody>
+      </p:sp>
+      <p:sp>
+        <p:nvSpPr>
+          <p:cNvPr id="3" name="内容占位符 2"/>
+          <p:cNvSpPr>
+            <a:spLocks noGrp="1"/>
+          </p:cNvSpPr>
+          <p:nvPr>
+            <p:ph idx="1"/>
+          </p:nvPr>
+        </p:nvSpPr>
+        <p:spPr/>
+        <p:txBody>
+          <a:bodyPr/>
+          <a:lstStyle/>
+          <a:p>
+            <a:r>
+              <a:rPr lang="en-US" altLang="zh-CN" dirty="0">
+                <a:hlinkClick r:id="rId3"/>
+              </a:rPr>
+              <a:t>http://javascript.ruanyifeng.com/nodejs/npm.html</a:t>
+            </a:r>
+            <a:endParaRPr lang="en-US" altLang="zh-CN" dirty="0"/>
+          </a:p>
+          <a:p>
+            <a:r>
+              <a:rPr lang="zh-CN" altLang="en-US" dirty="0"/>
+              <a:t>运行本地安装的（非全局）的命令</a:t>
+            </a:r>
+            <a:r>
+              <a:rPr lang="en-US" altLang="zh-CN" dirty="0">
+                <a:hlinkClick r:id="rId4"/>
+              </a:rPr>
+              <a:t>http://www.2ality.com/2016/01/locally-installed-npm-executables.html</a:t>
+            </a:r>
+            <a:endParaRPr lang="en-US" altLang="zh-CN" dirty="0"/>
+          </a:p>
+          <a:p>
+            <a:r>
+              <a:rPr lang="en-US" altLang="zh-CN" dirty="0" err="1"/>
+              <a:t>Package.json</a:t>
+            </a:r>
+            <a:r>
+              <a:rPr lang="zh-CN" altLang="en-US" dirty="0"/>
+              <a:t>中的</a:t>
+            </a:r>
+            <a:r>
+              <a:rPr lang="en-US" altLang="zh-CN" dirty="0"/>
+              <a:t>scripts</a:t>
+            </a:r>
+            <a:r>
+              <a:rPr lang="zh-CN" altLang="en-US" dirty="0"/>
+              <a:t>作用，可以运行非全局命令，</a:t>
+            </a:r>
+            <a:r>
+              <a:rPr lang="en-US" altLang="zh-CN" dirty="0" err="1"/>
+              <a:t>npm</a:t>
+            </a:r>
+            <a:r>
+              <a:rPr lang="en-US" altLang="zh-CN" dirty="0"/>
+              <a:t> run </a:t>
+            </a:r>
+            <a:r>
+              <a:rPr lang="zh-CN" altLang="en-US" dirty="0"/>
+              <a:t>命令名称</a:t>
+            </a:r>
+            <a:endParaRPr lang="en-US" altLang="zh-CN" dirty="0"/>
+          </a:p>
+          <a:p>
+            <a:endParaRPr lang="zh-CN" altLang="en-US" dirty="0"/>
+          </a:p>
+        </p:txBody>
+      </p:sp>
+      <p:pic>
+        <p:nvPicPr>
+          <p:cNvPr id="4" name="图片 3"/>
+          <p:cNvPicPr>
+            <a:picLocks noChangeAspect="1"/>
+          </p:cNvPicPr>
+          <p:nvPr/>
+        </p:nvPicPr>
+        <p:blipFill>
+          <a:blip r:embed="rId5"/>
+          <a:stretch>
+            <a:fillRect/>
+          </a:stretch>
+        </p:blipFill>
+        <p:spPr>
+          <a:xfrm>
+            <a:off x="683568" y="5373216"/>
+            <a:ext cx="3864929" cy="1115488"/>
+          </a:xfrm>
+          <a:prstGeom prst="rect">
+            <a:avLst/>
+          </a:prstGeom>
+        </p:spPr>
+      </p:pic>
+    </p:spTree>
+    <p:extLst>
+      <p:ext uri="{BB962C8B-B14F-4D97-AF65-F5344CB8AC3E}">
+        <p14:creationId xmlns:p14="http://schemas.microsoft.com/office/powerpoint/2010/main" val="913981619"/>
+      </p:ext>
+    </p:extLst>
+  </p:cSld>
+  <p:clrMapOvr>
+    <a:masterClrMapping/>
+  </p:clrMapOvr>
+</p:sld>
+</file>
+
+<file path=ppt/slides/slide35.xml><?xml version="1.0" encoding="utf-8"?>
+<p:sld xmlns:a="http://schemas.openxmlformats.org/drawingml/2006/main" xmlns:r="http://schemas.openxmlformats.org/officeDocument/2006/relationships" xmlns:p="http://schemas.openxmlformats.org/presentationml/2006/main">
+  <p:cSld>
+    <p:spTree>
+      <p:nvGrpSpPr>
+        <p:cNvPr id="1" name=""/>
+        <p:cNvGrpSpPr/>
+        <p:nvPr/>
+      </p:nvGrpSpPr>
+      <p:grpSpPr>
+        <a:xfrm>
+          <a:off x="0" y="0"/>
+          <a:ext cx="0" cy="0"/>
+          <a:chOff x="0" y="0"/>
+          <a:chExt cx="0" cy="0"/>
+        </a:xfrm>
+      </p:grpSpPr>
+      <p:sp>
+        <p:nvSpPr>
+          <p:cNvPr id="2" name="标题 1"/>
+          <p:cNvSpPr>
+            <a:spLocks noGrp="1"/>
+          </p:cNvSpPr>
+          <p:nvPr>
+            <p:ph type="title"/>
+          </p:nvPr>
+        </p:nvSpPr>
+        <p:spPr/>
+        <p:txBody>
+          <a:bodyPr/>
+          <a:lstStyle/>
+          <a:p>
+            <a:r>
+              <a:rPr lang="zh-CN" altLang="en-US" dirty="0"/>
+              <a:t>应用启动器</a:t>
+            </a:r>
+          </a:p>
+        </p:txBody>
+      </p:sp>
+      <p:sp>
+        <p:nvSpPr>
+          <p:cNvPr id="3" name="内容占位符 2"/>
+          <p:cNvSpPr>
+            <a:spLocks noGrp="1"/>
+          </p:cNvSpPr>
+          <p:nvPr>
+            <p:ph idx="1"/>
+          </p:nvPr>
+        </p:nvSpPr>
+        <p:spPr/>
+        <p:txBody>
+          <a:bodyPr/>
+          <a:lstStyle/>
+          <a:p>
+            <a:r>
+              <a:rPr lang="en-US" altLang="zh-CN" dirty="0" err="1"/>
+              <a:t>SystemJS</a:t>
+            </a:r>
+            <a:r>
+              <a:rPr lang="zh-CN" altLang="en-US" dirty="0"/>
+              <a:t>时，如何启动应用程序</a:t>
+            </a:r>
+            <a:endParaRPr lang="en-US" altLang="zh-CN" dirty="0"/>
+          </a:p>
+          <a:p>
+            <a:r>
+              <a:rPr lang="en-US" altLang="zh-CN" dirty="0" err="1"/>
+              <a:t>WebPack</a:t>
+            </a:r>
+            <a:r>
+              <a:rPr lang="zh-CN" altLang="en-US" dirty="0"/>
+              <a:t>启动器</a:t>
+            </a:r>
+          </a:p>
+        </p:txBody>
+      </p:sp>
+    </p:spTree>
+    <p:extLst>
+      <p:ext uri="{BB962C8B-B14F-4D97-AF65-F5344CB8AC3E}">
+        <p14:creationId xmlns:p14="http://schemas.microsoft.com/office/powerpoint/2010/main" val="4065519204"/>
+      </p:ext>
+    </p:extLst>
+  </p:cSld>
+  <p:clrMapOvr>
+    <a:masterClrMapping/>
+  </p:clrMapOvr>
+</p:sld>
+</file>
+
+<file path=ppt/slides/slide36.xml><?xml version="1.0" encoding="utf-8"?>
+<p:sld xmlns:a="http://schemas.openxmlformats.org/drawingml/2006/main" xmlns:r="http://schemas.openxmlformats.org/officeDocument/2006/relationships" xmlns:p="http://schemas.openxmlformats.org/presentationml/2006/main">
+  <p:cSld>
+    <p:spTree>
+      <p:nvGrpSpPr>
+        <p:cNvPr id="1" name=""/>
+        <p:cNvGrpSpPr/>
+        <p:nvPr/>
+      </p:nvGrpSpPr>
+      <p:grpSpPr>
+        <a:xfrm>
+          <a:off x="0" y="0"/>
+          <a:ext cx="0" cy="0"/>
+          <a:chOff x="0" y="0"/>
+          <a:chExt cx="0" cy="0"/>
+        </a:xfrm>
+      </p:grpSpPr>
+      <p:sp>
+        <p:nvSpPr>
+          <p:cNvPr id="2" name="标题 1"/>
+          <p:cNvSpPr>
+            <a:spLocks noGrp="1"/>
+          </p:cNvSpPr>
+          <p:nvPr>
+            <p:ph type="title"/>
+          </p:nvPr>
+        </p:nvSpPr>
+        <p:spPr/>
+        <p:txBody>
+          <a:bodyPr/>
+          <a:lstStyle/>
+          <a:p>
+            <a:r>
+              <a:rPr lang="en-US" altLang="zh-CN" dirty="0"/>
+              <a:t>setting-up-angular-2-with-webpack</a:t>
+            </a:r>
+            <a:endParaRPr lang="zh-CN" altLang="en-US" dirty="0"/>
+          </a:p>
+        </p:txBody>
+      </p:sp>
+      <p:sp>
+        <p:nvSpPr>
+          <p:cNvPr id="3" name="内容占位符 2"/>
+          <p:cNvSpPr>
+            <a:spLocks noGrp="1"/>
+          </p:cNvSpPr>
+          <p:nvPr>
+            <p:ph idx="1"/>
+          </p:nvPr>
+        </p:nvSpPr>
+        <p:spPr/>
+        <p:txBody>
+          <a:bodyPr/>
+          <a:lstStyle/>
+          <a:p>
+            <a:r>
+              <a:rPr lang="en-US" altLang="zh-CN" dirty="0">
+                <a:hlinkClick r:id="rId2"/>
+              </a:rPr>
+              <a:t>http://semaphoreci.com/community/tutorials/setting-up-angular-2-with-webpack</a:t>
+            </a:r>
+            <a:endParaRPr lang="en-US" altLang="zh-CN" dirty="0"/>
+          </a:p>
+          <a:p>
+            <a:r>
+              <a:rPr lang="en-US" altLang="zh-CN" dirty="0">
+                <a:hlinkClick r:id="rId3"/>
+              </a:rPr>
+              <a:t>http://www.eloquentwebapp.com/setting-angular-2-environment-using-typescript-npm-webpack/</a:t>
+            </a:r>
+            <a:endParaRPr lang="en-US" altLang="zh-CN" dirty="0"/>
+          </a:p>
+          <a:p>
+            <a:endParaRPr lang="zh-CN" altLang="en-US" dirty="0"/>
+          </a:p>
+        </p:txBody>
+      </p:sp>
+    </p:spTree>
+    <p:extLst>
+      <p:ext uri="{BB962C8B-B14F-4D97-AF65-F5344CB8AC3E}">
+        <p14:creationId xmlns:p14="http://schemas.microsoft.com/office/powerpoint/2010/main" val="3068746039"/>
+      </p:ext>
+    </p:extLst>
+  </p:cSld>
+  <p:clrMapOvr>
+    <a:masterClrMapping/>
+  </p:clrMapOvr>
+</p:sld>
+</file>
+
+<file path=ppt/slides/slide37.xml><?xml version="1.0" encoding="utf-8"?>
+<p:sld xmlns:a="http://schemas.openxmlformats.org/drawingml/2006/main" xmlns:r="http://schemas.openxmlformats.org/officeDocument/2006/relationships" xmlns:p="http://schemas.openxmlformats.org/presentationml/2006/main">
+  <p:cSld>
+    <p:spTree>
+      <p:nvGrpSpPr>
+        <p:cNvPr id="1" name=""/>
+        <p:cNvGrpSpPr/>
+        <p:nvPr/>
+      </p:nvGrpSpPr>
+      <p:grpSpPr>
+        <a:xfrm>
+          <a:off x="0" y="0"/>
+          <a:ext cx="0" cy="0"/>
+          <a:chOff x="0" y="0"/>
+          <a:chExt cx="0" cy="0"/>
+        </a:xfrm>
+      </p:grpSpPr>
+      <p:sp>
+        <p:nvSpPr>
+          <p:cNvPr id="2" name="标题 1"/>
+          <p:cNvSpPr>
+            <a:spLocks noGrp="1"/>
+          </p:cNvSpPr>
+          <p:nvPr>
+            <p:ph type="title"/>
+          </p:nvPr>
+        </p:nvSpPr>
+        <p:spPr/>
+        <p:txBody>
+          <a:bodyPr/>
+          <a:lstStyle/>
+          <a:p>
+            <a:r>
+              <a:rPr lang="en-US" altLang="zh-CN" dirty="0" err="1"/>
+              <a:t>Webpack</a:t>
+            </a:r>
+            <a:r>
+              <a:rPr lang="zh-CN" altLang="en-US" dirty="0"/>
+              <a:t>多</a:t>
+            </a:r>
+            <a:r>
+              <a:rPr lang="en-US" altLang="zh-CN" dirty="0"/>
+              <a:t>entry</a:t>
+            </a:r>
+            <a:r>
+              <a:rPr lang="zh-CN" altLang="en-US" dirty="0"/>
+              <a:t>时加载顺序</a:t>
+            </a:r>
+          </a:p>
+        </p:txBody>
+      </p:sp>
+      <p:sp>
+        <p:nvSpPr>
+          <p:cNvPr id="3" name="内容占位符 2"/>
+          <p:cNvSpPr>
+            <a:spLocks noGrp="1"/>
+          </p:cNvSpPr>
+          <p:nvPr>
+            <p:ph idx="1"/>
+          </p:nvPr>
+        </p:nvSpPr>
+        <p:spPr/>
+        <p:txBody>
+          <a:bodyPr/>
+          <a:lstStyle/>
+          <a:p>
+            <a:endParaRPr lang="zh-CN" altLang="en-US"/>
+          </a:p>
+        </p:txBody>
+      </p:sp>
+    </p:spTree>
+    <p:extLst>
+      <p:ext uri="{BB962C8B-B14F-4D97-AF65-F5344CB8AC3E}">
+        <p14:creationId xmlns:p14="http://schemas.microsoft.com/office/powerpoint/2010/main" val="3082408358"/>
+      </p:ext>
+    </p:extLst>
+  </p:cSld>
+  <p:clrMapOvr>
+    <a:masterClrMapping/>
+  </p:clrMapOvr>
+</p:sld>
+</file>
+
+<file path=ppt/slides/slide38.xml><?xml version="1.0" encoding="utf-8"?>
+<p:sld xmlns:a="http://schemas.openxmlformats.org/drawingml/2006/main" xmlns:r="http://schemas.openxmlformats.org/officeDocument/2006/relationships" xmlns:p="http://schemas.openxmlformats.org/presentationml/2006/main">
+  <p:cSld>
+    <p:spTree>
+      <p:nvGrpSpPr>
+        <p:cNvPr id="1" name=""/>
+        <p:cNvGrpSpPr/>
+        <p:nvPr/>
+      </p:nvGrpSpPr>
+      <p:grpSpPr>
+        <a:xfrm>
+          <a:off x="0" y="0"/>
+          <a:ext cx="0" cy="0"/>
+          <a:chOff x="0" y="0"/>
+          <a:chExt cx="0" cy="0"/>
+        </a:xfrm>
+      </p:grpSpPr>
+      <p:sp>
+        <p:nvSpPr>
+          <p:cNvPr id="2" name="标题 1"/>
+          <p:cNvSpPr>
+            <a:spLocks noGrp="1"/>
+          </p:cNvSpPr>
+          <p:nvPr>
+            <p:ph type="title"/>
+          </p:nvPr>
+        </p:nvSpPr>
+        <p:spPr/>
+        <p:txBody>
+          <a:bodyPr>
+            <a:normAutofit fontScale="90000"/>
+          </a:bodyPr>
+          <a:lstStyle/>
+          <a:p>
+            <a:r>
+              <a:rPr lang="en-US" altLang="zh-CN" dirty="0" err="1"/>
+              <a:t>Webpack</a:t>
+            </a:r>
+            <a:r>
+              <a:rPr lang="zh-CN" altLang="en-US" dirty="0"/>
+              <a:t>中</a:t>
+            </a:r>
+            <a:r>
+              <a:rPr lang="en-US" altLang="zh-CN" dirty="0"/>
+              <a:t>loader</a:t>
+            </a:r>
+            <a:r>
+              <a:rPr lang="zh-CN" altLang="en-US" dirty="0"/>
+              <a:t>很多，什么时候用什么</a:t>
+            </a:r>
+            <a:r>
+              <a:rPr lang="en-US" altLang="zh-CN" dirty="0"/>
+              <a:t>Loader</a:t>
+            </a:r>
+            <a:r>
+              <a:rPr lang="zh-CN" altLang="en-US" dirty="0"/>
+              <a:t>依据是什么</a:t>
+            </a:r>
+          </a:p>
+        </p:txBody>
+      </p:sp>
+      <p:sp>
+        <p:nvSpPr>
+          <p:cNvPr id="3" name="内容占位符 2"/>
+          <p:cNvSpPr>
+            <a:spLocks noGrp="1"/>
+          </p:cNvSpPr>
+          <p:nvPr>
+            <p:ph idx="1"/>
+          </p:nvPr>
+        </p:nvSpPr>
+        <p:spPr/>
+        <p:txBody>
+          <a:bodyPr/>
+          <a:lstStyle/>
+          <a:p>
+            <a:r>
+              <a:rPr lang="zh-CN" altLang="en-US" dirty="0"/>
+              <a:t>使用</a:t>
+            </a:r>
+            <a:r>
+              <a:rPr lang="en-US" altLang="zh-CN" dirty="0"/>
+              <a:t>loader</a:t>
+            </a:r>
+            <a:r>
+              <a:rPr lang="zh-CN" altLang="en-US" dirty="0"/>
+              <a:t>依据</a:t>
+            </a:r>
+            <a:r>
+              <a:rPr lang="en-US" altLang="zh-CN" dirty="0"/>
+              <a:t>import</a:t>
+            </a:r>
+            <a:r>
+              <a:rPr lang="zh-CN" altLang="en-US" dirty="0"/>
+              <a:t>中的文件类型，比如需要</a:t>
+            </a:r>
+            <a:r>
+              <a:rPr lang="en-US" altLang="zh-CN" dirty="0"/>
+              <a:t>import</a:t>
+            </a:r>
+            <a:r>
+              <a:rPr lang="zh-CN" altLang="en-US" dirty="0"/>
+              <a:t>的是</a:t>
+            </a:r>
+            <a:r>
+              <a:rPr lang="en-US" altLang="zh-CN" dirty="0" err="1"/>
+              <a:t>ts</a:t>
+            </a:r>
+            <a:r>
+              <a:rPr lang="zh-CN" altLang="en-US" dirty="0"/>
+              <a:t>类型的文体，那就需要</a:t>
+            </a:r>
+            <a:r>
+              <a:rPr lang="en-US" altLang="zh-CN" dirty="0" err="1"/>
+              <a:t>ts</a:t>
+            </a:r>
+            <a:r>
+              <a:rPr lang="zh-CN" altLang="en-US" dirty="0"/>
+              <a:t>对应的加载器，同时这些加载器还有自动编译成</a:t>
+            </a:r>
+            <a:r>
+              <a:rPr lang="en-US" altLang="zh-CN" dirty="0" err="1"/>
+              <a:t>js</a:t>
+            </a:r>
+            <a:r>
+              <a:rPr lang="zh-CN" altLang="en-US" dirty="0"/>
+              <a:t>文件的功能</a:t>
+            </a:r>
+          </a:p>
+        </p:txBody>
+      </p:sp>
+    </p:spTree>
+    <p:extLst>
+      <p:ext uri="{BB962C8B-B14F-4D97-AF65-F5344CB8AC3E}">
+        <p14:creationId xmlns:p14="http://schemas.microsoft.com/office/powerpoint/2010/main" val="334785815"/>
+      </p:ext>
+    </p:extLst>
+  </p:cSld>
+  <p:clrMapOvr>
+    <a:masterClrMapping/>
+  </p:clrMapOvr>
+</p:sld>
+</file>
+
+<file path=ppt/slides/slide39.xml><?xml version="1.0" encoding="utf-8"?>
+<p:sld xmlns:a="http://schemas.openxmlformats.org/drawingml/2006/main" xmlns:r="http://schemas.openxmlformats.org/officeDocument/2006/relationships" xmlns:p="http://schemas.openxmlformats.org/presentationml/2006/main">
+  <p:cSld>
+    <p:spTree>
+      <p:nvGrpSpPr>
+        <p:cNvPr id="1" name=""/>
+        <p:cNvGrpSpPr/>
+        <p:nvPr/>
+      </p:nvGrpSpPr>
+      <p:grpSpPr>
+        <a:xfrm>
+          <a:off x="0" y="0"/>
+          <a:ext cx="0" cy="0"/>
+          <a:chOff x="0" y="0"/>
+          <a:chExt cx="0" cy="0"/>
+        </a:xfrm>
+      </p:grpSpPr>
+      <p:sp>
+        <p:nvSpPr>
+          <p:cNvPr id="2" name="标题 1"/>
+          <p:cNvSpPr>
+            <a:spLocks noGrp="1"/>
+          </p:cNvSpPr>
+          <p:nvPr>
+            <p:ph type="title"/>
+          </p:nvPr>
+        </p:nvSpPr>
+        <p:spPr/>
+        <p:txBody>
+          <a:bodyPr/>
+          <a:lstStyle/>
+          <a:p>
+            <a:r>
+              <a:rPr lang="en-US" altLang="zh-CN" dirty="0" err="1"/>
+              <a:t>Webpack</a:t>
+            </a:r>
+            <a:r>
+              <a:rPr lang="zh-CN" altLang="en-US" dirty="0"/>
+              <a:t>编译的项目如何调试</a:t>
+            </a:r>
+          </a:p>
+        </p:txBody>
+      </p:sp>
+      <p:sp>
+        <p:nvSpPr>
+          <p:cNvPr id="3" name="内容占位符 2"/>
+          <p:cNvSpPr>
+            <a:spLocks noGrp="1"/>
+          </p:cNvSpPr>
+          <p:nvPr>
+            <p:ph idx="1"/>
+          </p:nvPr>
+        </p:nvSpPr>
+        <p:spPr/>
+        <p:txBody>
+          <a:bodyPr/>
+          <a:lstStyle/>
+          <a:p>
+            <a:endParaRPr lang="zh-CN" altLang="en-US" dirty="0"/>
+          </a:p>
+        </p:txBody>
+      </p:sp>
+    </p:spTree>
+    <p:extLst>
+      <p:ext uri="{BB962C8B-B14F-4D97-AF65-F5344CB8AC3E}">
+        <p14:creationId xmlns:p14="http://schemas.microsoft.com/office/powerpoint/2010/main" val="2950552554"/>
       </p:ext>
     </p:extLst>
   </p:cSld>
@@ -7257,6 +8388,327 @@
     <p:extLst>
       <p:ext uri="{BB962C8B-B14F-4D97-AF65-F5344CB8AC3E}">
         <p14:creationId xmlns:p14="http://schemas.microsoft.com/office/powerpoint/2010/main" val="1427731960"/>
+      </p:ext>
+    </p:extLst>
+  </p:cSld>
+  <p:clrMapOvr>
+    <a:masterClrMapping/>
+  </p:clrMapOvr>
+</p:sld>
+</file>
+
+<file path=ppt/slides/slide40.xml><?xml version="1.0" encoding="utf-8"?>
+<p:sld xmlns:a="http://schemas.openxmlformats.org/drawingml/2006/main" xmlns:r="http://schemas.openxmlformats.org/officeDocument/2006/relationships" xmlns:p="http://schemas.openxmlformats.org/presentationml/2006/main">
+  <p:cSld>
+    <p:spTree>
+      <p:nvGrpSpPr>
+        <p:cNvPr id="1" name=""/>
+        <p:cNvGrpSpPr/>
+        <p:nvPr/>
+      </p:nvGrpSpPr>
+      <p:grpSpPr>
+        <a:xfrm>
+          <a:off x="0" y="0"/>
+          <a:ext cx="0" cy="0"/>
+          <a:chOff x="0" y="0"/>
+          <a:chExt cx="0" cy="0"/>
+        </a:xfrm>
+      </p:grpSpPr>
+      <p:sp>
+        <p:nvSpPr>
+          <p:cNvPr id="2" name="标题 1"/>
+          <p:cNvSpPr>
+            <a:spLocks noGrp="1"/>
+          </p:cNvSpPr>
+          <p:nvPr>
+            <p:ph type="title"/>
+          </p:nvPr>
+        </p:nvSpPr>
+        <p:spPr/>
+        <p:txBody>
+          <a:bodyPr/>
+          <a:lstStyle/>
+          <a:p>
+            <a:r>
+              <a:rPr lang="en-US" altLang="zh-CN" dirty="0" err="1"/>
+              <a:t>Webpack</a:t>
+            </a:r>
+            <a:r>
+              <a:rPr lang="zh-CN" altLang="en-US" dirty="0"/>
+              <a:t>和</a:t>
+            </a:r>
+            <a:r>
+              <a:rPr lang="en-US" altLang="zh-CN" dirty="0" err="1"/>
+              <a:t>systemjs</a:t>
+            </a:r>
+            <a:r>
+              <a:rPr lang="zh-CN" altLang="en-US" dirty="0"/>
+              <a:t>的优劣</a:t>
+            </a:r>
+          </a:p>
+        </p:txBody>
+      </p:sp>
+      <p:sp>
+        <p:nvSpPr>
+          <p:cNvPr id="3" name="内容占位符 2"/>
+          <p:cNvSpPr>
+            <a:spLocks noGrp="1"/>
+          </p:cNvSpPr>
+          <p:nvPr>
+            <p:ph idx="1"/>
+          </p:nvPr>
+        </p:nvSpPr>
+        <p:spPr/>
+        <p:txBody>
+          <a:bodyPr/>
+          <a:lstStyle/>
+          <a:p>
+            <a:endParaRPr lang="zh-CN" altLang="en-US" dirty="0"/>
+          </a:p>
+        </p:txBody>
+      </p:sp>
+    </p:spTree>
+    <p:extLst>
+      <p:ext uri="{BB962C8B-B14F-4D97-AF65-F5344CB8AC3E}">
+        <p14:creationId xmlns:p14="http://schemas.microsoft.com/office/powerpoint/2010/main" val="3094030245"/>
+      </p:ext>
+    </p:extLst>
+  </p:cSld>
+  <p:clrMapOvr>
+    <a:masterClrMapping/>
+  </p:clrMapOvr>
+</p:sld>
+</file>
+
+<file path=ppt/slides/slide41.xml><?xml version="1.0" encoding="utf-8"?>
+<p:sld xmlns:a="http://schemas.openxmlformats.org/drawingml/2006/main" xmlns:r="http://schemas.openxmlformats.org/officeDocument/2006/relationships" xmlns:p="http://schemas.openxmlformats.org/presentationml/2006/main">
+  <p:cSld>
+    <p:spTree>
+      <p:nvGrpSpPr>
+        <p:cNvPr id="1" name=""/>
+        <p:cNvGrpSpPr/>
+        <p:nvPr/>
+      </p:nvGrpSpPr>
+      <p:grpSpPr>
+        <a:xfrm>
+          <a:off x="0" y="0"/>
+          <a:ext cx="0" cy="0"/>
+          <a:chOff x="0" y="0"/>
+          <a:chExt cx="0" cy="0"/>
+        </a:xfrm>
+      </p:grpSpPr>
+      <p:sp>
+        <p:nvSpPr>
+          <p:cNvPr id="2" name="标题 1"/>
+          <p:cNvSpPr>
+            <a:spLocks noGrp="1"/>
+          </p:cNvSpPr>
+          <p:nvPr>
+            <p:ph type="title"/>
+          </p:nvPr>
+        </p:nvSpPr>
+        <p:spPr/>
+        <p:txBody>
+          <a:bodyPr>
+            <a:normAutofit fontScale="90000"/>
+          </a:bodyPr>
+          <a:lstStyle/>
+          <a:p>
+            <a:r>
+              <a:rPr lang="zh-CN" altLang="en-US" dirty="0"/>
+              <a:t>用</a:t>
+            </a:r>
+            <a:r>
+              <a:rPr lang="en-US" altLang="zh-CN" dirty="0" err="1"/>
+              <a:t>systemjs</a:t>
+            </a:r>
+            <a:r>
+              <a:rPr lang="zh-CN" altLang="en-US" dirty="0"/>
+              <a:t>来加载</a:t>
+            </a:r>
+            <a:r>
+              <a:rPr lang="en-US" altLang="zh-CN" dirty="0"/>
+              <a:t>angular2</a:t>
+            </a:r>
+            <a:r>
+              <a:rPr lang="zh-CN" altLang="en-US" dirty="0"/>
+              <a:t>的时候为什么能自动处理路由</a:t>
+            </a:r>
+          </a:p>
+        </p:txBody>
+      </p:sp>
+      <p:sp>
+        <p:nvSpPr>
+          <p:cNvPr id="3" name="内容占位符 2"/>
+          <p:cNvSpPr>
+            <a:spLocks noGrp="1"/>
+          </p:cNvSpPr>
+          <p:nvPr>
+            <p:ph idx="1"/>
+          </p:nvPr>
+        </p:nvSpPr>
+        <p:spPr/>
+        <p:txBody>
+          <a:bodyPr/>
+          <a:lstStyle/>
+          <a:p>
+            <a:r>
+              <a:rPr lang="zh-CN" altLang="en-US" dirty="0"/>
+              <a:t>因为</a:t>
+            </a:r>
+            <a:r>
+              <a:rPr lang="en-US" altLang="zh-CN" dirty="0"/>
+              <a:t>angular2</a:t>
+            </a:r>
+            <a:r>
+              <a:rPr lang="zh-CN" altLang="en-US" dirty="0"/>
+              <a:t>中的</a:t>
+            </a:r>
+            <a:r>
+              <a:rPr lang="en-US" altLang="zh-CN" dirty="0" err="1"/>
+              <a:t>ngmodule</a:t>
+            </a:r>
+            <a:r>
+              <a:rPr lang="zh-CN" altLang="en-US" dirty="0"/>
+              <a:t>加载模块的机制实际上是以</a:t>
+            </a:r>
+            <a:r>
+              <a:rPr lang="en-US" altLang="zh-CN" dirty="0" err="1"/>
+              <a:t>systemjs</a:t>
+            </a:r>
+            <a:r>
+              <a:rPr lang="zh-CN" altLang="en-US" dirty="0"/>
+              <a:t>为基础的，这个可以由</a:t>
+            </a:r>
+            <a:r>
+              <a:rPr lang="en-US" altLang="zh-CN" dirty="0"/>
+              <a:t>angular2</a:t>
+            </a:r>
+            <a:r>
+              <a:rPr lang="zh-CN" altLang="en-US" dirty="0"/>
+              <a:t>的</a:t>
+            </a:r>
+            <a:r>
+              <a:rPr lang="en-US" altLang="zh-CN" dirty="0"/>
+              <a:t>core</a:t>
+            </a:r>
+            <a:r>
+              <a:rPr lang="zh-CN" altLang="en-US" dirty="0"/>
+              <a:t>目录下的</a:t>
+            </a:r>
+            <a:r>
+              <a:rPr lang="en-US" altLang="zh-CN" dirty="0"/>
+              <a:t>linker</a:t>
+            </a:r>
+            <a:r>
+              <a:rPr lang="zh-CN" altLang="en-US" dirty="0"/>
+              <a:t>来查证</a:t>
+            </a:r>
+          </a:p>
+        </p:txBody>
+      </p:sp>
+    </p:spTree>
+    <p:extLst>
+      <p:ext uri="{BB962C8B-B14F-4D97-AF65-F5344CB8AC3E}">
+        <p14:creationId xmlns:p14="http://schemas.microsoft.com/office/powerpoint/2010/main" val="2664942002"/>
+      </p:ext>
+    </p:extLst>
+  </p:cSld>
+  <p:clrMapOvr>
+    <a:masterClrMapping/>
+  </p:clrMapOvr>
+</p:sld>
+</file>
+
+<file path=ppt/slides/slide42.xml><?xml version="1.0" encoding="utf-8"?>
+<p:sld xmlns:a="http://schemas.openxmlformats.org/drawingml/2006/main" xmlns:r="http://schemas.openxmlformats.org/officeDocument/2006/relationships" xmlns:p="http://schemas.openxmlformats.org/presentationml/2006/main">
+  <p:cSld>
+    <p:spTree>
+      <p:nvGrpSpPr>
+        <p:cNvPr id="1" name=""/>
+        <p:cNvGrpSpPr/>
+        <p:nvPr/>
+      </p:nvGrpSpPr>
+      <p:grpSpPr>
+        <a:xfrm>
+          <a:off x="0" y="0"/>
+          <a:ext cx="0" cy="0"/>
+          <a:chOff x="0" y="0"/>
+          <a:chExt cx="0" cy="0"/>
+        </a:xfrm>
+      </p:grpSpPr>
+      <p:sp>
+        <p:nvSpPr>
+          <p:cNvPr id="2" name="标题 1"/>
+          <p:cNvSpPr>
+            <a:spLocks noGrp="1"/>
+          </p:cNvSpPr>
+          <p:nvPr>
+            <p:ph type="title"/>
+          </p:nvPr>
+        </p:nvSpPr>
+        <p:spPr/>
+        <p:txBody>
+          <a:bodyPr/>
+          <a:lstStyle/>
+          <a:p>
+            <a:r>
+              <a:rPr lang="zh-CN" altLang="en-US" dirty="0"/>
+              <a:t>问题</a:t>
+            </a:r>
+          </a:p>
+        </p:txBody>
+      </p:sp>
+      <p:sp>
+        <p:nvSpPr>
+          <p:cNvPr id="3" name="内容占位符 2"/>
+          <p:cNvSpPr>
+            <a:spLocks noGrp="1"/>
+          </p:cNvSpPr>
+          <p:nvPr>
+            <p:ph idx="1"/>
+          </p:nvPr>
+        </p:nvSpPr>
+        <p:spPr/>
+        <p:txBody>
+          <a:bodyPr/>
+          <a:lstStyle/>
+          <a:p>
+            <a:r>
+              <a:rPr lang="zh-CN" altLang="en-US" dirty="0"/>
+              <a:t>如果</a:t>
+            </a:r>
+            <a:r>
+              <a:rPr lang="en-US" altLang="zh-CN" dirty="0" err="1"/>
+              <a:t>sharemodule</a:t>
+            </a:r>
+            <a:r>
+              <a:rPr lang="zh-CN" altLang="en-US" dirty="0"/>
+              <a:t>中的组件里面含有</a:t>
+            </a:r>
+            <a:r>
+              <a:rPr lang="en-US" altLang="zh-CN" dirty="0"/>
+              <a:t>provider,</a:t>
+            </a:r>
+            <a:r>
+              <a:rPr lang="zh-CN" altLang="en-US" dirty="0"/>
+              <a:t>这个</a:t>
+            </a:r>
+            <a:r>
+              <a:rPr lang="en-US" altLang="zh-CN" dirty="0"/>
+              <a:t>provider</a:t>
+            </a:r>
+            <a:r>
+              <a:rPr lang="zh-CN" altLang="en-US" dirty="0"/>
+              <a:t>里面有服务，那么这个服务还是单例么？</a:t>
+            </a:r>
+          </a:p>
+        </p:txBody>
+      </p:sp>
+    </p:spTree>
+    <p:extLst>
+      <p:ext uri="{BB962C8B-B14F-4D97-AF65-F5344CB8AC3E}">
+        <p14:creationId xmlns:p14="http://schemas.microsoft.com/office/powerpoint/2010/main" val="1704239897"/>
       </p:ext>
     </p:extLst>
   </p:cSld>
@@ -7965,7 +9417,7 @@
         <a:sysClr val="windowText" lastClr="000000"/>
       </a:dk1>
       <a:lt1>
-        <a:sysClr val="window" lastClr="CBE9CF"/>
+        <a:sysClr val="window" lastClr="FFFFFF"/>
       </a:lt1>
       <a:dk2>
         <a:srgbClr val="1F497D"/>
@@ -8248,7 +9700,7 @@
         <a:sysClr val="windowText" lastClr="000000"/>
       </a:dk1>
       <a:lt1>
-        <a:sysClr val="window" lastClr="CBE9CF"/>
+        <a:sysClr val="window" lastClr="FFFFFF"/>
       </a:lt1>
       <a:dk2>
         <a:srgbClr val="1F497D"/>

--- a/files/Angular2.pptx
+++ b/files/Angular2.pptx
@@ -5,7 +5,7 @@
     <p:sldMasterId id="2147483648" r:id="rId1"/>
   </p:sldMasterIdLst>
   <p:notesMasterIdLst>
-    <p:notesMasterId r:id="rId44"/>
+    <p:notesMasterId r:id="rId46"/>
   </p:notesMasterIdLst>
   <p:sldIdLst>
     <p:sldId id="257" r:id="rId2"/>
@@ -37,19 +37,21 @@
     <p:sldId id="293" r:id="rId28"/>
     <p:sldId id="292" r:id="rId29"/>
     <p:sldId id="294" r:id="rId30"/>
-    <p:sldId id="296" r:id="rId31"/>
-    <p:sldId id="295" r:id="rId32"/>
-    <p:sldId id="285" r:id="rId33"/>
-    <p:sldId id="288" r:id="rId34"/>
-    <p:sldId id="283" r:id="rId35"/>
-    <p:sldId id="286" r:id="rId36"/>
-    <p:sldId id="287" r:id="rId37"/>
-    <p:sldId id="289" r:id="rId38"/>
-    <p:sldId id="290" r:id="rId39"/>
-    <p:sldId id="297" r:id="rId40"/>
-    <p:sldId id="299" r:id="rId41"/>
-    <p:sldId id="298" r:id="rId42"/>
-    <p:sldId id="278" r:id="rId43"/>
+    <p:sldId id="301" r:id="rId31"/>
+    <p:sldId id="296" r:id="rId32"/>
+    <p:sldId id="295" r:id="rId33"/>
+    <p:sldId id="285" r:id="rId34"/>
+    <p:sldId id="288" r:id="rId35"/>
+    <p:sldId id="283" r:id="rId36"/>
+    <p:sldId id="286" r:id="rId37"/>
+    <p:sldId id="287" r:id="rId38"/>
+    <p:sldId id="289" r:id="rId39"/>
+    <p:sldId id="290" r:id="rId40"/>
+    <p:sldId id="297" r:id="rId41"/>
+    <p:sldId id="299" r:id="rId42"/>
+    <p:sldId id="298" r:id="rId43"/>
+    <p:sldId id="300" r:id="rId44"/>
+    <p:sldId id="278" r:id="rId45"/>
   </p:sldIdLst>
   <p:sldSz cx="9144000" cy="6858000" type="screen4x3"/>
   <p:notesSz cx="6858000" cy="9144000"/>
@@ -644,6 +646,10 @@
           <a:bodyPr/>
           <a:lstStyle/>
           <a:p>
+            <a:r>
+              <a:rPr lang="en-US" altLang="zh-CN" dirty="0"/>
+              <a:t>https://github.com/shlomiassaf/ng-router-loader</a:t>
+            </a:r>
             <a:endParaRPr lang="zh-CN" altLang="en-US" dirty="0"/>
           </a:p>
         </p:txBody>
@@ -665,7 +671,199 @@
           <a:p>
             <a:fld id="{5596D80E-E838-4A36-A5AD-2029880C9AD3}" type="slidenum">
               <a:rPr lang="zh-CN" altLang="en-US" smtClean="0"/>
-              <a:t>42</a:t>
+              <a:t>32</a:t>
+            </a:fld>
+            <a:endParaRPr lang="zh-CN" altLang="en-US"/>
+          </a:p>
+        </p:txBody>
+      </p:sp>
+    </p:spTree>
+    <p:extLst>
+      <p:ext uri="{BB962C8B-B14F-4D97-AF65-F5344CB8AC3E}">
+        <p14:creationId xmlns:p14="http://schemas.microsoft.com/office/powerpoint/2010/main" val="174918967"/>
+      </p:ext>
+    </p:extLst>
+  </p:cSld>
+  <p:clrMapOvr>
+    <a:masterClrMapping/>
+  </p:clrMapOvr>
+</p:notes>
+</file>
+
+<file path=ppt/notesSlides/notesSlide11.xml><?xml version="1.0" encoding="utf-8"?>
+<p:notes xmlns:a="http://schemas.openxmlformats.org/drawingml/2006/main" xmlns:r="http://schemas.openxmlformats.org/officeDocument/2006/relationships" xmlns:p="http://schemas.openxmlformats.org/presentationml/2006/main">
+  <p:cSld>
+    <p:spTree>
+      <p:nvGrpSpPr>
+        <p:cNvPr id="1" name=""/>
+        <p:cNvGrpSpPr/>
+        <p:nvPr/>
+      </p:nvGrpSpPr>
+      <p:grpSpPr>
+        <a:xfrm>
+          <a:off x="0" y="0"/>
+          <a:ext cx="0" cy="0"/>
+          <a:chOff x="0" y="0"/>
+          <a:chExt cx="0" cy="0"/>
+        </a:xfrm>
+      </p:grpSpPr>
+      <p:sp>
+        <p:nvSpPr>
+          <p:cNvPr id="2" name="幻灯片图像占位符 1"/>
+          <p:cNvSpPr>
+            <a:spLocks noGrp="1" noRot="1" noChangeAspect="1"/>
+          </p:cNvSpPr>
+          <p:nvPr>
+            <p:ph type="sldImg"/>
+          </p:nvPr>
+        </p:nvSpPr>
+        <p:spPr/>
+      </p:sp>
+      <p:sp>
+        <p:nvSpPr>
+          <p:cNvPr id="3" name="备注占位符 2"/>
+          <p:cNvSpPr>
+            <a:spLocks noGrp="1"/>
+          </p:cNvSpPr>
+          <p:nvPr>
+            <p:ph type="body" idx="1"/>
+          </p:nvPr>
+        </p:nvSpPr>
+        <p:spPr/>
+        <p:txBody>
+          <a:bodyPr/>
+          <a:lstStyle/>
+          <a:p>
+            <a:pPr marL="228600" indent="-228600">
+              <a:buFont typeface="+mj-lt"/>
+              <a:buAutoNum type="arabicPeriod"/>
+            </a:pPr>
+            <a:r>
+              <a:rPr lang="en-US" altLang="zh-CN" dirty="0"/>
+              <a:t>https://docs.npmjs.com/files/folders  </a:t>
+            </a:r>
+            <a:r>
+              <a:rPr lang="zh-CN" altLang="en-US" dirty="0"/>
+              <a:t>介绍</a:t>
+            </a:r>
+            <a:r>
+              <a:rPr lang="en-US" altLang="zh-CN" dirty="0" err="1"/>
+              <a:t>npm</a:t>
+            </a:r>
+            <a:r>
+              <a:rPr lang="zh-CN" altLang="en-US" dirty="0"/>
+              <a:t>的</a:t>
+            </a:r>
+            <a:r>
+              <a:rPr lang="en-US" altLang="zh-CN" dirty="0" err="1"/>
+              <a:t>package.json</a:t>
+            </a:r>
+            <a:endParaRPr lang="zh-CN" altLang="en-US" dirty="0"/>
+          </a:p>
+        </p:txBody>
+      </p:sp>
+      <p:sp>
+        <p:nvSpPr>
+          <p:cNvPr id="4" name="灯片编号占位符 3"/>
+          <p:cNvSpPr>
+            <a:spLocks noGrp="1"/>
+          </p:cNvSpPr>
+          <p:nvPr>
+            <p:ph type="sldNum" sz="quarter" idx="10"/>
+          </p:nvPr>
+        </p:nvSpPr>
+        <p:spPr/>
+        <p:txBody>
+          <a:bodyPr/>
+          <a:lstStyle/>
+          <a:p>
+            <a:fld id="{5596D80E-E838-4A36-A5AD-2029880C9AD3}" type="slidenum">
+              <a:rPr lang="zh-CN" altLang="en-US" smtClean="0"/>
+              <a:t>35</a:t>
+            </a:fld>
+            <a:endParaRPr lang="zh-CN" altLang="en-US"/>
+          </a:p>
+        </p:txBody>
+      </p:sp>
+    </p:spTree>
+    <p:extLst>
+      <p:ext uri="{BB962C8B-B14F-4D97-AF65-F5344CB8AC3E}">
+        <p14:creationId xmlns:p14="http://schemas.microsoft.com/office/powerpoint/2010/main" val="2416616150"/>
+      </p:ext>
+    </p:extLst>
+  </p:cSld>
+  <p:clrMapOvr>
+    <a:masterClrMapping/>
+  </p:clrMapOvr>
+</p:notes>
+</file>
+
+<file path=ppt/notesSlides/notesSlide12.xml><?xml version="1.0" encoding="utf-8"?>
+<p:notes xmlns:a="http://schemas.openxmlformats.org/drawingml/2006/main" xmlns:r="http://schemas.openxmlformats.org/officeDocument/2006/relationships" xmlns:p="http://schemas.openxmlformats.org/presentationml/2006/main">
+  <p:cSld>
+    <p:spTree>
+      <p:nvGrpSpPr>
+        <p:cNvPr id="1" name=""/>
+        <p:cNvGrpSpPr/>
+        <p:nvPr/>
+      </p:nvGrpSpPr>
+      <p:grpSpPr>
+        <a:xfrm>
+          <a:off x="0" y="0"/>
+          <a:ext cx="0" cy="0"/>
+          <a:chOff x="0" y="0"/>
+          <a:chExt cx="0" cy="0"/>
+        </a:xfrm>
+      </p:grpSpPr>
+      <p:sp>
+        <p:nvSpPr>
+          <p:cNvPr id="2" name="幻灯片图像占位符 1"/>
+          <p:cNvSpPr>
+            <a:spLocks noGrp="1" noRot="1" noChangeAspect="1"/>
+          </p:cNvSpPr>
+          <p:nvPr>
+            <p:ph type="sldImg"/>
+          </p:nvPr>
+        </p:nvSpPr>
+        <p:spPr/>
+      </p:sp>
+      <p:sp>
+        <p:nvSpPr>
+          <p:cNvPr id="3" name="备注占位符 2"/>
+          <p:cNvSpPr>
+            <a:spLocks noGrp="1"/>
+          </p:cNvSpPr>
+          <p:nvPr>
+            <p:ph type="body" idx="1"/>
+          </p:nvPr>
+        </p:nvSpPr>
+        <p:spPr/>
+        <p:txBody>
+          <a:bodyPr/>
+          <a:lstStyle/>
+          <a:p>
+            <a:endParaRPr lang="zh-CN" altLang="en-US" dirty="0"/>
+          </a:p>
+        </p:txBody>
+      </p:sp>
+      <p:sp>
+        <p:nvSpPr>
+          <p:cNvPr id="4" name="灯片编号占位符 3"/>
+          <p:cNvSpPr>
+            <a:spLocks noGrp="1"/>
+          </p:cNvSpPr>
+          <p:nvPr>
+            <p:ph type="sldNum" sz="quarter" idx="10"/>
+          </p:nvPr>
+        </p:nvSpPr>
+        <p:spPr/>
+        <p:txBody>
+          <a:bodyPr/>
+          <a:lstStyle/>
+          <a:p>
+            <a:fld id="{5596D80E-E838-4A36-A5AD-2029880C9AD3}" type="slidenum">
+              <a:rPr lang="zh-CN" altLang="en-US" smtClean="0"/>
+              <a:t>44</a:t>
             </a:fld>
             <a:endParaRPr lang="zh-CN" altLang="en-US"/>
           </a:p>
@@ -1527,141 +1725,16 @@
           <a:p>
             <a:r>
               <a:rPr lang="zh-CN" altLang="en-US" dirty="0"/>
-              <a:t>产生原因：有些是因为缺少</a:t>
-            </a:r>
-            <a:r>
-              <a:rPr lang="en-US" altLang="zh-CN" dirty="0"/>
-              <a:t>.</a:t>
+              <a:t>一定要注意</a:t>
             </a:r>
             <a:r>
               <a:rPr lang="en-US" altLang="zh-CN" dirty="0" err="1"/>
-              <a:t>d.ts</a:t>
-            </a:r>
-            <a:r>
-              <a:rPr lang="zh-CN" altLang="en-US" dirty="0"/>
-              <a:t>的类型声明文件，通过安装</a:t>
-            </a:r>
-            <a:r>
-              <a:rPr lang="en-US" altLang="zh-CN" dirty="0"/>
-              <a:t>@type/</a:t>
-            </a:r>
-            <a:r>
-              <a:rPr lang="zh-CN" altLang="en-US" dirty="0"/>
-              <a:t>包名</a:t>
-            </a:r>
-            <a:r>
-              <a:rPr lang="zh-CN" altLang="en-US" baseline="0" dirty="0"/>
-              <a:t> 来解决，不要安装</a:t>
-            </a:r>
-            <a:r>
-              <a:rPr lang="en-US" altLang="zh-CN" baseline="0" dirty="0" err="1"/>
-              <a:t>typings</a:t>
-            </a:r>
-            <a:r>
-              <a:rPr lang="zh-CN" altLang="en-US" baseline="0" dirty="0"/>
-              <a:t>这样的工具，这个是因为插件使用的</a:t>
-            </a:r>
-            <a:r>
-              <a:rPr lang="en-US" altLang="zh-CN" baseline="0" dirty="0" err="1"/>
-              <a:t>trypescrpt</a:t>
-            </a:r>
-            <a:r>
-              <a:rPr lang="zh-CN" altLang="en-US" baseline="0" dirty="0"/>
-              <a:t>编译器不能正确识别自己的</a:t>
-            </a:r>
-            <a:r>
-              <a:rPr lang="en-US" altLang="zh-CN" baseline="0" dirty="0"/>
-              <a:t>require</a:t>
-            </a:r>
-            <a:r>
-              <a:rPr lang="zh-CN" altLang="en-US" baseline="0" dirty="0"/>
-              <a:t>类型，如：</a:t>
-            </a:r>
-            <a:r>
-              <a:rPr lang="en-US" altLang="zh-CN" baseline="0" dirty="0" err="1"/>
               <a:t>webpack</a:t>
             </a:r>
             <a:r>
-              <a:rPr lang="zh-CN" altLang="en-US" baseline="0" dirty="0"/>
-              <a:t>生成的</a:t>
-            </a:r>
-            <a:r>
-              <a:rPr lang="en-US" altLang="zh-CN" baseline="0" dirty="0"/>
-              <a:t>require</a:t>
-            </a:r>
-            <a:r>
-              <a:rPr lang="zh-CN" altLang="en-US" baseline="0" dirty="0"/>
-              <a:t>类型为</a:t>
-            </a:r>
-            <a:r>
-              <a:rPr lang="en-US" altLang="zh-CN" dirty="0">
-                <a:effectLst/>
-              </a:rPr>
-              <a:t>__</a:t>
-            </a:r>
-            <a:r>
-              <a:rPr lang="en-US" altLang="zh-CN" dirty="0" err="1">
-                <a:effectLst/>
-              </a:rPr>
-              <a:t>webpack_require</a:t>
-            </a:r>
-            <a:r>
-              <a:rPr lang="en-US" altLang="zh-CN" dirty="0">
-                <a:effectLst/>
-              </a:rPr>
-              <a:t>__</a:t>
-            </a:r>
-          </a:p>
-          <a:p>
-            <a:r>
-              <a:rPr lang="zh-CN" altLang="en-US" dirty="0">
-                <a:effectLst/>
-              </a:rPr>
-              <a:t>解决方法：安装</a:t>
-            </a:r>
-            <a:r>
-              <a:rPr lang="en-US" altLang="zh-CN" dirty="0">
-                <a:effectLst/>
-              </a:rPr>
-              <a:t>@type/</a:t>
-            </a:r>
-            <a:r>
-              <a:rPr lang="en-US" altLang="zh-CN" dirty="0" err="1">
-                <a:effectLst/>
-              </a:rPr>
-              <a:t>webpack</a:t>
-            </a:r>
-            <a:r>
-              <a:rPr lang="zh-CN" altLang="en-US" dirty="0">
-                <a:effectLst/>
-              </a:rPr>
-              <a:t>来解决</a:t>
-            </a:r>
-            <a:r>
-              <a:rPr lang="en-US" altLang="zh-CN" dirty="0" err="1">
-                <a:effectLst/>
-              </a:rPr>
-              <a:t>webpack</a:t>
-            </a:r>
-            <a:r>
-              <a:rPr lang="zh-CN" altLang="en-US" dirty="0">
-                <a:effectLst/>
-              </a:rPr>
-              <a:t>编译</a:t>
-            </a:r>
-            <a:r>
-              <a:rPr lang="en-US" altLang="zh-CN" dirty="0" err="1">
-                <a:effectLst/>
-              </a:rPr>
-              <a:t>ts</a:t>
-            </a:r>
-            <a:r>
-              <a:rPr lang="zh-CN" altLang="en-US" dirty="0">
-                <a:effectLst/>
-              </a:rPr>
-              <a:t>的从错误</a:t>
-            </a:r>
-            <a:endParaRPr lang="zh-CN" altLang="en-US" dirty="0"/>
+              <a:rPr lang="zh-CN" altLang="en-US" dirty="0"/>
+              <a:t>的版本</a:t>
+            </a:r>
           </a:p>
         </p:txBody>
       </p:sp>
@@ -1682,7 +1755,7 @@
           <a:p>
             <a:fld id="{5596D80E-E838-4A36-A5AD-2029880C9AD3}" type="slidenum">
               <a:rPr lang="zh-CN" altLang="en-US" smtClean="0"/>
-              <a:t>29</a:t>
+              <a:t>25</a:t>
             </a:fld>
             <a:endParaRPr lang="zh-CN" altLang="en-US"/>
           </a:p>
@@ -1691,7 +1764,7 @@
     </p:spTree>
     <p:extLst>
       <p:ext uri="{BB962C8B-B14F-4D97-AF65-F5344CB8AC3E}">
-        <p14:creationId xmlns:p14="http://schemas.microsoft.com/office/powerpoint/2010/main" val="1999826937"/>
+        <p14:creationId xmlns:p14="http://schemas.microsoft.com/office/powerpoint/2010/main" val="954564507"/>
       </p:ext>
     </p:extLst>
   </p:cSld>
@@ -1746,8 +1819,140 @@
           <a:lstStyle/>
           <a:p>
             <a:r>
+              <a:rPr lang="zh-CN" altLang="en-US" dirty="0"/>
+              <a:t>产生原因：有些是因为缺少</a:t>
+            </a:r>
+            <a:r>
               <a:rPr lang="en-US" altLang="zh-CN" dirty="0"/>
-              <a:t>https://github.com/shlomiassaf/ng-router-loader</a:t>
+              <a:t>.</a:t>
+            </a:r>
+            <a:r>
+              <a:rPr lang="en-US" altLang="zh-CN" dirty="0" err="1"/>
+              <a:t>d.ts</a:t>
+            </a:r>
+            <a:r>
+              <a:rPr lang="zh-CN" altLang="en-US" dirty="0"/>
+              <a:t>的类型声明文件，通过安装</a:t>
+            </a:r>
+            <a:r>
+              <a:rPr lang="en-US" altLang="zh-CN" dirty="0"/>
+              <a:t>@type/</a:t>
+            </a:r>
+            <a:r>
+              <a:rPr lang="zh-CN" altLang="en-US" dirty="0"/>
+              <a:t>包名</a:t>
+            </a:r>
+            <a:r>
+              <a:rPr lang="zh-CN" altLang="en-US" baseline="0" dirty="0"/>
+              <a:t> 来解决，不要安装</a:t>
+            </a:r>
+            <a:r>
+              <a:rPr lang="en-US" altLang="zh-CN" baseline="0" dirty="0" err="1"/>
+              <a:t>typings</a:t>
+            </a:r>
+            <a:r>
+              <a:rPr lang="zh-CN" altLang="en-US" baseline="0" dirty="0"/>
+              <a:t>这样的工具，这个是因为插件使用的</a:t>
+            </a:r>
+            <a:r>
+              <a:rPr lang="en-US" altLang="zh-CN" baseline="0" dirty="0" err="1"/>
+              <a:t>trypescrpt</a:t>
+            </a:r>
+            <a:r>
+              <a:rPr lang="zh-CN" altLang="en-US" baseline="0" dirty="0"/>
+              <a:t>编译器不能正确识别自己的</a:t>
+            </a:r>
+            <a:r>
+              <a:rPr lang="en-US" altLang="zh-CN" baseline="0" dirty="0"/>
+              <a:t>require</a:t>
+            </a:r>
+            <a:r>
+              <a:rPr lang="zh-CN" altLang="en-US" baseline="0" dirty="0"/>
+              <a:t>类型，如：</a:t>
+            </a:r>
+            <a:r>
+              <a:rPr lang="en-US" altLang="zh-CN" baseline="0" dirty="0" err="1"/>
+              <a:t>webpack</a:t>
+            </a:r>
+            <a:r>
+              <a:rPr lang="zh-CN" altLang="en-US" baseline="0" dirty="0"/>
+              <a:t>生成的</a:t>
+            </a:r>
+            <a:r>
+              <a:rPr lang="en-US" altLang="zh-CN" baseline="0" dirty="0"/>
+              <a:t>require</a:t>
+            </a:r>
+            <a:r>
+              <a:rPr lang="zh-CN" altLang="en-US" baseline="0" dirty="0"/>
+              <a:t>类型为</a:t>
+            </a:r>
+            <a:r>
+              <a:rPr lang="en-US" altLang="zh-CN" dirty="0">
+                <a:effectLst/>
+              </a:rPr>
+              <a:t>__</a:t>
+            </a:r>
+            <a:r>
+              <a:rPr lang="en-US" altLang="zh-CN" dirty="0" err="1">
+                <a:effectLst/>
+              </a:rPr>
+              <a:t>webpack_require</a:t>
+            </a:r>
+            <a:r>
+              <a:rPr lang="en-US" altLang="zh-CN" dirty="0">
+                <a:effectLst/>
+              </a:rPr>
+              <a:t>__</a:t>
+            </a:r>
+          </a:p>
+          <a:p>
+            <a:r>
+              <a:rPr lang="zh-CN" altLang="en-US" dirty="0">
+                <a:effectLst/>
+              </a:rPr>
+              <a:t>解决方法：安装</a:t>
+            </a:r>
+            <a:r>
+              <a:rPr lang="en-US" altLang="zh-CN" dirty="0">
+                <a:effectLst/>
+              </a:rPr>
+              <a:t>@type/</a:t>
+            </a:r>
+            <a:r>
+              <a:rPr lang="en-US" altLang="zh-CN" dirty="0" err="1">
+                <a:effectLst/>
+              </a:rPr>
+              <a:t>webpack</a:t>
+            </a:r>
+            <a:r>
+              <a:rPr lang="zh-CN" altLang="en-US" dirty="0">
+                <a:effectLst/>
+              </a:rPr>
+              <a:t>来解决</a:t>
+            </a:r>
+            <a:r>
+              <a:rPr lang="en-US" altLang="zh-CN" dirty="0" err="1">
+                <a:effectLst/>
+              </a:rPr>
+              <a:t>webpack</a:t>
+            </a:r>
+            <a:r>
+              <a:rPr lang="zh-CN" altLang="en-US" dirty="0">
+                <a:effectLst/>
+              </a:rPr>
+              <a:t>编译</a:t>
+            </a:r>
+            <a:r>
+              <a:rPr lang="en-US" altLang="zh-CN" dirty="0" err="1">
+                <a:effectLst/>
+              </a:rPr>
+              <a:t>ts</a:t>
+            </a:r>
+            <a:r>
+              <a:rPr lang="zh-CN" altLang="en-US" dirty="0">
+                <a:effectLst/>
+              </a:rPr>
+              <a:t>的从错误</a:t>
             </a:r>
             <a:endParaRPr lang="zh-CN" altLang="en-US" dirty="0"/>
           </a:p>
@@ -1770,7 +1975,7 @@
           <a:p>
             <a:fld id="{5596D80E-E838-4A36-A5AD-2029880C9AD3}" type="slidenum">
               <a:rPr lang="zh-CN" altLang="en-US" smtClean="0"/>
-              <a:t>31</a:t>
+              <a:t>29</a:t>
             </a:fld>
             <a:endParaRPr lang="zh-CN" altLang="en-US"/>
           </a:p>
@@ -1779,7 +1984,7 @@
     </p:spTree>
     <p:extLst>
       <p:ext uri="{BB962C8B-B14F-4D97-AF65-F5344CB8AC3E}">
-        <p14:creationId xmlns:p14="http://schemas.microsoft.com/office/powerpoint/2010/main" val="174918967"/>
+        <p14:creationId xmlns:p14="http://schemas.microsoft.com/office/powerpoint/2010/main" val="1999826937"/>
       </p:ext>
     </p:extLst>
   </p:cSld>
@@ -1833,30 +2038,20 @@
           <a:bodyPr/>
           <a:lstStyle/>
           <a:p>
-            <a:pPr marL="228600" indent="-228600">
-              <a:buFont typeface="+mj-lt"/>
-              <a:buAutoNum type="arabicPeriod"/>
-            </a:pPr>
+            <a:r>
+              <a:rPr lang="zh-CN" altLang="en-US" dirty="0"/>
+              <a:t>解决方法</a:t>
+            </a:r>
             <a:r>
               <a:rPr lang="en-US" altLang="zh-CN" dirty="0"/>
-              <a:t>https://docs.npmjs.com/files/folders  </a:t>
-            </a:r>
-            <a:r>
-              <a:rPr lang="zh-CN" altLang="en-US" dirty="0"/>
-              <a:t>介绍</a:t>
-            </a:r>
-            <a:r>
-              <a:rPr lang="en-US" altLang="zh-CN" dirty="0" err="1"/>
-              <a:t>npm</a:t>
-            </a:r>
-            <a:r>
-              <a:rPr lang="zh-CN" altLang="en-US" dirty="0"/>
-              <a:t>的</a:t>
-            </a:r>
-            <a:r>
-              <a:rPr lang="en-US" altLang="zh-CN" dirty="0" err="1"/>
-              <a:t>package.json</a:t>
-            </a:r>
+              <a:t>: </a:t>
+            </a:r>
+            <a:r>
+              <a:rPr lang="en-US" altLang="zh-CN" dirty="0"/>
+              <a:t>https://webpack.github.io/docs/context.html#critical-dependencies</a:t>
+            </a:r>
+          </a:p>
+          <a:p>
             <a:endParaRPr lang="zh-CN" altLang="en-US" dirty="0"/>
           </a:p>
         </p:txBody>
@@ -1878,7 +2073,7 @@
           <a:p>
             <a:fld id="{5596D80E-E838-4A36-A5AD-2029880C9AD3}" type="slidenum">
               <a:rPr lang="zh-CN" altLang="en-US" smtClean="0"/>
-              <a:t>34</a:t>
+              <a:t>30</a:t>
             </a:fld>
             <a:endParaRPr lang="zh-CN" altLang="en-US"/>
           </a:p>
@@ -1887,7 +2082,7 @@
     </p:spTree>
     <p:extLst>
       <p:ext uri="{BB962C8B-B14F-4D97-AF65-F5344CB8AC3E}">
-        <p14:creationId xmlns:p14="http://schemas.microsoft.com/office/powerpoint/2010/main" val="2416616150"/>
+        <p14:creationId xmlns:p14="http://schemas.microsoft.com/office/powerpoint/2010/main" val="1013908539"/>
       </p:ext>
     </p:extLst>
   </p:cSld>
@@ -6700,8 +6895,8 @@
           <a:lstStyle/>
           <a:p>
             <a:r>
-              <a:rPr lang="en-US" altLang="zh-CN" dirty="0" err="1"/>
-              <a:t>Webpack</a:t>
+              <a:rPr lang="en-US" altLang="zh-CN" dirty="0"/>
+              <a:t>Webpack2.0</a:t>
             </a:r>
             <a:r>
               <a:rPr lang="zh-CN" altLang="en-US" dirty="0"/>
@@ -6727,15 +6922,15 @@
           <a:p>
             <a:r>
               <a:rPr lang="en-US" altLang="zh-CN" dirty="0">
-                <a:hlinkClick r:id="rId2"/>
+                <a:hlinkClick r:id="rId3"/>
               </a:rPr>
-              <a:t>https://webpack.js.org/guides/get-started/</a:t>
+              <a:t>https://webpack.js.org/guides/webpack-and-typescript/</a:t>
             </a:r>
           </a:p>
           <a:p>
             <a:r>
               <a:rPr lang="en-US" altLang="zh-CN" dirty="0">
-                <a:hlinkClick r:id="rId2"/>
+                <a:hlinkClick r:id="rId3"/>
               </a:rPr>
               <a:t>http://webpack.github.io/docs/</a:t>
             </a:r>
@@ -6744,7 +6939,7 @@
           <a:p>
             <a:r>
               <a:rPr lang="en-US" altLang="zh-CN" dirty="0">
-                <a:hlinkClick r:id="rId3"/>
+                <a:hlinkClick r:id="rId4"/>
               </a:rPr>
               <a:t>http://webpackdoc.com/usage.html</a:t>
             </a:r>
@@ -7119,6 +7314,11 @@
               <a:rPr lang="zh-CN" altLang="en-US" dirty="0"/>
               <a:t>编译错误</a:t>
             </a:r>
+            <a:r>
+              <a:rPr lang="en-US" altLang="zh-CN" dirty="0"/>
+              <a:t>(1)</a:t>
+            </a:r>
+            <a:endParaRPr lang="zh-CN" altLang="en-US" dirty="0"/>
           </a:p>
         </p:txBody>
       </p:sp>
@@ -7382,6 +7582,117 @@
           <a:lstStyle/>
           <a:p>
             <a:r>
+              <a:rPr lang="en-US" altLang="zh-CN" dirty="0" err="1"/>
+              <a:t>Webpack</a:t>
+            </a:r>
+            <a:r>
+              <a:rPr lang="zh-CN" altLang="en-US" dirty="0"/>
+              <a:t>编译错误</a:t>
+            </a:r>
+            <a:r>
+              <a:rPr lang="en-US" altLang="zh-CN" dirty="0"/>
+              <a:t>(2)</a:t>
+            </a:r>
+            <a:endParaRPr lang="zh-CN" altLang="en-US" dirty="0"/>
+          </a:p>
+        </p:txBody>
+      </p:sp>
+      <p:pic>
+        <p:nvPicPr>
+          <p:cNvPr id="4" name="内容占位符 3"/>
+          <p:cNvPicPr>
+            <a:picLocks noGrp="1" noChangeAspect="1"/>
+          </p:cNvPicPr>
+          <p:nvPr>
+            <p:ph idx="1"/>
+          </p:nvPr>
+        </p:nvPicPr>
+        <p:blipFill>
+          <a:blip r:embed="rId3"/>
+          <a:stretch>
+            <a:fillRect/>
+          </a:stretch>
+        </p:blipFill>
+        <p:spPr>
+          <a:xfrm>
+            <a:off x="755576" y="1844824"/>
+            <a:ext cx="7144117" cy="1530429"/>
+          </a:xfrm>
+          <a:prstGeom prst="rect">
+            <a:avLst/>
+          </a:prstGeom>
+        </p:spPr>
+      </p:pic>
+      <p:pic>
+        <p:nvPicPr>
+          <p:cNvPr id="5" name="图片 4"/>
+          <p:cNvPicPr>
+            <a:picLocks noChangeAspect="1"/>
+          </p:cNvPicPr>
+          <p:nvPr/>
+        </p:nvPicPr>
+        <p:blipFill>
+          <a:blip r:embed="rId4"/>
+          <a:stretch>
+            <a:fillRect/>
+          </a:stretch>
+        </p:blipFill>
+        <p:spPr>
+          <a:xfrm>
+            <a:off x="755576" y="4221088"/>
+            <a:ext cx="5816899" cy="793791"/>
+          </a:xfrm>
+          <a:prstGeom prst="rect">
+            <a:avLst/>
+          </a:prstGeom>
+        </p:spPr>
+      </p:pic>
+    </p:spTree>
+    <p:extLst>
+      <p:ext uri="{BB962C8B-B14F-4D97-AF65-F5344CB8AC3E}">
+        <p14:creationId xmlns:p14="http://schemas.microsoft.com/office/powerpoint/2010/main" val="2431512669"/>
+      </p:ext>
+    </p:extLst>
+  </p:cSld>
+  <p:clrMapOvr>
+    <a:masterClrMapping/>
+  </p:clrMapOvr>
+</p:sld>
+</file>
+
+<file path=ppt/slides/slide31.xml><?xml version="1.0" encoding="utf-8"?>
+<p:sld xmlns:a="http://schemas.openxmlformats.org/drawingml/2006/main" xmlns:r="http://schemas.openxmlformats.org/officeDocument/2006/relationships" xmlns:p="http://schemas.openxmlformats.org/presentationml/2006/main">
+  <p:cSld>
+    <p:spTree>
+      <p:nvGrpSpPr>
+        <p:cNvPr id="1" name=""/>
+        <p:cNvGrpSpPr/>
+        <p:nvPr/>
+      </p:nvGrpSpPr>
+      <p:grpSpPr>
+        <a:xfrm>
+          <a:off x="0" y="0"/>
+          <a:ext cx="0" cy="0"/>
+          <a:chOff x="0" y="0"/>
+          <a:chExt cx="0" cy="0"/>
+        </a:xfrm>
+      </p:grpSpPr>
+      <p:sp>
+        <p:nvSpPr>
+          <p:cNvPr id="2" name="标题 1"/>
+          <p:cNvSpPr>
+            <a:spLocks noGrp="1"/>
+          </p:cNvSpPr>
+          <p:nvPr>
+            <p:ph type="title"/>
+          </p:nvPr>
+        </p:nvSpPr>
+        <p:spPr/>
+        <p:txBody>
+          <a:bodyPr/>
+          <a:lstStyle/>
+          <a:p>
+            <a:r>
               <a:rPr lang="zh-CN" altLang="en-US" dirty="0"/>
               <a:t>如何看</a:t>
             </a:r>
@@ -7428,7 +7739,7 @@
 </p:sld>
 </file>
 
-<file path=ppt/slides/slide31.xml><?xml version="1.0" encoding="utf-8"?>
+<file path=ppt/slides/slide32.xml><?xml version="1.0" encoding="utf-8"?>
 <p:sld xmlns:a="http://schemas.openxmlformats.org/drawingml/2006/main" xmlns:r="http://schemas.openxmlformats.org/officeDocument/2006/relationships" xmlns:p="http://schemas.openxmlformats.org/presentationml/2006/main">
   <p:cSld>
     <p:spTree>
@@ -7512,81 +7823,6 @@
 </p:sld>
 </file>
 
-<file path=ppt/slides/slide32.xml><?xml version="1.0" encoding="utf-8"?>
-<p:sld xmlns:a="http://schemas.openxmlformats.org/drawingml/2006/main" xmlns:r="http://schemas.openxmlformats.org/officeDocument/2006/relationships" xmlns:p="http://schemas.openxmlformats.org/presentationml/2006/main">
-  <p:cSld>
-    <p:spTree>
-      <p:nvGrpSpPr>
-        <p:cNvPr id="1" name=""/>
-        <p:cNvGrpSpPr/>
-        <p:nvPr/>
-      </p:nvGrpSpPr>
-      <p:grpSpPr>
-        <a:xfrm>
-          <a:off x="0" y="0"/>
-          <a:ext cx="0" cy="0"/>
-          <a:chOff x="0" y="0"/>
-          <a:chExt cx="0" cy="0"/>
-        </a:xfrm>
-      </p:grpSpPr>
-      <p:sp>
-        <p:nvSpPr>
-          <p:cNvPr id="2" name="标题 1"/>
-          <p:cNvSpPr>
-            <a:spLocks noGrp="1"/>
-          </p:cNvSpPr>
-          <p:nvPr>
-            <p:ph type="title"/>
-          </p:nvPr>
-        </p:nvSpPr>
-        <p:spPr/>
-        <p:txBody>
-          <a:bodyPr/>
-          <a:lstStyle/>
-          <a:p>
-            <a:r>
-              <a:rPr lang="en-US" altLang="zh-CN" dirty="0"/>
-              <a:t>AOT</a:t>
-            </a:r>
-            <a:r>
-              <a:rPr lang="zh-CN" altLang="en-US" dirty="0"/>
-              <a:t>模式</a:t>
-            </a:r>
-          </a:p>
-        </p:txBody>
-      </p:sp>
-      <p:sp>
-        <p:nvSpPr>
-          <p:cNvPr id="3" name="内容占位符 2"/>
-          <p:cNvSpPr>
-            <a:spLocks noGrp="1"/>
-          </p:cNvSpPr>
-          <p:nvPr>
-            <p:ph idx="1"/>
-          </p:nvPr>
-        </p:nvSpPr>
-        <p:spPr/>
-        <p:txBody>
-          <a:bodyPr/>
-          <a:lstStyle/>
-          <a:p>
-            <a:endParaRPr lang="zh-CN" altLang="en-US"/>
-          </a:p>
-        </p:txBody>
-      </p:sp>
-    </p:spTree>
-    <p:extLst>
-      <p:ext uri="{BB962C8B-B14F-4D97-AF65-F5344CB8AC3E}">
-        <p14:creationId xmlns:p14="http://schemas.microsoft.com/office/powerpoint/2010/main" val="1591564055"/>
-      </p:ext>
-    </p:extLst>
-  </p:cSld>
-  <p:clrMapOvr>
-    <a:masterClrMapping/>
-  </p:clrMapOvr>
-</p:sld>
-</file>
-
 <file path=ppt/slides/slide33.xml><?xml version="1.0" encoding="utf-8"?>
 <p:sld xmlns:a="http://schemas.openxmlformats.org/drawingml/2006/main" xmlns:r="http://schemas.openxmlformats.org/officeDocument/2006/relationships" xmlns:p="http://schemas.openxmlformats.org/presentationml/2006/main">
   <p:cSld>
@@ -7620,6 +7856,81 @@
           <a:lstStyle/>
           <a:p>
             <a:r>
+              <a:rPr lang="en-US" altLang="zh-CN" dirty="0"/>
+              <a:t>AOT</a:t>
+            </a:r>
+            <a:r>
+              <a:rPr lang="zh-CN" altLang="en-US" dirty="0"/>
+              <a:t>模式</a:t>
+            </a:r>
+          </a:p>
+        </p:txBody>
+      </p:sp>
+      <p:sp>
+        <p:nvSpPr>
+          <p:cNvPr id="3" name="内容占位符 2"/>
+          <p:cNvSpPr>
+            <a:spLocks noGrp="1"/>
+          </p:cNvSpPr>
+          <p:nvPr>
+            <p:ph idx="1"/>
+          </p:nvPr>
+        </p:nvSpPr>
+        <p:spPr/>
+        <p:txBody>
+          <a:bodyPr/>
+          <a:lstStyle/>
+          <a:p>
+            <a:endParaRPr lang="zh-CN" altLang="en-US"/>
+          </a:p>
+        </p:txBody>
+      </p:sp>
+    </p:spTree>
+    <p:extLst>
+      <p:ext uri="{BB962C8B-B14F-4D97-AF65-F5344CB8AC3E}">
+        <p14:creationId xmlns:p14="http://schemas.microsoft.com/office/powerpoint/2010/main" val="1591564055"/>
+      </p:ext>
+    </p:extLst>
+  </p:cSld>
+  <p:clrMapOvr>
+    <a:masterClrMapping/>
+  </p:clrMapOvr>
+</p:sld>
+</file>
+
+<file path=ppt/slides/slide34.xml><?xml version="1.0" encoding="utf-8"?>
+<p:sld xmlns:a="http://schemas.openxmlformats.org/drawingml/2006/main" xmlns:r="http://schemas.openxmlformats.org/officeDocument/2006/relationships" xmlns:p="http://schemas.openxmlformats.org/presentationml/2006/main">
+  <p:cSld>
+    <p:spTree>
+      <p:nvGrpSpPr>
+        <p:cNvPr id="1" name=""/>
+        <p:cNvGrpSpPr/>
+        <p:nvPr/>
+      </p:nvGrpSpPr>
+      <p:grpSpPr>
+        <a:xfrm>
+          <a:off x="0" y="0"/>
+          <a:ext cx="0" cy="0"/>
+          <a:chOff x="0" y="0"/>
+          <a:chExt cx="0" cy="0"/>
+        </a:xfrm>
+      </p:grpSpPr>
+      <p:sp>
+        <p:nvSpPr>
+          <p:cNvPr id="2" name="标题 1"/>
+          <p:cNvSpPr>
+            <a:spLocks noGrp="1"/>
+          </p:cNvSpPr>
+          <p:nvPr>
+            <p:ph type="title"/>
+          </p:nvPr>
+        </p:nvSpPr>
+        <p:spPr/>
+        <p:txBody>
+          <a:bodyPr/>
+          <a:lstStyle/>
+          <a:p>
+            <a:r>
               <a:rPr lang="zh-CN" altLang="en-US" dirty="0"/>
               <a:t>实现前端模块加载器</a:t>
             </a:r>
@@ -7667,7 +7978,7 @@
 </p:sld>
 </file>
 
-<file path=ppt/slides/slide34.xml><?xml version="1.0" encoding="utf-8"?>
+<file path=ppt/slides/slide35.xml><?xml version="1.0" encoding="utf-8"?>
 <p:sld xmlns:a="http://schemas.openxmlformats.org/drawingml/2006/main" xmlns:r="http://schemas.openxmlformats.org/officeDocument/2006/relationships" xmlns:p="http://schemas.openxmlformats.org/presentationml/2006/main">
   <p:cSld>
     <p:spTree>
@@ -7819,95 +8130,6 @@
 </p:sld>
 </file>
 
-<file path=ppt/slides/slide35.xml><?xml version="1.0" encoding="utf-8"?>
-<p:sld xmlns:a="http://schemas.openxmlformats.org/drawingml/2006/main" xmlns:r="http://schemas.openxmlformats.org/officeDocument/2006/relationships" xmlns:p="http://schemas.openxmlformats.org/presentationml/2006/main">
-  <p:cSld>
-    <p:spTree>
-      <p:nvGrpSpPr>
-        <p:cNvPr id="1" name=""/>
-        <p:cNvGrpSpPr/>
-        <p:nvPr/>
-      </p:nvGrpSpPr>
-      <p:grpSpPr>
-        <a:xfrm>
-          <a:off x="0" y="0"/>
-          <a:ext cx="0" cy="0"/>
-          <a:chOff x="0" y="0"/>
-          <a:chExt cx="0" cy="0"/>
-        </a:xfrm>
-      </p:grpSpPr>
-      <p:sp>
-        <p:nvSpPr>
-          <p:cNvPr id="2" name="标题 1"/>
-          <p:cNvSpPr>
-            <a:spLocks noGrp="1"/>
-          </p:cNvSpPr>
-          <p:nvPr>
-            <p:ph type="title"/>
-          </p:nvPr>
-        </p:nvSpPr>
-        <p:spPr/>
-        <p:txBody>
-          <a:bodyPr/>
-          <a:lstStyle/>
-          <a:p>
-            <a:r>
-              <a:rPr lang="zh-CN" altLang="en-US" dirty="0"/>
-              <a:t>应用启动器</a:t>
-            </a:r>
-          </a:p>
-        </p:txBody>
-      </p:sp>
-      <p:sp>
-        <p:nvSpPr>
-          <p:cNvPr id="3" name="内容占位符 2"/>
-          <p:cNvSpPr>
-            <a:spLocks noGrp="1"/>
-          </p:cNvSpPr>
-          <p:nvPr>
-            <p:ph idx="1"/>
-          </p:nvPr>
-        </p:nvSpPr>
-        <p:spPr/>
-        <p:txBody>
-          <a:bodyPr/>
-          <a:lstStyle/>
-          <a:p>
-            <a:r>
-              <a:rPr lang="en-US" altLang="zh-CN" dirty="0" err="1"/>
-              <a:t>SystemJS</a:t>
-            </a:r>
-            <a:r>
-              <a:rPr lang="zh-CN" altLang="en-US" dirty="0"/>
-              <a:t>时，如何启动应用程序</a:t>
-            </a:r>
-            <a:endParaRPr lang="en-US" altLang="zh-CN" dirty="0"/>
-          </a:p>
-          <a:p>
-            <a:r>
-              <a:rPr lang="en-US" altLang="zh-CN" dirty="0" err="1"/>
-              <a:t>WebPack</a:t>
-            </a:r>
-            <a:r>
-              <a:rPr lang="zh-CN" altLang="en-US" dirty="0"/>
-              <a:t>启动器</a:t>
-            </a:r>
-          </a:p>
-        </p:txBody>
-      </p:sp>
-    </p:spTree>
-    <p:extLst>
-      <p:ext uri="{BB962C8B-B14F-4D97-AF65-F5344CB8AC3E}">
-        <p14:creationId xmlns:p14="http://schemas.microsoft.com/office/powerpoint/2010/main" val="4065519204"/>
-      </p:ext>
-    </p:extLst>
-  </p:cSld>
-  <p:clrMapOvr>
-    <a:masterClrMapping/>
-  </p:clrMapOvr>
-</p:sld>
-</file>
-
 <file path=ppt/slides/slide36.xml><?xml version="1.0" encoding="utf-8"?>
 <p:sld xmlns:a="http://schemas.openxmlformats.org/drawingml/2006/main" xmlns:r="http://schemas.openxmlformats.org/officeDocument/2006/relationships" xmlns:p="http://schemas.openxmlformats.org/presentationml/2006/main">
   <p:cSld>
@@ -7941,10 +8163,9 @@
           <a:lstStyle/>
           <a:p>
             <a:r>
-              <a:rPr lang="en-US" altLang="zh-CN" dirty="0"/>
-              <a:t>setting-up-angular-2-with-webpack</a:t>
-            </a:r>
-            <a:endParaRPr lang="zh-CN" altLang="en-US" dirty="0"/>
+              <a:rPr lang="zh-CN" altLang="en-US" dirty="0"/>
+              <a:t>应用启动器</a:t>
+            </a:r>
           </a:p>
         </p:txBody>
       </p:sp>
@@ -7964,31 +8185,31 @@
           <a:lstStyle/>
           <a:p>
             <a:r>
-              <a:rPr lang="en-US" altLang="zh-CN" dirty="0">
-                <a:hlinkClick r:id="rId2"/>
-              </a:rPr>
-              <a:t>http://semaphoreci.com/community/tutorials/setting-up-angular-2-with-webpack</a:t>
+              <a:rPr lang="en-US" altLang="zh-CN" dirty="0" err="1"/>
+              <a:t>SystemJS</a:t>
+            </a:r>
+            <a:r>
+              <a:rPr lang="zh-CN" altLang="en-US" dirty="0"/>
+              <a:t>时，如何启动应用程序</a:t>
             </a:r>
             <a:endParaRPr lang="en-US" altLang="zh-CN" dirty="0"/>
           </a:p>
           <a:p>
             <a:r>
-              <a:rPr lang="en-US" altLang="zh-CN" dirty="0">
-                <a:hlinkClick r:id="rId3"/>
-              </a:rPr>
-              <a:t>http://www.eloquentwebapp.com/setting-angular-2-environment-using-typescript-npm-webpack/</a:t>
-            </a:r>
-            <a:endParaRPr lang="en-US" altLang="zh-CN" dirty="0"/>
-          </a:p>
-          <a:p>
-            <a:endParaRPr lang="zh-CN" altLang="en-US" dirty="0"/>
+              <a:rPr lang="en-US" altLang="zh-CN" dirty="0" err="1"/>
+              <a:t>WebPack</a:t>
+            </a:r>
+            <a:r>
+              <a:rPr lang="zh-CN" altLang="en-US" dirty="0"/>
+              <a:t>启动器</a:t>
+            </a:r>
           </a:p>
         </p:txBody>
       </p:sp>
     </p:spTree>
     <p:extLst>
       <p:ext uri="{BB962C8B-B14F-4D97-AF65-F5344CB8AC3E}">
-        <p14:creationId xmlns:p14="http://schemas.microsoft.com/office/powerpoint/2010/main" val="3068746039"/>
+        <p14:creationId xmlns:p14="http://schemas.microsoft.com/office/powerpoint/2010/main" val="4065519204"/>
       </p:ext>
     </p:extLst>
   </p:cSld>
@@ -8031,21 +8252,10 @@
           <a:lstStyle/>
           <a:p>
             <a:r>
-              <a:rPr lang="en-US" altLang="zh-CN" dirty="0" err="1"/>
-              <a:t>Webpack</a:t>
-            </a:r>
-            <a:r>
-              <a:rPr lang="zh-CN" altLang="en-US" dirty="0"/>
-              <a:t>多</a:t>
-            </a:r>
-            <a:r>
               <a:rPr lang="en-US" altLang="zh-CN" dirty="0"/>
-              <a:t>entry</a:t>
-            </a:r>
-            <a:r>
-              <a:rPr lang="zh-CN" altLang="en-US" dirty="0"/>
-              <a:t>时加载顺序</a:t>
-            </a:r>
+              <a:t>setting-up-angular-2-with-webpack</a:t>
+            </a:r>
+            <a:endParaRPr lang="zh-CN" altLang="en-US" dirty="0"/>
           </a:p>
         </p:txBody>
       </p:sp>
@@ -8064,14 +8274,32 @@
           <a:bodyPr/>
           <a:lstStyle/>
           <a:p>
-            <a:endParaRPr lang="zh-CN" altLang="en-US"/>
+            <a:r>
+              <a:rPr lang="en-US" altLang="zh-CN" dirty="0">
+                <a:hlinkClick r:id="rId2"/>
+              </a:rPr>
+              <a:t>http://semaphoreci.com/community/tutorials/setting-up-angular-2-with-webpack</a:t>
+            </a:r>
+            <a:endParaRPr lang="en-US" altLang="zh-CN" dirty="0"/>
+          </a:p>
+          <a:p>
+            <a:r>
+              <a:rPr lang="en-US" altLang="zh-CN" dirty="0">
+                <a:hlinkClick r:id="rId3"/>
+              </a:rPr>
+              <a:t>http://www.eloquentwebapp.com/setting-angular-2-environment-using-typescript-npm-webpack/</a:t>
+            </a:r>
+            <a:endParaRPr lang="en-US" altLang="zh-CN" dirty="0"/>
+          </a:p>
+          <a:p>
+            <a:endParaRPr lang="zh-CN" altLang="en-US" dirty="0"/>
           </a:p>
         </p:txBody>
       </p:sp>
     </p:spTree>
     <p:extLst>
       <p:ext uri="{BB962C8B-B14F-4D97-AF65-F5344CB8AC3E}">
-        <p14:creationId xmlns:p14="http://schemas.microsoft.com/office/powerpoint/2010/main" val="3082408358"/>
+        <p14:creationId xmlns:p14="http://schemas.microsoft.com/office/powerpoint/2010/main" val="3068746039"/>
       </p:ext>
     </p:extLst>
   </p:cSld>
@@ -8110,9 +8338,7 @@
         </p:nvSpPr>
         <p:spPr/>
         <p:txBody>
-          <a:bodyPr>
-            <a:normAutofit fontScale="90000"/>
-          </a:bodyPr>
+          <a:bodyPr/>
           <a:lstStyle/>
           <a:p>
             <a:r>
@@ -8121,23 +8347,15 @@
             </a:r>
             <a:r>
               <a:rPr lang="zh-CN" altLang="en-US" dirty="0"/>
-              <a:t>中</a:t>
+              <a:t>多</a:t>
             </a:r>
             <a:r>
               <a:rPr lang="en-US" altLang="zh-CN" dirty="0"/>
-              <a:t>loader</a:t>
-            </a:r>
-            <a:r>
-              <a:rPr lang="zh-CN" altLang="en-US" dirty="0"/>
-              <a:t>很多，什么时候用什么</a:t>
-            </a:r>
-            <a:r>
-              <a:rPr lang="en-US" altLang="zh-CN" dirty="0"/>
-              <a:t>Loader</a:t>
-            </a:r>
-            <a:r>
-              <a:rPr lang="zh-CN" altLang="en-US" dirty="0"/>
-              <a:t>依据是什么</a:t>
+              <a:t>entry</a:t>
+            </a:r>
+            <a:r>
+              <a:rPr lang="zh-CN" altLang="en-US" dirty="0"/>
+              <a:t>时加载顺序</a:t>
             </a:r>
           </a:p>
         </p:txBody>
@@ -8157,65 +8375,14 @@
           <a:bodyPr/>
           <a:lstStyle/>
           <a:p>
-            <a:r>
-              <a:rPr lang="zh-CN" altLang="en-US" dirty="0"/>
-              <a:t>使用</a:t>
-            </a:r>
-            <a:r>
-              <a:rPr lang="en-US" altLang="zh-CN" dirty="0"/>
-              <a:t>loader</a:t>
-            </a:r>
-            <a:r>
-              <a:rPr lang="zh-CN" altLang="en-US" dirty="0"/>
-              <a:t>依据</a:t>
-            </a:r>
-            <a:r>
-              <a:rPr lang="en-US" altLang="zh-CN" dirty="0"/>
-              <a:t>import</a:t>
-            </a:r>
-            <a:r>
-              <a:rPr lang="zh-CN" altLang="en-US" dirty="0"/>
-              <a:t>中的文件类型，比如需要</a:t>
-            </a:r>
-            <a:r>
-              <a:rPr lang="en-US" altLang="zh-CN" dirty="0"/>
-              <a:t>import</a:t>
-            </a:r>
-            <a:r>
-              <a:rPr lang="zh-CN" altLang="en-US" dirty="0"/>
-              <a:t>的是</a:t>
-            </a:r>
-            <a:r>
-              <a:rPr lang="en-US" altLang="zh-CN" dirty="0" err="1"/>
-              <a:t>ts</a:t>
-            </a:r>
-            <a:r>
-              <a:rPr lang="zh-CN" altLang="en-US" dirty="0"/>
-              <a:t>类型的文体，那就需要</a:t>
-            </a:r>
-            <a:r>
-              <a:rPr lang="en-US" altLang="zh-CN" dirty="0" err="1"/>
-              <a:t>ts</a:t>
-            </a:r>
-            <a:r>
-              <a:rPr lang="zh-CN" altLang="en-US" dirty="0"/>
-              <a:t>对应的加载器，同时这些加载器还有自动编译成</a:t>
-            </a:r>
-            <a:r>
-              <a:rPr lang="en-US" altLang="zh-CN" dirty="0" err="1"/>
-              <a:t>js</a:t>
-            </a:r>
-            <a:r>
-              <a:rPr lang="zh-CN" altLang="en-US" dirty="0"/>
-              <a:t>文件的功能</a:t>
-            </a:r>
+            <a:endParaRPr lang="zh-CN" altLang="en-US"/>
           </a:p>
         </p:txBody>
       </p:sp>
     </p:spTree>
     <p:extLst>
       <p:ext uri="{BB962C8B-B14F-4D97-AF65-F5344CB8AC3E}">
-        <p14:creationId xmlns:p14="http://schemas.microsoft.com/office/powerpoint/2010/main" val="334785815"/>
+        <p14:creationId xmlns:p14="http://schemas.microsoft.com/office/powerpoint/2010/main" val="3082408358"/>
       </p:ext>
     </p:extLst>
   </p:cSld>
@@ -8254,7 +8421,9 @@
         </p:nvSpPr>
         <p:spPr/>
         <p:txBody>
-          <a:bodyPr/>
+          <a:bodyPr>
+            <a:normAutofit fontScale="90000"/>
+          </a:bodyPr>
           <a:lstStyle/>
           <a:p>
             <a:r>
@@ -8263,7 +8432,23 @@
             </a:r>
             <a:r>
               <a:rPr lang="zh-CN" altLang="en-US" dirty="0"/>
-              <a:t>编译的项目如何调试</a:t>
+              <a:t>中</a:t>
+            </a:r>
+            <a:r>
+              <a:rPr lang="en-US" altLang="zh-CN" dirty="0"/>
+              <a:t>loader</a:t>
+            </a:r>
+            <a:r>
+              <a:rPr lang="zh-CN" altLang="en-US" dirty="0"/>
+              <a:t>很多，什么时候用什么</a:t>
+            </a:r>
+            <a:r>
+              <a:rPr lang="en-US" altLang="zh-CN" dirty="0"/>
+              <a:t>Loader</a:t>
+            </a:r>
+            <a:r>
+              <a:rPr lang="zh-CN" altLang="en-US" dirty="0"/>
+              <a:t>依据是什么</a:t>
             </a:r>
           </a:p>
         </p:txBody>
@@ -8283,14 +8468,65 @@
           <a:bodyPr/>
           <a:lstStyle/>
           <a:p>
-            <a:endParaRPr lang="zh-CN" altLang="en-US" dirty="0"/>
+            <a:r>
+              <a:rPr lang="zh-CN" altLang="en-US" dirty="0"/>
+              <a:t>使用</a:t>
+            </a:r>
+            <a:r>
+              <a:rPr lang="en-US" altLang="zh-CN" dirty="0"/>
+              <a:t>loader</a:t>
+            </a:r>
+            <a:r>
+              <a:rPr lang="zh-CN" altLang="en-US" dirty="0"/>
+              <a:t>依据</a:t>
+            </a:r>
+            <a:r>
+              <a:rPr lang="en-US" altLang="zh-CN" dirty="0"/>
+              <a:t>import</a:t>
+            </a:r>
+            <a:r>
+              <a:rPr lang="zh-CN" altLang="en-US" dirty="0"/>
+              <a:t>中的文件类型，比如需要</a:t>
+            </a:r>
+            <a:r>
+              <a:rPr lang="en-US" altLang="zh-CN" dirty="0"/>
+              <a:t>import</a:t>
+            </a:r>
+            <a:r>
+              <a:rPr lang="zh-CN" altLang="en-US" dirty="0"/>
+              <a:t>的是</a:t>
+            </a:r>
+            <a:r>
+              <a:rPr lang="en-US" altLang="zh-CN" dirty="0" err="1"/>
+              <a:t>ts</a:t>
+            </a:r>
+            <a:r>
+              <a:rPr lang="zh-CN" altLang="en-US" dirty="0"/>
+              <a:t>类型的文体，那就需要</a:t>
+            </a:r>
+            <a:r>
+              <a:rPr lang="en-US" altLang="zh-CN" dirty="0" err="1"/>
+              <a:t>ts</a:t>
+            </a:r>
+            <a:r>
+              <a:rPr lang="zh-CN" altLang="en-US" dirty="0"/>
+              <a:t>对应的加载器，同时这些加载器还有自动编译成</a:t>
+            </a:r>
+            <a:r>
+              <a:rPr lang="en-US" altLang="zh-CN" dirty="0" err="1"/>
+              <a:t>js</a:t>
+            </a:r>
+            <a:r>
+              <a:rPr lang="zh-CN" altLang="en-US" dirty="0"/>
+              <a:t>文件的功能</a:t>
+            </a:r>
           </a:p>
         </p:txBody>
       </p:sp>
     </p:spTree>
     <p:extLst>
       <p:ext uri="{BB962C8B-B14F-4D97-AF65-F5344CB8AC3E}">
-        <p14:creationId xmlns:p14="http://schemas.microsoft.com/office/powerpoint/2010/main" val="2950552554"/>
+        <p14:creationId xmlns:p14="http://schemas.microsoft.com/office/powerpoint/2010/main" val="334785815"/>
       </p:ext>
     </p:extLst>
   </p:cSld>
@@ -8435,15 +8671,7 @@
             </a:r>
             <a:r>
               <a:rPr lang="zh-CN" altLang="en-US" dirty="0"/>
-              <a:t>和</a:t>
-            </a:r>
-            <a:r>
-              <a:rPr lang="en-US" altLang="zh-CN" dirty="0" err="1"/>
-              <a:t>systemjs</a:t>
-            </a:r>
-            <a:r>
-              <a:rPr lang="zh-CN" altLang="en-US" dirty="0"/>
-              <a:t>的优劣</a:t>
+              <a:t>编译的项目如何调试</a:t>
             </a:r>
           </a:p>
         </p:txBody>
@@ -8462,6 +8690,15 @@
         <p:txBody>
           <a:bodyPr/>
           <a:lstStyle/>
+          <a:p>
+            <a:r>
+              <a:rPr lang="en-US" altLang="zh-CN" dirty="0">
+                <a:hlinkClick r:id="rId2"/>
+              </a:rPr>
+              <a:t>https://webpack.js.org/configuration/devtool/</a:t>
+            </a:r>
+            <a:endParaRPr lang="en-US" altLang="zh-CN" dirty="0"/>
+          </a:p>
           <a:p>
             <a:endParaRPr lang="zh-CN" altLang="en-US" dirty="0"/>
           </a:p>
@@ -8470,7 +8707,7 @@
     </p:spTree>
     <p:extLst>
       <p:ext uri="{BB962C8B-B14F-4D97-AF65-F5344CB8AC3E}">
-        <p14:creationId xmlns:p14="http://schemas.microsoft.com/office/powerpoint/2010/main" val="3094030245"/>
+        <p14:creationId xmlns:p14="http://schemas.microsoft.com/office/powerpoint/2010/main" val="2950552554"/>
       </p:ext>
     </p:extLst>
   </p:cSld>
@@ -8509,6 +8746,89 @@
         </p:nvSpPr>
         <p:spPr/>
         <p:txBody>
+          <a:bodyPr/>
+          <a:lstStyle/>
+          <a:p>
+            <a:r>
+              <a:rPr lang="en-US" altLang="zh-CN" dirty="0" err="1"/>
+              <a:t>Webpack</a:t>
+            </a:r>
+            <a:r>
+              <a:rPr lang="zh-CN" altLang="en-US" dirty="0"/>
+              <a:t>和</a:t>
+            </a:r>
+            <a:r>
+              <a:rPr lang="en-US" altLang="zh-CN" dirty="0" err="1"/>
+              <a:t>systemjs</a:t>
+            </a:r>
+            <a:r>
+              <a:rPr lang="zh-CN" altLang="en-US" dirty="0"/>
+              <a:t>的优劣</a:t>
+            </a:r>
+          </a:p>
+        </p:txBody>
+      </p:sp>
+      <p:sp>
+        <p:nvSpPr>
+          <p:cNvPr id="3" name="内容占位符 2"/>
+          <p:cNvSpPr>
+            <a:spLocks noGrp="1"/>
+          </p:cNvSpPr>
+          <p:nvPr>
+            <p:ph idx="1"/>
+          </p:nvPr>
+        </p:nvSpPr>
+        <p:spPr/>
+        <p:txBody>
+          <a:bodyPr/>
+          <a:lstStyle/>
+          <a:p>
+            <a:endParaRPr lang="zh-CN" altLang="en-US" dirty="0"/>
+          </a:p>
+        </p:txBody>
+      </p:sp>
+    </p:spTree>
+    <p:extLst>
+      <p:ext uri="{BB962C8B-B14F-4D97-AF65-F5344CB8AC3E}">
+        <p14:creationId xmlns:p14="http://schemas.microsoft.com/office/powerpoint/2010/main" val="3094030245"/>
+      </p:ext>
+    </p:extLst>
+  </p:cSld>
+  <p:clrMapOvr>
+    <a:masterClrMapping/>
+  </p:clrMapOvr>
+</p:sld>
+</file>
+
+<file path=ppt/slides/slide42.xml><?xml version="1.0" encoding="utf-8"?>
+<p:sld xmlns:a="http://schemas.openxmlformats.org/drawingml/2006/main" xmlns:r="http://schemas.openxmlformats.org/officeDocument/2006/relationships" xmlns:p="http://schemas.openxmlformats.org/presentationml/2006/main">
+  <p:cSld>
+    <p:spTree>
+      <p:nvGrpSpPr>
+        <p:cNvPr id="1" name=""/>
+        <p:cNvGrpSpPr/>
+        <p:nvPr/>
+      </p:nvGrpSpPr>
+      <p:grpSpPr>
+        <a:xfrm>
+          <a:off x="0" y="0"/>
+          <a:ext cx="0" cy="0"/>
+          <a:chOff x="0" y="0"/>
+          <a:chExt cx="0" cy="0"/>
+        </a:xfrm>
+      </p:grpSpPr>
+      <p:sp>
+        <p:nvSpPr>
+          <p:cNvPr id="2" name="标题 1"/>
+          <p:cNvSpPr>
+            <a:spLocks noGrp="1"/>
+          </p:cNvSpPr>
+          <p:nvPr>
+            <p:ph type="title"/>
+          </p:nvPr>
+        </p:nvSpPr>
+        <p:spPr/>
+        <p:txBody>
           <a:bodyPr>
             <a:normAutofit fontScale="90000"/>
           </a:bodyPr>
@@ -8620,7 +8940,98 @@
 </p:sld>
 </file>
 
-<file path=ppt/slides/slide42.xml><?xml version="1.0" encoding="utf-8"?>
+<file path=ppt/slides/slide43.xml><?xml version="1.0" encoding="utf-8"?>
+<p:sld xmlns:a="http://schemas.openxmlformats.org/drawingml/2006/main" xmlns:r="http://schemas.openxmlformats.org/officeDocument/2006/relationships" xmlns:p="http://schemas.openxmlformats.org/presentationml/2006/main">
+  <p:cSld>
+    <p:spTree>
+      <p:nvGrpSpPr>
+        <p:cNvPr id="1" name=""/>
+        <p:cNvGrpSpPr/>
+        <p:nvPr/>
+      </p:nvGrpSpPr>
+      <p:grpSpPr>
+        <a:xfrm>
+          <a:off x="0" y="0"/>
+          <a:ext cx="0" cy="0"/>
+          <a:chOff x="0" y="0"/>
+          <a:chExt cx="0" cy="0"/>
+        </a:xfrm>
+      </p:grpSpPr>
+      <p:sp>
+        <p:nvSpPr>
+          <p:cNvPr id="2" name="标题 1"/>
+          <p:cNvSpPr>
+            <a:spLocks noGrp="1"/>
+          </p:cNvSpPr>
+          <p:nvPr>
+            <p:ph type="title"/>
+          </p:nvPr>
+        </p:nvSpPr>
+        <p:spPr/>
+        <p:txBody>
+          <a:bodyPr/>
+          <a:lstStyle/>
+          <a:p>
+            <a:r>
+              <a:rPr lang="en-US" altLang="zh-CN" dirty="0"/>
+              <a:t>SASS</a:t>
+            </a:r>
+            <a:endParaRPr lang="zh-CN" altLang="en-US" dirty="0"/>
+          </a:p>
+        </p:txBody>
+      </p:sp>
+      <p:sp>
+        <p:nvSpPr>
+          <p:cNvPr id="3" name="内容占位符 2"/>
+          <p:cNvSpPr>
+            <a:spLocks noGrp="1"/>
+          </p:cNvSpPr>
+          <p:nvPr>
+            <p:ph idx="1"/>
+          </p:nvPr>
+        </p:nvSpPr>
+        <p:spPr/>
+        <p:txBody>
+          <a:bodyPr/>
+          <a:lstStyle/>
+          <a:p>
+            <a:r>
+              <a:rPr lang="zh-CN" altLang="en-US" dirty="0"/>
+              <a:t>模块导入语法 </a:t>
+            </a:r>
+            <a:r>
+              <a:rPr lang="en-US" altLang="zh-CN" dirty="0"/>
+              <a:t>:@import ‘~</a:t>
+            </a:r>
+            <a:r>
+              <a:rPr lang="zh-CN" altLang="en-US" dirty="0"/>
+              <a:t>目录名</a:t>
+            </a:r>
+            <a:r>
+              <a:rPr lang="en-US" altLang="zh-CN" dirty="0"/>
+              <a:t>’ //</a:t>
+            </a:r>
+            <a:r>
+              <a:rPr lang="zh-CN" altLang="en-US" dirty="0"/>
+              <a:t>表示导入目录</a:t>
+            </a:r>
+          </a:p>
+        </p:txBody>
+      </p:sp>
+    </p:spTree>
+    <p:extLst>
+      <p:ext uri="{BB962C8B-B14F-4D97-AF65-F5344CB8AC3E}">
+        <p14:creationId xmlns:p14="http://schemas.microsoft.com/office/powerpoint/2010/main" val="2929926987"/>
+      </p:ext>
+    </p:extLst>
+  </p:cSld>
+  <p:clrMapOvr>
+    <a:masterClrMapping/>
+  </p:clrMapOvr>
+</p:sld>
+</file>
+
+<file path=ppt/slides/slide44.xml><?xml version="1.0" encoding="utf-8"?>
 <p:sld xmlns:a="http://schemas.openxmlformats.org/drawingml/2006/main" xmlns:r="http://schemas.openxmlformats.org/officeDocument/2006/relationships" xmlns:p="http://schemas.openxmlformats.org/presentationml/2006/main">
   <p:cSld>
     <p:spTree>

--- a/files/Angular2.pptx
+++ b/files/Angular2.pptx
@@ -5,7 +5,7 @@
     <p:sldMasterId id="2147483648" r:id="rId1"/>
   </p:sldMasterIdLst>
   <p:notesMasterIdLst>
-    <p:notesMasterId r:id="rId46"/>
+    <p:notesMasterId r:id="rId47"/>
   </p:notesMasterIdLst>
   <p:sldIdLst>
     <p:sldId id="257" r:id="rId2"/>
@@ -52,6 +52,7 @@
     <p:sldId id="298" r:id="rId43"/>
     <p:sldId id="300" r:id="rId44"/>
     <p:sldId id="278" r:id="rId45"/>
+    <p:sldId id="302" r:id="rId46"/>
   </p:sldIdLst>
   <p:sldSz cx="9144000" cy="6858000" type="screen4x3"/>
   <p:notesSz cx="6858000" cy="9144000"/>
@@ -251,7 +252,7 @@
           <a:p>
             <a:fld id="{AD1DCDFA-BF87-4C21-B8FF-C7D869EA008A}" type="datetimeFigureOut">
               <a:rPr lang="zh-CN" altLang="en-US" smtClean="0"/>
-              <a:t>2017/3/18</a:t>
+              <a:t>2017/3/19</a:t>
             </a:fld>
             <a:endParaRPr lang="zh-CN" altLang="en-US"/>
           </a:p>
@@ -2044,11 +2045,7 @@
             </a:r>
             <a:r>
               <a:rPr lang="en-US" altLang="zh-CN" dirty="0"/>
-              <a:t>: </a:t>
-            </a:r>
-            <a:r>
-              <a:rPr lang="en-US" altLang="zh-CN" dirty="0"/>
-              <a:t>https://webpack.github.io/docs/context.html#critical-dependencies</a:t>
+              <a:t>: https://webpack.github.io/docs/context.html#critical-dependencies</a:t>
             </a:r>
           </a:p>
           <a:p>
@@ -2271,7 +2268,7 @@
           <a:p>
             <a:fld id="{530820CF-B880-4189-942D-D702A7CBA730}" type="datetimeFigureOut">
               <a:rPr lang="zh-CN" altLang="en-US" smtClean="0"/>
-              <a:t>2017/3/18</a:t>
+              <a:t>2017/3/19</a:t>
             </a:fld>
             <a:endParaRPr lang="zh-CN" altLang="en-US"/>
           </a:p>
@@ -2434,7 +2431,7 @@
           <a:p>
             <a:fld id="{530820CF-B880-4189-942D-D702A7CBA730}" type="datetimeFigureOut">
               <a:rPr lang="zh-CN" altLang="en-US" smtClean="0"/>
-              <a:t>2017/3/18</a:t>
+              <a:t>2017/3/19</a:t>
             </a:fld>
             <a:endParaRPr lang="zh-CN" altLang="en-US"/>
           </a:p>
@@ -2607,7 +2604,7 @@
           <a:p>
             <a:fld id="{530820CF-B880-4189-942D-D702A7CBA730}" type="datetimeFigureOut">
               <a:rPr lang="zh-CN" altLang="en-US" smtClean="0"/>
-              <a:t>2017/3/18</a:t>
+              <a:t>2017/3/19</a:t>
             </a:fld>
             <a:endParaRPr lang="zh-CN" altLang="en-US"/>
           </a:p>
@@ -2770,7 +2767,7 @@
           <a:p>
             <a:fld id="{530820CF-B880-4189-942D-D702A7CBA730}" type="datetimeFigureOut">
               <a:rPr lang="zh-CN" altLang="en-US" smtClean="0"/>
-              <a:t>2017/3/18</a:t>
+              <a:t>2017/3/19</a:t>
             </a:fld>
             <a:endParaRPr lang="zh-CN" altLang="en-US"/>
           </a:p>
@@ -3010,7 +3007,7 @@
           <a:p>
             <a:fld id="{530820CF-B880-4189-942D-D702A7CBA730}" type="datetimeFigureOut">
               <a:rPr lang="zh-CN" altLang="en-US" smtClean="0"/>
-              <a:t>2017/3/18</a:t>
+              <a:t>2017/3/19</a:t>
             </a:fld>
             <a:endParaRPr lang="zh-CN" altLang="en-US"/>
           </a:p>
@@ -3290,7 +3287,7 @@
           <a:p>
             <a:fld id="{530820CF-B880-4189-942D-D702A7CBA730}" type="datetimeFigureOut">
               <a:rPr lang="zh-CN" altLang="en-US" smtClean="0"/>
-              <a:t>2017/3/18</a:t>
+              <a:t>2017/3/19</a:t>
             </a:fld>
             <a:endParaRPr lang="zh-CN" altLang="en-US"/>
           </a:p>
@@ -3704,7 +3701,7 @@
           <a:p>
             <a:fld id="{530820CF-B880-4189-942D-D702A7CBA730}" type="datetimeFigureOut">
               <a:rPr lang="zh-CN" altLang="en-US" smtClean="0"/>
-              <a:t>2017/3/18</a:t>
+              <a:t>2017/3/19</a:t>
             </a:fld>
             <a:endParaRPr lang="zh-CN" altLang="en-US"/>
           </a:p>
@@ -3816,7 +3813,7 @@
           <a:p>
             <a:fld id="{530820CF-B880-4189-942D-D702A7CBA730}" type="datetimeFigureOut">
               <a:rPr lang="zh-CN" altLang="en-US" smtClean="0"/>
-              <a:t>2017/3/18</a:t>
+              <a:t>2017/3/19</a:t>
             </a:fld>
             <a:endParaRPr lang="zh-CN" altLang="en-US"/>
           </a:p>
@@ -3906,7 +3903,7 @@
           <a:p>
             <a:fld id="{530820CF-B880-4189-942D-D702A7CBA730}" type="datetimeFigureOut">
               <a:rPr lang="zh-CN" altLang="en-US" smtClean="0"/>
-              <a:t>2017/3/18</a:t>
+              <a:t>2017/3/19</a:t>
             </a:fld>
             <a:endParaRPr lang="zh-CN" altLang="en-US"/>
           </a:p>
@@ -4176,7 +4173,7 @@
           <a:p>
             <a:fld id="{530820CF-B880-4189-942D-D702A7CBA730}" type="datetimeFigureOut">
               <a:rPr lang="zh-CN" altLang="en-US" smtClean="0"/>
-              <a:t>2017/3/18</a:t>
+              <a:t>2017/3/19</a:t>
             </a:fld>
             <a:endParaRPr lang="zh-CN" altLang="en-US"/>
           </a:p>
@@ -4423,7 +4420,7 @@
           <a:p>
             <a:fld id="{530820CF-B880-4189-942D-D702A7CBA730}" type="datetimeFigureOut">
               <a:rPr lang="zh-CN" altLang="en-US" smtClean="0"/>
-              <a:t>2017/3/18</a:t>
+              <a:t>2017/3/19</a:t>
             </a:fld>
             <a:endParaRPr lang="zh-CN" altLang="en-US"/>
           </a:p>
@@ -4629,7 +4626,7 @@
           <a:p>
             <a:fld id="{530820CF-B880-4189-942D-D702A7CBA730}" type="datetimeFigureOut">
               <a:rPr lang="zh-CN" altLang="en-US" smtClean="0"/>
-              <a:t>2017/3/18</a:t>
+              <a:t>2017/3/19</a:t>
             </a:fld>
             <a:endParaRPr lang="zh-CN" altLang="en-US"/>
           </a:p>
@@ -9120,6 +9117,81 @@
     <p:extLst>
       <p:ext uri="{BB962C8B-B14F-4D97-AF65-F5344CB8AC3E}">
         <p14:creationId xmlns:p14="http://schemas.microsoft.com/office/powerpoint/2010/main" val="1704239897"/>
+      </p:ext>
+    </p:extLst>
+  </p:cSld>
+  <p:clrMapOvr>
+    <a:masterClrMapping/>
+  </p:clrMapOvr>
+</p:sld>
+</file>
+
+<file path=ppt/slides/slide45.xml><?xml version="1.0" encoding="utf-8"?>
+<p:sld xmlns:a="http://schemas.openxmlformats.org/drawingml/2006/main" xmlns:r="http://schemas.openxmlformats.org/officeDocument/2006/relationships" xmlns:p="http://schemas.openxmlformats.org/presentationml/2006/main">
+  <p:cSld>
+    <p:spTree>
+      <p:nvGrpSpPr>
+        <p:cNvPr id="1" name=""/>
+        <p:cNvGrpSpPr/>
+        <p:nvPr/>
+      </p:nvGrpSpPr>
+      <p:grpSpPr>
+        <a:xfrm>
+          <a:off x="0" y="0"/>
+          <a:ext cx="0" cy="0"/>
+          <a:chOff x="0" y="0"/>
+          <a:chExt cx="0" cy="0"/>
+        </a:xfrm>
+      </p:grpSpPr>
+      <p:sp>
+        <p:nvSpPr>
+          <p:cNvPr id="2" name="标题 1"/>
+          <p:cNvSpPr>
+            <a:spLocks noGrp="1"/>
+          </p:cNvSpPr>
+          <p:nvPr>
+            <p:ph type="title"/>
+          </p:nvPr>
+        </p:nvSpPr>
+        <p:spPr/>
+        <p:txBody>
+          <a:bodyPr/>
+          <a:lstStyle/>
+          <a:p>
+            <a:r>
+              <a:rPr lang="en-US" altLang="zh-CN" dirty="0"/>
+              <a:t>Promise</a:t>
+            </a:r>
+            <a:r>
+              <a:rPr lang="zh-CN" altLang="en-US" dirty="0"/>
+              <a:t>的用法</a:t>
+            </a:r>
+          </a:p>
+        </p:txBody>
+      </p:sp>
+      <p:sp>
+        <p:nvSpPr>
+          <p:cNvPr id="3" name="内容占位符 2"/>
+          <p:cNvSpPr>
+            <a:spLocks noGrp="1"/>
+          </p:cNvSpPr>
+          <p:nvPr>
+            <p:ph idx="1"/>
+          </p:nvPr>
+        </p:nvSpPr>
+        <p:spPr/>
+        <p:txBody>
+          <a:bodyPr/>
+          <a:lstStyle/>
+          <a:p>
+            <a:endParaRPr lang="zh-CN" altLang="en-US" dirty="0"/>
+          </a:p>
+        </p:txBody>
+      </p:sp>
+    </p:spTree>
+    <p:extLst>
+      <p:ext uri="{BB962C8B-B14F-4D97-AF65-F5344CB8AC3E}">
+        <p14:creationId xmlns:p14="http://schemas.microsoft.com/office/powerpoint/2010/main" val="3555214505"/>
       </p:ext>
     </p:extLst>
   </p:cSld>

--- a/files/Angular2.pptx
+++ b/files/Angular2.pptx
@@ -5,7 +5,7 @@
     <p:sldMasterId id="2147483648" r:id="rId1"/>
   </p:sldMasterIdLst>
   <p:notesMasterIdLst>
-    <p:notesMasterId r:id="rId47"/>
+    <p:notesMasterId r:id="rId51"/>
   </p:notesMasterIdLst>
   <p:sldIdLst>
     <p:sldId id="257" r:id="rId2"/>
@@ -48,11 +48,15 @@
     <p:sldId id="289" r:id="rId39"/>
     <p:sldId id="290" r:id="rId40"/>
     <p:sldId id="297" r:id="rId41"/>
-    <p:sldId id="299" r:id="rId42"/>
-    <p:sldId id="298" r:id="rId43"/>
-    <p:sldId id="300" r:id="rId44"/>
-    <p:sldId id="278" r:id="rId45"/>
-    <p:sldId id="302" r:id="rId46"/>
+    <p:sldId id="305" r:id="rId42"/>
+    <p:sldId id="299" r:id="rId43"/>
+    <p:sldId id="298" r:id="rId44"/>
+    <p:sldId id="300" r:id="rId45"/>
+    <p:sldId id="278" r:id="rId46"/>
+    <p:sldId id="302" r:id="rId47"/>
+    <p:sldId id="306" r:id="rId48"/>
+    <p:sldId id="303" r:id="rId49"/>
+    <p:sldId id="304" r:id="rId50"/>
   </p:sldIdLst>
   <p:sldSz cx="9144000" cy="6858000" type="screen4x3"/>
   <p:notesSz cx="6858000" cy="9144000"/>
@@ -153,7 +157,7 @@
   </p:defaultTextStyle>
   <p:extLst>
     <p:ext uri="{EFAFB233-063F-42B5-8137-9DF3F51BA10A}">
-      <p15:sldGuideLst xmlns:p15="http://schemas.microsoft.com/office/powerpoint/2012/main">
+      <p15:sldGuideLst xmlns:p15="http://schemas.microsoft.com/office/powerpoint/2012/main" xmlns="">
         <p15:guide id="1" orient="horz" pos="2160">
           <p15:clr>
             <a:srgbClr val="A4A3A4"/>
@@ -252,7 +256,7 @@
           <a:p>
             <a:fld id="{AD1DCDFA-BF87-4C21-B8FF-C7D869EA008A}" type="datetimeFigureOut">
               <a:rPr lang="zh-CN" altLang="en-US" smtClean="0"/>
-              <a:t>2017/3/19</a:t>
+              <a:t>2017/3/20</a:t>
             </a:fld>
             <a:endParaRPr lang="zh-CN" altLang="en-US"/>
           </a:p>
@@ -864,7 +868,7 @@
           <a:p>
             <a:fld id="{5596D80E-E838-4A36-A5AD-2029880C9AD3}" type="slidenum">
               <a:rPr lang="zh-CN" altLang="en-US" smtClean="0"/>
-              <a:t>44</a:t>
+              <a:t>45</a:t>
             </a:fld>
             <a:endParaRPr lang="zh-CN" altLang="en-US"/>
           </a:p>
@@ -2268,7 +2272,7 @@
           <a:p>
             <a:fld id="{530820CF-B880-4189-942D-D702A7CBA730}" type="datetimeFigureOut">
               <a:rPr lang="zh-CN" altLang="en-US" smtClean="0"/>
-              <a:t>2017/3/19</a:t>
+              <a:t>2017/3/20</a:t>
             </a:fld>
             <a:endParaRPr lang="zh-CN" altLang="en-US"/>
           </a:p>
@@ -2431,7 +2435,7 @@
           <a:p>
             <a:fld id="{530820CF-B880-4189-942D-D702A7CBA730}" type="datetimeFigureOut">
               <a:rPr lang="zh-CN" altLang="en-US" smtClean="0"/>
-              <a:t>2017/3/19</a:t>
+              <a:t>2017/3/20</a:t>
             </a:fld>
             <a:endParaRPr lang="zh-CN" altLang="en-US"/>
           </a:p>
@@ -2604,7 +2608,7 @@
           <a:p>
             <a:fld id="{530820CF-B880-4189-942D-D702A7CBA730}" type="datetimeFigureOut">
               <a:rPr lang="zh-CN" altLang="en-US" smtClean="0"/>
-              <a:t>2017/3/19</a:t>
+              <a:t>2017/3/20</a:t>
             </a:fld>
             <a:endParaRPr lang="zh-CN" altLang="en-US"/>
           </a:p>
@@ -2767,7 +2771,7 @@
           <a:p>
             <a:fld id="{530820CF-B880-4189-942D-D702A7CBA730}" type="datetimeFigureOut">
               <a:rPr lang="zh-CN" altLang="en-US" smtClean="0"/>
-              <a:t>2017/3/19</a:t>
+              <a:t>2017/3/20</a:t>
             </a:fld>
             <a:endParaRPr lang="zh-CN" altLang="en-US"/>
           </a:p>
@@ -3007,7 +3011,7 @@
           <a:p>
             <a:fld id="{530820CF-B880-4189-942D-D702A7CBA730}" type="datetimeFigureOut">
               <a:rPr lang="zh-CN" altLang="en-US" smtClean="0"/>
-              <a:t>2017/3/19</a:t>
+              <a:t>2017/3/20</a:t>
             </a:fld>
             <a:endParaRPr lang="zh-CN" altLang="en-US"/>
           </a:p>
@@ -3287,7 +3291,7 @@
           <a:p>
             <a:fld id="{530820CF-B880-4189-942D-D702A7CBA730}" type="datetimeFigureOut">
               <a:rPr lang="zh-CN" altLang="en-US" smtClean="0"/>
-              <a:t>2017/3/19</a:t>
+              <a:t>2017/3/20</a:t>
             </a:fld>
             <a:endParaRPr lang="zh-CN" altLang="en-US"/>
           </a:p>
@@ -3701,7 +3705,7 @@
           <a:p>
             <a:fld id="{530820CF-B880-4189-942D-D702A7CBA730}" type="datetimeFigureOut">
               <a:rPr lang="zh-CN" altLang="en-US" smtClean="0"/>
-              <a:t>2017/3/19</a:t>
+              <a:t>2017/3/20</a:t>
             </a:fld>
             <a:endParaRPr lang="zh-CN" altLang="en-US"/>
           </a:p>
@@ -3813,7 +3817,7 @@
           <a:p>
             <a:fld id="{530820CF-B880-4189-942D-D702A7CBA730}" type="datetimeFigureOut">
               <a:rPr lang="zh-CN" altLang="en-US" smtClean="0"/>
-              <a:t>2017/3/19</a:t>
+              <a:t>2017/3/20</a:t>
             </a:fld>
             <a:endParaRPr lang="zh-CN" altLang="en-US"/>
           </a:p>
@@ -3903,7 +3907,7 @@
           <a:p>
             <a:fld id="{530820CF-B880-4189-942D-D702A7CBA730}" type="datetimeFigureOut">
               <a:rPr lang="zh-CN" altLang="en-US" smtClean="0"/>
-              <a:t>2017/3/19</a:t>
+              <a:t>2017/3/20</a:t>
             </a:fld>
             <a:endParaRPr lang="zh-CN" altLang="en-US"/>
           </a:p>
@@ -4173,7 +4177,7 @@
           <a:p>
             <a:fld id="{530820CF-B880-4189-942D-D702A7CBA730}" type="datetimeFigureOut">
               <a:rPr lang="zh-CN" altLang="en-US" smtClean="0"/>
-              <a:t>2017/3/19</a:t>
+              <a:t>2017/3/20</a:t>
             </a:fld>
             <a:endParaRPr lang="zh-CN" altLang="en-US"/>
           </a:p>
@@ -4420,7 +4424,7 @@
           <a:p>
             <a:fld id="{530820CF-B880-4189-942D-D702A7CBA730}" type="datetimeFigureOut">
               <a:rPr lang="zh-CN" altLang="en-US" smtClean="0"/>
-              <a:t>2017/3/19</a:t>
+              <a:t>2017/3/20</a:t>
             </a:fld>
             <a:endParaRPr lang="zh-CN" altLang="en-US"/>
           </a:p>
@@ -4626,7 +4630,7 @@
           <a:p>
             <a:fld id="{530820CF-B880-4189-942D-D702A7CBA730}" type="datetimeFigureOut">
               <a:rPr lang="zh-CN" altLang="en-US" smtClean="0"/>
-              <a:t>2017/3/19</a:t>
+              <a:t>2017/3/20</a:t>
             </a:fld>
             <a:endParaRPr lang="zh-CN" altLang="en-US"/>
           </a:p>
@@ -6921,28 +6925,34 @@
               <a:rPr lang="en-US" altLang="zh-CN" dirty="0">
                 <a:hlinkClick r:id="rId3"/>
               </a:rPr>
-              <a:t>https://webpack.js.org/guides/webpack-and-typescript/</a:t>
-            </a:r>
-          </a:p>
-          <a:p>
+              <a:t>https://webpack.js.org/concepts</a:t>
+            </a:r>
+            <a:r>
+              <a:rPr lang="en-US" altLang="zh-CN" dirty="0" smtClean="0">
+                <a:hlinkClick r:id="rId3"/>
+              </a:rPr>
+              <a:t>/</a:t>
+            </a:r>
+          </a:p>
+          <a:p>
+            <a:r>
+              <a:rPr lang="en-US" altLang="zh-CN" dirty="0" smtClean="0">
+                <a:hlinkClick r:id="rId3"/>
+              </a:rPr>
+              <a:t>http</a:t>
+            </a:r>
             <a:r>
               <a:rPr lang="en-US" altLang="zh-CN" dirty="0">
                 <a:hlinkClick r:id="rId3"/>
               </a:rPr>
-              <a:t>http://webpack.github.io/docs/</a:t>
-            </a:r>
-            <a:endParaRPr lang="en-US" altLang="zh-CN" dirty="0"/>
-          </a:p>
-          <a:p>
-            <a:r>
-              <a:rPr lang="en-US" altLang="zh-CN" dirty="0">
-                <a:hlinkClick r:id="rId4"/>
+              <a:t>://webpack.github.io/docs</a:t>
+            </a:r>
+            <a:r>
+              <a:rPr lang="en-US" altLang="zh-CN" dirty="0" smtClean="0">
+                <a:hlinkClick r:id="rId3"/>
               </a:rPr>
-              <a:t>http://webpackdoc.com/usage.html</a:t>
-            </a:r>
-            <a:endParaRPr lang="en-US" altLang="zh-CN" dirty="0"/>
-          </a:p>
-          <a:p>
+              <a:t>/</a:t>
+            </a:r>
             <a:endParaRPr lang="zh-CN" altLang="en-US" dirty="0"/>
           </a:p>
         </p:txBody>
@@ -8688,11 +8698,22 @@
           <a:bodyPr/>
           <a:lstStyle/>
           <a:p>
+            <a:endParaRPr lang="en-US" altLang="zh-CN" dirty="0" smtClean="0">
+              <a:hlinkClick r:id="rId2"/>
+            </a:endParaRPr>
+          </a:p>
+          <a:p>
+            <a:r>
+              <a:rPr lang="en-US" altLang="zh-CN" dirty="0" smtClean="0">
+                <a:hlinkClick r:id="rId2"/>
+              </a:rPr>
+              <a:t>https</a:t>
+            </a:r>
             <a:r>
               <a:rPr lang="en-US" altLang="zh-CN" dirty="0">
                 <a:hlinkClick r:id="rId2"/>
               </a:rPr>
-              <a:t>https://webpack.js.org/configuration/devtool/</a:t>
+              <a:t>://webpack.js.org/configuration/devtool/</a:t>
             </a:r>
             <a:endParaRPr lang="en-US" altLang="zh-CN" dirty="0"/>
           </a:p>
@@ -8701,6 +8722,70 @@
           </a:p>
         </p:txBody>
       </p:sp>
+      <p:pic>
+        <p:nvPicPr>
+          <p:cNvPr id="4098" name="Picture 2"/>
+          <p:cNvPicPr>
+            <a:picLocks noChangeAspect="1" noChangeArrowheads="1"/>
+          </p:cNvPicPr>
+          <p:nvPr/>
+        </p:nvPicPr>
+        <p:blipFill>
+          <a:blip r:embed="rId3">
+            <a:extLst>
+              <a:ext uri="{28A0092B-C50C-407E-A947-70E740481C1C}">
+                <a14:useLocalDpi xmlns:a14="http://schemas.microsoft.com/office/drawing/2010/main" val="0"/>
+              </a:ext>
+            </a:extLst>
+          </a:blip>
+          <a:srcRect/>
+          <a:stretch>
+            <a:fillRect/>
+          </a:stretch>
+        </p:blipFill>
+        <p:spPr bwMode="auto">
+          <a:xfrm>
+            <a:off x="827584" y="2852936"/>
+            <a:ext cx="4276725" cy="2305050"/>
+          </a:xfrm>
+          <a:prstGeom prst="rect">
+            <a:avLst/>
+          </a:prstGeom>
+          <a:noFill/>
+          <a:ln>
+            <a:noFill/>
+          </a:ln>
+          <a:effectLst/>
+          <a:extLst>
+            <a:ext uri="{909E8E84-426E-40DD-AFC4-6F175D3DCCD1}">
+              <a14:hiddenFill xmlns:a14="http://schemas.microsoft.com/office/drawing/2010/main">
+                <a:solidFill>
+                  <a:schemeClr val="accent1"/>
+                </a:solidFill>
+              </a14:hiddenFill>
+            </a:ext>
+            <a:ext uri="{91240B29-F687-4F45-9708-019B960494DF}">
+              <a14:hiddenLine xmlns:a14="http://schemas.microsoft.com/office/drawing/2010/main" w="9525">
+                <a:solidFill>
+                  <a:schemeClr val="tx1"/>
+                </a:solidFill>
+                <a:miter lim="800000"/>
+                <a:headEnd/>
+                <a:tailEnd/>
+              </a14:hiddenLine>
+            </a:ext>
+            <a:ext uri="{AF507438-7753-43E0-B8FC-AC1667EBCBE1}">
+              <a14:hiddenEffects xmlns:a14="http://schemas.microsoft.com/office/drawing/2010/main">
+                <a:effectLst>
+                  <a:outerShdw dist="35921" dir="2700000" algn="ctr" rotWithShape="0">
+                    <a:schemeClr val="bg2"/>
+                  </a:outerShdw>
+                </a:effectLst>
+              </a14:hiddenEffects>
+            </a:ext>
+          </a:extLst>
+        </p:spPr>
+      </p:pic>
     </p:spTree>
     <p:extLst>
       <p:ext uri="{BB962C8B-B14F-4D97-AF65-F5344CB8AC3E}">
@@ -8747,21 +8832,22 @@
           <a:lstStyle/>
           <a:p>
             <a:r>
-              <a:rPr lang="en-US" altLang="zh-CN" dirty="0" err="1"/>
+              <a:rPr lang="en-US" altLang="zh-CN" dirty="0" err="1" smtClean="0"/>
               <a:t>Webpack</a:t>
             </a:r>
             <a:r>
-              <a:rPr lang="zh-CN" altLang="en-US" dirty="0"/>
-              <a:t>和</a:t>
-            </a:r>
-            <a:r>
-              <a:rPr lang="en-US" altLang="zh-CN" dirty="0" err="1"/>
-              <a:t>systemjs</a:t>
-            </a:r>
-            <a:r>
-              <a:rPr lang="zh-CN" altLang="en-US" dirty="0"/>
-              <a:t>的优劣</a:t>
-            </a:r>
+              <a:rPr lang="zh-CN" altLang="en-US" dirty="0" smtClean="0"/>
+              <a:t>打包加载</a:t>
+            </a:r>
+            <a:r>
+              <a:rPr lang="en-US" altLang="zh-CN" dirty="0" err="1" smtClean="0"/>
+              <a:t>jquery</a:t>
+            </a:r>
+            <a:r>
+              <a:rPr lang="zh-CN" altLang="en-US" dirty="0" smtClean="0"/>
+              <a:t>配置</a:t>
+            </a:r>
+            <a:endParaRPr lang="zh-CN" altLang="en-US" dirty="0"/>
           </a:p>
         </p:txBody>
       </p:sp>
@@ -8784,10 +8870,74 @@
           </a:p>
         </p:txBody>
       </p:sp>
+      <p:pic>
+        <p:nvPicPr>
+          <p:cNvPr id="3074" name="Picture 2"/>
+          <p:cNvPicPr>
+            <a:picLocks noChangeAspect="1" noChangeArrowheads="1"/>
+          </p:cNvPicPr>
+          <p:nvPr/>
+        </p:nvPicPr>
+        <p:blipFill>
+          <a:blip r:embed="rId2">
+            <a:extLst>
+              <a:ext uri="{28A0092B-C50C-407E-A947-70E740481C1C}">
+                <a14:useLocalDpi xmlns:a14="http://schemas.microsoft.com/office/drawing/2010/main" val="0"/>
+              </a:ext>
+            </a:extLst>
+          </a:blip>
+          <a:srcRect/>
+          <a:stretch>
+            <a:fillRect/>
+          </a:stretch>
+        </p:blipFill>
+        <p:spPr bwMode="auto">
+          <a:xfrm>
+            <a:off x="247650" y="2362200"/>
+            <a:ext cx="8648700" cy="2133600"/>
+          </a:xfrm>
+          <a:prstGeom prst="rect">
+            <a:avLst/>
+          </a:prstGeom>
+          <a:noFill/>
+          <a:ln>
+            <a:noFill/>
+          </a:ln>
+          <a:effectLst/>
+          <a:extLst>
+            <a:ext uri="{909E8E84-426E-40DD-AFC4-6F175D3DCCD1}">
+              <a14:hiddenFill xmlns:a14="http://schemas.microsoft.com/office/drawing/2010/main">
+                <a:solidFill>
+                  <a:schemeClr val="accent1"/>
+                </a:solidFill>
+              </a14:hiddenFill>
+            </a:ext>
+            <a:ext uri="{91240B29-F687-4F45-9708-019B960494DF}">
+              <a14:hiddenLine xmlns:a14="http://schemas.microsoft.com/office/drawing/2010/main" w="9525">
+                <a:solidFill>
+                  <a:schemeClr val="tx1"/>
+                </a:solidFill>
+                <a:miter lim="800000"/>
+                <a:headEnd/>
+                <a:tailEnd/>
+              </a14:hiddenLine>
+            </a:ext>
+            <a:ext uri="{AF507438-7753-43E0-B8FC-AC1667EBCBE1}">
+              <a14:hiddenEffects xmlns:a14="http://schemas.microsoft.com/office/drawing/2010/main">
+                <a:effectLst>
+                  <a:outerShdw dist="35921" dir="2700000" algn="ctr" rotWithShape="0">
+                    <a:schemeClr val="bg2"/>
+                  </a:outerShdw>
+                </a:effectLst>
+              </a14:hiddenEffects>
+            </a:ext>
+          </a:extLst>
+        </p:spPr>
+      </p:pic>
     </p:spTree>
     <p:extLst>
       <p:ext uri="{BB962C8B-B14F-4D97-AF65-F5344CB8AC3E}">
-        <p14:creationId xmlns:p14="http://schemas.microsoft.com/office/powerpoint/2010/main" val="3094030245"/>
+        <p14:creationId xmlns:p14="http://schemas.microsoft.com/office/powerpoint/2010/main" val="4116662132"/>
       </p:ext>
     </p:extLst>
   </p:cSld>
@@ -8826,14 +8976,16 @@
         </p:nvSpPr>
         <p:spPr/>
         <p:txBody>
-          <a:bodyPr>
-            <a:normAutofit fontScale="90000"/>
-          </a:bodyPr>
-          <a:lstStyle/>
-          <a:p>
-            <a:r>
-              <a:rPr lang="zh-CN" altLang="en-US" dirty="0"/>
-              <a:t>用</a:t>
+          <a:bodyPr/>
+          <a:lstStyle/>
+          <a:p>
+            <a:r>
+              <a:rPr lang="en-US" altLang="zh-CN" dirty="0" err="1"/>
+              <a:t>Webpack</a:t>
+            </a:r>
+            <a:r>
+              <a:rPr lang="zh-CN" altLang="en-US" dirty="0"/>
+              <a:t>和</a:t>
             </a:r>
             <a:r>
               <a:rPr lang="en-US" altLang="zh-CN" dirty="0" err="1"/>
@@ -8841,15 +8993,7 @@
             </a:r>
             <a:r>
               <a:rPr lang="zh-CN" altLang="en-US" dirty="0"/>
-              <a:t>来加载</a:t>
-            </a:r>
-            <a:r>
-              <a:rPr lang="en-US" altLang="zh-CN" dirty="0"/>
-              <a:t>angular2</a:t>
-            </a:r>
-            <a:r>
-              <a:rPr lang="zh-CN" altLang="en-US" dirty="0"/>
-              <a:t>的时候为什么能自动处理路由</a:t>
+              <a:t>的优劣</a:t>
             </a:r>
           </a:p>
         </p:txBody>
@@ -8869,65 +9013,14 @@
           <a:bodyPr/>
           <a:lstStyle/>
           <a:p>
-            <a:r>
-              <a:rPr lang="zh-CN" altLang="en-US" dirty="0"/>
-              <a:t>因为</a:t>
-            </a:r>
-            <a:r>
-              <a:rPr lang="en-US" altLang="zh-CN" dirty="0"/>
-              <a:t>angular2</a:t>
-            </a:r>
-            <a:r>
-              <a:rPr lang="zh-CN" altLang="en-US" dirty="0"/>
-              <a:t>中的</a:t>
-            </a:r>
-            <a:r>
-              <a:rPr lang="en-US" altLang="zh-CN" dirty="0" err="1"/>
-              <a:t>ngmodule</a:t>
-            </a:r>
-            <a:r>
-              <a:rPr lang="zh-CN" altLang="en-US" dirty="0"/>
-              <a:t>加载模块的机制实际上是以</a:t>
-            </a:r>
-            <a:r>
-              <a:rPr lang="en-US" altLang="zh-CN" dirty="0" err="1"/>
-              <a:t>systemjs</a:t>
-            </a:r>
-            <a:r>
-              <a:rPr lang="zh-CN" altLang="en-US" dirty="0"/>
-              <a:t>为基础的，这个可以由</a:t>
-            </a:r>
-            <a:r>
-              <a:rPr lang="en-US" altLang="zh-CN" dirty="0"/>
-              <a:t>angular2</a:t>
-            </a:r>
-            <a:r>
-              <a:rPr lang="zh-CN" altLang="en-US" dirty="0"/>
-              <a:t>的</a:t>
-            </a:r>
-            <a:r>
-              <a:rPr lang="en-US" altLang="zh-CN" dirty="0"/>
-              <a:t>core</a:t>
-            </a:r>
-            <a:r>
-              <a:rPr lang="zh-CN" altLang="en-US" dirty="0"/>
-              <a:t>目录下的</a:t>
-            </a:r>
-            <a:r>
-              <a:rPr lang="en-US" altLang="zh-CN" dirty="0"/>
-              <a:t>linker</a:t>
-            </a:r>
-            <a:r>
-              <a:rPr lang="zh-CN" altLang="en-US" dirty="0"/>
-              <a:t>来查证</a:t>
-            </a:r>
+            <a:endParaRPr lang="zh-CN" altLang="en-US" dirty="0"/>
           </a:p>
         </p:txBody>
       </p:sp>
     </p:spTree>
     <p:extLst>
       <p:ext uri="{BB962C8B-B14F-4D97-AF65-F5344CB8AC3E}">
-        <p14:creationId xmlns:p14="http://schemas.microsoft.com/office/powerpoint/2010/main" val="2664942002"/>
+        <p14:creationId xmlns:p14="http://schemas.microsoft.com/office/powerpoint/2010/main" val="3094030245"/>
       </p:ext>
     </p:extLst>
   </p:cSld>
@@ -8966,14 +9059,31 @@
         </p:nvSpPr>
         <p:spPr/>
         <p:txBody>
-          <a:bodyPr/>
-          <a:lstStyle/>
-          <a:p>
+          <a:bodyPr>
+            <a:normAutofit fontScale="90000"/>
+          </a:bodyPr>
+          <a:lstStyle/>
+          <a:p>
+            <a:r>
+              <a:rPr lang="zh-CN" altLang="en-US" dirty="0"/>
+              <a:t>用</a:t>
+            </a:r>
+            <a:r>
+              <a:rPr lang="en-US" altLang="zh-CN" dirty="0" err="1"/>
+              <a:t>systemjs</a:t>
+            </a:r>
+            <a:r>
+              <a:rPr lang="zh-CN" altLang="en-US" dirty="0"/>
+              <a:t>来加载</a:t>
+            </a:r>
             <a:r>
               <a:rPr lang="en-US" altLang="zh-CN" dirty="0"/>
-              <a:t>SASS</a:t>
-            </a:r>
-            <a:endParaRPr lang="zh-CN" altLang="en-US" dirty="0"/>
+              <a:t>angular2</a:t>
+            </a:r>
+            <a:r>
+              <a:rPr lang="zh-CN" altLang="en-US" dirty="0"/>
+              <a:t>的时候为什么能自动处理路由</a:t>
+            </a:r>
           </a:p>
         </p:txBody>
       </p:sp>
@@ -8994,23 +9104,55 @@
           <a:p>
             <a:r>
               <a:rPr lang="zh-CN" altLang="en-US" dirty="0"/>
-              <a:t>模块导入语法 </a:t>
+              <a:t>因为</a:t>
             </a:r>
             <a:r>
               <a:rPr lang="en-US" altLang="zh-CN" dirty="0"/>
-              <a:t>:@import ‘~</a:t>
-            </a:r>
-            <a:r>
-              <a:rPr lang="zh-CN" altLang="en-US" dirty="0"/>
-              <a:t>目录名</a:t>
+              <a:t>angular2</a:t>
+            </a:r>
+            <a:r>
+              <a:rPr lang="zh-CN" altLang="en-US" dirty="0"/>
+              <a:t>中的</a:t>
+            </a:r>
+            <a:r>
+              <a:rPr lang="en-US" altLang="zh-CN" dirty="0" err="1"/>
+              <a:t>ngmodule</a:t>
+            </a:r>
+            <a:r>
+              <a:rPr lang="zh-CN" altLang="en-US" dirty="0"/>
+              <a:t>加载模块的机制实际上是以</a:t>
+            </a:r>
+            <a:r>
+              <a:rPr lang="en-US" altLang="zh-CN" dirty="0" err="1"/>
+              <a:t>systemjs</a:t>
+            </a:r>
+            <a:r>
+              <a:rPr lang="zh-CN" altLang="en-US" dirty="0"/>
+              <a:t>为基础的，这个可以由</a:t>
             </a:r>
             <a:r>
               <a:rPr lang="en-US" altLang="zh-CN" dirty="0"/>
-              <a:t>’ //</a:t>
-            </a:r>
-            <a:r>
-              <a:rPr lang="zh-CN" altLang="en-US" dirty="0"/>
-              <a:t>表示导入目录</a:t>
+              <a:t>angular2</a:t>
+            </a:r>
+            <a:r>
+              <a:rPr lang="zh-CN" altLang="en-US" dirty="0"/>
+              <a:t>的</a:t>
+            </a:r>
+            <a:r>
+              <a:rPr lang="en-US" altLang="zh-CN" dirty="0"/>
+              <a:t>core</a:t>
+            </a:r>
+            <a:r>
+              <a:rPr lang="zh-CN" altLang="en-US" dirty="0"/>
+              <a:t>目录下的</a:t>
+            </a:r>
+            <a:r>
+              <a:rPr lang="en-US" altLang="zh-CN" dirty="0"/>
+              <a:t>linker</a:t>
+            </a:r>
+            <a:r>
+              <a:rPr lang="zh-CN" altLang="en-US" dirty="0"/>
+              <a:t>来查证</a:t>
             </a:r>
           </a:p>
         </p:txBody>
@@ -9018,7 +9160,7 @@
     </p:spTree>
     <p:extLst>
       <p:ext uri="{BB962C8B-B14F-4D97-AF65-F5344CB8AC3E}">
-        <p14:creationId xmlns:p14="http://schemas.microsoft.com/office/powerpoint/2010/main" val="2929926987"/>
+        <p14:creationId xmlns:p14="http://schemas.microsoft.com/office/powerpoint/2010/main" val="2664942002"/>
       </p:ext>
     </p:extLst>
   </p:cSld>
@@ -9061,9 +9203,10 @@
           <a:lstStyle/>
           <a:p>
             <a:r>
-              <a:rPr lang="zh-CN" altLang="en-US" dirty="0"/>
-              <a:t>问题</a:t>
-            </a:r>
+              <a:rPr lang="en-US" altLang="zh-CN" dirty="0"/>
+              <a:t>SASS</a:t>
+            </a:r>
+            <a:endParaRPr lang="zh-CN" altLang="en-US" dirty="0"/>
           </a:p>
         </p:txBody>
       </p:sp>
@@ -9084,31 +9227,23 @@
           <a:p>
             <a:r>
               <a:rPr lang="zh-CN" altLang="en-US" dirty="0"/>
-              <a:t>如果</a:t>
-            </a:r>
-            <a:r>
-              <a:rPr lang="en-US" altLang="zh-CN" dirty="0" err="1"/>
-              <a:t>sharemodule</a:t>
-            </a:r>
-            <a:r>
-              <a:rPr lang="zh-CN" altLang="en-US" dirty="0"/>
-              <a:t>中的组件里面含有</a:t>
+              <a:t>模块导入语法 </a:t>
             </a:r>
             <a:r>
               <a:rPr lang="en-US" altLang="zh-CN" dirty="0"/>
-              <a:t>provider,</a:t>
-            </a:r>
-            <a:r>
-              <a:rPr lang="zh-CN" altLang="en-US" dirty="0"/>
-              <a:t>这个</a:t>
+              <a:t>:@import ‘~</a:t>
+            </a:r>
+            <a:r>
+              <a:rPr lang="zh-CN" altLang="en-US" dirty="0"/>
+              <a:t>目录名</a:t>
             </a:r>
             <a:r>
               <a:rPr lang="en-US" altLang="zh-CN" dirty="0"/>
-              <a:t>provider</a:t>
-            </a:r>
-            <a:r>
-              <a:rPr lang="zh-CN" altLang="en-US" dirty="0"/>
-              <a:t>里面有服务，那么这个服务还是单例么？</a:t>
+              <a:t>’ //</a:t>
+            </a:r>
+            <a:r>
+              <a:rPr lang="zh-CN" altLang="en-US" dirty="0"/>
+              <a:t>表示导入目录</a:t>
             </a:r>
           </a:p>
         </p:txBody>
@@ -9116,7 +9251,7 @@
     </p:spTree>
     <p:extLst>
       <p:ext uri="{BB962C8B-B14F-4D97-AF65-F5344CB8AC3E}">
-        <p14:creationId xmlns:p14="http://schemas.microsoft.com/office/powerpoint/2010/main" val="1704239897"/>
+        <p14:creationId xmlns:p14="http://schemas.microsoft.com/office/powerpoint/2010/main" val="2929926987"/>
       </p:ext>
     </p:extLst>
   </p:cSld>
@@ -9159,6 +9294,104 @@
           <a:lstStyle/>
           <a:p>
             <a:r>
+              <a:rPr lang="zh-CN" altLang="en-US" dirty="0"/>
+              <a:t>问题</a:t>
+            </a:r>
+          </a:p>
+        </p:txBody>
+      </p:sp>
+      <p:sp>
+        <p:nvSpPr>
+          <p:cNvPr id="3" name="内容占位符 2"/>
+          <p:cNvSpPr>
+            <a:spLocks noGrp="1"/>
+          </p:cNvSpPr>
+          <p:nvPr>
+            <p:ph idx="1"/>
+          </p:nvPr>
+        </p:nvSpPr>
+        <p:spPr/>
+        <p:txBody>
+          <a:bodyPr/>
+          <a:lstStyle/>
+          <a:p>
+            <a:r>
+              <a:rPr lang="zh-CN" altLang="en-US" dirty="0"/>
+              <a:t>如果</a:t>
+            </a:r>
+            <a:r>
+              <a:rPr lang="en-US" altLang="zh-CN" dirty="0" err="1"/>
+              <a:t>sharemodule</a:t>
+            </a:r>
+            <a:r>
+              <a:rPr lang="zh-CN" altLang="en-US" dirty="0"/>
+              <a:t>中的组件里面含有</a:t>
+            </a:r>
+            <a:r>
+              <a:rPr lang="en-US" altLang="zh-CN" dirty="0"/>
+              <a:t>provider,</a:t>
+            </a:r>
+            <a:r>
+              <a:rPr lang="zh-CN" altLang="en-US" dirty="0"/>
+              <a:t>这个</a:t>
+            </a:r>
+            <a:r>
+              <a:rPr lang="en-US" altLang="zh-CN" dirty="0"/>
+              <a:t>provider</a:t>
+            </a:r>
+            <a:r>
+              <a:rPr lang="zh-CN" altLang="en-US" dirty="0"/>
+              <a:t>里面有服务，那么这个服务还是单例么？</a:t>
+            </a:r>
+          </a:p>
+        </p:txBody>
+      </p:sp>
+    </p:spTree>
+    <p:extLst>
+      <p:ext uri="{BB962C8B-B14F-4D97-AF65-F5344CB8AC3E}">
+        <p14:creationId xmlns:p14="http://schemas.microsoft.com/office/powerpoint/2010/main" val="1704239897"/>
+      </p:ext>
+    </p:extLst>
+  </p:cSld>
+  <p:clrMapOvr>
+    <a:masterClrMapping/>
+  </p:clrMapOvr>
+</p:sld>
+</file>
+
+<file path=ppt/slides/slide46.xml><?xml version="1.0" encoding="utf-8"?>
+<p:sld xmlns:a="http://schemas.openxmlformats.org/drawingml/2006/main" xmlns:r="http://schemas.openxmlformats.org/officeDocument/2006/relationships" xmlns:p="http://schemas.openxmlformats.org/presentationml/2006/main">
+  <p:cSld>
+    <p:spTree>
+      <p:nvGrpSpPr>
+        <p:cNvPr id="1" name=""/>
+        <p:cNvGrpSpPr/>
+        <p:nvPr/>
+      </p:nvGrpSpPr>
+      <p:grpSpPr>
+        <a:xfrm>
+          <a:off x="0" y="0"/>
+          <a:ext cx="0" cy="0"/>
+          <a:chOff x="0" y="0"/>
+          <a:chExt cx="0" cy="0"/>
+        </a:xfrm>
+      </p:grpSpPr>
+      <p:sp>
+        <p:nvSpPr>
+          <p:cNvPr id="2" name="标题 1"/>
+          <p:cNvSpPr>
+            <a:spLocks noGrp="1"/>
+          </p:cNvSpPr>
+          <p:nvPr>
+            <p:ph type="title"/>
+          </p:nvPr>
+        </p:nvSpPr>
+        <p:spPr/>
+        <p:txBody>
+          <a:bodyPr/>
+          <a:lstStyle/>
+          <a:p>
+            <a:r>
               <a:rPr lang="en-US" altLang="zh-CN" dirty="0"/>
               <a:t>Promise</a:t>
             </a:r>
@@ -9192,6 +9425,439 @@
     <p:extLst>
       <p:ext uri="{BB962C8B-B14F-4D97-AF65-F5344CB8AC3E}">
         <p14:creationId xmlns:p14="http://schemas.microsoft.com/office/powerpoint/2010/main" val="3555214505"/>
+      </p:ext>
+    </p:extLst>
+  </p:cSld>
+  <p:clrMapOvr>
+    <a:masterClrMapping/>
+  </p:clrMapOvr>
+</p:sld>
+</file>
+
+<file path=ppt/slides/slide47.xml><?xml version="1.0" encoding="utf-8"?>
+<p:sld xmlns:a="http://schemas.openxmlformats.org/drawingml/2006/main" xmlns:r="http://schemas.openxmlformats.org/officeDocument/2006/relationships" xmlns:p="http://schemas.openxmlformats.org/presentationml/2006/main">
+  <p:cSld>
+    <p:spTree>
+      <p:nvGrpSpPr>
+        <p:cNvPr id="1" name=""/>
+        <p:cNvGrpSpPr/>
+        <p:nvPr/>
+      </p:nvGrpSpPr>
+      <p:grpSpPr>
+        <a:xfrm>
+          <a:off x="0" y="0"/>
+          <a:ext cx="0" cy="0"/>
+          <a:chOff x="0" y="0"/>
+          <a:chExt cx="0" cy="0"/>
+        </a:xfrm>
+      </p:grpSpPr>
+      <p:sp>
+        <p:nvSpPr>
+          <p:cNvPr id="2" name="标题 1"/>
+          <p:cNvSpPr>
+            <a:spLocks noGrp="1"/>
+          </p:cNvSpPr>
+          <p:nvPr>
+            <p:ph type="title"/>
+          </p:nvPr>
+        </p:nvSpPr>
+        <p:spPr/>
+        <p:txBody>
+          <a:bodyPr>
+            <a:normAutofit/>
+          </a:bodyPr>
+          <a:lstStyle/>
+          <a:p>
+            <a:r>
+              <a:rPr lang="zh-CN" altLang="en-US" dirty="0" smtClean="0"/>
+              <a:t>浏览器</a:t>
+            </a:r>
+            <a:r>
+              <a:rPr lang="en-US" altLang="zh-CN" dirty="0" smtClean="0"/>
+              <a:t>Console</a:t>
+            </a:r>
+            <a:r>
+              <a:rPr lang="zh-CN" altLang="en-US" dirty="0" smtClean="0"/>
+              <a:t>调试</a:t>
+            </a:r>
+            <a:r>
+              <a:rPr lang="en-US" altLang="zh-CN" dirty="0" smtClean="0"/>
+              <a:t>angular2</a:t>
+            </a:r>
+            <a:endParaRPr lang="zh-CN" altLang="en-US" dirty="0"/>
+          </a:p>
+        </p:txBody>
+      </p:sp>
+      <p:sp>
+        <p:nvSpPr>
+          <p:cNvPr id="3" name="内容占位符 2"/>
+          <p:cNvSpPr>
+            <a:spLocks noGrp="1"/>
+          </p:cNvSpPr>
+          <p:nvPr>
+            <p:ph idx="1"/>
+          </p:nvPr>
+        </p:nvSpPr>
+        <p:spPr/>
+        <p:txBody>
+          <a:bodyPr/>
+          <a:lstStyle/>
+          <a:p>
+            <a:endParaRPr lang="zh-CN" altLang="en-US" dirty="0"/>
+          </a:p>
+        </p:txBody>
+      </p:sp>
+    </p:spTree>
+    <p:extLst>
+      <p:ext uri="{BB962C8B-B14F-4D97-AF65-F5344CB8AC3E}">
+        <p14:creationId xmlns:p14="http://schemas.microsoft.com/office/powerpoint/2010/main" val="3454860293"/>
+      </p:ext>
+    </p:extLst>
+  </p:cSld>
+  <p:clrMapOvr>
+    <a:masterClrMapping/>
+  </p:clrMapOvr>
+</p:sld>
+</file>
+
+<file path=ppt/slides/slide48.xml><?xml version="1.0" encoding="utf-8"?>
+<p:sld xmlns:a="http://schemas.openxmlformats.org/drawingml/2006/main" xmlns:r="http://schemas.openxmlformats.org/officeDocument/2006/relationships" xmlns:p="http://schemas.openxmlformats.org/presentationml/2006/main">
+  <p:cSld>
+    <p:spTree>
+      <p:nvGrpSpPr>
+        <p:cNvPr id="1" name=""/>
+        <p:cNvGrpSpPr/>
+        <p:nvPr/>
+      </p:nvGrpSpPr>
+      <p:grpSpPr>
+        <a:xfrm>
+          <a:off x="0" y="0"/>
+          <a:ext cx="0" cy="0"/>
+          <a:chOff x="0" y="0"/>
+          <a:chExt cx="0" cy="0"/>
+        </a:xfrm>
+      </p:grpSpPr>
+      <p:sp>
+        <p:nvSpPr>
+          <p:cNvPr id="2" name="标题 1"/>
+          <p:cNvSpPr>
+            <a:spLocks noGrp="1"/>
+          </p:cNvSpPr>
+          <p:nvPr>
+            <p:ph type="title"/>
+          </p:nvPr>
+        </p:nvSpPr>
+        <p:spPr/>
+        <p:txBody>
+          <a:bodyPr/>
+          <a:lstStyle/>
+          <a:p>
+            <a:r>
+              <a:rPr lang="zh-CN" altLang="en-US" dirty="0" smtClean="0"/>
+              <a:t>引入第三方库</a:t>
+            </a:r>
+            <a:r>
+              <a:rPr lang="en-US" altLang="zh-CN" dirty="0" err="1" smtClean="0"/>
+              <a:t>jquery</a:t>
+            </a:r>
+            <a:r>
+              <a:rPr lang="en-US" altLang="zh-CN" dirty="0" smtClean="0"/>
+              <a:t>(</a:t>
+            </a:r>
+            <a:r>
+              <a:rPr lang="en-US" altLang="zh-CN" dirty="0" err="1" smtClean="0"/>
+              <a:t>webpack</a:t>
+            </a:r>
+            <a:r>
+              <a:rPr lang="en-US" altLang="zh-CN" dirty="0" smtClean="0"/>
+              <a:t>)</a:t>
+            </a:r>
+            <a:endParaRPr lang="zh-CN" altLang="en-US" dirty="0"/>
+          </a:p>
+        </p:txBody>
+      </p:sp>
+      <p:sp>
+        <p:nvSpPr>
+          <p:cNvPr id="3" name="内容占位符 2"/>
+          <p:cNvSpPr>
+            <a:spLocks noGrp="1"/>
+          </p:cNvSpPr>
+          <p:nvPr>
+            <p:ph idx="1"/>
+          </p:nvPr>
+        </p:nvSpPr>
+        <p:spPr/>
+        <p:txBody>
+          <a:bodyPr/>
+          <a:lstStyle/>
+          <a:p>
+            <a:r>
+              <a:rPr lang="zh-CN" altLang="en-US" dirty="0" smtClean="0"/>
+              <a:t>配置</a:t>
+            </a:r>
+            <a:r>
+              <a:rPr lang="en-US" altLang="zh-CN" dirty="0" err="1" smtClean="0"/>
+              <a:t>webpack</a:t>
+            </a:r>
+            <a:r>
+              <a:rPr lang="zh-CN" altLang="en-US" dirty="0"/>
+              <a:t>插件</a:t>
+            </a:r>
+            <a:endParaRPr lang="en-US" altLang="zh-CN" dirty="0" smtClean="0"/>
+          </a:p>
+          <a:p>
+            <a:endParaRPr lang="en-US" altLang="zh-CN" dirty="0"/>
+          </a:p>
+          <a:p>
+            <a:endParaRPr lang="en-US" altLang="zh-CN" dirty="0" smtClean="0"/>
+          </a:p>
+          <a:p>
+            <a:r>
+              <a:rPr lang="zh-CN" altLang="en-US" dirty="0" smtClean="0"/>
+              <a:t>安装第三方库的类型声明：</a:t>
+            </a:r>
+            <a:r>
+              <a:rPr lang="en-US" altLang="zh-CN" dirty="0" smtClean="0"/>
+              <a:t>@type/</a:t>
+            </a:r>
+            <a:r>
+              <a:rPr lang="en-US" altLang="zh-CN" dirty="0" err="1" smtClean="0"/>
+              <a:t>jquery</a:t>
+            </a:r>
+            <a:endParaRPr lang="zh-CN" altLang="en-US" dirty="0"/>
+          </a:p>
+        </p:txBody>
+      </p:sp>
+      <p:pic>
+        <p:nvPicPr>
+          <p:cNvPr id="1026" name="Picture 2"/>
+          <p:cNvPicPr>
+            <a:picLocks noChangeAspect="1" noChangeArrowheads="1"/>
+          </p:cNvPicPr>
+          <p:nvPr/>
+        </p:nvPicPr>
+        <p:blipFill>
+          <a:blip r:embed="rId2">
+            <a:extLst>
+              <a:ext uri="{28A0092B-C50C-407E-A947-70E740481C1C}">
+                <a14:useLocalDpi xmlns:a14="http://schemas.microsoft.com/office/drawing/2010/main" val="0"/>
+              </a:ext>
+            </a:extLst>
+          </a:blip>
+          <a:srcRect/>
+          <a:stretch>
+            <a:fillRect/>
+          </a:stretch>
+        </p:blipFill>
+        <p:spPr bwMode="auto">
+          <a:xfrm>
+            <a:off x="971599" y="2297261"/>
+            <a:ext cx="3152775" cy="904875"/>
+          </a:xfrm>
+          <a:prstGeom prst="rect">
+            <a:avLst/>
+          </a:prstGeom>
+          <a:noFill/>
+          <a:ln>
+            <a:noFill/>
+          </a:ln>
+          <a:effectLst/>
+          <a:extLst>
+            <a:ext uri="{909E8E84-426E-40DD-AFC4-6F175D3DCCD1}">
+              <a14:hiddenFill xmlns:a14="http://schemas.microsoft.com/office/drawing/2010/main">
+                <a:solidFill>
+                  <a:schemeClr val="accent1"/>
+                </a:solidFill>
+              </a14:hiddenFill>
+            </a:ext>
+            <a:ext uri="{91240B29-F687-4F45-9708-019B960494DF}">
+              <a14:hiddenLine xmlns:a14="http://schemas.microsoft.com/office/drawing/2010/main" w="9525">
+                <a:solidFill>
+                  <a:schemeClr val="tx1"/>
+                </a:solidFill>
+                <a:miter lim="800000"/>
+                <a:headEnd/>
+                <a:tailEnd/>
+              </a14:hiddenLine>
+            </a:ext>
+            <a:ext uri="{AF507438-7753-43E0-B8FC-AC1667EBCBE1}">
+              <a14:hiddenEffects xmlns:a14="http://schemas.microsoft.com/office/drawing/2010/main">
+                <a:effectLst>
+                  <a:outerShdw dist="35921" dir="2700000" algn="ctr" rotWithShape="0">
+                    <a:schemeClr val="bg2"/>
+                  </a:outerShdw>
+                </a:effectLst>
+              </a14:hiddenEffects>
+            </a:ext>
+          </a:extLst>
+        </p:spPr>
+      </p:pic>
+    </p:spTree>
+    <p:extLst>
+      <p:ext uri="{BB962C8B-B14F-4D97-AF65-F5344CB8AC3E}">
+        <p14:creationId xmlns:p14="http://schemas.microsoft.com/office/powerpoint/2010/main" val="1798135401"/>
+      </p:ext>
+    </p:extLst>
+  </p:cSld>
+  <p:clrMapOvr>
+    <a:masterClrMapping/>
+  </p:clrMapOvr>
+</p:sld>
+</file>
+
+<file path=ppt/slides/slide49.xml><?xml version="1.0" encoding="utf-8"?>
+<p:sld xmlns:a="http://schemas.openxmlformats.org/drawingml/2006/main" xmlns:r="http://schemas.openxmlformats.org/officeDocument/2006/relationships" xmlns:p="http://schemas.openxmlformats.org/presentationml/2006/main">
+  <p:cSld>
+    <p:spTree>
+      <p:nvGrpSpPr>
+        <p:cNvPr id="1" name=""/>
+        <p:cNvGrpSpPr/>
+        <p:nvPr/>
+      </p:nvGrpSpPr>
+      <p:grpSpPr>
+        <a:xfrm>
+          <a:off x="0" y="0"/>
+          <a:ext cx="0" cy="0"/>
+          <a:chOff x="0" y="0"/>
+          <a:chExt cx="0" cy="0"/>
+        </a:xfrm>
+      </p:grpSpPr>
+      <p:sp>
+        <p:nvSpPr>
+          <p:cNvPr id="2" name="标题 1"/>
+          <p:cNvSpPr>
+            <a:spLocks noGrp="1"/>
+          </p:cNvSpPr>
+          <p:nvPr>
+            <p:ph type="title"/>
+          </p:nvPr>
+        </p:nvSpPr>
+        <p:spPr/>
+        <p:txBody>
+          <a:bodyPr>
+            <a:normAutofit fontScale="90000"/>
+          </a:bodyPr>
+          <a:lstStyle/>
+          <a:p>
+            <a:r>
+              <a:rPr lang="en-US" altLang="zh-CN" dirty="0" smtClean="0"/>
+              <a:t>Html</a:t>
+            </a:r>
+            <a:r>
+              <a:rPr lang="zh-CN" altLang="en-US" dirty="0" smtClean="0"/>
+              <a:t>中出现</a:t>
+            </a:r>
+            <a:r>
+              <a:rPr lang="en-US" altLang="zh-CN" dirty="0" err="1" smtClean="0"/>
+              <a:t>ng</a:t>
+            </a:r>
+            <a:r>
+              <a:rPr lang="en-US" altLang="zh-CN" dirty="0" smtClean="0"/>
+              <a:t>-reflect-</a:t>
+            </a:r>
+            <a:r>
+              <a:rPr lang="en-US" altLang="zh-CN" dirty="0" err="1" smtClean="0"/>
+              <a:t>ng</a:t>
+            </a:r>
+            <a:r>
+              <a:rPr lang="en-US" altLang="zh-CN" dirty="0" smtClean="0"/>
+              <a:t>-class</a:t>
+            </a:r>
+            <a:r>
+              <a:rPr lang="zh-CN" altLang="en-US" dirty="0" smtClean="0"/>
+              <a:t>标记</a:t>
+            </a:r>
+            <a:endParaRPr lang="zh-CN" altLang="en-US" dirty="0"/>
+          </a:p>
+        </p:txBody>
+      </p:sp>
+      <p:sp>
+        <p:nvSpPr>
+          <p:cNvPr id="3" name="内容占位符 2"/>
+          <p:cNvSpPr>
+            <a:spLocks noGrp="1"/>
+          </p:cNvSpPr>
+          <p:nvPr>
+            <p:ph idx="1"/>
+          </p:nvPr>
+        </p:nvSpPr>
+        <p:spPr/>
+        <p:txBody>
+          <a:bodyPr/>
+          <a:lstStyle/>
+          <a:p>
+            <a:endParaRPr lang="zh-CN" altLang="en-US" dirty="0"/>
+          </a:p>
+        </p:txBody>
+      </p:sp>
+      <p:pic>
+        <p:nvPicPr>
+          <p:cNvPr id="2051" name="Picture 3"/>
+          <p:cNvPicPr>
+            <a:picLocks noChangeAspect="1" noChangeArrowheads="1"/>
+          </p:cNvPicPr>
+          <p:nvPr/>
+        </p:nvPicPr>
+        <p:blipFill>
+          <a:blip r:embed="rId2">
+            <a:extLst>
+              <a:ext uri="{28A0092B-C50C-407E-A947-70E740481C1C}">
+                <a14:useLocalDpi xmlns:a14="http://schemas.microsoft.com/office/drawing/2010/main" val="0"/>
+              </a:ext>
+            </a:extLst>
+          </a:blip>
+          <a:srcRect/>
+          <a:stretch>
+            <a:fillRect/>
+          </a:stretch>
+        </p:blipFill>
+        <p:spPr bwMode="auto">
+          <a:xfrm>
+            <a:off x="899592" y="1916832"/>
+            <a:ext cx="6372225" cy="1266825"/>
+          </a:xfrm>
+          <a:prstGeom prst="rect">
+            <a:avLst/>
+          </a:prstGeom>
+          <a:noFill/>
+          <a:ln>
+            <a:noFill/>
+          </a:ln>
+          <a:effectLst/>
+          <a:extLst>
+            <a:ext uri="{909E8E84-426E-40DD-AFC4-6F175D3DCCD1}">
+              <a14:hiddenFill xmlns:a14="http://schemas.microsoft.com/office/drawing/2010/main">
+                <a:solidFill>
+                  <a:schemeClr val="accent1"/>
+                </a:solidFill>
+              </a14:hiddenFill>
+            </a:ext>
+            <a:ext uri="{91240B29-F687-4F45-9708-019B960494DF}">
+              <a14:hiddenLine xmlns:a14="http://schemas.microsoft.com/office/drawing/2010/main" w="9525">
+                <a:solidFill>
+                  <a:schemeClr val="tx1"/>
+                </a:solidFill>
+                <a:miter lim="800000"/>
+                <a:headEnd/>
+                <a:tailEnd/>
+              </a14:hiddenLine>
+            </a:ext>
+            <a:ext uri="{AF507438-7753-43E0-B8FC-AC1667EBCBE1}">
+              <a14:hiddenEffects xmlns:a14="http://schemas.microsoft.com/office/drawing/2010/main">
+                <a:effectLst>
+                  <a:outerShdw dist="35921" dir="2700000" algn="ctr" rotWithShape="0">
+                    <a:schemeClr val="bg2"/>
+                  </a:outerShdw>
+                </a:effectLst>
+              </a14:hiddenEffects>
+            </a:ext>
+          </a:extLst>
+        </p:spPr>
+      </p:pic>
+    </p:spTree>
+    <p:extLst>
+      <p:ext uri="{BB962C8B-B14F-4D97-AF65-F5344CB8AC3E}">
+        <p14:creationId xmlns:p14="http://schemas.microsoft.com/office/powerpoint/2010/main" val="2040937839"/>
       </p:ext>
     </p:extLst>
   </p:cSld>
@@ -9900,7 +10566,7 @@
         <a:sysClr val="windowText" lastClr="000000"/>
       </a:dk1>
       <a:lt1>
-        <a:sysClr val="window" lastClr="FFFFFF"/>
+        <a:sysClr val="window" lastClr="CBE9CF"/>
       </a:lt1>
       <a:dk2>
         <a:srgbClr val="1F497D"/>
@@ -10183,7 +10849,7 @@
         <a:sysClr val="windowText" lastClr="000000"/>
       </a:dk1>
       <a:lt1>
-        <a:sysClr val="window" lastClr="FFFFFF"/>
+        <a:sysClr val="window" lastClr="CBE9CF"/>
       </a:lt1>
       <a:dk2>
         <a:srgbClr val="1F497D"/>

--- a/files/Angular2.pptx
+++ b/files/Angular2.pptx
@@ -5,58 +5,59 @@
     <p:sldMasterId id="2147483648" r:id="rId1"/>
   </p:sldMasterIdLst>
   <p:notesMasterIdLst>
-    <p:notesMasterId r:id="rId51"/>
+    <p:notesMasterId r:id="rId52"/>
   </p:notesMasterIdLst>
   <p:sldIdLst>
     <p:sldId id="257" r:id="rId2"/>
     <p:sldId id="260" r:id="rId3"/>
     <p:sldId id="259" r:id="rId4"/>
     <p:sldId id="258" r:id="rId5"/>
-    <p:sldId id="261" r:id="rId6"/>
-    <p:sldId id="262" r:id="rId7"/>
-    <p:sldId id="263" r:id="rId8"/>
-    <p:sldId id="264" r:id="rId9"/>
-    <p:sldId id="265" r:id="rId10"/>
-    <p:sldId id="266" r:id="rId11"/>
-    <p:sldId id="267" r:id="rId12"/>
-    <p:sldId id="269" r:id="rId13"/>
-    <p:sldId id="268" r:id="rId14"/>
-    <p:sldId id="270" r:id="rId15"/>
-    <p:sldId id="271" r:id="rId16"/>
-    <p:sldId id="272" r:id="rId17"/>
-    <p:sldId id="291" r:id="rId18"/>
-    <p:sldId id="282" r:id="rId19"/>
-    <p:sldId id="273" r:id="rId20"/>
-    <p:sldId id="276" r:id="rId21"/>
-    <p:sldId id="274" r:id="rId22"/>
-    <p:sldId id="275" r:id="rId23"/>
-    <p:sldId id="277" r:id="rId24"/>
-    <p:sldId id="279" r:id="rId25"/>
-    <p:sldId id="280" r:id="rId26"/>
-    <p:sldId id="284" r:id="rId27"/>
-    <p:sldId id="293" r:id="rId28"/>
-    <p:sldId id="292" r:id="rId29"/>
-    <p:sldId id="294" r:id="rId30"/>
-    <p:sldId id="301" r:id="rId31"/>
-    <p:sldId id="296" r:id="rId32"/>
-    <p:sldId id="295" r:id="rId33"/>
-    <p:sldId id="285" r:id="rId34"/>
-    <p:sldId id="288" r:id="rId35"/>
-    <p:sldId id="283" r:id="rId36"/>
-    <p:sldId id="286" r:id="rId37"/>
-    <p:sldId id="287" r:id="rId38"/>
-    <p:sldId id="289" r:id="rId39"/>
-    <p:sldId id="290" r:id="rId40"/>
-    <p:sldId id="297" r:id="rId41"/>
-    <p:sldId id="305" r:id="rId42"/>
-    <p:sldId id="299" r:id="rId43"/>
-    <p:sldId id="298" r:id="rId44"/>
-    <p:sldId id="300" r:id="rId45"/>
-    <p:sldId id="278" r:id="rId46"/>
-    <p:sldId id="302" r:id="rId47"/>
-    <p:sldId id="306" r:id="rId48"/>
-    <p:sldId id="303" r:id="rId49"/>
-    <p:sldId id="304" r:id="rId50"/>
+    <p:sldId id="307" r:id="rId6"/>
+    <p:sldId id="261" r:id="rId7"/>
+    <p:sldId id="262" r:id="rId8"/>
+    <p:sldId id="263" r:id="rId9"/>
+    <p:sldId id="264" r:id="rId10"/>
+    <p:sldId id="265" r:id="rId11"/>
+    <p:sldId id="266" r:id="rId12"/>
+    <p:sldId id="267" r:id="rId13"/>
+    <p:sldId id="269" r:id="rId14"/>
+    <p:sldId id="268" r:id="rId15"/>
+    <p:sldId id="270" r:id="rId16"/>
+    <p:sldId id="271" r:id="rId17"/>
+    <p:sldId id="272" r:id="rId18"/>
+    <p:sldId id="291" r:id="rId19"/>
+    <p:sldId id="282" r:id="rId20"/>
+    <p:sldId id="273" r:id="rId21"/>
+    <p:sldId id="276" r:id="rId22"/>
+    <p:sldId id="274" r:id="rId23"/>
+    <p:sldId id="275" r:id="rId24"/>
+    <p:sldId id="277" r:id="rId25"/>
+    <p:sldId id="279" r:id="rId26"/>
+    <p:sldId id="280" r:id="rId27"/>
+    <p:sldId id="284" r:id="rId28"/>
+    <p:sldId id="293" r:id="rId29"/>
+    <p:sldId id="292" r:id="rId30"/>
+    <p:sldId id="294" r:id="rId31"/>
+    <p:sldId id="301" r:id="rId32"/>
+    <p:sldId id="296" r:id="rId33"/>
+    <p:sldId id="295" r:id="rId34"/>
+    <p:sldId id="285" r:id="rId35"/>
+    <p:sldId id="288" r:id="rId36"/>
+    <p:sldId id="283" r:id="rId37"/>
+    <p:sldId id="286" r:id="rId38"/>
+    <p:sldId id="287" r:id="rId39"/>
+    <p:sldId id="289" r:id="rId40"/>
+    <p:sldId id="290" r:id="rId41"/>
+    <p:sldId id="297" r:id="rId42"/>
+    <p:sldId id="305" r:id="rId43"/>
+    <p:sldId id="299" r:id="rId44"/>
+    <p:sldId id="298" r:id="rId45"/>
+    <p:sldId id="300" r:id="rId46"/>
+    <p:sldId id="278" r:id="rId47"/>
+    <p:sldId id="302" r:id="rId48"/>
+    <p:sldId id="306" r:id="rId49"/>
+    <p:sldId id="303" r:id="rId50"/>
+    <p:sldId id="304" r:id="rId51"/>
   </p:sldIdLst>
   <p:sldSz cx="9144000" cy="6858000" type="screen4x3"/>
   <p:notesSz cx="6858000" cy="9144000"/>
@@ -157,7 +158,7 @@
   </p:defaultTextStyle>
   <p:extLst>
     <p:ext uri="{EFAFB233-063F-42B5-8137-9DF3F51BA10A}">
-      <p15:sldGuideLst xmlns:p15="http://schemas.microsoft.com/office/powerpoint/2012/main" xmlns="">
+      <p15:sldGuideLst xmlns="" xmlns:p15="http://schemas.microsoft.com/office/powerpoint/2012/main">
         <p15:guide id="1" orient="horz" pos="2160">
           <p15:clr>
             <a:srgbClr val="A4A3A4"/>
@@ -256,7 +257,7 @@
           <a:p>
             <a:fld id="{AD1DCDFA-BF87-4C21-B8FF-C7D869EA008A}" type="datetimeFigureOut">
               <a:rPr lang="zh-CN" altLang="en-US" smtClean="0"/>
-              <a:t>2017/3/20</a:t>
+              <a:t>2017/3/21</a:t>
             </a:fld>
             <a:endParaRPr lang="zh-CN" altLang="en-US"/>
           </a:p>
@@ -588,7 +589,7 @@
           <a:p>
             <a:fld id="{5596D80E-E838-4A36-A5AD-2029880C9AD3}" type="slidenum">
               <a:rPr lang="zh-CN" altLang="en-US" smtClean="0"/>
-              <a:t>6</a:t>
+              <a:t>7</a:t>
             </a:fld>
             <a:endParaRPr lang="zh-CN" altLang="en-US"/>
           </a:p>
@@ -676,7 +677,7 @@
           <a:p>
             <a:fld id="{5596D80E-E838-4A36-A5AD-2029880C9AD3}" type="slidenum">
               <a:rPr lang="zh-CN" altLang="en-US" smtClean="0"/>
-              <a:t>32</a:t>
+              <a:t>33</a:t>
             </a:fld>
             <a:endParaRPr lang="zh-CN" altLang="en-US"/>
           </a:p>
@@ -784,7 +785,7 @@
           <a:p>
             <a:fld id="{5596D80E-E838-4A36-A5AD-2029880C9AD3}" type="slidenum">
               <a:rPr lang="zh-CN" altLang="en-US" smtClean="0"/>
-              <a:t>35</a:t>
+              <a:t>36</a:t>
             </a:fld>
             <a:endParaRPr lang="zh-CN" altLang="en-US"/>
           </a:p>
@@ -847,6 +848,10 @@
           <a:bodyPr/>
           <a:lstStyle/>
           <a:p>
+            <a:r>
+              <a:rPr lang="zh-CN" altLang="en-US" dirty="0" smtClean="0"/>
+              <a:t>服务放到父组件中，才能被子组件共享</a:t>
+            </a:r>
             <a:endParaRPr lang="zh-CN" altLang="en-US" dirty="0"/>
           </a:p>
         </p:txBody>
@@ -868,7 +873,7 @@
           <a:p>
             <a:fld id="{5596D80E-E838-4A36-A5AD-2029880C9AD3}" type="slidenum">
               <a:rPr lang="zh-CN" altLang="en-US" smtClean="0"/>
-              <a:t>45</a:t>
+              <a:t>46</a:t>
             </a:fld>
             <a:endParaRPr lang="zh-CN" altLang="en-US"/>
           </a:p>
@@ -1249,7 +1254,7 @@
           <a:p>
             <a:fld id="{5596D80E-E838-4A36-A5AD-2029880C9AD3}" type="slidenum">
               <a:rPr lang="zh-CN" altLang="en-US" smtClean="0"/>
-              <a:t>7</a:t>
+              <a:t>8</a:t>
             </a:fld>
             <a:endParaRPr lang="zh-CN" altLang="en-US"/>
           </a:p>
@@ -1383,7 +1388,7 @@
           <a:p>
             <a:fld id="{5596D80E-E838-4A36-A5AD-2029880C9AD3}" type="slidenum">
               <a:rPr lang="zh-CN" altLang="en-US" smtClean="0"/>
-              <a:t>8</a:t>
+              <a:t>9</a:t>
             </a:fld>
             <a:endParaRPr lang="zh-CN" altLang="en-US"/>
           </a:p>
@@ -1467,7 +1472,7 @@
           <a:p>
             <a:fld id="{5596D80E-E838-4A36-A5AD-2029880C9AD3}" type="slidenum">
               <a:rPr lang="zh-CN" altLang="en-US" smtClean="0"/>
-              <a:t>9</a:t>
+              <a:t>10</a:t>
             </a:fld>
             <a:endParaRPr lang="zh-CN" altLang="en-US"/>
           </a:p>
@@ -1551,7 +1556,7 @@
           <a:p>
             <a:fld id="{5596D80E-E838-4A36-A5AD-2029880C9AD3}" type="slidenum">
               <a:rPr lang="zh-CN" altLang="en-US" smtClean="0"/>
-              <a:t>10</a:t>
+              <a:t>11</a:t>
             </a:fld>
             <a:endParaRPr lang="zh-CN" altLang="en-US"/>
           </a:p>
@@ -1665,7 +1670,7 @@
           <a:p>
             <a:fld id="{5596D80E-E838-4A36-A5AD-2029880C9AD3}" type="slidenum">
               <a:rPr lang="zh-CN" altLang="en-US" smtClean="0"/>
-              <a:t>15</a:t>
+              <a:t>16</a:t>
             </a:fld>
             <a:endParaRPr lang="zh-CN" altLang="en-US"/>
           </a:p>
@@ -1760,7 +1765,7 @@
           <a:p>
             <a:fld id="{5596D80E-E838-4A36-A5AD-2029880C9AD3}" type="slidenum">
               <a:rPr lang="zh-CN" altLang="en-US" smtClean="0"/>
-              <a:t>25</a:t>
+              <a:t>26</a:t>
             </a:fld>
             <a:endParaRPr lang="zh-CN" altLang="en-US"/>
           </a:p>
@@ -1980,7 +1985,7 @@
           <a:p>
             <a:fld id="{5596D80E-E838-4A36-A5AD-2029880C9AD3}" type="slidenum">
               <a:rPr lang="zh-CN" altLang="en-US" smtClean="0"/>
-              <a:t>29</a:t>
+              <a:t>30</a:t>
             </a:fld>
             <a:endParaRPr lang="zh-CN" altLang="en-US"/>
           </a:p>
@@ -2074,7 +2079,7 @@
           <a:p>
             <a:fld id="{5596D80E-E838-4A36-A5AD-2029880C9AD3}" type="slidenum">
               <a:rPr lang="zh-CN" altLang="en-US" smtClean="0"/>
-              <a:t>30</a:t>
+              <a:t>31</a:t>
             </a:fld>
             <a:endParaRPr lang="zh-CN" altLang="en-US"/>
           </a:p>
@@ -2272,7 +2277,7 @@
           <a:p>
             <a:fld id="{530820CF-B880-4189-942D-D702A7CBA730}" type="datetimeFigureOut">
               <a:rPr lang="zh-CN" altLang="en-US" smtClean="0"/>
-              <a:t>2017/3/20</a:t>
+              <a:t>2017/3/21</a:t>
             </a:fld>
             <a:endParaRPr lang="zh-CN" altLang="en-US"/>
           </a:p>
@@ -2435,7 +2440,7 @@
           <a:p>
             <a:fld id="{530820CF-B880-4189-942D-D702A7CBA730}" type="datetimeFigureOut">
               <a:rPr lang="zh-CN" altLang="en-US" smtClean="0"/>
-              <a:t>2017/3/20</a:t>
+              <a:t>2017/3/21</a:t>
             </a:fld>
             <a:endParaRPr lang="zh-CN" altLang="en-US"/>
           </a:p>
@@ -2608,7 +2613,7 @@
           <a:p>
             <a:fld id="{530820CF-B880-4189-942D-D702A7CBA730}" type="datetimeFigureOut">
               <a:rPr lang="zh-CN" altLang="en-US" smtClean="0"/>
-              <a:t>2017/3/20</a:t>
+              <a:t>2017/3/21</a:t>
             </a:fld>
             <a:endParaRPr lang="zh-CN" altLang="en-US"/>
           </a:p>
@@ -2771,7 +2776,7 @@
           <a:p>
             <a:fld id="{530820CF-B880-4189-942D-D702A7CBA730}" type="datetimeFigureOut">
               <a:rPr lang="zh-CN" altLang="en-US" smtClean="0"/>
-              <a:t>2017/3/20</a:t>
+              <a:t>2017/3/21</a:t>
             </a:fld>
             <a:endParaRPr lang="zh-CN" altLang="en-US"/>
           </a:p>
@@ -3011,7 +3016,7 @@
           <a:p>
             <a:fld id="{530820CF-B880-4189-942D-D702A7CBA730}" type="datetimeFigureOut">
               <a:rPr lang="zh-CN" altLang="en-US" smtClean="0"/>
-              <a:t>2017/3/20</a:t>
+              <a:t>2017/3/21</a:t>
             </a:fld>
             <a:endParaRPr lang="zh-CN" altLang="en-US"/>
           </a:p>
@@ -3291,7 +3296,7 @@
           <a:p>
             <a:fld id="{530820CF-B880-4189-942D-D702A7CBA730}" type="datetimeFigureOut">
               <a:rPr lang="zh-CN" altLang="en-US" smtClean="0"/>
-              <a:t>2017/3/20</a:t>
+              <a:t>2017/3/21</a:t>
             </a:fld>
             <a:endParaRPr lang="zh-CN" altLang="en-US"/>
           </a:p>
@@ -3705,7 +3710,7 @@
           <a:p>
             <a:fld id="{530820CF-B880-4189-942D-D702A7CBA730}" type="datetimeFigureOut">
               <a:rPr lang="zh-CN" altLang="en-US" smtClean="0"/>
-              <a:t>2017/3/20</a:t>
+              <a:t>2017/3/21</a:t>
             </a:fld>
             <a:endParaRPr lang="zh-CN" altLang="en-US"/>
           </a:p>
@@ -3817,7 +3822,7 @@
           <a:p>
             <a:fld id="{530820CF-B880-4189-942D-D702A7CBA730}" type="datetimeFigureOut">
               <a:rPr lang="zh-CN" altLang="en-US" smtClean="0"/>
-              <a:t>2017/3/20</a:t>
+              <a:t>2017/3/21</a:t>
             </a:fld>
             <a:endParaRPr lang="zh-CN" altLang="en-US"/>
           </a:p>
@@ -3907,7 +3912,7 @@
           <a:p>
             <a:fld id="{530820CF-B880-4189-942D-D702A7CBA730}" type="datetimeFigureOut">
               <a:rPr lang="zh-CN" altLang="en-US" smtClean="0"/>
-              <a:t>2017/3/20</a:t>
+              <a:t>2017/3/21</a:t>
             </a:fld>
             <a:endParaRPr lang="zh-CN" altLang="en-US"/>
           </a:p>
@@ -4177,7 +4182,7 @@
           <a:p>
             <a:fld id="{530820CF-B880-4189-942D-D702A7CBA730}" type="datetimeFigureOut">
               <a:rPr lang="zh-CN" altLang="en-US" smtClean="0"/>
-              <a:t>2017/3/20</a:t>
+              <a:t>2017/3/21</a:t>
             </a:fld>
             <a:endParaRPr lang="zh-CN" altLang="en-US"/>
           </a:p>
@@ -4424,7 +4429,7 @@
           <a:p>
             <a:fld id="{530820CF-B880-4189-942D-D702A7CBA730}" type="datetimeFigureOut">
               <a:rPr lang="zh-CN" altLang="en-US" smtClean="0"/>
-              <a:t>2017/3/20</a:t>
+              <a:t>2017/3/21</a:t>
             </a:fld>
             <a:endParaRPr lang="zh-CN" altLang="en-US"/>
           </a:p>
@@ -4630,7 +4635,7 @@
           <a:p>
             <a:fld id="{530820CF-B880-4189-942D-D702A7CBA730}" type="datetimeFigureOut">
               <a:rPr lang="zh-CN" altLang="en-US" smtClean="0"/>
-              <a:t>2017/3/20</a:t>
+              <a:t>2017/3/21</a:t>
             </a:fld>
             <a:endParaRPr lang="zh-CN" altLang="en-US"/>
           </a:p>
@@ -5153,13 +5158,14 @@
           <a:lstStyle/>
           <a:p>
             <a:r>
+              <a:rPr lang="zh-CN" altLang="en-US" dirty="0"/>
+              <a:t>路由</a:t>
+            </a:r>
+            <a:r>
               <a:rPr lang="en-US" altLang="zh-CN" dirty="0"/>
-              <a:t>Ng</a:t>
-            </a:r>
-            <a:r>
-              <a:rPr lang="zh-CN" altLang="en-US" dirty="0"/>
-              <a:t>开发工具链</a:t>
-            </a:r>
+              <a:t>4</a:t>
+            </a:r>
+            <a:endParaRPr lang="zh-CN" altLang="en-US" dirty="0"/>
           </a:p>
         </p:txBody>
       </p:sp>
@@ -5180,42 +5186,24 @@
           <a:p>
             <a:r>
               <a:rPr lang="zh-CN" altLang="en-US" dirty="0"/>
-              <a:t>项目打包</a:t>
-            </a:r>
-            <a:endParaRPr lang="en-US" altLang="zh-CN" dirty="0"/>
-          </a:p>
-          <a:p>
-            <a:pPr lvl="1"/>
-            <a:r>
-              <a:rPr lang="en-US" altLang="zh-CN" dirty="0"/>
-              <a:t>CLI</a:t>
-            </a:r>
-          </a:p>
-          <a:p>
-            <a:pPr lvl="1"/>
-            <a:r>
-              <a:rPr lang="en-US" altLang="zh-CN" dirty="0" err="1"/>
-              <a:t>SytemJS</a:t>
-            </a:r>
-            <a:endParaRPr lang="en-US" altLang="zh-CN" dirty="0"/>
-          </a:p>
-          <a:p>
-            <a:pPr lvl="1"/>
-            <a:r>
-              <a:rPr lang="en-US" altLang="zh-CN" dirty="0" err="1"/>
-              <a:t>Webpack</a:t>
-            </a:r>
-            <a:r>
-              <a:rPr lang="en-US" altLang="zh-CN" dirty="0"/>
-              <a:t>   https://github.com/AngularClass/angular2-webpack-starter</a:t>
-            </a:r>
+              <a:t>使用</a:t>
+            </a:r>
+            <a:r>
+              <a:rPr lang="en-US" altLang="zh-CN" b="1" i="1" dirty="0" err="1"/>
+              <a:t>HashLocationStrategy</a:t>
+            </a:r>
+            <a:r>
+              <a:rPr lang="zh-CN" altLang="en-US" dirty="0"/>
+              <a:t>配置路由</a:t>
+            </a:r>
+            <a:endParaRPr lang="en-US" altLang="zh-CN" b="1" dirty="0"/>
           </a:p>
         </p:txBody>
       </p:sp>
     </p:spTree>
     <p:extLst>
       <p:ext uri="{BB962C8B-B14F-4D97-AF65-F5344CB8AC3E}">
-        <p14:creationId xmlns:p14="http://schemas.microsoft.com/office/powerpoint/2010/main" val="2375499776"/>
+        <p14:creationId xmlns:p14="http://schemas.microsoft.com/office/powerpoint/2010/main" val="2509974280"/>
       </p:ext>
     </p:extLst>
   </p:cSld>
@@ -5258,8 +5246,12 @@
           <a:lstStyle/>
           <a:p>
             <a:r>
-              <a:rPr lang="zh-CN" altLang="en-US" dirty="0"/>
-              <a:t>调试引入的外部组件</a:t>
+              <a:rPr lang="en-US" altLang="zh-CN" dirty="0"/>
+              <a:t>Ng</a:t>
+            </a:r>
+            <a:r>
+              <a:rPr lang="zh-CN" altLang="en-US" dirty="0"/>
+              <a:t>开发工具链</a:t>
             </a:r>
           </a:p>
         </p:txBody>
@@ -5279,14 +5271,44 @@
           <a:bodyPr/>
           <a:lstStyle/>
           <a:p>
-            <a:endParaRPr lang="zh-CN" altLang="en-US" dirty="0"/>
+            <a:r>
+              <a:rPr lang="zh-CN" altLang="en-US" dirty="0"/>
+              <a:t>项目打包</a:t>
+            </a:r>
+            <a:endParaRPr lang="en-US" altLang="zh-CN" dirty="0"/>
+          </a:p>
+          <a:p>
+            <a:pPr lvl="1"/>
+            <a:r>
+              <a:rPr lang="en-US" altLang="zh-CN" dirty="0"/>
+              <a:t>CLI</a:t>
+            </a:r>
+          </a:p>
+          <a:p>
+            <a:pPr lvl="1"/>
+            <a:r>
+              <a:rPr lang="en-US" altLang="zh-CN" dirty="0" err="1"/>
+              <a:t>SytemJS</a:t>
+            </a:r>
+            <a:endParaRPr lang="en-US" altLang="zh-CN" dirty="0"/>
+          </a:p>
+          <a:p>
+            <a:pPr lvl="1"/>
+            <a:r>
+              <a:rPr lang="en-US" altLang="zh-CN" dirty="0" err="1"/>
+              <a:t>Webpack</a:t>
+            </a:r>
+            <a:r>
+              <a:rPr lang="en-US" altLang="zh-CN" dirty="0"/>
+              <a:t>   https://github.com/AngularClass/angular2-webpack-starter</a:t>
+            </a:r>
           </a:p>
         </p:txBody>
       </p:sp>
     </p:spTree>
     <p:extLst>
       <p:ext uri="{BB962C8B-B14F-4D97-AF65-F5344CB8AC3E}">
-        <p14:creationId xmlns:p14="http://schemas.microsoft.com/office/powerpoint/2010/main" val="1657520850"/>
+        <p14:creationId xmlns:p14="http://schemas.microsoft.com/office/powerpoint/2010/main" val="2375499776"/>
       </p:ext>
     </p:extLst>
   </p:cSld>
@@ -5330,15 +5352,7 @@
           <a:p>
             <a:r>
               <a:rPr lang="zh-CN" altLang="en-US" dirty="0"/>
-              <a:t>调试</a:t>
-            </a:r>
-            <a:r>
-              <a:rPr lang="en-US" altLang="zh-CN" dirty="0"/>
-              <a:t>angular2</a:t>
-            </a:r>
-            <a:r>
-              <a:rPr lang="zh-CN" altLang="en-US" dirty="0"/>
-              <a:t>源码</a:t>
+              <a:t>调试引入的外部组件</a:t>
             </a:r>
           </a:p>
         </p:txBody>
@@ -5365,7 +5379,7 @@
     </p:spTree>
     <p:extLst>
       <p:ext uri="{BB962C8B-B14F-4D97-AF65-F5344CB8AC3E}">
-        <p14:creationId xmlns:p14="http://schemas.microsoft.com/office/powerpoint/2010/main" val="232245326"/>
+        <p14:creationId xmlns:p14="http://schemas.microsoft.com/office/powerpoint/2010/main" val="1657520850"/>
       </p:ext>
     </p:extLst>
   </p:cSld>
@@ -5404,26 +5418,20 @@
         </p:nvSpPr>
         <p:spPr/>
         <p:txBody>
-          <a:bodyPr>
-            <a:normAutofit fontScale="90000"/>
-          </a:bodyPr>
-          <a:lstStyle/>
-          <a:p>
-            <a:r>
-              <a:rPr lang="en-US" altLang="zh-CN" dirty="0" err="1"/>
-              <a:t>Webstorm</a:t>
-            </a:r>
-            <a:r>
-              <a:rPr lang="zh-CN" altLang="en-US" dirty="0"/>
-              <a:t>中设置全局</a:t>
+          <a:bodyPr/>
+          <a:lstStyle/>
+          <a:p>
+            <a:r>
+              <a:rPr lang="zh-CN" altLang="en-US" dirty="0"/>
+              <a:t>调试</a:t>
             </a:r>
             <a:r>
               <a:rPr lang="en-US" altLang="zh-CN" dirty="0"/>
-              <a:t>typescript</a:t>
-            </a:r>
-            <a:r>
-              <a:rPr lang="zh-CN" altLang="en-US" dirty="0"/>
-              <a:t>版本</a:t>
+              <a:t>angular2</a:t>
+            </a:r>
+            <a:r>
+              <a:rPr lang="zh-CN" altLang="en-US" dirty="0"/>
+              <a:t>源码</a:t>
             </a:r>
           </a:p>
         </p:txBody>
@@ -5442,27 +5450,6 @@
         <p:txBody>
           <a:bodyPr/>
           <a:lstStyle/>
-          <a:p>
-            <a:r>
-              <a:rPr lang="zh-CN" altLang="en-US" dirty="0"/>
-              <a:t>为什么要设置</a:t>
-            </a:r>
-            <a:r>
-              <a:rPr lang="en-US" altLang="zh-CN" dirty="0" err="1"/>
-              <a:t>typesript</a:t>
-            </a:r>
-            <a:r>
-              <a:rPr lang="zh-CN" altLang="en-US" dirty="0"/>
-              <a:t>的版本</a:t>
-            </a:r>
-            <a:r>
-              <a:rPr lang="en-US" altLang="zh-CN" dirty="0">
-                <a:hlinkClick r:id="rId2"/>
-              </a:rPr>
-              <a:t>https://github.com/Microsoft/TypeScript/wiki/What's-new-in-TypeScript#module-identifiers-allow-for-js-extension</a:t>
-            </a:r>
-            <a:endParaRPr lang="en-US" altLang="zh-CN" dirty="0"/>
-          </a:p>
           <a:p>
             <a:endParaRPr lang="zh-CN" altLang="en-US" dirty="0"/>
           </a:p>
@@ -5471,7 +5458,7 @@
     </p:spTree>
     <p:extLst>
       <p:ext uri="{BB962C8B-B14F-4D97-AF65-F5344CB8AC3E}">
-        <p14:creationId xmlns:p14="http://schemas.microsoft.com/office/powerpoint/2010/main" val="3359938326"/>
+        <p14:creationId xmlns:p14="http://schemas.microsoft.com/office/powerpoint/2010/main" val="232245326"/>
       </p:ext>
     </p:extLst>
   </p:cSld>
@@ -5510,6 +5497,112 @@
         </p:nvSpPr>
         <p:spPr/>
         <p:txBody>
+          <a:bodyPr>
+            <a:normAutofit fontScale="90000"/>
+          </a:bodyPr>
+          <a:lstStyle/>
+          <a:p>
+            <a:r>
+              <a:rPr lang="en-US" altLang="zh-CN" dirty="0" err="1"/>
+              <a:t>Webstorm</a:t>
+            </a:r>
+            <a:r>
+              <a:rPr lang="zh-CN" altLang="en-US" dirty="0"/>
+              <a:t>中设置全局</a:t>
+            </a:r>
+            <a:r>
+              <a:rPr lang="en-US" altLang="zh-CN" dirty="0"/>
+              <a:t>typescript</a:t>
+            </a:r>
+            <a:r>
+              <a:rPr lang="zh-CN" altLang="en-US" dirty="0"/>
+              <a:t>版本</a:t>
+            </a:r>
+          </a:p>
+        </p:txBody>
+      </p:sp>
+      <p:sp>
+        <p:nvSpPr>
+          <p:cNvPr id="3" name="内容占位符 2"/>
+          <p:cNvSpPr>
+            <a:spLocks noGrp="1"/>
+          </p:cNvSpPr>
+          <p:nvPr>
+            <p:ph idx="1"/>
+          </p:nvPr>
+        </p:nvSpPr>
+        <p:spPr/>
+        <p:txBody>
+          <a:bodyPr/>
+          <a:lstStyle/>
+          <a:p>
+            <a:r>
+              <a:rPr lang="zh-CN" altLang="en-US" dirty="0"/>
+              <a:t>为什么要设置</a:t>
+            </a:r>
+            <a:r>
+              <a:rPr lang="en-US" altLang="zh-CN" dirty="0" err="1"/>
+              <a:t>typesript</a:t>
+            </a:r>
+            <a:r>
+              <a:rPr lang="zh-CN" altLang="en-US" dirty="0"/>
+              <a:t>的版本</a:t>
+            </a:r>
+            <a:r>
+              <a:rPr lang="en-US" altLang="zh-CN" dirty="0">
+                <a:hlinkClick r:id="rId2"/>
+              </a:rPr>
+              <a:t>https://github.com/Microsoft/TypeScript/wiki/What's-new-in-TypeScript#module-identifiers-allow-for-js-extension</a:t>
+            </a:r>
+            <a:endParaRPr lang="en-US" altLang="zh-CN" dirty="0"/>
+          </a:p>
+          <a:p>
+            <a:endParaRPr lang="zh-CN" altLang="en-US" dirty="0"/>
+          </a:p>
+        </p:txBody>
+      </p:sp>
+    </p:spTree>
+    <p:extLst>
+      <p:ext uri="{BB962C8B-B14F-4D97-AF65-F5344CB8AC3E}">
+        <p14:creationId xmlns:p14="http://schemas.microsoft.com/office/powerpoint/2010/main" val="3359938326"/>
+      </p:ext>
+    </p:extLst>
+  </p:cSld>
+  <p:clrMapOvr>
+    <a:masterClrMapping/>
+  </p:clrMapOvr>
+</p:sld>
+</file>
+
+<file path=ppt/slides/slide15.xml><?xml version="1.0" encoding="utf-8"?>
+<p:sld xmlns:a="http://schemas.openxmlformats.org/drawingml/2006/main" xmlns:r="http://schemas.openxmlformats.org/officeDocument/2006/relationships" xmlns:p="http://schemas.openxmlformats.org/presentationml/2006/main">
+  <p:cSld>
+    <p:spTree>
+      <p:nvGrpSpPr>
+        <p:cNvPr id="1" name=""/>
+        <p:cNvGrpSpPr/>
+        <p:nvPr/>
+      </p:nvGrpSpPr>
+      <p:grpSpPr>
+        <a:xfrm>
+          <a:off x="0" y="0"/>
+          <a:ext cx="0" cy="0"/>
+          <a:chOff x="0" y="0"/>
+          <a:chExt cx="0" cy="0"/>
+        </a:xfrm>
+      </p:grpSpPr>
+      <p:sp>
+        <p:nvSpPr>
+          <p:cNvPr id="2" name="标题 1"/>
+          <p:cNvSpPr>
+            <a:spLocks noGrp="1"/>
+          </p:cNvSpPr>
+          <p:nvPr>
+            <p:ph type="title"/>
+          </p:nvPr>
+        </p:nvSpPr>
+        <p:spPr/>
+        <p:txBody>
           <a:bodyPr/>
           <a:lstStyle/>
           <a:p>
@@ -5560,7 +5653,7 @@
 </p:sld>
 </file>
 
-<file path=ppt/slides/slide15.xml><?xml version="1.0" encoding="utf-8"?>
+<file path=ppt/slides/slide16.xml><?xml version="1.0" encoding="utf-8"?>
 <p:sld xmlns:a="http://schemas.openxmlformats.org/drawingml/2006/main" xmlns:r="http://schemas.openxmlformats.org/officeDocument/2006/relationships" xmlns:p="http://schemas.openxmlformats.org/presentationml/2006/main">
   <p:cSld>
     <p:spTree>
@@ -5823,77 +5916,6 @@
 </p:sld>
 </file>
 
-<file path=ppt/slides/slide16.xml><?xml version="1.0" encoding="utf-8"?>
-<p:sld xmlns:a="http://schemas.openxmlformats.org/drawingml/2006/main" xmlns:r="http://schemas.openxmlformats.org/officeDocument/2006/relationships" xmlns:p="http://schemas.openxmlformats.org/presentationml/2006/main">
-  <p:cSld>
-    <p:spTree>
-      <p:nvGrpSpPr>
-        <p:cNvPr id="1" name=""/>
-        <p:cNvGrpSpPr/>
-        <p:nvPr/>
-      </p:nvGrpSpPr>
-      <p:grpSpPr>
-        <a:xfrm>
-          <a:off x="0" y="0"/>
-          <a:ext cx="0" cy="0"/>
-          <a:chOff x="0" y="0"/>
-          <a:chExt cx="0" cy="0"/>
-        </a:xfrm>
-      </p:grpSpPr>
-      <p:sp>
-        <p:nvSpPr>
-          <p:cNvPr id="2" name="标题 1"/>
-          <p:cNvSpPr>
-            <a:spLocks noGrp="1"/>
-          </p:cNvSpPr>
-          <p:nvPr>
-            <p:ph type="title"/>
-          </p:nvPr>
-        </p:nvSpPr>
-        <p:spPr/>
-        <p:txBody>
-          <a:bodyPr/>
-          <a:lstStyle/>
-          <a:p>
-            <a:r>
-              <a:rPr lang="zh-CN" altLang="en-US" dirty="0"/>
-              <a:t>父组件与子组件通信</a:t>
-            </a:r>
-          </a:p>
-        </p:txBody>
-      </p:sp>
-      <p:sp>
-        <p:nvSpPr>
-          <p:cNvPr id="3" name="内容占位符 2"/>
-          <p:cNvSpPr>
-            <a:spLocks noGrp="1"/>
-          </p:cNvSpPr>
-          <p:nvPr>
-            <p:ph idx="1"/>
-          </p:nvPr>
-        </p:nvSpPr>
-        <p:spPr/>
-        <p:txBody>
-          <a:bodyPr/>
-          <a:lstStyle/>
-          <a:p>
-            <a:endParaRPr lang="zh-CN" altLang="en-US"/>
-          </a:p>
-        </p:txBody>
-      </p:sp>
-    </p:spTree>
-    <p:extLst>
-      <p:ext uri="{BB962C8B-B14F-4D97-AF65-F5344CB8AC3E}">
-        <p14:creationId xmlns:p14="http://schemas.microsoft.com/office/powerpoint/2010/main" val="1220962353"/>
-      </p:ext>
-    </p:extLst>
-  </p:cSld>
-  <p:clrMapOvr>
-    <a:masterClrMapping/>
-  </p:clrMapOvr>
-</p:sld>
-</file>
-
 <file path=ppt/slides/slide17.xml><?xml version="1.0" encoding="utf-8"?>
 <p:sld xmlns:a="http://schemas.openxmlformats.org/drawingml/2006/main" xmlns:r="http://schemas.openxmlformats.org/officeDocument/2006/relationships" xmlns:p="http://schemas.openxmlformats.org/presentationml/2006/main">
   <p:cSld>
@@ -5923,6 +5945,77 @@
         </p:nvSpPr>
         <p:spPr/>
         <p:txBody>
+          <a:bodyPr/>
+          <a:lstStyle/>
+          <a:p>
+            <a:r>
+              <a:rPr lang="zh-CN" altLang="en-US" dirty="0"/>
+              <a:t>父组件与子组件通信</a:t>
+            </a:r>
+          </a:p>
+        </p:txBody>
+      </p:sp>
+      <p:sp>
+        <p:nvSpPr>
+          <p:cNvPr id="3" name="内容占位符 2"/>
+          <p:cNvSpPr>
+            <a:spLocks noGrp="1"/>
+          </p:cNvSpPr>
+          <p:nvPr>
+            <p:ph idx="1"/>
+          </p:nvPr>
+        </p:nvSpPr>
+        <p:spPr/>
+        <p:txBody>
+          <a:bodyPr/>
+          <a:lstStyle/>
+          <a:p>
+            <a:endParaRPr lang="zh-CN" altLang="en-US"/>
+          </a:p>
+        </p:txBody>
+      </p:sp>
+    </p:spTree>
+    <p:extLst>
+      <p:ext uri="{BB962C8B-B14F-4D97-AF65-F5344CB8AC3E}">
+        <p14:creationId xmlns:p14="http://schemas.microsoft.com/office/powerpoint/2010/main" val="1220962353"/>
+      </p:ext>
+    </p:extLst>
+  </p:cSld>
+  <p:clrMapOvr>
+    <a:masterClrMapping/>
+  </p:clrMapOvr>
+</p:sld>
+</file>
+
+<file path=ppt/slides/slide18.xml><?xml version="1.0" encoding="utf-8"?>
+<p:sld xmlns:a="http://schemas.openxmlformats.org/drawingml/2006/main" xmlns:r="http://schemas.openxmlformats.org/officeDocument/2006/relationships" xmlns:p="http://schemas.openxmlformats.org/presentationml/2006/main">
+  <p:cSld>
+    <p:spTree>
+      <p:nvGrpSpPr>
+        <p:cNvPr id="1" name=""/>
+        <p:cNvGrpSpPr/>
+        <p:nvPr/>
+      </p:nvGrpSpPr>
+      <p:grpSpPr>
+        <a:xfrm>
+          <a:off x="0" y="0"/>
+          <a:ext cx="0" cy="0"/>
+          <a:chOff x="0" y="0"/>
+          <a:chExt cx="0" cy="0"/>
+        </a:xfrm>
+      </p:grpSpPr>
+      <p:sp>
+        <p:nvSpPr>
+          <p:cNvPr id="2" name="标题 1"/>
+          <p:cNvSpPr>
+            <a:spLocks noGrp="1"/>
+          </p:cNvSpPr>
+          <p:nvPr>
+            <p:ph type="title"/>
+          </p:nvPr>
+        </p:nvSpPr>
+        <p:spPr/>
+        <p:txBody>
           <a:bodyPr>
             <a:normAutofit fontScale="90000"/>
           </a:bodyPr>
@@ -5967,7 +6060,7 @@
 </p:sld>
 </file>
 
-<file path=ppt/slides/slide18.xml><?xml version="1.0" encoding="utf-8"?>
+<file path=ppt/slides/slide19.xml><?xml version="1.0" encoding="utf-8"?>
 <p:sld xmlns:a="http://schemas.openxmlformats.org/drawingml/2006/main" xmlns:r="http://schemas.openxmlformats.org/officeDocument/2006/relationships" xmlns:p="http://schemas.openxmlformats.org/presentationml/2006/main">
   <p:cSld>
     <p:spTree>
@@ -6073,91 +6166,6 @@
 </p:sld>
 </file>
 
-<file path=ppt/slides/slide19.xml><?xml version="1.0" encoding="utf-8"?>
-<p:sld xmlns:a="http://schemas.openxmlformats.org/drawingml/2006/main" xmlns:r="http://schemas.openxmlformats.org/officeDocument/2006/relationships" xmlns:p="http://schemas.openxmlformats.org/presentationml/2006/main">
-  <p:cSld>
-    <p:spTree>
-      <p:nvGrpSpPr>
-        <p:cNvPr id="1" name=""/>
-        <p:cNvGrpSpPr/>
-        <p:nvPr/>
-      </p:nvGrpSpPr>
-      <p:grpSpPr>
-        <a:xfrm>
-          <a:off x="0" y="0"/>
-          <a:ext cx="0" cy="0"/>
-          <a:chOff x="0" y="0"/>
-          <a:chExt cx="0" cy="0"/>
-        </a:xfrm>
-      </p:grpSpPr>
-      <p:sp>
-        <p:nvSpPr>
-          <p:cNvPr id="2" name="标题 1"/>
-          <p:cNvSpPr>
-            <a:spLocks noGrp="1"/>
-          </p:cNvSpPr>
-          <p:nvPr>
-            <p:ph type="title"/>
-          </p:nvPr>
-        </p:nvSpPr>
-        <p:spPr/>
-        <p:txBody>
-          <a:bodyPr/>
-          <a:lstStyle/>
-          <a:p>
-            <a:r>
-              <a:rPr lang="zh-CN" altLang="en-US" dirty="0"/>
-              <a:t>创建子模块</a:t>
-            </a:r>
-          </a:p>
-        </p:txBody>
-      </p:sp>
-      <p:sp>
-        <p:nvSpPr>
-          <p:cNvPr id="3" name="内容占位符 2"/>
-          <p:cNvSpPr>
-            <a:spLocks noGrp="1"/>
-          </p:cNvSpPr>
-          <p:nvPr>
-            <p:ph idx="1"/>
-          </p:nvPr>
-        </p:nvSpPr>
-        <p:spPr/>
-        <p:txBody>
-          <a:bodyPr/>
-          <a:lstStyle/>
-          <a:p>
-            <a:r>
-              <a:rPr lang="zh-CN" altLang="en-US" dirty="0"/>
-              <a:t>导入</a:t>
-            </a:r>
-            <a:r>
-              <a:rPr lang="en-US" altLang="zh-CN" dirty="0" err="1"/>
-              <a:t>CommonModule</a:t>
-            </a:r>
-            <a:endParaRPr lang="en-US" altLang="zh-CN" dirty="0"/>
-          </a:p>
-          <a:p>
-            <a:r>
-              <a:rPr lang="zh-CN" altLang="en-US" dirty="0"/>
-              <a:t>导入子路由</a:t>
-            </a:r>
-          </a:p>
-        </p:txBody>
-      </p:sp>
-    </p:spTree>
-    <p:extLst>
-      <p:ext uri="{BB962C8B-B14F-4D97-AF65-F5344CB8AC3E}">
-        <p14:creationId xmlns:p14="http://schemas.microsoft.com/office/powerpoint/2010/main" val="2934551552"/>
-      </p:ext>
-    </p:extLst>
-  </p:cSld>
-  <p:clrMapOvr>
-    <a:masterClrMapping/>
-  </p:clrMapOvr>
-</p:sld>
-</file>
-
 <file path=ppt/slides/slide2.xml><?xml version="1.0" encoding="utf-8"?>
 <p:sld xmlns:a="http://schemas.openxmlformats.org/drawingml/2006/main" xmlns:r="http://schemas.openxmlformats.org/officeDocument/2006/relationships" xmlns:p="http://schemas.openxmlformats.org/presentationml/2006/main">
   <p:cSld>
@@ -6346,7 +6354,7 @@
           <a:p>
             <a:r>
               <a:rPr lang="zh-CN" altLang="en-US" dirty="0"/>
-              <a:t>组件树</a:t>
+              <a:t>创建子模块</a:t>
             </a:r>
           </a:p>
         </p:txBody>
@@ -6367,20 +6375,19 @@
           <a:lstStyle/>
           <a:p>
             <a:r>
+              <a:rPr lang="zh-CN" altLang="en-US" dirty="0"/>
+              <a:t>导入</a:t>
+            </a:r>
+            <a:r>
               <a:rPr lang="en-US" altLang="zh-CN" dirty="0" err="1"/>
-              <a:t>NgModule</a:t>
-            </a:r>
-            <a:r>
-              <a:rPr lang="zh-CN" altLang="en-US" dirty="0"/>
-              <a:t>中</a:t>
-            </a:r>
-            <a:r>
-              <a:rPr lang="en-US" altLang="zh-CN" dirty="0"/>
-              <a:t>exports</a:t>
-            </a:r>
-            <a:r>
-              <a:rPr lang="zh-CN" altLang="en-US" dirty="0"/>
-              <a:t>导出组件</a:t>
+              <a:t>CommonModule</a:t>
+            </a:r>
+            <a:endParaRPr lang="en-US" altLang="zh-CN" dirty="0"/>
+          </a:p>
+          <a:p>
+            <a:r>
+              <a:rPr lang="zh-CN" altLang="en-US" dirty="0"/>
+              <a:t>导入子路由</a:t>
             </a:r>
           </a:p>
         </p:txBody>
@@ -6388,7 +6395,7 @@
     </p:spTree>
     <p:extLst>
       <p:ext uri="{BB962C8B-B14F-4D97-AF65-F5344CB8AC3E}">
-        <p14:creationId xmlns:p14="http://schemas.microsoft.com/office/powerpoint/2010/main" val="1845034492"/>
+        <p14:creationId xmlns:p14="http://schemas.microsoft.com/office/powerpoint/2010/main" val="2934551552"/>
       </p:ext>
     </p:extLst>
   </p:cSld>
@@ -6432,6 +6439,92 @@
           <a:p>
             <a:r>
               <a:rPr lang="zh-CN" altLang="en-US" dirty="0"/>
+              <a:t>组件树</a:t>
+            </a:r>
+          </a:p>
+        </p:txBody>
+      </p:sp>
+      <p:sp>
+        <p:nvSpPr>
+          <p:cNvPr id="3" name="内容占位符 2"/>
+          <p:cNvSpPr>
+            <a:spLocks noGrp="1"/>
+          </p:cNvSpPr>
+          <p:nvPr>
+            <p:ph idx="1"/>
+          </p:nvPr>
+        </p:nvSpPr>
+        <p:spPr/>
+        <p:txBody>
+          <a:bodyPr/>
+          <a:lstStyle/>
+          <a:p>
+            <a:r>
+              <a:rPr lang="en-US" altLang="zh-CN" dirty="0" err="1"/>
+              <a:t>NgModule</a:t>
+            </a:r>
+            <a:r>
+              <a:rPr lang="zh-CN" altLang="en-US" dirty="0"/>
+              <a:t>中</a:t>
+            </a:r>
+            <a:r>
+              <a:rPr lang="en-US" altLang="zh-CN" dirty="0"/>
+              <a:t>exports</a:t>
+            </a:r>
+            <a:r>
+              <a:rPr lang="zh-CN" altLang="en-US" dirty="0"/>
+              <a:t>导出组件</a:t>
+            </a:r>
+          </a:p>
+        </p:txBody>
+      </p:sp>
+    </p:spTree>
+    <p:extLst>
+      <p:ext uri="{BB962C8B-B14F-4D97-AF65-F5344CB8AC3E}">
+        <p14:creationId xmlns:p14="http://schemas.microsoft.com/office/powerpoint/2010/main" val="1845034492"/>
+      </p:ext>
+    </p:extLst>
+  </p:cSld>
+  <p:clrMapOvr>
+    <a:masterClrMapping/>
+  </p:clrMapOvr>
+</p:sld>
+</file>
+
+<file path=ppt/slides/slide22.xml><?xml version="1.0" encoding="utf-8"?>
+<p:sld xmlns:a="http://schemas.openxmlformats.org/drawingml/2006/main" xmlns:r="http://schemas.openxmlformats.org/officeDocument/2006/relationships" xmlns:p="http://schemas.openxmlformats.org/presentationml/2006/main">
+  <p:cSld>
+    <p:spTree>
+      <p:nvGrpSpPr>
+        <p:cNvPr id="1" name=""/>
+        <p:cNvGrpSpPr/>
+        <p:nvPr/>
+      </p:nvGrpSpPr>
+      <p:grpSpPr>
+        <a:xfrm>
+          <a:off x="0" y="0"/>
+          <a:ext cx="0" cy="0"/>
+          <a:chOff x="0" y="0"/>
+          <a:chExt cx="0" cy="0"/>
+        </a:xfrm>
+      </p:grpSpPr>
+      <p:sp>
+        <p:nvSpPr>
+          <p:cNvPr id="2" name="标题 1"/>
+          <p:cNvSpPr>
+            <a:spLocks noGrp="1"/>
+          </p:cNvSpPr>
+          <p:nvPr>
+            <p:ph type="title"/>
+          </p:nvPr>
+        </p:nvSpPr>
+        <p:spPr/>
+        <p:txBody>
+          <a:bodyPr/>
+          <a:lstStyle/>
+          <a:p>
+            <a:r>
+              <a:rPr lang="zh-CN" altLang="en-US" dirty="0"/>
               <a:t>路由从</a:t>
             </a:r>
             <a:r>
@@ -6477,7 +6570,7 @@
 </p:sld>
 </file>
 
-<file path=ppt/slides/slide22.xml><?xml version="1.0" encoding="utf-8"?>
+<file path=ppt/slides/slide23.xml><?xml version="1.0" encoding="utf-8"?>
 <p:sld xmlns:a="http://schemas.openxmlformats.org/drawingml/2006/main" xmlns:r="http://schemas.openxmlformats.org/officeDocument/2006/relationships" xmlns:p="http://schemas.openxmlformats.org/presentationml/2006/main">
   <p:cSld>
     <p:spTree>
@@ -6612,7 +6705,7 @@
 </p:sld>
 </file>
 
-<file path=ppt/slides/slide23.xml><?xml version="1.0" encoding="utf-8"?>
+<file path=ppt/slides/slide24.xml><?xml version="1.0" encoding="utf-8"?>
 <p:sld xmlns:a="http://schemas.openxmlformats.org/drawingml/2006/main" xmlns:r="http://schemas.openxmlformats.org/officeDocument/2006/relationships" xmlns:p="http://schemas.openxmlformats.org/presentationml/2006/main">
   <p:cSld>
     <p:spTree>
@@ -6759,108 +6852,6 @@
 </p:sld>
 </file>
 
-<file path=ppt/slides/slide24.xml><?xml version="1.0" encoding="utf-8"?>
-<p:sld xmlns:a="http://schemas.openxmlformats.org/drawingml/2006/main" xmlns:r="http://schemas.openxmlformats.org/officeDocument/2006/relationships" xmlns:p="http://schemas.openxmlformats.org/presentationml/2006/main">
-  <p:cSld>
-    <p:spTree>
-      <p:nvGrpSpPr>
-        <p:cNvPr id="1" name=""/>
-        <p:cNvGrpSpPr/>
-        <p:nvPr/>
-      </p:nvGrpSpPr>
-      <p:grpSpPr>
-        <a:xfrm>
-          <a:off x="0" y="0"/>
-          <a:ext cx="0" cy="0"/>
-          <a:chOff x="0" y="0"/>
-          <a:chExt cx="0" cy="0"/>
-        </a:xfrm>
-      </p:grpSpPr>
-      <p:sp>
-        <p:nvSpPr>
-          <p:cNvPr id="2" name="标题 1"/>
-          <p:cNvSpPr>
-            <a:spLocks noGrp="1"/>
-          </p:cNvSpPr>
-          <p:nvPr>
-            <p:ph type="title"/>
-          </p:nvPr>
-        </p:nvSpPr>
-        <p:spPr/>
-        <p:txBody>
-          <a:bodyPr/>
-          <a:lstStyle/>
-          <a:p>
-            <a:r>
-              <a:rPr lang="en-US" altLang="zh-CN" dirty="0" err="1"/>
-              <a:t>systemJS</a:t>
-            </a:r>
-            <a:r>
-              <a:rPr lang="zh-CN" altLang="en-US" dirty="0"/>
-              <a:t>工具链</a:t>
-            </a:r>
-          </a:p>
-        </p:txBody>
-      </p:sp>
-      <p:sp>
-        <p:nvSpPr>
-          <p:cNvPr id="3" name="内容占位符 2"/>
-          <p:cNvSpPr>
-            <a:spLocks noGrp="1"/>
-          </p:cNvSpPr>
-          <p:nvPr>
-            <p:ph idx="1"/>
-          </p:nvPr>
-        </p:nvSpPr>
-        <p:spPr/>
-        <p:txBody>
-          <a:bodyPr/>
-          <a:lstStyle/>
-          <a:p>
-            <a:r>
-              <a:rPr lang="en-US" altLang="zh-CN" dirty="0">
-                <a:hlinkClick r:id="rId2"/>
-              </a:rPr>
-              <a:t>http://jspm.io/</a:t>
-            </a:r>
-            <a:endParaRPr lang="en-US" altLang="zh-CN" dirty="0"/>
-          </a:p>
-          <a:p>
-            <a:r>
-              <a:rPr lang="en-US" altLang="zh-CN" dirty="0">
-                <a:hlinkClick r:id="rId3"/>
-              </a:rPr>
-              <a:t>https://github.com/systemjs/systemjs/blob/master/docs/plugins.md</a:t>
-            </a:r>
-            <a:endParaRPr lang="en-US" altLang="zh-CN" dirty="0"/>
-          </a:p>
-          <a:p>
-            <a:r>
-              <a:rPr lang="en-US" altLang="zh-CN" dirty="0">
-                <a:hlinkClick r:id="rId4"/>
-              </a:rPr>
-              <a:t>https://github.com/systemjs/systemjs</a:t>
-            </a:r>
-            <a:endParaRPr lang="en-US" altLang="zh-CN" dirty="0"/>
-          </a:p>
-          <a:p>
-            <a:endParaRPr lang="zh-CN" altLang="en-US" dirty="0"/>
-          </a:p>
-        </p:txBody>
-      </p:sp>
-    </p:spTree>
-    <p:extLst>
-      <p:ext uri="{BB962C8B-B14F-4D97-AF65-F5344CB8AC3E}">
-        <p14:creationId xmlns:p14="http://schemas.microsoft.com/office/powerpoint/2010/main" val="1287197292"/>
-      </p:ext>
-    </p:extLst>
-  </p:cSld>
-  <p:clrMapOvr>
-    <a:masterClrMapping/>
-  </p:clrMapOvr>
-</p:sld>
-</file>
-
 <file path=ppt/slides/slide25.xml><?xml version="1.0" encoding="utf-8"?>
 <p:sld xmlns:a="http://schemas.openxmlformats.org/drawingml/2006/main" xmlns:r="http://schemas.openxmlformats.org/officeDocument/2006/relationships" xmlns:p="http://schemas.openxmlformats.org/presentationml/2006/main">
   <p:cSld>
@@ -6890,14 +6881,12 @@
         </p:nvSpPr>
         <p:spPr/>
         <p:txBody>
-          <a:bodyPr>
-            <a:normAutofit/>
-          </a:bodyPr>
-          <a:lstStyle/>
-          <a:p>
-            <a:r>
-              <a:rPr lang="en-US" altLang="zh-CN" dirty="0"/>
-              <a:t>Webpack2.0</a:t>
+          <a:bodyPr/>
+          <a:lstStyle/>
+          <a:p>
+            <a:r>
+              <a:rPr lang="en-US" altLang="zh-CN" dirty="0" err="1"/>
+              <a:t>systemJS</a:t>
             </a:r>
             <a:r>
               <a:rPr lang="zh-CN" altLang="en-US" dirty="0"/>
@@ -6920,39 +6909,34 @@
         <p:txBody>
           <a:bodyPr/>
           <a:lstStyle/>
+          <a:p>
+            <a:r>
+              <a:rPr lang="en-US" altLang="zh-CN" dirty="0">
+                <a:hlinkClick r:id="rId2"/>
+              </a:rPr>
+              <a:t>http://jspm.io/</a:t>
+            </a:r>
+            <a:endParaRPr lang="en-US" altLang="zh-CN" dirty="0"/>
+          </a:p>
           <a:p>
             <a:r>
               <a:rPr lang="en-US" altLang="zh-CN" dirty="0">
                 <a:hlinkClick r:id="rId3"/>
               </a:rPr>
-              <a:t>https://webpack.js.org/concepts</a:t>
-            </a:r>
-            <a:r>
-              <a:rPr lang="en-US" altLang="zh-CN" dirty="0" smtClean="0">
-                <a:hlinkClick r:id="rId3"/>
+              <a:t>https://github.com/systemjs/systemjs/blob/master/docs/plugins.md</a:t>
+            </a:r>
+            <a:endParaRPr lang="en-US" altLang="zh-CN" dirty="0"/>
+          </a:p>
+          <a:p>
+            <a:r>
+              <a:rPr lang="en-US" altLang="zh-CN" dirty="0">
+                <a:hlinkClick r:id="rId4"/>
               </a:rPr>
-              <a:t>/</a:t>
-            </a:r>
-          </a:p>
-          <a:p>
-            <a:r>
-              <a:rPr lang="en-US" altLang="zh-CN" dirty="0" smtClean="0">
-                <a:hlinkClick r:id="rId3"/>
-              </a:rPr>
-              <a:t>http</a:t>
-            </a:r>
-            <a:r>
-              <a:rPr lang="en-US" altLang="zh-CN" dirty="0">
-                <a:hlinkClick r:id="rId3"/>
-              </a:rPr>
-              <a:t>://webpack.github.io/docs</a:t>
-            </a:r>
-            <a:r>
-              <a:rPr lang="en-US" altLang="zh-CN" dirty="0" smtClean="0">
-                <a:hlinkClick r:id="rId3"/>
-              </a:rPr>
-              <a:t>/</a:t>
-            </a:r>
+              <a:t>https://github.com/systemjs/systemjs</a:t>
+            </a:r>
+            <a:endParaRPr lang="en-US" altLang="zh-CN" dirty="0"/>
+          </a:p>
+          <a:p>
             <a:endParaRPr lang="zh-CN" altLang="en-US" dirty="0"/>
           </a:p>
         </p:txBody>
@@ -6960,7 +6944,7 @@
     </p:spTree>
     <p:extLst>
       <p:ext uri="{BB962C8B-B14F-4D97-AF65-F5344CB8AC3E}">
-        <p14:creationId xmlns:p14="http://schemas.microsoft.com/office/powerpoint/2010/main" val="4047428046"/>
+        <p14:creationId xmlns:p14="http://schemas.microsoft.com/office/powerpoint/2010/main" val="1287197292"/>
       </p:ext>
     </p:extLst>
   </p:cSld>
@@ -6999,52 +6983,77 @@
         </p:nvSpPr>
         <p:spPr/>
         <p:txBody>
-          <a:bodyPr/>
-          <a:lstStyle/>
-          <a:p>
-            <a:r>
-              <a:rPr lang="en-US" altLang="zh-CN" dirty="0" err="1"/>
-              <a:t>Webpack</a:t>
-            </a:r>
-            <a:r>
-              <a:rPr lang="zh-CN" altLang="en-US" dirty="0"/>
-              <a:t>中的各种</a:t>
-            </a:r>
-            <a:r>
-              <a:rPr lang="en-US" altLang="zh-CN" dirty="0" err="1"/>
-              <a:t>css</a:t>
-            </a:r>
+          <a:bodyPr>
+            <a:normAutofit/>
+          </a:bodyPr>
+          <a:lstStyle/>
+          <a:p>
             <a:r>
               <a:rPr lang="en-US" altLang="zh-CN" dirty="0"/>
-              <a:t>-loader</a:t>
+              <a:t>Webpack2.0</a:t>
+            </a:r>
+            <a:r>
+              <a:rPr lang="zh-CN" altLang="en-US" dirty="0"/>
+              <a:t>工具链</a:t>
+            </a:r>
+          </a:p>
+        </p:txBody>
+      </p:sp>
+      <p:sp>
+        <p:nvSpPr>
+          <p:cNvPr id="3" name="内容占位符 2"/>
+          <p:cNvSpPr>
+            <a:spLocks noGrp="1"/>
+          </p:cNvSpPr>
+          <p:nvPr>
+            <p:ph idx="1"/>
+          </p:nvPr>
+        </p:nvSpPr>
+        <p:spPr/>
+        <p:txBody>
+          <a:bodyPr/>
+          <a:lstStyle/>
+          <a:p>
+            <a:r>
+              <a:rPr lang="en-US" altLang="zh-CN" dirty="0">
+                <a:hlinkClick r:id="rId3"/>
+              </a:rPr>
+              <a:t>https://webpack.js.org/concepts</a:t>
+            </a:r>
+            <a:r>
+              <a:rPr lang="en-US" altLang="zh-CN" dirty="0" smtClean="0">
+                <a:hlinkClick r:id="rId3"/>
+              </a:rPr>
+              <a:t>/</a:t>
+            </a:r>
+          </a:p>
+          <a:p>
+            <a:r>
+              <a:rPr lang="en-US" altLang="zh-CN" dirty="0" smtClean="0">
+                <a:hlinkClick r:id="rId3"/>
+              </a:rPr>
+              <a:t>http</a:t>
+            </a:r>
+            <a:r>
+              <a:rPr lang="en-US" altLang="zh-CN" dirty="0">
+                <a:hlinkClick r:id="rId3"/>
+              </a:rPr>
+              <a:t>://webpack.github.io/docs</a:t>
+            </a:r>
+            <a:r>
+              <a:rPr lang="en-US" altLang="zh-CN" dirty="0" smtClean="0">
+                <a:hlinkClick r:id="rId3"/>
+              </a:rPr>
+              <a:t>/</a:t>
             </a:r>
             <a:endParaRPr lang="zh-CN" altLang="en-US" dirty="0"/>
-          </a:p>
-        </p:txBody>
-      </p:sp>
-      <p:sp>
-        <p:nvSpPr>
-          <p:cNvPr id="3" name="内容占位符 2"/>
-          <p:cNvSpPr>
-            <a:spLocks noGrp="1"/>
-          </p:cNvSpPr>
-          <p:nvPr>
-            <p:ph idx="1"/>
-          </p:nvPr>
-        </p:nvSpPr>
-        <p:spPr/>
-        <p:txBody>
-          <a:bodyPr/>
-          <a:lstStyle/>
-          <a:p>
-            <a:endParaRPr lang="zh-CN" altLang="en-US"/>
           </a:p>
         </p:txBody>
       </p:sp>
     </p:spTree>
     <p:extLst>
       <p:ext uri="{BB962C8B-B14F-4D97-AF65-F5344CB8AC3E}">
-        <p14:creationId xmlns:p14="http://schemas.microsoft.com/office/powerpoint/2010/main" val="3905841973"/>
+        <p14:creationId xmlns:p14="http://schemas.microsoft.com/office/powerpoint/2010/main" val="4047428046"/>
       </p:ext>
     </p:extLst>
   </p:cSld>
@@ -7083,6 +7092,90 @@
         </p:nvSpPr>
         <p:spPr/>
         <p:txBody>
+          <a:bodyPr/>
+          <a:lstStyle/>
+          <a:p>
+            <a:r>
+              <a:rPr lang="en-US" altLang="zh-CN" dirty="0" err="1"/>
+              <a:t>Webpack</a:t>
+            </a:r>
+            <a:r>
+              <a:rPr lang="zh-CN" altLang="en-US" dirty="0"/>
+              <a:t>中的各种</a:t>
+            </a:r>
+            <a:r>
+              <a:rPr lang="en-US" altLang="zh-CN" dirty="0" err="1"/>
+              <a:t>css</a:t>
+            </a:r>
+            <a:r>
+              <a:rPr lang="en-US" altLang="zh-CN" dirty="0"/>
+              <a:t>-loader</a:t>
+            </a:r>
+            <a:endParaRPr lang="zh-CN" altLang="en-US" dirty="0"/>
+          </a:p>
+        </p:txBody>
+      </p:sp>
+      <p:sp>
+        <p:nvSpPr>
+          <p:cNvPr id="3" name="内容占位符 2"/>
+          <p:cNvSpPr>
+            <a:spLocks noGrp="1"/>
+          </p:cNvSpPr>
+          <p:nvPr>
+            <p:ph idx="1"/>
+          </p:nvPr>
+        </p:nvSpPr>
+        <p:spPr/>
+        <p:txBody>
+          <a:bodyPr/>
+          <a:lstStyle/>
+          <a:p>
+            <a:endParaRPr lang="zh-CN" altLang="en-US"/>
+          </a:p>
+        </p:txBody>
+      </p:sp>
+    </p:spTree>
+    <p:extLst>
+      <p:ext uri="{BB962C8B-B14F-4D97-AF65-F5344CB8AC3E}">
+        <p14:creationId xmlns:p14="http://schemas.microsoft.com/office/powerpoint/2010/main" val="3905841973"/>
+      </p:ext>
+    </p:extLst>
+  </p:cSld>
+  <p:clrMapOvr>
+    <a:masterClrMapping/>
+  </p:clrMapOvr>
+</p:sld>
+</file>
+
+<file path=ppt/slides/slide28.xml><?xml version="1.0" encoding="utf-8"?>
+<p:sld xmlns:a="http://schemas.openxmlformats.org/drawingml/2006/main" xmlns:r="http://schemas.openxmlformats.org/officeDocument/2006/relationships" xmlns:p="http://schemas.openxmlformats.org/presentationml/2006/main">
+  <p:cSld>
+    <p:spTree>
+      <p:nvGrpSpPr>
+        <p:cNvPr id="1" name=""/>
+        <p:cNvGrpSpPr/>
+        <p:nvPr/>
+      </p:nvGrpSpPr>
+      <p:grpSpPr>
+        <a:xfrm>
+          <a:off x="0" y="0"/>
+          <a:ext cx="0" cy="0"/>
+          <a:chOff x="0" y="0"/>
+          <a:chExt cx="0" cy="0"/>
+        </a:xfrm>
+      </p:grpSpPr>
+      <p:sp>
+        <p:nvSpPr>
+          <p:cNvPr id="2" name="标题 1"/>
+          <p:cNvSpPr>
+            <a:spLocks noGrp="1"/>
+          </p:cNvSpPr>
+          <p:nvPr>
+            <p:ph type="title"/>
+          </p:nvPr>
+        </p:nvSpPr>
+        <p:spPr/>
+        <p:txBody>
           <a:bodyPr>
             <a:normAutofit fontScale="90000"/>
           </a:bodyPr>
@@ -7142,7 +7235,7 @@
 </p:sld>
 </file>
 
-<file path=ppt/slides/slide28.xml><?xml version="1.0" encoding="utf-8"?>
+<file path=ppt/slides/slide29.xml><?xml version="1.0" encoding="utf-8"?>
 <p:sld xmlns:a="http://schemas.openxmlformats.org/drawingml/2006/main" xmlns:r="http://schemas.openxmlformats.org/officeDocument/2006/relationships" xmlns:p="http://schemas.openxmlformats.org/presentationml/2006/main">
   <p:cSld>
     <p:spTree>
@@ -7272,93 +7365,6 @@
     <p:extLst>
       <p:ext uri="{BB962C8B-B14F-4D97-AF65-F5344CB8AC3E}">
         <p14:creationId xmlns:p14="http://schemas.microsoft.com/office/powerpoint/2010/main" val="1768285326"/>
-      </p:ext>
-    </p:extLst>
-  </p:cSld>
-  <p:clrMapOvr>
-    <a:masterClrMapping/>
-  </p:clrMapOvr>
-</p:sld>
-</file>
-
-<file path=ppt/slides/slide29.xml><?xml version="1.0" encoding="utf-8"?>
-<p:sld xmlns:a="http://schemas.openxmlformats.org/drawingml/2006/main" xmlns:r="http://schemas.openxmlformats.org/officeDocument/2006/relationships" xmlns:p="http://schemas.openxmlformats.org/presentationml/2006/main">
-  <p:cSld>
-    <p:spTree>
-      <p:nvGrpSpPr>
-        <p:cNvPr id="1" name=""/>
-        <p:cNvGrpSpPr/>
-        <p:nvPr/>
-      </p:nvGrpSpPr>
-      <p:grpSpPr>
-        <a:xfrm>
-          <a:off x="0" y="0"/>
-          <a:ext cx="0" cy="0"/>
-          <a:chOff x="0" y="0"/>
-          <a:chExt cx="0" cy="0"/>
-        </a:xfrm>
-      </p:grpSpPr>
-      <p:sp>
-        <p:nvSpPr>
-          <p:cNvPr id="2" name="标题 1"/>
-          <p:cNvSpPr>
-            <a:spLocks noGrp="1"/>
-          </p:cNvSpPr>
-          <p:nvPr>
-            <p:ph type="title"/>
-          </p:nvPr>
-        </p:nvSpPr>
-        <p:spPr/>
-        <p:txBody>
-          <a:bodyPr/>
-          <a:lstStyle/>
-          <a:p>
-            <a:r>
-              <a:rPr lang="en-US" altLang="zh-CN" dirty="0" err="1"/>
-              <a:t>Webpack</a:t>
-            </a:r>
-            <a:r>
-              <a:rPr lang="zh-CN" altLang="en-US" dirty="0"/>
-              <a:t>编译错误</a:t>
-            </a:r>
-            <a:r>
-              <a:rPr lang="en-US" altLang="zh-CN" dirty="0"/>
-              <a:t>(1)</a:t>
-            </a:r>
-            <a:endParaRPr lang="zh-CN" altLang="en-US" dirty="0"/>
-          </a:p>
-        </p:txBody>
-      </p:sp>
-      <p:pic>
-        <p:nvPicPr>
-          <p:cNvPr id="4" name="内容占位符 3"/>
-          <p:cNvPicPr>
-            <a:picLocks noGrp="1" noChangeAspect="1"/>
-          </p:cNvPicPr>
-          <p:nvPr>
-            <p:ph idx="1"/>
-          </p:nvPr>
-        </p:nvPicPr>
-        <p:blipFill>
-          <a:blip r:embed="rId3"/>
-          <a:stretch>
-            <a:fillRect/>
-          </a:stretch>
-        </p:blipFill>
-        <p:spPr>
-          <a:xfrm>
-            <a:off x="685800" y="1929606"/>
-            <a:ext cx="7772400" cy="3867150"/>
-          </a:xfrm>
-          <a:prstGeom prst="rect">
-            <a:avLst/>
-          </a:prstGeom>
-        </p:spPr>
-      </p:pic>
-    </p:spTree>
-    <p:extLst>
-      <p:ext uri="{BB962C8B-B14F-4D97-AF65-F5344CB8AC3E}">
-        <p14:creationId xmlns:p14="http://schemas.microsoft.com/office/powerpoint/2010/main" val="209773196"/>
       </p:ext>
     </p:extLst>
   </p:cSld>
@@ -7598,6 +7604,93 @@
             </a:r>
             <a:r>
               <a:rPr lang="en-US" altLang="zh-CN" dirty="0"/>
+              <a:t>(1)</a:t>
+            </a:r>
+            <a:endParaRPr lang="zh-CN" altLang="en-US" dirty="0"/>
+          </a:p>
+        </p:txBody>
+      </p:sp>
+      <p:pic>
+        <p:nvPicPr>
+          <p:cNvPr id="4" name="内容占位符 3"/>
+          <p:cNvPicPr>
+            <a:picLocks noGrp="1" noChangeAspect="1"/>
+          </p:cNvPicPr>
+          <p:nvPr>
+            <p:ph idx="1"/>
+          </p:nvPr>
+        </p:nvPicPr>
+        <p:blipFill>
+          <a:blip r:embed="rId3"/>
+          <a:stretch>
+            <a:fillRect/>
+          </a:stretch>
+        </p:blipFill>
+        <p:spPr>
+          <a:xfrm>
+            <a:off x="685800" y="1929606"/>
+            <a:ext cx="7772400" cy="3867150"/>
+          </a:xfrm>
+          <a:prstGeom prst="rect">
+            <a:avLst/>
+          </a:prstGeom>
+        </p:spPr>
+      </p:pic>
+    </p:spTree>
+    <p:extLst>
+      <p:ext uri="{BB962C8B-B14F-4D97-AF65-F5344CB8AC3E}">
+        <p14:creationId xmlns:p14="http://schemas.microsoft.com/office/powerpoint/2010/main" val="209773196"/>
+      </p:ext>
+    </p:extLst>
+  </p:cSld>
+  <p:clrMapOvr>
+    <a:masterClrMapping/>
+  </p:clrMapOvr>
+</p:sld>
+</file>
+
+<file path=ppt/slides/slide31.xml><?xml version="1.0" encoding="utf-8"?>
+<p:sld xmlns:a="http://schemas.openxmlformats.org/drawingml/2006/main" xmlns:r="http://schemas.openxmlformats.org/officeDocument/2006/relationships" xmlns:p="http://schemas.openxmlformats.org/presentationml/2006/main">
+  <p:cSld>
+    <p:spTree>
+      <p:nvGrpSpPr>
+        <p:cNvPr id="1" name=""/>
+        <p:cNvGrpSpPr/>
+        <p:nvPr/>
+      </p:nvGrpSpPr>
+      <p:grpSpPr>
+        <a:xfrm>
+          <a:off x="0" y="0"/>
+          <a:ext cx="0" cy="0"/>
+          <a:chOff x="0" y="0"/>
+          <a:chExt cx="0" cy="0"/>
+        </a:xfrm>
+      </p:grpSpPr>
+      <p:sp>
+        <p:nvSpPr>
+          <p:cNvPr id="2" name="标题 1"/>
+          <p:cNvSpPr>
+            <a:spLocks noGrp="1"/>
+          </p:cNvSpPr>
+          <p:nvPr>
+            <p:ph type="title"/>
+          </p:nvPr>
+        </p:nvSpPr>
+        <p:spPr/>
+        <p:txBody>
+          <a:bodyPr/>
+          <a:lstStyle/>
+          <a:p>
+            <a:r>
+              <a:rPr lang="en-US" altLang="zh-CN" dirty="0" err="1"/>
+              <a:t>Webpack</a:t>
+            </a:r>
+            <a:r>
+              <a:rPr lang="zh-CN" altLang="en-US" dirty="0"/>
+              <a:t>编译错误</a:t>
+            </a:r>
+            <a:r>
+              <a:rPr lang="en-US" altLang="zh-CN" dirty="0"/>
               <a:t>(2)</a:t>
             </a:r>
             <a:endParaRPr lang="zh-CN" altLang="en-US" dirty="0"/>
@@ -7667,7 +7760,7 @@
 </p:sld>
 </file>
 
-<file path=ppt/slides/slide31.xml><?xml version="1.0" encoding="utf-8"?>
+<file path=ppt/slides/slide32.xml><?xml version="1.0" encoding="utf-8"?>
 <p:sld xmlns:a="http://schemas.openxmlformats.org/drawingml/2006/main" xmlns:r="http://schemas.openxmlformats.org/officeDocument/2006/relationships" xmlns:p="http://schemas.openxmlformats.org/presentationml/2006/main">
   <p:cSld>
     <p:spTree>
@@ -7746,7 +7839,7 @@
 </p:sld>
 </file>
 
-<file path=ppt/slides/slide32.xml><?xml version="1.0" encoding="utf-8"?>
+<file path=ppt/slides/slide33.xml><?xml version="1.0" encoding="utf-8"?>
 <p:sld xmlns:a="http://schemas.openxmlformats.org/drawingml/2006/main" xmlns:r="http://schemas.openxmlformats.org/officeDocument/2006/relationships" xmlns:p="http://schemas.openxmlformats.org/presentationml/2006/main">
   <p:cSld>
     <p:spTree>
@@ -7830,81 +7923,6 @@
 </p:sld>
 </file>
 
-<file path=ppt/slides/slide33.xml><?xml version="1.0" encoding="utf-8"?>
-<p:sld xmlns:a="http://schemas.openxmlformats.org/drawingml/2006/main" xmlns:r="http://schemas.openxmlformats.org/officeDocument/2006/relationships" xmlns:p="http://schemas.openxmlformats.org/presentationml/2006/main">
-  <p:cSld>
-    <p:spTree>
-      <p:nvGrpSpPr>
-        <p:cNvPr id="1" name=""/>
-        <p:cNvGrpSpPr/>
-        <p:nvPr/>
-      </p:nvGrpSpPr>
-      <p:grpSpPr>
-        <a:xfrm>
-          <a:off x="0" y="0"/>
-          <a:ext cx="0" cy="0"/>
-          <a:chOff x="0" y="0"/>
-          <a:chExt cx="0" cy="0"/>
-        </a:xfrm>
-      </p:grpSpPr>
-      <p:sp>
-        <p:nvSpPr>
-          <p:cNvPr id="2" name="标题 1"/>
-          <p:cNvSpPr>
-            <a:spLocks noGrp="1"/>
-          </p:cNvSpPr>
-          <p:nvPr>
-            <p:ph type="title"/>
-          </p:nvPr>
-        </p:nvSpPr>
-        <p:spPr/>
-        <p:txBody>
-          <a:bodyPr/>
-          <a:lstStyle/>
-          <a:p>
-            <a:r>
-              <a:rPr lang="en-US" altLang="zh-CN" dirty="0"/>
-              <a:t>AOT</a:t>
-            </a:r>
-            <a:r>
-              <a:rPr lang="zh-CN" altLang="en-US" dirty="0"/>
-              <a:t>模式</a:t>
-            </a:r>
-          </a:p>
-        </p:txBody>
-      </p:sp>
-      <p:sp>
-        <p:nvSpPr>
-          <p:cNvPr id="3" name="内容占位符 2"/>
-          <p:cNvSpPr>
-            <a:spLocks noGrp="1"/>
-          </p:cNvSpPr>
-          <p:nvPr>
-            <p:ph idx="1"/>
-          </p:nvPr>
-        </p:nvSpPr>
-        <p:spPr/>
-        <p:txBody>
-          <a:bodyPr/>
-          <a:lstStyle/>
-          <a:p>
-            <a:endParaRPr lang="zh-CN" altLang="en-US"/>
-          </a:p>
-        </p:txBody>
-      </p:sp>
-    </p:spTree>
-    <p:extLst>
-      <p:ext uri="{BB962C8B-B14F-4D97-AF65-F5344CB8AC3E}">
-        <p14:creationId xmlns:p14="http://schemas.microsoft.com/office/powerpoint/2010/main" val="1591564055"/>
-      </p:ext>
-    </p:extLst>
-  </p:cSld>
-  <p:clrMapOvr>
-    <a:masterClrMapping/>
-  </p:clrMapOvr>
-</p:sld>
-</file>
-
 <file path=ppt/slides/slide34.xml><?xml version="1.0" encoding="utf-8"?>
 <p:sld xmlns:a="http://schemas.openxmlformats.org/drawingml/2006/main" xmlns:r="http://schemas.openxmlformats.org/officeDocument/2006/relationships" xmlns:p="http://schemas.openxmlformats.org/presentationml/2006/main">
   <p:cSld>
@@ -7938,6 +7956,81 @@
           <a:lstStyle/>
           <a:p>
             <a:r>
+              <a:rPr lang="en-US" altLang="zh-CN" dirty="0"/>
+              <a:t>AOT</a:t>
+            </a:r>
+            <a:r>
+              <a:rPr lang="zh-CN" altLang="en-US" dirty="0"/>
+              <a:t>模式</a:t>
+            </a:r>
+          </a:p>
+        </p:txBody>
+      </p:sp>
+      <p:sp>
+        <p:nvSpPr>
+          <p:cNvPr id="3" name="内容占位符 2"/>
+          <p:cNvSpPr>
+            <a:spLocks noGrp="1"/>
+          </p:cNvSpPr>
+          <p:nvPr>
+            <p:ph idx="1"/>
+          </p:nvPr>
+        </p:nvSpPr>
+        <p:spPr/>
+        <p:txBody>
+          <a:bodyPr/>
+          <a:lstStyle/>
+          <a:p>
+            <a:endParaRPr lang="zh-CN" altLang="en-US"/>
+          </a:p>
+        </p:txBody>
+      </p:sp>
+    </p:spTree>
+    <p:extLst>
+      <p:ext uri="{BB962C8B-B14F-4D97-AF65-F5344CB8AC3E}">
+        <p14:creationId xmlns:p14="http://schemas.microsoft.com/office/powerpoint/2010/main" val="1591564055"/>
+      </p:ext>
+    </p:extLst>
+  </p:cSld>
+  <p:clrMapOvr>
+    <a:masterClrMapping/>
+  </p:clrMapOvr>
+</p:sld>
+</file>
+
+<file path=ppt/slides/slide35.xml><?xml version="1.0" encoding="utf-8"?>
+<p:sld xmlns:a="http://schemas.openxmlformats.org/drawingml/2006/main" xmlns:r="http://schemas.openxmlformats.org/officeDocument/2006/relationships" xmlns:p="http://schemas.openxmlformats.org/presentationml/2006/main">
+  <p:cSld>
+    <p:spTree>
+      <p:nvGrpSpPr>
+        <p:cNvPr id="1" name=""/>
+        <p:cNvGrpSpPr/>
+        <p:nvPr/>
+      </p:nvGrpSpPr>
+      <p:grpSpPr>
+        <a:xfrm>
+          <a:off x="0" y="0"/>
+          <a:ext cx="0" cy="0"/>
+          <a:chOff x="0" y="0"/>
+          <a:chExt cx="0" cy="0"/>
+        </a:xfrm>
+      </p:grpSpPr>
+      <p:sp>
+        <p:nvSpPr>
+          <p:cNvPr id="2" name="标题 1"/>
+          <p:cNvSpPr>
+            <a:spLocks noGrp="1"/>
+          </p:cNvSpPr>
+          <p:nvPr>
+            <p:ph type="title"/>
+          </p:nvPr>
+        </p:nvSpPr>
+        <p:spPr/>
+        <p:txBody>
+          <a:bodyPr/>
+          <a:lstStyle/>
+          <a:p>
+            <a:r>
               <a:rPr lang="zh-CN" altLang="en-US" dirty="0"/>
               <a:t>实现前端模块加载器</a:t>
             </a:r>
@@ -7985,7 +8078,7 @@
 </p:sld>
 </file>
 
-<file path=ppt/slides/slide35.xml><?xml version="1.0" encoding="utf-8"?>
+<file path=ppt/slides/slide36.xml><?xml version="1.0" encoding="utf-8"?>
 <p:sld xmlns:a="http://schemas.openxmlformats.org/drawingml/2006/main" xmlns:r="http://schemas.openxmlformats.org/officeDocument/2006/relationships" xmlns:p="http://schemas.openxmlformats.org/presentationml/2006/main">
   <p:cSld>
     <p:spTree>
@@ -8137,95 +8230,6 @@
 </p:sld>
 </file>
 
-<file path=ppt/slides/slide36.xml><?xml version="1.0" encoding="utf-8"?>
-<p:sld xmlns:a="http://schemas.openxmlformats.org/drawingml/2006/main" xmlns:r="http://schemas.openxmlformats.org/officeDocument/2006/relationships" xmlns:p="http://schemas.openxmlformats.org/presentationml/2006/main">
-  <p:cSld>
-    <p:spTree>
-      <p:nvGrpSpPr>
-        <p:cNvPr id="1" name=""/>
-        <p:cNvGrpSpPr/>
-        <p:nvPr/>
-      </p:nvGrpSpPr>
-      <p:grpSpPr>
-        <a:xfrm>
-          <a:off x="0" y="0"/>
-          <a:ext cx="0" cy="0"/>
-          <a:chOff x="0" y="0"/>
-          <a:chExt cx="0" cy="0"/>
-        </a:xfrm>
-      </p:grpSpPr>
-      <p:sp>
-        <p:nvSpPr>
-          <p:cNvPr id="2" name="标题 1"/>
-          <p:cNvSpPr>
-            <a:spLocks noGrp="1"/>
-          </p:cNvSpPr>
-          <p:nvPr>
-            <p:ph type="title"/>
-          </p:nvPr>
-        </p:nvSpPr>
-        <p:spPr/>
-        <p:txBody>
-          <a:bodyPr/>
-          <a:lstStyle/>
-          <a:p>
-            <a:r>
-              <a:rPr lang="zh-CN" altLang="en-US" dirty="0"/>
-              <a:t>应用启动器</a:t>
-            </a:r>
-          </a:p>
-        </p:txBody>
-      </p:sp>
-      <p:sp>
-        <p:nvSpPr>
-          <p:cNvPr id="3" name="内容占位符 2"/>
-          <p:cNvSpPr>
-            <a:spLocks noGrp="1"/>
-          </p:cNvSpPr>
-          <p:nvPr>
-            <p:ph idx="1"/>
-          </p:nvPr>
-        </p:nvSpPr>
-        <p:spPr/>
-        <p:txBody>
-          <a:bodyPr/>
-          <a:lstStyle/>
-          <a:p>
-            <a:r>
-              <a:rPr lang="en-US" altLang="zh-CN" dirty="0" err="1"/>
-              <a:t>SystemJS</a:t>
-            </a:r>
-            <a:r>
-              <a:rPr lang="zh-CN" altLang="en-US" dirty="0"/>
-              <a:t>时，如何启动应用程序</a:t>
-            </a:r>
-            <a:endParaRPr lang="en-US" altLang="zh-CN" dirty="0"/>
-          </a:p>
-          <a:p>
-            <a:r>
-              <a:rPr lang="en-US" altLang="zh-CN" dirty="0" err="1"/>
-              <a:t>WebPack</a:t>
-            </a:r>
-            <a:r>
-              <a:rPr lang="zh-CN" altLang="en-US" dirty="0"/>
-              <a:t>启动器</a:t>
-            </a:r>
-          </a:p>
-        </p:txBody>
-      </p:sp>
-    </p:spTree>
-    <p:extLst>
-      <p:ext uri="{BB962C8B-B14F-4D97-AF65-F5344CB8AC3E}">
-        <p14:creationId xmlns:p14="http://schemas.microsoft.com/office/powerpoint/2010/main" val="4065519204"/>
-      </p:ext>
-    </p:extLst>
-  </p:cSld>
-  <p:clrMapOvr>
-    <a:masterClrMapping/>
-  </p:clrMapOvr>
-</p:sld>
-</file>
-
 <file path=ppt/slides/slide37.xml><?xml version="1.0" encoding="utf-8"?>
 <p:sld xmlns:a="http://schemas.openxmlformats.org/drawingml/2006/main" xmlns:r="http://schemas.openxmlformats.org/officeDocument/2006/relationships" xmlns:p="http://schemas.openxmlformats.org/presentationml/2006/main">
   <p:cSld>
@@ -8259,10 +8263,9 @@
           <a:lstStyle/>
           <a:p>
             <a:r>
-              <a:rPr lang="en-US" altLang="zh-CN" dirty="0"/>
-              <a:t>setting-up-angular-2-with-webpack</a:t>
-            </a:r>
-            <a:endParaRPr lang="zh-CN" altLang="en-US" dirty="0"/>
+              <a:rPr lang="zh-CN" altLang="en-US" dirty="0"/>
+              <a:t>应用启动器</a:t>
+            </a:r>
           </a:p>
         </p:txBody>
       </p:sp>
@@ -8282,31 +8285,31 @@
           <a:lstStyle/>
           <a:p>
             <a:r>
-              <a:rPr lang="en-US" altLang="zh-CN" dirty="0">
-                <a:hlinkClick r:id="rId2"/>
-              </a:rPr>
-              <a:t>http://semaphoreci.com/community/tutorials/setting-up-angular-2-with-webpack</a:t>
+              <a:rPr lang="en-US" altLang="zh-CN" dirty="0" err="1"/>
+              <a:t>SystemJS</a:t>
+            </a:r>
+            <a:r>
+              <a:rPr lang="zh-CN" altLang="en-US" dirty="0"/>
+              <a:t>时，如何启动应用程序</a:t>
             </a:r>
             <a:endParaRPr lang="en-US" altLang="zh-CN" dirty="0"/>
           </a:p>
           <a:p>
             <a:r>
-              <a:rPr lang="en-US" altLang="zh-CN" dirty="0">
-                <a:hlinkClick r:id="rId3"/>
-              </a:rPr>
-              <a:t>http://www.eloquentwebapp.com/setting-angular-2-environment-using-typescript-npm-webpack/</a:t>
-            </a:r>
-            <a:endParaRPr lang="en-US" altLang="zh-CN" dirty="0"/>
-          </a:p>
-          <a:p>
-            <a:endParaRPr lang="zh-CN" altLang="en-US" dirty="0"/>
+              <a:rPr lang="en-US" altLang="zh-CN" dirty="0" err="1"/>
+              <a:t>WebPack</a:t>
+            </a:r>
+            <a:r>
+              <a:rPr lang="zh-CN" altLang="en-US" dirty="0"/>
+              <a:t>启动器</a:t>
+            </a:r>
           </a:p>
         </p:txBody>
       </p:sp>
     </p:spTree>
     <p:extLst>
       <p:ext uri="{BB962C8B-B14F-4D97-AF65-F5344CB8AC3E}">
-        <p14:creationId xmlns:p14="http://schemas.microsoft.com/office/powerpoint/2010/main" val="3068746039"/>
+        <p14:creationId xmlns:p14="http://schemas.microsoft.com/office/powerpoint/2010/main" val="4065519204"/>
       </p:ext>
     </p:extLst>
   </p:cSld>
@@ -8349,21 +8352,10 @@
           <a:lstStyle/>
           <a:p>
             <a:r>
-              <a:rPr lang="en-US" altLang="zh-CN" dirty="0" err="1"/>
-              <a:t>Webpack</a:t>
-            </a:r>
-            <a:r>
-              <a:rPr lang="zh-CN" altLang="en-US" dirty="0"/>
-              <a:t>多</a:t>
-            </a:r>
-            <a:r>
               <a:rPr lang="en-US" altLang="zh-CN" dirty="0"/>
-              <a:t>entry</a:t>
-            </a:r>
-            <a:r>
-              <a:rPr lang="zh-CN" altLang="en-US" dirty="0"/>
-              <a:t>时加载顺序</a:t>
-            </a:r>
+              <a:t>setting-up-angular-2-with-webpack</a:t>
+            </a:r>
+            <a:endParaRPr lang="zh-CN" altLang="en-US" dirty="0"/>
           </a:p>
         </p:txBody>
       </p:sp>
@@ -8382,14 +8374,32 @@
           <a:bodyPr/>
           <a:lstStyle/>
           <a:p>
-            <a:endParaRPr lang="zh-CN" altLang="en-US"/>
+            <a:r>
+              <a:rPr lang="en-US" altLang="zh-CN" dirty="0">
+                <a:hlinkClick r:id="rId2"/>
+              </a:rPr>
+              <a:t>http://semaphoreci.com/community/tutorials/setting-up-angular-2-with-webpack</a:t>
+            </a:r>
+            <a:endParaRPr lang="en-US" altLang="zh-CN" dirty="0"/>
+          </a:p>
+          <a:p>
+            <a:r>
+              <a:rPr lang="en-US" altLang="zh-CN" dirty="0">
+                <a:hlinkClick r:id="rId3"/>
+              </a:rPr>
+              <a:t>http://www.eloquentwebapp.com/setting-angular-2-environment-using-typescript-npm-webpack/</a:t>
+            </a:r>
+            <a:endParaRPr lang="en-US" altLang="zh-CN" dirty="0"/>
+          </a:p>
+          <a:p>
+            <a:endParaRPr lang="zh-CN" altLang="en-US" dirty="0"/>
           </a:p>
         </p:txBody>
       </p:sp>
     </p:spTree>
     <p:extLst>
       <p:ext uri="{BB962C8B-B14F-4D97-AF65-F5344CB8AC3E}">
-        <p14:creationId xmlns:p14="http://schemas.microsoft.com/office/powerpoint/2010/main" val="3082408358"/>
+        <p14:creationId xmlns:p14="http://schemas.microsoft.com/office/powerpoint/2010/main" val="3068746039"/>
       </p:ext>
     </p:extLst>
   </p:cSld>
@@ -8428,9 +8438,7 @@
         </p:nvSpPr>
         <p:spPr/>
         <p:txBody>
-          <a:bodyPr>
-            <a:normAutofit fontScale="90000"/>
-          </a:bodyPr>
+          <a:bodyPr/>
           <a:lstStyle/>
           <a:p>
             <a:r>
@@ -8439,23 +8447,15 @@
             </a:r>
             <a:r>
               <a:rPr lang="zh-CN" altLang="en-US" dirty="0"/>
-              <a:t>中</a:t>
+              <a:t>多</a:t>
             </a:r>
             <a:r>
               <a:rPr lang="en-US" altLang="zh-CN" dirty="0"/>
-              <a:t>loader</a:t>
-            </a:r>
-            <a:r>
-              <a:rPr lang="zh-CN" altLang="en-US" dirty="0"/>
-              <a:t>很多，什么时候用什么</a:t>
-            </a:r>
-            <a:r>
-              <a:rPr lang="en-US" altLang="zh-CN" dirty="0"/>
-              <a:t>Loader</a:t>
-            </a:r>
-            <a:r>
-              <a:rPr lang="zh-CN" altLang="en-US" dirty="0"/>
-              <a:t>依据是什么</a:t>
+              <a:t>entry</a:t>
+            </a:r>
+            <a:r>
+              <a:rPr lang="zh-CN" altLang="en-US" dirty="0"/>
+              <a:t>时加载顺序</a:t>
             </a:r>
           </a:p>
         </p:txBody>
@@ -8475,65 +8475,14 @@
           <a:bodyPr/>
           <a:lstStyle/>
           <a:p>
-            <a:r>
-              <a:rPr lang="zh-CN" altLang="en-US" dirty="0"/>
-              <a:t>使用</a:t>
-            </a:r>
-            <a:r>
-              <a:rPr lang="en-US" altLang="zh-CN" dirty="0"/>
-              <a:t>loader</a:t>
-            </a:r>
-            <a:r>
-              <a:rPr lang="zh-CN" altLang="en-US" dirty="0"/>
-              <a:t>依据</a:t>
-            </a:r>
-            <a:r>
-              <a:rPr lang="en-US" altLang="zh-CN" dirty="0"/>
-              <a:t>import</a:t>
-            </a:r>
-            <a:r>
-              <a:rPr lang="zh-CN" altLang="en-US" dirty="0"/>
-              <a:t>中的文件类型，比如需要</a:t>
-            </a:r>
-            <a:r>
-              <a:rPr lang="en-US" altLang="zh-CN" dirty="0"/>
-              <a:t>import</a:t>
-            </a:r>
-            <a:r>
-              <a:rPr lang="zh-CN" altLang="en-US" dirty="0"/>
-              <a:t>的是</a:t>
-            </a:r>
-            <a:r>
-              <a:rPr lang="en-US" altLang="zh-CN" dirty="0" err="1"/>
-              <a:t>ts</a:t>
-            </a:r>
-            <a:r>
-              <a:rPr lang="zh-CN" altLang="en-US" dirty="0"/>
-              <a:t>类型的文体，那就需要</a:t>
-            </a:r>
-            <a:r>
-              <a:rPr lang="en-US" altLang="zh-CN" dirty="0" err="1"/>
-              <a:t>ts</a:t>
-            </a:r>
-            <a:r>
-              <a:rPr lang="zh-CN" altLang="en-US" dirty="0"/>
-              <a:t>对应的加载器，同时这些加载器还有自动编译成</a:t>
-            </a:r>
-            <a:r>
-              <a:rPr lang="en-US" altLang="zh-CN" dirty="0" err="1"/>
-              <a:t>js</a:t>
-            </a:r>
-            <a:r>
-              <a:rPr lang="zh-CN" altLang="en-US" dirty="0"/>
-              <a:t>文件的功能</a:t>
-            </a:r>
+            <a:endParaRPr lang="zh-CN" altLang="en-US"/>
           </a:p>
         </p:txBody>
       </p:sp>
     </p:spTree>
     <p:extLst>
       <p:ext uri="{BB962C8B-B14F-4D97-AF65-F5344CB8AC3E}">
-        <p14:creationId xmlns:p14="http://schemas.microsoft.com/office/powerpoint/2010/main" val="334785815"/>
+        <p14:creationId xmlns:p14="http://schemas.microsoft.com/office/powerpoint/2010/main" val="3082408358"/>
       </p:ext>
     </p:extLst>
   </p:cSld>
@@ -8641,6 +8590,150 @@
 </file>
 
 <file path=ppt/slides/slide40.xml><?xml version="1.0" encoding="utf-8"?>
+<p:sld xmlns:a="http://schemas.openxmlformats.org/drawingml/2006/main" xmlns:r="http://schemas.openxmlformats.org/officeDocument/2006/relationships" xmlns:p="http://schemas.openxmlformats.org/presentationml/2006/main">
+  <p:cSld>
+    <p:spTree>
+      <p:nvGrpSpPr>
+        <p:cNvPr id="1" name=""/>
+        <p:cNvGrpSpPr/>
+        <p:nvPr/>
+      </p:nvGrpSpPr>
+      <p:grpSpPr>
+        <a:xfrm>
+          <a:off x="0" y="0"/>
+          <a:ext cx="0" cy="0"/>
+          <a:chOff x="0" y="0"/>
+          <a:chExt cx="0" cy="0"/>
+        </a:xfrm>
+      </p:grpSpPr>
+      <p:sp>
+        <p:nvSpPr>
+          <p:cNvPr id="2" name="标题 1"/>
+          <p:cNvSpPr>
+            <a:spLocks noGrp="1"/>
+          </p:cNvSpPr>
+          <p:nvPr>
+            <p:ph type="title"/>
+          </p:nvPr>
+        </p:nvSpPr>
+        <p:spPr/>
+        <p:txBody>
+          <a:bodyPr>
+            <a:normAutofit fontScale="90000"/>
+          </a:bodyPr>
+          <a:lstStyle/>
+          <a:p>
+            <a:r>
+              <a:rPr lang="en-US" altLang="zh-CN" dirty="0" err="1"/>
+              <a:t>Webpack</a:t>
+            </a:r>
+            <a:r>
+              <a:rPr lang="zh-CN" altLang="en-US" dirty="0"/>
+              <a:t>中</a:t>
+            </a:r>
+            <a:r>
+              <a:rPr lang="en-US" altLang="zh-CN" dirty="0"/>
+              <a:t>loader</a:t>
+            </a:r>
+            <a:r>
+              <a:rPr lang="zh-CN" altLang="en-US" dirty="0"/>
+              <a:t>很多，什么时候用什么</a:t>
+            </a:r>
+            <a:r>
+              <a:rPr lang="en-US" altLang="zh-CN" dirty="0"/>
+              <a:t>Loader</a:t>
+            </a:r>
+            <a:r>
+              <a:rPr lang="zh-CN" altLang="en-US" dirty="0"/>
+              <a:t>依据是什么</a:t>
+            </a:r>
+          </a:p>
+        </p:txBody>
+      </p:sp>
+      <p:sp>
+        <p:nvSpPr>
+          <p:cNvPr id="3" name="内容占位符 2"/>
+          <p:cNvSpPr>
+            <a:spLocks noGrp="1"/>
+          </p:cNvSpPr>
+          <p:nvPr>
+            <p:ph idx="1"/>
+          </p:nvPr>
+        </p:nvSpPr>
+        <p:spPr/>
+        <p:txBody>
+          <a:bodyPr/>
+          <a:lstStyle/>
+          <a:p>
+            <a:r>
+              <a:rPr lang="zh-CN" altLang="en-US" dirty="0"/>
+              <a:t>使用</a:t>
+            </a:r>
+            <a:r>
+              <a:rPr lang="en-US" altLang="zh-CN" dirty="0"/>
+              <a:t>loader</a:t>
+            </a:r>
+            <a:r>
+              <a:rPr lang="zh-CN" altLang="en-US" dirty="0"/>
+              <a:t>依据</a:t>
+            </a:r>
+            <a:r>
+              <a:rPr lang="en-US" altLang="zh-CN" dirty="0"/>
+              <a:t>import</a:t>
+            </a:r>
+            <a:r>
+              <a:rPr lang="zh-CN" altLang="en-US" dirty="0"/>
+              <a:t>中的文件类型，比如需要</a:t>
+            </a:r>
+            <a:r>
+              <a:rPr lang="en-US" altLang="zh-CN" dirty="0"/>
+              <a:t>import</a:t>
+            </a:r>
+            <a:r>
+              <a:rPr lang="zh-CN" altLang="en-US" dirty="0"/>
+              <a:t>的是</a:t>
+            </a:r>
+            <a:r>
+              <a:rPr lang="en-US" altLang="zh-CN" dirty="0" err="1"/>
+              <a:t>ts</a:t>
+            </a:r>
+            <a:r>
+              <a:rPr lang="zh-CN" altLang="en-US" dirty="0"/>
+              <a:t>类型的文体，那就需要</a:t>
+            </a:r>
+            <a:r>
+              <a:rPr lang="en-US" altLang="zh-CN" dirty="0" err="1"/>
+              <a:t>ts</a:t>
+            </a:r>
+            <a:r>
+              <a:rPr lang="zh-CN" altLang="en-US" dirty="0"/>
+              <a:t>对应的加载器，同时这些加载器还有自动编译成</a:t>
+            </a:r>
+            <a:r>
+              <a:rPr lang="en-US" altLang="zh-CN" dirty="0" err="1"/>
+              <a:t>js</a:t>
+            </a:r>
+            <a:r>
+              <a:rPr lang="zh-CN" altLang="en-US" dirty="0"/>
+              <a:t>文件的功能</a:t>
+            </a:r>
+          </a:p>
+        </p:txBody>
+      </p:sp>
+    </p:spTree>
+    <p:extLst>
+      <p:ext uri="{BB962C8B-B14F-4D97-AF65-F5344CB8AC3E}">
+        <p14:creationId xmlns:p14="http://schemas.microsoft.com/office/powerpoint/2010/main" val="334785815"/>
+      </p:ext>
+    </p:extLst>
+  </p:cSld>
+  <p:clrMapOvr>
+    <a:masterClrMapping/>
+  </p:clrMapOvr>
+</p:sld>
+</file>
+
+<file path=ppt/slides/slide41.xml><?xml version="1.0" encoding="utf-8"?>
 <p:sld xmlns:a="http://schemas.openxmlformats.org/drawingml/2006/main" xmlns:r="http://schemas.openxmlformats.org/officeDocument/2006/relationships" xmlns:p="http://schemas.openxmlformats.org/presentationml/2006/main">
   <p:cSld>
     <p:spTree>
@@ -8799,7 +8892,7 @@
 </p:sld>
 </file>
 
-<file path=ppt/slides/slide41.xml><?xml version="1.0" encoding="utf-8"?>
+<file path=ppt/slides/slide42.xml><?xml version="1.0" encoding="utf-8"?>
 <p:sld xmlns:a="http://schemas.openxmlformats.org/drawingml/2006/main" xmlns:r="http://schemas.openxmlformats.org/officeDocument/2006/relationships" xmlns:p="http://schemas.openxmlformats.org/presentationml/2006/main">
   <p:cSld>
     <p:spTree>
@@ -8947,89 +9040,6 @@
 </p:sld>
 </file>
 
-<file path=ppt/slides/slide42.xml><?xml version="1.0" encoding="utf-8"?>
-<p:sld xmlns:a="http://schemas.openxmlformats.org/drawingml/2006/main" xmlns:r="http://schemas.openxmlformats.org/officeDocument/2006/relationships" xmlns:p="http://schemas.openxmlformats.org/presentationml/2006/main">
-  <p:cSld>
-    <p:spTree>
-      <p:nvGrpSpPr>
-        <p:cNvPr id="1" name=""/>
-        <p:cNvGrpSpPr/>
-        <p:nvPr/>
-      </p:nvGrpSpPr>
-      <p:grpSpPr>
-        <a:xfrm>
-          <a:off x="0" y="0"/>
-          <a:ext cx="0" cy="0"/>
-          <a:chOff x="0" y="0"/>
-          <a:chExt cx="0" cy="0"/>
-        </a:xfrm>
-      </p:grpSpPr>
-      <p:sp>
-        <p:nvSpPr>
-          <p:cNvPr id="2" name="标题 1"/>
-          <p:cNvSpPr>
-            <a:spLocks noGrp="1"/>
-          </p:cNvSpPr>
-          <p:nvPr>
-            <p:ph type="title"/>
-          </p:nvPr>
-        </p:nvSpPr>
-        <p:spPr/>
-        <p:txBody>
-          <a:bodyPr/>
-          <a:lstStyle/>
-          <a:p>
-            <a:r>
-              <a:rPr lang="en-US" altLang="zh-CN" dirty="0" err="1"/>
-              <a:t>Webpack</a:t>
-            </a:r>
-            <a:r>
-              <a:rPr lang="zh-CN" altLang="en-US" dirty="0"/>
-              <a:t>和</a:t>
-            </a:r>
-            <a:r>
-              <a:rPr lang="en-US" altLang="zh-CN" dirty="0" err="1"/>
-              <a:t>systemjs</a:t>
-            </a:r>
-            <a:r>
-              <a:rPr lang="zh-CN" altLang="en-US" dirty="0"/>
-              <a:t>的优劣</a:t>
-            </a:r>
-          </a:p>
-        </p:txBody>
-      </p:sp>
-      <p:sp>
-        <p:nvSpPr>
-          <p:cNvPr id="3" name="内容占位符 2"/>
-          <p:cNvSpPr>
-            <a:spLocks noGrp="1"/>
-          </p:cNvSpPr>
-          <p:nvPr>
-            <p:ph idx="1"/>
-          </p:nvPr>
-        </p:nvSpPr>
-        <p:spPr/>
-        <p:txBody>
-          <a:bodyPr/>
-          <a:lstStyle/>
-          <a:p>
-            <a:endParaRPr lang="zh-CN" altLang="en-US" dirty="0"/>
-          </a:p>
-        </p:txBody>
-      </p:sp>
-    </p:spTree>
-    <p:extLst>
-      <p:ext uri="{BB962C8B-B14F-4D97-AF65-F5344CB8AC3E}">
-        <p14:creationId xmlns:p14="http://schemas.microsoft.com/office/powerpoint/2010/main" val="3094030245"/>
-      </p:ext>
-    </p:extLst>
-  </p:cSld>
-  <p:clrMapOvr>
-    <a:masterClrMapping/>
-  </p:clrMapOvr>
-</p:sld>
-</file>
-
 <file path=ppt/slides/slide43.xml><?xml version="1.0" encoding="utf-8"?>
 <p:sld xmlns:a="http://schemas.openxmlformats.org/drawingml/2006/main" xmlns:r="http://schemas.openxmlformats.org/officeDocument/2006/relationships" xmlns:p="http://schemas.openxmlformats.org/presentationml/2006/main">
   <p:cSld>
@@ -9059,14 +9069,16 @@
         </p:nvSpPr>
         <p:spPr/>
         <p:txBody>
-          <a:bodyPr>
-            <a:normAutofit fontScale="90000"/>
-          </a:bodyPr>
-          <a:lstStyle/>
-          <a:p>
-            <a:r>
-              <a:rPr lang="zh-CN" altLang="en-US" dirty="0"/>
-              <a:t>用</a:t>
+          <a:bodyPr/>
+          <a:lstStyle/>
+          <a:p>
+            <a:r>
+              <a:rPr lang="en-US" altLang="zh-CN" dirty="0" err="1"/>
+              <a:t>Webpack</a:t>
+            </a:r>
+            <a:r>
+              <a:rPr lang="zh-CN" altLang="en-US" dirty="0"/>
+              <a:t>和</a:t>
             </a:r>
             <a:r>
               <a:rPr lang="en-US" altLang="zh-CN" dirty="0" err="1"/>
@@ -9074,15 +9086,7 @@
             </a:r>
             <a:r>
               <a:rPr lang="zh-CN" altLang="en-US" dirty="0"/>
-              <a:t>来加载</a:t>
-            </a:r>
-            <a:r>
-              <a:rPr lang="en-US" altLang="zh-CN" dirty="0"/>
-              <a:t>angular2</a:t>
-            </a:r>
-            <a:r>
-              <a:rPr lang="zh-CN" altLang="en-US" dirty="0"/>
-              <a:t>的时候为什么能自动处理路由</a:t>
+              <a:t>的优劣</a:t>
             </a:r>
           </a:p>
         </p:txBody>
@@ -9102,65 +9106,14 @@
           <a:bodyPr/>
           <a:lstStyle/>
           <a:p>
-            <a:r>
-              <a:rPr lang="zh-CN" altLang="en-US" dirty="0"/>
-              <a:t>因为</a:t>
-            </a:r>
-            <a:r>
-              <a:rPr lang="en-US" altLang="zh-CN" dirty="0"/>
-              <a:t>angular2</a:t>
-            </a:r>
-            <a:r>
-              <a:rPr lang="zh-CN" altLang="en-US" dirty="0"/>
-              <a:t>中的</a:t>
-            </a:r>
-            <a:r>
-              <a:rPr lang="en-US" altLang="zh-CN" dirty="0" err="1"/>
-              <a:t>ngmodule</a:t>
-            </a:r>
-            <a:r>
-              <a:rPr lang="zh-CN" altLang="en-US" dirty="0"/>
-              <a:t>加载模块的机制实际上是以</a:t>
-            </a:r>
-            <a:r>
-              <a:rPr lang="en-US" altLang="zh-CN" dirty="0" err="1"/>
-              <a:t>systemjs</a:t>
-            </a:r>
-            <a:r>
-              <a:rPr lang="zh-CN" altLang="en-US" dirty="0"/>
-              <a:t>为基础的，这个可以由</a:t>
-            </a:r>
-            <a:r>
-              <a:rPr lang="en-US" altLang="zh-CN" dirty="0"/>
-              <a:t>angular2</a:t>
-            </a:r>
-            <a:r>
-              <a:rPr lang="zh-CN" altLang="en-US" dirty="0"/>
-              <a:t>的</a:t>
-            </a:r>
-            <a:r>
-              <a:rPr lang="en-US" altLang="zh-CN" dirty="0"/>
-              <a:t>core</a:t>
-            </a:r>
-            <a:r>
-              <a:rPr lang="zh-CN" altLang="en-US" dirty="0"/>
-              <a:t>目录下的</a:t>
-            </a:r>
-            <a:r>
-              <a:rPr lang="en-US" altLang="zh-CN" dirty="0"/>
-              <a:t>linker</a:t>
-            </a:r>
-            <a:r>
-              <a:rPr lang="zh-CN" altLang="en-US" dirty="0"/>
-              <a:t>来查证</a:t>
-            </a:r>
+            <a:endParaRPr lang="zh-CN" altLang="en-US" dirty="0"/>
           </a:p>
         </p:txBody>
       </p:sp>
     </p:spTree>
     <p:extLst>
       <p:ext uri="{BB962C8B-B14F-4D97-AF65-F5344CB8AC3E}">
-        <p14:creationId xmlns:p14="http://schemas.microsoft.com/office/powerpoint/2010/main" val="2664942002"/>
+        <p14:creationId xmlns:p14="http://schemas.microsoft.com/office/powerpoint/2010/main" val="3094030245"/>
       </p:ext>
     </p:extLst>
   </p:cSld>
@@ -9199,14 +9152,31 @@
         </p:nvSpPr>
         <p:spPr/>
         <p:txBody>
-          <a:bodyPr/>
-          <a:lstStyle/>
-          <a:p>
+          <a:bodyPr>
+            <a:normAutofit fontScale="90000"/>
+          </a:bodyPr>
+          <a:lstStyle/>
+          <a:p>
+            <a:r>
+              <a:rPr lang="zh-CN" altLang="en-US" dirty="0"/>
+              <a:t>用</a:t>
+            </a:r>
+            <a:r>
+              <a:rPr lang="en-US" altLang="zh-CN" dirty="0" err="1"/>
+              <a:t>systemjs</a:t>
+            </a:r>
+            <a:r>
+              <a:rPr lang="zh-CN" altLang="en-US" dirty="0"/>
+              <a:t>来加载</a:t>
+            </a:r>
             <a:r>
               <a:rPr lang="en-US" altLang="zh-CN" dirty="0"/>
-              <a:t>SASS</a:t>
-            </a:r>
-            <a:endParaRPr lang="zh-CN" altLang="en-US" dirty="0"/>
+              <a:t>angular2</a:t>
+            </a:r>
+            <a:r>
+              <a:rPr lang="zh-CN" altLang="en-US" dirty="0"/>
+              <a:t>的时候为什么能自动处理路由</a:t>
+            </a:r>
           </a:p>
         </p:txBody>
       </p:sp>
@@ -9227,23 +9197,55 @@
           <a:p>
             <a:r>
               <a:rPr lang="zh-CN" altLang="en-US" dirty="0"/>
-              <a:t>模块导入语法 </a:t>
+              <a:t>因为</a:t>
             </a:r>
             <a:r>
               <a:rPr lang="en-US" altLang="zh-CN" dirty="0"/>
-              <a:t>:@import ‘~</a:t>
-            </a:r>
-            <a:r>
-              <a:rPr lang="zh-CN" altLang="en-US" dirty="0"/>
-              <a:t>目录名</a:t>
+              <a:t>angular2</a:t>
+            </a:r>
+            <a:r>
+              <a:rPr lang="zh-CN" altLang="en-US" dirty="0"/>
+              <a:t>中的</a:t>
+            </a:r>
+            <a:r>
+              <a:rPr lang="en-US" altLang="zh-CN" dirty="0" err="1"/>
+              <a:t>ngmodule</a:t>
+            </a:r>
+            <a:r>
+              <a:rPr lang="zh-CN" altLang="en-US" dirty="0"/>
+              <a:t>加载模块的机制实际上是以</a:t>
+            </a:r>
+            <a:r>
+              <a:rPr lang="en-US" altLang="zh-CN" dirty="0" err="1"/>
+              <a:t>systemjs</a:t>
+            </a:r>
+            <a:r>
+              <a:rPr lang="zh-CN" altLang="en-US" dirty="0"/>
+              <a:t>为基础的，这个可以由</a:t>
             </a:r>
             <a:r>
               <a:rPr lang="en-US" altLang="zh-CN" dirty="0"/>
-              <a:t>’ //</a:t>
-            </a:r>
-            <a:r>
-              <a:rPr lang="zh-CN" altLang="en-US" dirty="0"/>
-              <a:t>表示导入目录</a:t>
+              <a:t>angular2</a:t>
+            </a:r>
+            <a:r>
+              <a:rPr lang="zh-CN" altLang="en-US" dirty="0"/>
+              <a:t>的</a:t>
+            </a:r>
+            <a:r>
+              <a:rPr lang="en-US" altLang="zh-CN" dirty="0"/>
+              <a:t>core</a:t>
+            </a:r>
+            <a:r>
+              <a:rPr lang="zh-CN" altLang="en-US" dirty="0"/>
+              <a:t>目录下的</a:t>
+            </a:r>
+            <a:r>
+              <a:rPr lang="en-US" altLang="zh-CN" dirty="0"/>
+              <a:t>linker</a:t>
+            </a:r>
+            <a:r>
+              <a:rPr lang="zh-CN" altLang="en-US" dirty="0"/>
+              <a:t>来查证</a:t>
             </a:r>
           </a:p>
         </p:txBody>
@@ -9251,7 +9253,7 @@
     </p:spTree>
     <p:extLst>
       <p:ext uri="{BB962C8B-B14F-4D97-AF65-F5344CB8AC3E}">
-        <p14:creationId xmlns:p14="http://schemas.microsoft.com/office/powerpoint/2010/main" val="2929926987"/>
+        <p14:creationId xmlns:p14="http://schemas.microsoft.com/office/powerpoint/2010/main" val="2664942002"/>
       </p:ext>
     </p:extLst>
   </p:cSld>
@@ -9294,9 +9296,10 @@
           <a:lstStyle/>
           <a:p>
             <a:r>
-              <a:rPr lang="zh-CN" altLang="en-US" dirty="0"/>
-              <a:t>问题</a:t>
-            </a:r>
+              <a:rPr lang="en-US" altLang="zh-CN" dirty="0"/>
+              <a:t>SASS</a:t>
+            </a:r>
+            <a:endParaRPr lang="zh-CN" altLang="en-US" dirty="0"/>
           </a:p>
         </p:txBody>
       </p:sp>
@@ -9317,31 +9320,23 @@
           <a:p>
             <a:r>
               <a:rPr lang="zh-CN" altLang="en-US" dirty="0"/>
-              <a:t>如果</a:t>
-            </a:r>
-            <a:r>
-              <a:rPr lang="en-US" altLang="zh-CN" dirty="0" err="1"/>
-              <a:t>sharemodule</a:t>
-            </a:r>
-            <a:r>
-              <a:rPr lang="zh-CN" altLang="en-US" dirty="0"/>
-              <a:t>中的组件里面含有</a:t>
+              <a:t>模块导入语法 </a:t>
             </a:r>
             <a:r>
               <a:rPr lang="en-US" altLang="zh-CN" dirty="0"/>
-              <a:t>provider,</a:t>
-            </a:r>
-            <a:r>
-              <a:rPr lang="zh-CN" altLang="en-US" dirty="0"/>
-              <a:t>这个</a:t>
+              <a:t>:@import ‘~</a:t>
+            </a:r>
+            <a:r>
+              <a:rPr lang="zh-CN" altLang="en-US" dirty="0"/>
+              <a:t>目录名</a:t>
             </a:r>
             <a:r>
               <a:rPr lang="en-US" altLang="zh-CN" dirty="0"/>
-              <a:t>provider</a:t>
-            </a:r>
-            <a:r>
-              <a:rPr lang="zh-CN" altLang="en-US" dirty="0"/>
-              <a:t>里面有服务，那么这个服务还是单例么？</a:t>
+              <a:t>’ //</a:t>
+            </a:r>
+            <a:r>
+              <a:rPr lang="zh-CN" altLang="en-US" dirty="0"/>
+              <a:t>表示导入目录</a:t>
             </a:r>
           </a:p>
         </p:txBody>
@@ -9349,7 +9344,7 @@
     </p:spTree>
     <p:extLst>
       <p:ext uri="{BB962C8B-B14F-4D97-AF65-F5344CB8AC3E}">
-        <p14:creationId xmlns:p14="http://schemas.microsoft.com/office/powerpoint/2010/main" val="1704239897"/>
+        <p14:creationId xmlns:p14="http://schemas.microsoft.com/office/powerpoint/2010/main" val="2929926987"/>
       </p:ext>
     </p:extLst>
   </p:cSld>
@@ -9392,39 +9387,62 @@
           <a:lstStyle/>
           <a:p>
             <a:r>
+              <a:rPr lang="zh-CN" altLang="en-US" dirty="0"/>
+              <a:t>问题</a:t>
+            </a:r>
+          </a:p>
+        </p:txBody>
+      </p:sp>
+      <p:sp>
+        <p:nvSpPr>
+          <p:cNvPr id="3" name="内容占位符 2"/>
+          <p:cNvSpPr>
+            <a:spLocks noGrp="1"/>
+          </p:cNvSpPr>
+          <p:nvPr>
+            <p:ph idx="1"/>
+          </p:nvPr>
+        </p:nvSpPr>
+        <p:spPr/>
+        <p:txBody>
+          <a:bodyPr/>
+          <a:lstStyle/>
+          <a:p>
+            <a:r>
+              <a:rPr lang="zh-CN" altLang="en-US" dirty="0"/>
+              <a:t>如果</a:t>
+            </a:r>
+            <a:r>
+              <a:rPr lang="en-US" altLang="zh-CN" dirty="0" err="1"/>
+              <a:t>sharemodule</a:t>
+            </a:r>
+            <a:r>
+              <a:rPr lang="zh-CN" altLang="en-US" dirty="0"/>
+              <a:t>中的组件里面含有</a:t>
+            </a:r>
+            <a:r>
               <a:rPr lang="en-US" altLang="zh-CN" dirty="0"/>
-              <a:t>Promise</a:t>
-            </a:r>
-            <a:r>
-              <a:rPr lang="zh-CN" altLang="en-US" dirty="0"/>
-              <a:t>的用法</a:t>
-            </a:r>
-          </a:p>
-        </p:txBody>
-      </p:sp>
-      <p:sp>
-        <p:nvSpPr>
-          <p:cNvPr id="3" name="内容占位符 2"/>
-          <p:cNvSpPr>
-            <a:spLocks noGrp="1"/>
-          </p:cNvSpPr>
-          <p:nvPr>
-            <p:ph idx="1"/>
-          </p:nvPr>
-        </p:nvSpPr>
-        <p:spPr/>
-        <p:txBody>
-          <a:bodyPr/>
-          <a:lstStyle/>
-          <a:p>
-            <a:endParaRPr lang="zh-CN" altLang="en-US" dirty="0"/>
+              <a:t>provider,</a:t>
+            </a:r>
+            <a:r>
+              <a:rPr lang="zh-CN" altLang="en-US" dirty="0"/>
+              <a:t>这个</a:t>
+            </a:r>
+            <a:r>
+              <a:rPr lang="en-US" altLang="zh-CN" dirty="0"/>
+              <a:t>provider</a:t>
+            </a:r>
+            <a:r>
+              <a:rPr lang="zh-CN" altLang="en-US" dirty="0"/>
+              <a:t>里面有服务，那么这个服务还是单例么？</a:t>
+            </a:r>
           </a:p>
         </p:txBody>
       </p:sp>
     </p:spTree>
     <p:extLst>
       <p:ext uri="{BB962C8B-B14F-4D97-AF65-F5344CB8AC3E}">
-        <p14:creationId xmlns:p14="http://schemas.microsoft.com/office/powerpoint/2010/main" val="3555214505"/>
+        <p14:creationId xmlns:p14="http://schemas.microsoft.com/office/powerpoint/2010/main" val="1704239897"/>
       </p:ext>
     </p:extLst>
   </p:cSld>
@@ -9463,6 +9481,81 @@
         </p:nvSpPr>
         <p:spPr/>
         <p:txBody>
+          <a:bodyPr/>
+          <a:lstStyle/>
+          <a:p>
+            <a:r>
+              <a:rPr lang="en-US" altLang="zh-CN" dirty="0"/>
+              <a:t>Promise</a:t>
+            </a:r>
+            <a:r>
+              <a:rPr lang="zh-CN" altLang="en-US" dirty="0"/>
+              <a:t>的用法</a:t>
+            </a:r>
+          </a:p>
+        </p:txBody>
+      </p:sp>
+      <p:sp>
+        <p:nvSpPr>
+          <p:cNvPr id="3" name="内容占位符 2"/>
+          <p:cNvSpPr>
+            <a:spLocks noGrp="1"/>
+          </p:cNvSpPr>
+          <p:nvPr>
+            <p:ph idx="1"/>
+          </p:nvPr>
+        </p:nvSpPr>
+        <p:spPr/>
+        <p:txBody>
+          <a:bodyPr/>
+          <a:lstStyle/>
+          <a:p>
+            <a:endParaRPr lang="zh-CN" altLang="en-US" dirty="0"/>
+          </a:p>
+        </p:txBody>
+      </p:sp>
+    </p:spTree>
+    <p:extLst>
+      <p:ext uri="{BB962C8B-B14F-4D97-AF65-F5344CB8AC3E}">
+        <p14:creationId xmlns:p14="http://schemas.microsoft.com/office/powerpoint/2010/main" val="3555214505"/>
+      </p:ext>
+    </p:extLst>
+  </p:cSld>
+  <p:clrMapOvr>
+    <a:masterClrMapping/>
+  </p:clrMapOvr>
+</p:sld>
+</file>
+
+<file path=ppt/slides/slide48.xml><?xml version="1.0" encoding="utf-8"?>
+<p:sld xmlns:a="http://schemas.openxmlformats.org/drawingml/2006/main" xmlns:r="http://schemas.openxmlformats.org/officeDocument/2006/relationships" xmlns:p="http://schemas.openxmlformats.org/presentationml/2006/main">
+  <p:cSld>
+    <p:spTree>
+      <p:nvGrpSpPr>
+        <p:cNvPr id="1" name=""/>
+        <p:cNvGrpSpPr/>
+        <p:nvPr/>
+      </p:nvGrpSpPr>
+      <p:grpSpPr>
+        <a:xfrm>
+          <a:off x="0" y="0"/>
+          <a:ext cx="0" cy="0"/>
+          <a:chOff x="0" y="0"/>
+          <a:chExt cx="0" cy="0"/>
+        </a:xfrm>
+      </p:grpSpPr>
+      <p:sp>
+        <p:nvSpPr>
+          <p:cNvPr id="2" name="标题 1"/>
+          <p:cNvSpPr>
+            <a:spLocks noGrp="1"/>
+          </p:cNvSpPr>
+          <p:nvPr>
+            <p:ph type="title"/>
+          </p:nvPr>
+        </p:nvSpPr>
+        <p:spPr/>
+        <p:txBody>
           <a:bodyPr>
             <a:normAutofit/>
           </a:bodyPr>
@@ -9520,7 +9613,7 @@
 </p:sld>
 </file>
 
-<file path=ppt/slides/slide48.xml><?xml version="1.0" encoding="utf-8"?>
+<file path=ppt/slides/slide49.xml><?xml version="1.0" encoding="utf-8"?>
 <p:sld xmlns:a="http://schemas.openxmlformats.org/drawingml/2006/main" xmlns:r="http://schemas.openxmlformats.org/officeDocument/2006/relationships" xmlns:p="http://schemas.openxmlformats.org/presentationml/2006/main">
   <p:cSld>
     <p:spTree>
@@ -9705,7 +9798,109 @@
 </p:sld>
 </file>
 
-<file path=ppt/slides/slide49.xml><?xml version="1.0" encoding="utf-8"?>
+<file path=ppt/slides/slide5.xml><?xml version="1.0" encoding="utf-8"?>
+<p:sld xmlns:a="http://schemas.openxmlformats.org/drawingml/2006/main" xmlns:r="http://schemas.openxmlformats.org/officeDocument/2006/relationships" xmlns:p="http://schemas.openxmlformats.org/presentationml/2006/main">
+  <p:cSld>
+    <p:spTree>
+      <p:nvGrpSpPr>
+        <p:cNvPr id="1" name=""/>
+        <p:cNvGrpSpPr/>
+        <p:nvPr/>
+      </p:nvGrpSpPr>
+      <p:grpSpPr>
+        <a:xfrm>
+          <a:off x="0" y="0"/>
+          <a:ext cx="0" cy="0"/>
+          <a:chOff x="0" y="0"/>
+          <a:chExt cx="0" cy="0"/>
+        </a:xfrm>
+      </p:grpSpPr>
+      <p:sp>
+        <p:nvSpPr>
+          <p:cNvPr id="2" name="标题 1"/>
+          <p:cNvSpPr>
+            <a:spLocks noGrp="1"/>
+          </p:cNvSpPr>
+          <p:nvPr>
+            <p:ph type="title"/>
+          </p:nvPr>
+        </p:nvSpPr>
+        <p:spPr/>
+        <p:txBody>
+          <a:bodyPr/>
+          <a:lstStyle/>
+          <a:p>
+            <a:r>
+              <a:rPr lang="zh-CN" altLang="en-US" dirty="0" smtClean="0"/>
+              <a:t>添加</a:t>
+            </a:r>
+            <a:r>
+              <a:rPr lang="en-US" altLang="zh-CN" dirty="0" smtClean="0"/>
+              <a:t>TypeScript2.0</a:t>
+            </a:r>
+            <a:r>
+              <a:rPr lang="zh-CN" altLang="en-US" smtClean="0"/>
+              <a:t>类型声明查找</a:t>
+            </a:r>
+            <a:endParaRPr lang="zh-CN" altLang="en-US" dirty="0"/>
+          </a:p>
+        </p:txBody>
+      </p:sp>
+      <p:sp>
+        <p:nvSpPr>
+          <p:cNvPr id="3" name="内容占位符 2"/>
+          <p:cNvSpPr>
+            <a:spLocks noGrp="1"/>
+          </p:cNvSpPr>
+          <p:nvPr>
+            <p:ph idx="1"/>
+          </p:nvPr>
+        </p:nvSpPr>
+        <p:spPr/>
+        <p:txBody>
+          <a:bodyPr/>
+          <a:lstStyle/>
+          <a:p>
+            <a:r>
+              <a:rPr lang="zh-CN" altLang="en-US" dirty="0" smtClean="0"/>
+              <a:t>搜索是否存在类型声明</a:t>
+            </a:r>
+            <a:endParaRPr lang="en-US" altLang="zh-CN" dirty="0" smtClean="0"/>
+          </a:p>
+          <a:p>
+            <a:r>
+              <a:rPr lang="en-US" altLang="zh-CN" dirty="0">
+                <a:hlinkClick r:id="rId2"/>
+              </a:rPr>
+              <a:t>http://microsoft.github.io/TypeSearch</a:t>
+            </a:r>
+            <a:r>
+              <a:rPr lang="en-US" altLang="zh-CN" dirty="0" smtClean="0">
+                <a:hlinkClick r:id="rId2"/>
+              </a:rPr>
+              <a:t>/</a:t>
+            </a:r>
+            <a:endParaRPr lang="en-US" altLang="zh-CN" dirty="0" smtClean="0"/>
+          </a:p>
+          <a:p>
+            <a:endParaRPr lang="zh-CN" altLang="en-US" dirty="0"/>
+          </a:p>
+        </p:txBody>
+      </p:sp>
+    </p:spTree>
+    <p:extLst>
+      <p:ext uri="{BB962C8B-B14F-4D97-AF65-F5344CB8AC3E}">
+        <p14:creationId xmlns:p14="http://schemas.microsoft.com/office/powerpoint/2010/main" val="1031470524"/>
+      </p:ext>
+    </p:extLst>
+  </p:cSld>
+  <p:clrMapOvr>
+    <a:masterClrMapping/>
+  </p:clrMapOvr>
+</p:sld>
+</file>
+
+<file path=ppt/slides/slide50.xml><?xml version="1.0" encoding="utf-8"?>
 <p:sld xmlns:a="http://schemas.openxmlformats.org/drawingml/2006/main" xmlns:r="http://schemas.openxmlformats.org/officeDocument/2006/relationships" xmlns:p="http://schemas.openxmlformats.org/presentationml/2006/main">
   <p:cSld>
     <p:spTree>
@@ -9867,7 +10062,7 @@
 </p:sld>
 </file>
 
-<file path=ppt/slides/slide5.xml><?xml version="1.0" encoding="utf-8"?>
+<file path=ppt/slides/slide6.xml><?xml version="1.0" encoding="utf-8"?>
 <p:sld xmlns:a="http://schemas.openxmlformats.org/drawingml/2006/main" xmlns:r="http://schemas.openxmlformats.org/officeDocument/2006/relationships" xmlns:p="http://schemas.openxmlformats.org/presentationml/2006/main">
   <p:cSld>
     <p:spTree>
@@ -9959,7 +10154,7 @@
 </p:sld>
 </file>
 
-<file path=ppt/slides/slide6.xml><?xml version="1.0" encoding="utf-8"?>
+<file path=ppt/slides/slide7.xml><?xml version="1.0" encoding="utf-8"?>
 <p:sld xmlns:a="http://schemas.openxmlformats.org/drawingml/2006/main" xmlns:r="http://schemas.openxmlformats.org/officeDocument/2006/relationships" xmlns:p="http://schemas.openxmlformats.org/presentationml/2006/main">
   <p:cSld>
     <p:spTree>
@@ -10225,7 +10420,7 @@
 </p:sld>
 </file>
 
-<file path=ppt/slides/slide7.xml><?xml version="1.0" encoding="utf-8"?>
+<file path=ppt/slides/slide8.xml><?xml version="1.0" encoding="utf-8"?>
 <p:sld xmlns:a="http://schemas.openxmlformats.org/drawingml/2006/main" xmlns:r="http://schemas.openxmlformats.org/officeDocument/2006/relationships" xmlns:p="http://schemas.openxmlformats.org/presentationml/2006/main">
   <p:cSld>
     <p:spTree>
@@ -10363,113 +10558,6 @@
 </p:sld>
 </file>
 
-<file path=ppt/slides/slide8.xml><?xml version="1.0" encoding="utf-8"?>
-<p:sld xmlns:a="http://schemas.openxmlformats.org/drawingml/2006/main" xmlns:r="http://schemas.openxmlformats.org/officeDocument/2006/relationships" xmlns:p="http://schemas.openxmlformats.org/presentationml/2006/main">
-  <p:cSld>
-    <p:spTree>
-      <p:nvGrpSpPr>
-        <p:cNvPr id="1" name=""/>
-        <p:cNvGrpSpPr/>
-        <p:nvPr/>
-      </p:nvGrpSpPr>
-      <p:grpSpPr>
-        <a:xfrm>
-          <a:off x="0" y="0"/>
-          <a:ext cx="0" cy="0"/>
-          <a:chOff x="0" y="0"/>
-          <a:chExt cx="0" cy="0"/>
-        </a:xfrm>
-      </p:grpSpPr>
-      <p:sp>
-        <p:nvSpPr>
-          <p:cNvPr id="2" name="标题 1"/>
-          <p:cNvSpPr>
-            <a:spLocks noGrp="1"/>
-          </p:cNvSpPr>
-          <p:nvPr>
-            <p:ph type="title"/>
-          </p:nvPr>
-        </p:nvSpPr>
-        <p:spPr/>
-        <p:txBody>
-          <a:bodyPr/>
-          <a:lstStyle/>
-          <a:p>
-            <a:r>
-              <a:rPr lang="zh-CN" altLang="en-US" dirty="0"/>
-              <a:t>路由（</a:t>
-            </a:r>
-            <a:r>
-              <a:rPr lang="en-US" altLang="zh-CN" dirty="0"/>
-              <a:t>3</a:t>
-            </a:r>
-            <a:r>
-              <a:rPr lang="zh-CN" altLang="en-US" dirty="0"/>
-              <a:t>）</a:t>
-            </a:r>
-          </a:p>
-        </p:txBody>
-      </p:sp>
-      <p:sp>
-        <p:nvSpPr>
-          <p:cNvPr id="3" name="内容占位符 2"/>
-          <p:cNvSpPr>
-            <a:spLocks noGrp="1"/>
-          </p:cNvSpPr>
-          <p:nvPr>
-            <p:ph idx="1"/>
-          </p:nvPr>
-        </p:nvSpPr>
-        <p:spPr/>
-        <p:txBody>
-          <a:bodyPr/>
-          <a:lstStyle/>
-          <a:p>
-            <a:r>
-              <a:rPr lang="zh-CN" altLang="en-US" dirty="0"/>
-              <a:t>使用</a:t>
-            </a:r>
-            <a:r>
-              <a:rPr lang="en-US" altLang="zh-CN" b="1" dirty="0"/>
-              <a:t>HTML 5 URL</a:t>
-            </a:r>
-            <a:r>
-              <a:rPr lang="zh-CN" altLang="en-US" b="1" dirty="0"/>
-              <a:t>与</a:t>
-            </a:r>
-            <a:r>
-              <a:rPr lang="en-US" altLang="zh-CN" b="1" dirty="0"/>
-              <a:t>&lt;base </a:t>
-            </a:r>
-            <a:r>
-              <a:rPr lang="en-US" altLang="zh-CN" b="1" dirty="0" err="1"/>
-              <a:t>href</a:t>
-            </a:r>
-            <a:r>
-              <a:rPr lang="en-US" altLang="zh-CN" b="1" dirty="0"/>
-              <a:t>&gt;</a:t>
-            </a:r>
-            <a:r>
-              <a:rPr lang="zh-CN" altLang="en-US" b="1" dirty="0"/>
-              <a:t>来配置路由</a:t>
-            </a:r>
-            <a:endParaRPr lang="en-US" altLang="zh-CN" b="1" dirty="0"/>
-          </a:p>
-        </p:txBody>
-      </p:sp>
-    </p:spTree>
-    <p:extLst>
-      <p:ext uri="{BB962C8B-B14F-4D97-AF65-F5344CB8AC3E}">
-        <p14:creationId xmlns:p14="http://schemas.microsoft.com/office/powerpoint/2010/main" val="3296244539"/>
-      </p:ext>
-    </p:extLst>
-  </p:cSld>
-  <p:clrMapOvr>
-    <a:masterClrMapping/>
-  </p:clrMapOvr>
-</p:sld>
-</file>
-
 <file path=ppt/slides/slide9.xml><?xml version="1.0" encoding="utf-8"?>
 <p:sld xmlns:a="http://schemas.openxmlformats.org/drawingml/2006/main" xmlns:r="http://schemas.openxmlformats.org/officeDocument/2006/relationships" xmlns:p="http://schemas.openxmlformats.org/presentationml/2006/main">
   <p:cSld>
@@ -10504,13 +10592,16 @@
           <a:p>
             <a:r>
               <a:rPr lang="zh-CN" altLang="en-US" dirty="0"/>
-              <a:t>路由</a:t>
+              <a:t>路由（</a:t>
             </a:r>
             <a:r>
               <a:rPr lang="en-US" altLang="zh-CN" dirty="0"/>
-              <a:t>4</a:t>
-            </a:r>
-            <a:endParaRPr lang="zh-CN" altLang="en-US" dirty="0"/>
+              <a:t>3</a:t>
+            </a:r>
+            <a:r>
+              <a:rPr lang="zh-CN" altLang="en-US" dirty="0"/>
+              <a:t>）</a:t>
+            </a:r>
           </a:p>
         </p:txBody>
       </p:sp>
@@ -10534,12 +10625,28 @@
               <a:t>使用</a:t>
             </a:r>
             <a:r>
-              <a:rPr lang="en-US" altLang="zh-CN" b="1" i="1" dirty="0" err="1"/>
-              <a:t>HashLocationStrategy</a:t>
-            </a:r>
-            <a:r>
-              <a:rPr lang="zh-CN" altLang="en-US" dirty="0"/>
-              <a:t>配置路由</a:t>
+              <a:rPr lang="en-US" altLang="zh-CN" b="1" dirty="0"/>
+              <a:t>HTML 5 URL</a:t>
+            </a:r>
+            <a:r>
+              <a:rPr lang="zh-CN" altLang="en-US" b="1" dirty="0"/>
+              <a:t>与</a:t>
+            </a:r>
+            <a:r>
+              <a:rPr lang="en-US" altLang="zh-CN" b="1" dirty="0"/>
+              <a:t>&lt;base </a:t>
+            </a:r>
+            <a:r>
+              <a:rPr lang="en-US" altLang="zh-CN" b="1" dirty="0" err="1"/>
+              <a:t>href</a:t>
+            </a:r>
+            <a:r>
+              <a:rPr lang="en-US" altLang="zh-CN" b="1" dirty="0"/>
+              <a:t>&gt;</a:t>
+            </a:r>
+            <a:r>
+              <a:rPr lang="zh-CN" altLang="en-US" b="1" dirty="0"/>
+              <a:t>来配置路由</a:t>
             </a:r>
             <a:endParaRPr lang="en-US" altLang="zh-CN" b="1" dirty="0"/>
           </a:p>
@@ -10548,7 +10655,7 @@
     </p:spTree>
     <p:extLst>
       <p:ext uri="{BB962C8B-B14F-4D97-AF65-F5344CB8AC3E}">
-        <p14:creationId xmlns:p14="http://schemas.microsoft.com/office/powerpoint/2010/main" val="2509974280"/>
+        <p14:creationId xmlns:p14="http://schemas.microsoft.com/office/powerpoint/2010/main" val="3296244539"/>
       </p:ext>
     </p:extLst>
   </p:cSld>

--- a/files/Angular2.pptx
+++ b/files/Angular2.pptx
@@ -5,7 +5,7 @@
     <p:sldMasterId id="2147483648" r:id="rId1"/>
   </p:sldMasterIdLst>
   <p:notesMasterIdLst>
-    <p:notesMasterId r:id="rId52"/>
+    <p:notesMasterId r:id="rId54"/>
   </p:notesMasterIdLst>
   <p:sldIdLst>
     <p:sldId id="257" r:id="rId2"/>
@@ -58,6 +58,8 @@
     <p:sldId id="306" r:id="rId49"/>
     <p:sldId id="303" r:id="rId50"/>
     <p:sldId id="304" r:id="rId51"/>
+    <p:sldId id="308" r:id="rId52"/>
+    <p:sldId id="309" r:id="rId53"/>
   </p:sldIdLst>
   <p:sldSz cx="9144000" cy="6858000" type="screen4x3"/>
   <p:notesSz cx="6858000" cy="9144000"/>
@@ -158,7 +160,7 @@
   </p:defaultTextStyle>
   <p:extLst>
     <p:ext uri="{EFAFB233-063F-42B5-8137-9DF3F51BA10A}">
-      <p15:sldGuideLst xmlns="" xmlns:p15="http://schemas.microsoft.com/office/powerpoint/2012/main">
+      <p15:sldGuideLst xmlns:p15="http://schemas.microsoft.com/office/powerpoint/2012/main" xmlns="">
         <p15:guide id="1" orient="horz" pos="2160">
           <p15:clr>
             <a:srgbClr val="A4A3A4"/>
@@ -257,7 +259,7 @@
           <a:p>
             <a:fld id="{AD1DCDFA-BF87-4C21-B8FF-C7D869EA008A}" type="datetimeFigureOut">
               <a:rPr lang="zh-CN" altLang="en-US" smtClean="0"/>
-              <a:t>2017/3/21</a:t>
+              <a:t>2017/3/23</a:t>
             </a:fld>
             <a:endParaRPr lang="zh-CN" altLang="en-US"/>
           </a:p>
@@ -892,6 +894,202 @@
 </p:notes>
 </file>
 
+<file path=ppt/notesSlides/notesSlide13.xml><?xml version="1.0" encoding="utf-8"?>
+<p:notes xmlns:a="http://schemas.openxmlformats.org/drawingml/2006/main" xmlns:r="http://schemas.openxmlformats.org/officeDocument/2006/relationships" xmlns:p="http://schemas.openxmlformats.org/presentationml/2006/main">
+  <p:cSld>
+    <p:spTree>
+      <p:nvGrpSpPr>
+        <p:cNvPr id="1" name=""/>
+        <p:cNvGrpSpPr/>
+        <p:nvPr/>
+      </p:nvGrpSpPr>
+      <p:grpSpPr>
+        <a:xfrm>
+          <a:off x="0" y="0"/>
+          <a:ext cx="0" cy="0"/>
+          <a:chOff x="0" y="0"/>
+          <a:chExt cx="0" cy="0"/>
+        </a:xfrm>
+      </p:grpSpPr>
+      <p:sp>
+        <p:nvSpPr>
+          <p:cNvPr id="2" name="幻灯片图像占位符 1"/>
+          <p:cNvSpPr>
+            <a:spLocks noGrp="1" noRot="1" noChangeAspect="1"/>
+          </p:cNvSpPr>
+          <p:nvPr>
+            <p:ph type="sldImg"/>
+          </p:nvPr>
+        </p:nvSpPr>
+        <p:spPr/>
+      </p:sp>
+      <p:sp>
+        <p:nvSpPr>
+          <p:cNvPr id="3" name="备注占位符 2"/>
+          <p:cNvSpPr>
+            <a:spLocks noGrp="1"/>
+          </p:cNvSpPr>
+          <p:nvPr>
+            <p:ph type="body" idx="1"/>
+          </p:nvPr>
+        </p:nvSpPr>
+        <p:spPr/>
+        <p:txBody>
+          <a:bodyPr/>
+          <a:lstStyle/>
+          <a:p>
+            <a:r>
+              <a:rPr lang="zh-CN" altLang="en-US" dirty="0" smtClean="0"/>
+              <a:t>参考</a:t>
+            </a:r>
+            <a:r>
+              <a:rPr lang="en-US" altLang="zh-CN" dirty="0" smtClean="0"/>
+              <a:t>typescript</a:t>
+            </a:r>
+            <a:r>
+              <a:rPr lang="zh-CN" altLang="en-US" dirty="0" smtClean="0"/>
+              <a:t>编译选项：</a:t>
+            </a:r>
+            <a:r>
+              <a:rPr lang="en-US" altLang="zh-CN" dirty="0" smtClean="0"/>
+              <a:t>http://www.w3cschool.cn/typescript/typescript-msbuild.html</a:t>
+            </a:r>
+            <a:endParaRPr lang="zh-CN" altLang="en-US" dirty="0"/>
+          </a:p>
+        </p:txBody>
+      </p:sp>
+      <p:sp>
+        <p:nvSpPr>
+          <p:cNvPr id="4" name="灯片编号占位符 3"/>
+          <p:cNvSpPr>
+            <a:spLocks noGrp="1"/>
+          </p:cNvSpPr>
+          <p:nvPr>
+            <p:ph type="sldNum" sz="quarter" idx="10"/>
+          </p:nvPr>
+        </p:nvSpPr>
+        <p:spPr/>
+        <p:txBody>
+          <a:bodyPr/>
+          <a:lstStyle/>
+          <a:p>
+            <a:fld id="{5596D80E-E838-4A36-A5AD-2029880C9AD3}" type="slidenum">
+              <a:rPr lang="zh-CN" altLang="en-US" smtClean="0"/>
+              <a:t>51</a:t>
+            </a:fld>
+            <a:endParaRPr lang="zh-CN" altLang="en-US"/>
+          </a:p>
+        </p:txBody>
+      </p:sp>
+    </p:spTree>
+    <p:extLst>
+      <p:ext uri="{BB962C8B-B14F-4D97-AF65-F5344CB8AC3E}">
+        <p14:creationId xmlns:p14="http://schemas.microsoft.com/office/powerpoint/2010/main" val="3577367149"/>
+      </p:ext>
+    </p:extLst>
+  </p:cSld>
+  <p:clrMapOvr>
+    <a:masterClrMapping/>
+  </p:clrMapOvr>
+</p:notes>
+</file>
+
+<file path=ppt/notesSlides/notesSlide14.xml><?xml version="1.0" encoding="utf-8"?>
+<p:notes xmlns:a="http://schemas.openxmlformats.org/drawingml/2006/main" xmlns:r="http://schemas.openxmlformats.org/officeDocument/2006/relationships" xmlns:p="http://schemas.openxmlformats.org/presentationml/2006/main">
+  <p:cSld>
+    <p:spTree>
+      <p:nvGrpSpPr>
+        <p:cNvPr id="1" name=""/>
+        <p:cNvGrpSpPr/>
+        <p:nvPr/>
+      </p:nvGrpSpPr>
+      <p:grpSpPr>
+        <a:xfrm>
+          <a:off x="0" y="0"/>
+          <a:ext cx="0" cy="0"/>
+          <a:chOff x="0" y="0"/>
+          <a:chExt cx="0" cy="0"/>
+        </a:xfrm>
+      </p:grpSpPr>
+      <p:sp>
+        <p:nvSpPr>
+          <p:cNvPr id="2" name="幻灯片图像占位符 1"/>
+          <p:cNvSpPr>
+            <a:spLocks noGrp="1" noRot="1" noChangeAspect="1"/>
+          </p:cNvSpPr>
+          <p:nvPr>
+            <p:ph type="sldImg"/>
+          </p:nvPr>
+        </p:nvSpPr>
+        <p:spPr/>
+      </p:sp>
+      <p:sp>
+        <p:nvSpPr>
+          <p:cNvPr id="3" name="备注占位符 2"/>
+          <p:cNvSpPr>
+            <a:spLocks noGrp="1"/>
+          </p:cNvSpPr>
+          <p:nvPr>
+            <p:ph type="body" idx="1"/>
+          </p:nvPr>
+        </p:nvSpPr>
+        <p:spPr/>
+        <p:txBody>
+          <a:bodyPr/>
+          <a:lstStyle/>
+          <a:p>
+            <a:r>
+              <a:rPr lang="zh-CN" altLang="en-US" dirty="0" smtClean="0"/>
+              <a:t>样式文件一定不要再次引用了，在</a:t>
+            </a:r>
+            <a:r>
+              <a:rPr lang="en-US" altLang="zh-CN" dirty="0" smtClean="0"/>
+              <a:t>layout</a:t>
+            </a:r>
+            <a:r>
+              <a:rPr lang="zh-CN" altLang="en-US" smtClean="0"/>
+              <a:t>中已经引入了</a:t>
+            </a:r>
+            <a:endParaRPr lang="zh-CN" altLang="en-US"/>
+          </a:p>
+        </p:txBody>
+      </p:sp>
+      <p:sp>
+        <p:nvSpPr>
+          <p:cNvPr id="4" name="灯片编号占位符 3"/>
+          <p:cNvSpPr>
+            <a:spLocks noGrp="1"/>
+          </p:cNvSpPr>
+          <p:nvPr>
+            <p:ph type="sldNum" sz="quarter" idx="10"/>
+          </p:nvPr>
+        </p:nvSpPr>
+        <p:spPr/>
+        <p:txBody>
+          <a:bodyPr/>
+          <a:lstStyle/>
+          <a:p>
+            <a:fld id="{5596D80E-E838-4A36-A5AD-2029880C9AD3}" type="slidenum">
+              <a:rPr lang="zh-CN" altLang="en-US" smtClean="0"/>
+              <a:t>52</a:t>
+            </a:fld>
+            <a:endParaRPr lang="zh-CN" altLang="en-US"/>
+          </a:p>
+        </p:txBody>
+      </p:sp>
+    </p:spTree>
+    <p:extLst>
+      <p:ext uri="{BB962C8B-B14F-4D97-AF65-F5344CB8AC3E}">
+        <p14:creationId xmlns:p14="http://schemas.microsoft.com/office/powerpoint/2010/main" val="3763970975"/>
+      </p:ext>
+    </p:extLst>
+  </p:cSld>
+  <p:clrMapOvr>
+    <a:masterClrMapping/>
+  </p:clrMapOvr>
+</p:notes>
+</file>
+
 <file path=ppt/notesSlides/notesSlide2.xml><?xml version="1.0" encoding="utf-8"?>
 <p:notes xmlns:a="http://schemas.openxmlformats.org/drawingml/2006/main" xmlns:r="http://schemas.openxmlformats.org/officeDocument/2006/relationships" xmlns:p="http://schemas.openxmlformats.org/presentationml/2006/main">
   <p:cSld>
@@ -1451,6 +1649,14 @@
           <a:bodyPr/>
           <a:lstStyle/>
           <a:p>
+            <a:r>
+              <a:rPr lang="zh-CN" altLang="en-US" dirty="0" smtClean="0"/>
+              <a:t>使用这个来配置路由后，可以刷新页面：参照说明地址：</a:t>
+            </a:r>
+            <a:r>
+              <a:rPr lang="en-US" altLang="zh-CN" dirty="0" smtClean="0"/>
+              <a:t>https://angular.io/docs/ts/latest/guide/router.html#!#location-strategy</a:t>
+            </a:r>
             <a:endParaRPr lang="zh-CN" altLang="en-US" dirty="0"/>
           </a:p>
         </p:txBody>
@@ -2277,7 +2483,7 @@
           <a:p>
             <a:fld id="{530820CF-B880-4189-942D-D702A7CBA730}" type="datetimeFigureOut">
               <a:rPr lang="zh-CN" altLang="en-US" smtClean="0"/>
-              <a:t>2017/3/21</a:t>
+              <a:t>2017/3/23</a:t>
             </a:fld>
             <a:endParaRPr lang="zh-CN" altLang="en-US"/>
           </a:p>
@@ -2440,7 +2646,7 @@
           <a:p>
             <a:fld id="{530820CF-B880-4189-942D-D702A7CBA730}" type="datetimeFigureOut">
               <a:rPr lang="zh-CN" altLang="en-US" smtClean="0"/>
-              <a:t>2017/3/21</a:t>
+              <a:t>2017/3/23</a:t>
             </a:fld>
             <a:endParaRPr lang="zh-CN" altLang="en-US"/>
           </a:p>
@@ -2613,7 +2819,7 @@
           <a:p>
             <a:fld id="{530820CF-B880-4189-942D-D702A7CBA730}" type="datetimeFigureOut">
               <a:rPr lang="zh-CN" altLang="en-US" smtClean="0"/>
-              <a:t>2017/3/21</a:t>
+              <a:t>2017/3/23</a:t>
             </a:fld>
             <a:endParaRPr lang="zh-CN" altLang="en-US"/>
           </a:p>
@@ -2776,7 +2982,7 @@
           <a:p>
             <a:fld id="{530820CF-B880-4189-942D-D702A7CBA730}" type="datetimeFigureOut">
               <a:rPr lang="zh-CN" altLang="en-US" smtClean="0"/>
-              <a:t>2017/3/21</a:t>
+              <a:t>2017/3/23</a:t>
             </a:fld>
             <a:endParaRPr lang="zh-CN" altLang="en-US"/>
           </a:p>
@@ -3016,7 +3222,7 @@
           <a:p>
             <a:fld id="{530820CF-B880-4189-942D-D702A7CBA730}" type="datetimeFigureOut">
               <a:rPr lang="zh-CN" altLang="en-US" smtClean="0"/>
-              <a:t>2017/3/21</a:t>
+              <a:t>2017/3/23</a:t>
             </a:fld>
             <a:endParaRPr lang="zh-CN" altLang="en-US"/>
           </a:p>
@@ -3296,7 +3502,7 @@
           <a:p>
             <a:fld id="{530820CF-B880-4189-942D-D702A7CBA730}" type="datetimeFigureOut">
               <a:rPr lang="zh-CN" altLang="en-US" smtClean="0"/>
-              <a:t>2017/3/21</a:t>
+              <a:t>2017/3/23</a:t>
             </a:fld>
             <a:endParaRPr lang="zh-CN" altLang="en-US"/>
           </a:p>
@@ -3710,7 +3916,7 @@
           <a:p>
             <a:fld id="{530820CF-B880-4189-942D-D702A7CBA730}" type="datetimeFigureOut">
               <a:rPr lang="zh-CN" altLang="en-US" smtClean="0"/>
-              <a:t>2017/3/21</a:t>
+              <a:t>2017/3/23</a:t>
             </a:fld>
             <a:endParaRPr lang="zh-CN" altLang="en-US"/>
           </a:p>
@@ -3822,7 +4028,7 @@
           <a:p>
             <a:fld id="{530820CF-B880-4189-942D-D702A7CBA730}" type="datetimeFigureOut">
               <a:rPr lang="zh-CN" altLang="en-US" smtClean="0"/>
-              <a:t>2017/3/21</a:t>
+              <a:t>2017/3/23</a:t>
             </a:fld>
             <a:endParaRPr lang="zh-CN" altLang="en-US"/>
           </a:p>
@@ -3912,7 +4118,7 @@
           <a:p>
             <a:fld id="{530820CF-B880-4189-942D-D702A7CBA730}" type="datetimeFigureOut">
               <a:rPr lang="zh-CN" altLang="en-US" smtClean="0"/>
-              <a:t>2017/3/21</a:t>
+              <a:t>2017/3/23</a:t>
             </a:fld>
             <a:endParaRPr lang="zh-CN" altLang="en-US"/>
           </a:p>
@@ -4182,7 +4388,7 @@
           <a:p>
             <a:fld id="{530820CF-B880-4189-942D-D702A7CBA730}" type="datetimeFigureOut">
               <a:rPr lang="zh-CN" altLang="en-US" smtClean="0"/>
-              <a:t>2017/3/21</a:t>
+              <a:t>2017/3/23</a:t>
             </a:fld>
             <a:endParaRPr lang="zh-CN" altLang="en-US"/>
           </a:p>
@@ -4429,7 +4635,7 @@
           <a:p>
             <a:fld id="{530820CF-B880-4189-942D-D702A7CBA730}" type="datetimeFigureOut">
               <a:rPr lang="zh-CN" altLang="en-US" smtClean="0"/>
-              <a:t>2017/3/21</a:t>
+              <a:t>2017/3/23</a:t>
             </a:fld>
             <a:endParaRPr lang="zh-CN" altLang="en-US"/>
           </a:p>
@@ -4635,7 +4841,7 @@
           <a:p>
             <a:fld id="{530820CF-B880-4189-942D-D702A7CBA730}" type="datetimeFigureOut">
               <a:rPr lang="zh-CN" altLang="en-US" smtClean="0"/>
-              <a:t>2017/3/21</a:t>
+              <a:t>2017/3/23</a:t>
             </a:fld>
             <a:endParaRPr lang="zh-CN" altLang="en-US"/>
           </a:p>
@@ -5194,8 +5400,30 @@
             </a:r>
             <a:r>
               <a:rPr lang="zh-CN" altLang="en-US" dirty="0"/>
-              <a:t>配置路由</a:t>
-            </a:r>
+              <a:t>配置</a:t>
+            </a:r>
+            <a:r>
+              <a:rPr lang="zh-CN" altLang="en-US" dirty="0" smtClean="0"/>
+              <a:t>路由</a:t>
+            </a:r>
+            <a:endParaRPr lang="en-US" altLang="zh-CN" dirty="0" smtClean="0"/>
+          </a:p>
+          <a:p>
+            <a:r>
+              <a:rPr lang="en-US" altLang="zh-CN" b="1" dirty="0">
+                <a:hlinkClick r:id="rId3"/>
+              </a:rPr>
+              <a:t>https://angular.io/docs/ts/latest/guide/router.html#!#</a:t>
+            </a:r>
+            <a:r>
+              <a:rPr lang="en-US" altLang="zh-CN" b="1" dirty="0" smtClean="0">
+                <a:hlinkClick r:id="rId3"/>
+              </a:rPr>
+              <a:t>location-strategy</a:t>
+            </a:r>
+            <a:endParaRPr lang="en-US" altLang="zh-CN" b="1" dirty="0" smtClean="0"/>
+          </a:p>
+          <a:p>
             <a:endParaRPr lang="en-US" altLang="zh-CN" b="1" dirty="0"/>
           </a:p>
         </p:txBody>
@@ -10053,6 +10281,413 @@
     <p:extLst>
       <p:ext uri="{BB962C8B-B14F-4D97-AF65-F5344CB8AC3E}">
         <p14:creationId xmlns:p14="http://schemas.microsoft.com/office/powerpoint/2010/main" val="2040937839"/>
+      </p:ext>
+    </p:extLst>
+  </p:cSld>
+  <p:clrMapOvr>
+    <a:masterClrMapping/>
+  </p:clrMapOvr>
+</p:sld>
+</file>
+
+<file path=ppt/slides/slide51.xml><?xml version="1.0" encoding="utf-8"?>
+<p:sld xmlns:a="http://schemas.openxmlformats.org/drawingml/2006/main" xmlns:r="http://schemas.openxmlformats.org/officeDocument/2006/relationships" xmlns:p="http://schemas.openxmlformats.org/presentationml/2006/main">
+  <p:cSld>
+    <p:spTree>
+      <p:nvGrpSpPr>
+        <p:cNvPr id="1" name=""/>
+        <p:cNvGrpSpPr/>
+        <p:nvPr/>
+      </p:nvGrpSpPr>
+      <p:grpSpPr>
+        <a:xfrm>
+          <a:off x="0" y="0"/>
+          <a:ext cx="0" cy="0"/>
+          <a:chOff x="0" y="0"/>
+          <a:chExt cx="0" cy="0"/>
+        </a:xfrm>
+      </p:grpSpPr>
+      <p:sp>
+        <p:nvSpPr>
+          <p:cNvPr id="2" name="标题 1"/>
+          <p:cNvSpPr>
+            <a:spLocks noGrp="1"/>
+          </p:cNvSpPr>
+          <p:nvPr>
+            <p:ph type="title"/>
+          </p:nvPr>
+        </p:nvSpPr>
+        <p:spPr/>
+        <p:txBody>
+          <a:bodyPr/>
+          <a:lstStyle/>
+          <a:p>
+            <a:r>
+              <a:rPr lang="en-US" altLang="zh-CN" dirty="0" err="1" smtClean="0"/>
+              <a:t>Vs</a:t>
+            </a:r>
+            <a:r>
+              <a:rPr lang="zh-CN" altLang="en-US" dirty="0" smtClean="0"/>
+              <a:t>编译错误</a:t>
+            </a:r>
+            <a:endParaRPr lang="zh-CN" altLang="en-US" dirty="0"/>
+          </a:p>
+        </p:txBody>
+      </p:sp>
+      <p:sp>
+        <p:nvSpPr>
+          <p:cNvPr id="3" name="内容占位符 2"/>
+          <p:cNvSpPr>
+            <a:spLocks noGrp="1"/>
+          </p:cNvSpPr>
+          <p:nvPr>
+            <p:ph idx="1"/>
+          </p:nvPr>
+        </p:nvSpPr>
+        <p:spPr/>
+        <p:txBody>
+          <a:bodyPr/>
+          <a:lstStyle/>
+          <a:p>
+            <a:r>
+              <a:rPr lang="zh-CN" altLang="en-US" dirty="0" smtClean="0"/>
+              <a:t>不需要</a:t>
+            </a:r>
+            <a:r>
+              <a:rPr lang="en-US" altLang="zh-CN" dirty="0" err="1" smtClean="0"/>
+              <a:t>vs</a:t>
+            </a:r>
+            <a:r>
+              <a:rPr lang="zh-CN" altLang="en-US" dirty="0" smtClean="0"/>
+              <a:t>来编译</a:t>
+            </a:r>
+            <a:r>
+              <a:rPr lang="en-US" altLang="zh-CN" dirty="0" smtClean="0"/>
+              <a:t>typescript</a:t>
+            </a:r>
+            <a:r>
+              <a:rPr lang="zh-CN" altLang="en-US" dirty="0" smtClean="0"/>
+              <a:t>，在里面禁用</a:t>
+            </a:r>
+            <a:r>
+              <a:rPr lang="en-US" altLang="zh-CN" dirty="0" smtClean="0"/>
+              <a:t>typescript</a:t>
+            </a:r>
+            <a:r>
+              <a:rPr lang="zh-CN" altLang="en-US" dirty="0" smtClean="0"/>
+              <a:t>编译</a:t>
+            </a:r>
+            <a:r>
+              <a:rPr lang="en-US" altLang="zh-CN" dirty="0"/>
+              <a:t>&lt;</a:t>
+            </a:r>
+            <a:r>
+              <a:rPr lang="en-US" altLang="zh-CN" dirty="0" err="1"/>
+              <a:t>TypeScriptCompileBlocked</a:t>
+            </a:r>
+            <a:r>
+              <a:rPr lang="en-US" altLang="zh-CN" dirty="0"/>
+              <a:t>&gt;true&lt;/</a:t>
+            </a:r>
+            <a:r>
+              <a:rPr lang="en-US" altLang="zh-CN" dirty="0" err="1"/>
+              <a:t>TypeScriptCompileBlocked</a:t>
+            </a:r>
+            <a:r>
+              <a:rPr lang="en-US" altLang="zh-CN" dirty="0"/>
+              <a:t>&gt;</a:t>
+            </a:r>
+            <a:endParaRPr lang="zh-CN" altLang="en-US" dirty="0"/>
+          </a:p>
+        </p:txBody>
+      </p:sp>
+      <p:pic>
+        <p:nvPicPr>
+          <p:cNvPr id="1026" name="Picture 2"/>
+          <p:cNvPicPr>
+            <a:picLocks noChangeAspect="1" noChangeArrowheads="1"/>
+          </p:cNvPicPr>
+          <p:nvPr/>
+        </p:nvPicPr>
+        <p:blipFill>
+          <a:blip r:embed="rId3">
+            <a:extLst>
+              <a:ext uri="{28A0092B-C50C-407E-A947-70E740481C1C}">
+                <a14:useLocalDpi xmlns:a14="http://schemas.microsoft.com/office/drawing/2010/main" val="0"/>
+              </a:ext>
+            </a:extLst>
+          </a:blip>
+          <a:srcRect/>
+          <a:stretch>
+            <a:fillRect/>
+          </a:stretch>
+        </p:blipFill>
+        <p:spPr bwMode="auto">
+          <a:xfrm>
+            <a:off x="683568" y="3356992"/>
+            <a:ext cx="7248720" cy="2942059"/>
+          </a:xfrm>
+          <a:prstGeom prst="rect">
+            <a:avLst/>
+          </a:prstGeom>
+          <a:noFill/>
+          <a:ln>
+            <a:noFill/>
+          </a:ln>
+          <a:effectLst/>
+          <a:extLst>
+            <a:ext uri="{909E8E84-426E-40DD-AFC4-6F175D3DCCD1}">
+              <a14:hiddenFill xmlns:a14="http://schemas.microsoft.com/office/drawing/2010/main">
+                <a:solidFill>
+                  <a:schemeClr val="accent1"/>
+                </a:solidFill>
+              </a14:hiddenFill>
+            </a:ext>
+            <a:ext uri="{91240B29-F687-4F45-9708-019B960494DF}">
+              <a14:hiddenLine xmlns:a14="http://schemas.microsoft.com/office/drawing/2010/main" w="9525">
+                <a:solidFill>
+                  <a:schemeClr val="tx1"/>
+                </a:solidFill>
+                <a:miter lim="800000"/>
+                <a:headEnd/>
+                <a:tailEnd/>
+              </a14:hiddenLine>
+            </a:ext>
+            <a:ext uri="{AF507438-7753-43E0-B8FC-AC1667EBCBE1}">
+              <a14:hiddenEffects xmlns:a14="http://schemas.microsoft.com/office/drawing/2010/main">
+                <a:effectLst>
+                  <a:outerShdw dist="35921" dir="2700000" algn="ctr" rotWithShape="0">
+                    <a:schemeClr val="bg2"/>
+                  </a:outerShdw>
+                </a:effectLst>
+              </a14:hiddenEffects>
+            </a:ext>
+          </a:extLst>
+        </p:spPr>
+      </p:pic>
+    </p:spTree>
+    <p:extLst>
+      <p:ext uri="{BB962C8B-B14F-4D97-AF65-F5344CB8AC3E}">
+        <p14:creationId xmlns:p14="http://schemas.microsoft.com/office/powerpoint/2010/main" val="2560145189"/>
+      </p:ext>
+    </p:extLst>
+  </p:cSld>
+  <p:clrMapOvr>
+    <a:masterClrMapping/>
+  </p:clrMapOvr>
+</p:sld>
+</file>
+
+<file path=ppt/slides/slide52.xml><?xml version="1.0" encoding="utf-8"?>
+<p:sld xmlns:a="http://schemas.openxmlformats.org/drawingml/2006/main" xmlns:r="http://schemas.openxmlformats.org/officeDocument/2006/relationships" xmlns:p="http://schemas.openxmlformats.org/presentationml/2006/main">
+  <p:cSld>
+    <p:spTree>
+      <p:nvGrpSpPr>
+        <p:cNvPr id="1" name=""/>
+        <p:cNvGrpSpPr/>
+        <p:nvPr/>
+      </p:nvGrpSpPr>
+      <p:grpSpPr>
+        <a:xfrm>
+          <a:off x="0" y="0"/>
+          <a:ext cx="0" cy="0"/>
+          <a:chOff x="0" y="0"/>
+          <a:chExt cx="0" cy="0"/>
+        </a:xfrm>
+      </p:grpSpPr>
+      <p:sp>
+        <p:nvSpPr>
+          <p:cNvPr id="2" name="标题 1"/>
+          <p:cNvSpPr>
+            <a:spLocks noGrp="1"/>
+          </p:cNvSpPr>
+          <p:nvPr>
+            <p:ph type="title"/>
+          </p:nvPr>
+        </p:nvSpPr>
+        <p:spPr/>
+        <p:txBody>
+          <a:bodyPr/>
+          <a:lstStyle/>
+          <a:p>
+            <a:r>
+              <a:rPr lang="zh-CN" altLang="en-US" dirty="0" smtClean="0"/>
+              <a:t>优化问题</a:t>
+            </a:r>
+            <a:endParaRPr lang="zh-CN" altLang="en-US" dirty="0"/>
+          </a:p>
+        </p:txBody>
+      </p:sp>
+      <p:sp>
+        <p:nvSpPr>
+          <p:cNvPr id="3" name="内容占位符 2"/>
+          <p:cNvSpPr>
+            <a:spLocks noGrp="1"/>
+          </p:cNvSpPr>
+          <p:nvPr>
+            <p:ph idx="1"/>
+          </p:nvPr>
+        </p:nvSpPr>
+        <p:spPr/>
+        <p:txBody>
+          <a:bodyPr/>
+          <a:lstStyle/>
+          <a:p>
+            <a:r>
+              <a:rPr lang="zh-CN" altLang="en-US" dirty="0" smtClean="0"/>
+              <a:t>不要重复引入 </a:t>
+            </a:r>
+            <a:r>
+              <a:rPr lang="en-US" altLang="zh-CN" dirty="0" smtClean="0"/>
+              <a:t>bootstrap</a:t>
+            </a:r>
+            <a:r>
+              <a:rPr lang="zh-CN" altLang="en-US" dirty="0" smtClean="0"/>
+              <a:t>和</a:t>
+            </a:r>
+            <a:r>
+              <a:rPr lang="en-US" altLang="zh-CN" dirty="0" err="1" smtClean="0"/>
+              <a:t>jquery</a:t>
+            </a:r>
+            <a:endParaRPr lang="en-US" altLang="zh-CN" dirty="0" smtClean="0"/>
+          </a:p>
+          <a:p>
+            <a:endParaRPr lang="zh-CN" altLang="en-US" dirty="0"/>
+          </a:p>
+        </p:txBody>
+      </p:sp>
+      <p:pic>
+        <p:nvPicPr>
+          <p:cNvPr id="2050" name="Picture 2"/>
+          <p:cNvPicPr>
+            <a:picLocks noChangeAspect="1" noChangeArrowheads="1"/>
+          </p:cNvPicPr>
+          <p:nvPr/>
+        </p:nvPicPr>
+        <p:blipFill>
+          <a:blip r:embed="rId3">
+            <a:extLst>
+              <a:ext uri="{28A0092B-C50C-407E-A947-70E740481C1C}">
+                <a14:useLocalDpi xmlns:a14="http://schemas.microsoft.com/office/drawing/2010/main" val="0"/>
+              </a:ext>
+            </a:extLst>
+          </a:blip>
+          <a:srcRect/>
+          <a:stretch>
+            <a:fillRect/>
+          </a:stretch>
+        </p:blipFill>
+        <p:spPr bwMode="auto">
+          <a:xfrm>
+            <a:off x="827584" y="2276872"/>
+            <a:ext cx="2420293" cy="4867704"/>
+          </a:xfrm>
+          <a:prstGeom prst="rect">
+            <a:avLst/>
+          </a:prstGeom>
+          <a:noFill/>
+          <a:ln>
+            <a:noFill/>
+          </a:ln>
+          <a:effectLst/>
+          <a:extLst>
+            <a:ext uri="{909E8E84-426E-40DD-AFC4-6F175D3DCCD1}">
+              <a14:hiddenFill xmlns:a14="http://schemas.microsoft.com/office/drawing/2010/main">
+                <a:solidFill>
+                  <a:schemeClr val="accent1"/>
+                </a:solidFill>
+              </a14:hiddenFill>
+            </a:ext>
+            <a:ext uri="{91240B29-F687-4F45-9708-019B960494DF}">
+              <a14:hiddenLine xmlns:a14="http://schemas.microsoft.com/office/drawing/2010/main" w="9525">
+                <a:solidFill>
+                  <a:schemeClr val="tx1"/>
+                </a:solidFill>
+                <a:miter lim="800000"/>
+                <a:headEnd/>
+                <a:tailEnd/>
+              </a14:hiddenLine>
+            </a:ext>
+            <a:ext uri="{AF507438-7753-43E0-B8FC-AC1667EBCBE1}">
+              <a14:hiddenEffects xmlns:a14="http://schemas.microsoft.com/office/drawing/2010/main">
+                <a:effectLst>
+                  <a:outerShdw dist="35921" dir="2700000" algn="ctr" rotWithShape="0">
+                    <a:schemeClr val="bg2"/>
+                  </a:outerShdw>
+                </a:effectLst>
+              </a14:hiddenEffects>
+            </a:ext>
+          </a:extLst>
+        </p:spPr>
+      </p:pic>
+      <p:pic>
+        <p:nvPicPr>
+          <p:cNvPr id="2051" name="Picture 3"/>
+          <p:cNvPicPr>
+            <a:picLocks noChangeAspect="1" noChangeArrowheads="1"/>
+          </p:cNvPicPr>
+          <p:nvPr/>
+        </p:nvPicPr>
+        <p:blipFill>
+          <a:blip r:embed="rId4">
+            <a:extLst>
+              <a:ext uri="{28A0092B-C50C-407E-A947-70E740481C1C}">
+                <a14:useLocalDpi xmlns:a14="http://schemas.microsoft.com/office/drawing/2010/main" val="0"/>
+              </a:ext>
+            </a:extLst>
+          </a:blip>
+          <a:srcRect/>
+          <a:stretch>
+            <a:fillRect/>
+          </a:stretch>
+        </p:blipFill>
+        <p:spPr bwMode="auto">
+          <a:xfrm>
+            <a:off x="3923928" y="2575286"/>
+            <a:ext cx="5524500" cy="1762125"/>
+          </a:xfrm>
+          <a:prstGeom prst="rect">
+            <a:avLst/>
+          </a:prstGeom>
+          <a:noFill/>
+          <a:ln>
+            <a:noFill/>
+          </a:ln>
+          <a:effectLst/>
+          <a:extLst>
+            <a:ext uri="{909E8E84-426E-40DD-AFC4-6F175D3DCCD1}">
+              <a14:hiddenFill xmlns:a14="http://schemas.microsoft.com/office/drawing/2010/main">
+                <a:solidFill>
+                  <a:schemeClr val="accent1"/>
+                </a:solidFill>
+              </a14:hiddenFill>
+            </a:ext>
+            <a:ext uri="{91240B29-F687-4F45-9708-019B960494DF}">
+              <a14:hiddenLine xmlns:a14="http://schemas.microsoft.com/office/drawing/2010/main" w="9525">
+                <a:solidFill>
+                  <a:schemeClr val="tx1"/>
+                </a:solidFill>
+                <a:miter lim="800000"/>
+                <a:headEnd/>
+                <a:tailEnd/>
+              </a14:hiddenLine>
+            </a:ext>
+            <a:ext uri="{AF507438-7753-43E0-B8FC-AC1667EBCBE1}">
+              <a14:hiddenEffects xmlns:a14="http://schemas.microsoft.com/office/drawing/2010/main">
+                <a:effectLst>
+                  <a:outerShdw dist="35921" dir="2700000" algn="ctr" rotWithShape="0">
+                    <a:schemeClr val="bg2"/>
+                  </a:outerShdw>
+                </a:effectLst>
+              </a14:hiddenEffects>
+            </a:ext>
+          </a:extLst>
+        </p:spPr>
+      </p:pic>
+    </p:spTree>
+    <p:extLst>
+      <p:ext uri="{BB962C8B-B14F-4D97-AF65-F5344CB8AC3E}">
+        <p14:creationId xmlns:p14="http://schemas.microsoft.com/office/powerpoint/2010/main" val="1930028143"/>
       </p:ext>
     </p:extLst>
   </p:cSld>
